--- a/presentation.pptx
+++ b/presentation.pptx
@@ -4788,6 +4788,83 @@
           </a:prstGeom>
         </p:spPr>
       </p:pic>
+      <p:pic>
+        <p:nvPicPr>
+          <p:cNvPr id="5" name="Рисунок 4">
+            <a:extLst>
+              <a:ext uri="{FF2B5EF4-FFF2-40B4-BE49-F238E27FC236}">
+                <a16:creationId xmlns:a16="http://schemas.microsoft.com/office/drawing/2014/main" id="{765CDF30-6A8F-4A9A-9358-E760F2E9A737}"/>
+              </a:ext>
+            </a:extLst>
+          </p:cNvPr>
+          <p:cNvPicPr>
+            <a:picLocks noChangeAspect="1"/>
+          </p:cNvPicPr>
+          <p:nvPr/>
+        </p:nvPicPr>
+        <p:blipFill>
+          <a:blip r:embed="rId3"/>
+          <a:stretch>
+            <a:fillRect/>
+          </a:stretch>
+        </p:blipFill>
+        <p:spPr>
+          <a:xfrm>
+            <a:off x="2803430" y="1480564"/>
+            <a:ext cx="1125103" cy="522935"/>
+          </a:xfrm>
+          <a:prstGeom prst="rect">
+            <a:avLst/>
+          </a:prstGeom>
+        </p:spPr>
+      </p:pic>
+      <p:sp>
+        <p:nvSpPr>
+          <p:cNvPr id="6" name="Прямоугольник 5">
+            <a:extLst>
+              <a:ext uri="{FF2B5EF4-FFF2-40B4-BE49-F238E27FC236}">
+                <a16:creationId xmlns:a16="http://schemas.microsoft.com/office/drawing/2014/main" id="{0F3CA22A-21DC-43EB-B74D-753B8D34193A}"/>
+              </a:ext>
+            </a:extLst>
+          </p:cNvPr>
+          <p:cNvSpPr/>
+          <p:nvPr/>
+        </p:nvSpPr>
+        <p:spPr>
+          <a:xfrm>
+            <a:off x="1219200" y="1397001"/>
+            <a:ext cx="3776133" cy="2700866"/>
+          </a:xfrm>
+          <a:prstGeom prst="rect">
+            <a:avLst/>
+          </a:prstGeom>
+          <a:noFill/>
+        </p:spPr>
+        <p:style>
+          <a:lnRef idx="2">
+            <a:schemeClr val="accent1">
+              <a:shade val="50000"/>
+            </a:schemeClr>
+          </a:lnRef>
+          <a:fillRef idx="1">
+            <a:schemeClr val="accent1"/>
+          </a:fillRef>
+          <a:effectRef idx="0">
+            <a:schemeClr val="accent1"/>
+          </a:effectRef>
+          <a:fontRef idx="minor">
+            <a:schemeClr val="lt1"/>
+          </a:fontRef>
+        </p:style>
+        <p:txBody>
+          <a:bodyPr rtlCol="0" anchor="ctr"/>
+          <a:lstStyle/>
+          <a:p>
+            <a:pPr algn="ctr"/>
+            <a:endParaRPr lang="ru-RU" dirty="0"/>
+          </a:p>
+        </p:txBody>
+      </p:sp>
     </p:spTree>
     <p:extLst>
       <p:ext uri="{BB962C8B-B14F-4D97-AF65-F5344CB8AC3E}">
@@ -4863,7 +4940,7 @@
         <p:spPr>
           <a:xfrm>
             <a:off x="412044" y="2787779"/>
-            <a:ext cx="11779956" cy="3970318"/>
+            <a:ext cx="11779956" cy="3693319"/>
           </a:xfrm>
           <a:prstGeom prst="rect">
             <a:avLst/>
@@ -4950,6 +5027,20 @@
           <a:p>
             <a:r>
               <a:rPr lang="ru-RU" dirty="0"/>
+              <a:t>Вернул </a:t>
+            </a:r>
+            <a:r>
+              <a:rPr lang="ru-RU" dirty="0" err="1"/>
+              <a:t>автоскейлер</a:t>
+            </a:r>
+            <a:r>
+              <a:rPr lang="ru-RU" dirty="0"/>
+              <a:t>.</a:t>
+            </a:r>
+          </a:p>
+          <a:p>
+            <a:r>
+              <a:rPr lang="ru-RU" dirty="0"/>
               <a:t>Количество </a:t>
             </a:r>
             <a:r>
@@ -4976,15 +5067,6 @@
           <a:p>
             <a:r>
               <a:rPr lang="ru-RU" dirty="0"/>
-              <a:t>Петя поставил по всем параметрам зеленые точки, что приятно.</a:t>
-            </a:r>
-          </a:p>
-          <a:p>
-            <a:endParaRPr lang="en-US" dirty="0"/>
-          </a:p>
-          <a:p>
-            <a:r>
-              <a:rPr lang="ru-RU" dirty="0"/>
               <a:t>В качестве репозитория</a:t>
             </a:r>
             <a:r>
@@ -5058,6 +5140,83 @@
               <a:rPr lang="en-US" dirty="0"/>
               <a:t>self-hosted runners.</a:t>
             </a:r>
+            <a:endParaRPr lang="ru-RU" dirty="0"/>
+          </a:p>
+        </p:txBody>
+      </p:sp>
+      <p:pic>
+        <p:nvPicPr>
+          <p:cNvPr id="4" name="Рисунок 3">
+            <a:extLst>
+              <a:ext uri="{FF2B5EF4-FFF2-40B4-BE49-F238E27FC236}">
+                <a16:creationId xmlns:a16="http://schemas.microsoft.com/office/drawing/2014/main" id="{ACB7D19B-D39A-4294-B234-B0C2E046E9CF}"/>
+              </a:ext>
+            </a:extLst>
+          </p:cNvPr>
+          <p:cNvPicPr>
+            <a:picLocks noChangeAspect="1"/>
+          </p:cNvPicPr>
+          <p:nvPr/>
+        </p:nvPicPr>
+        <p:blipFill>
+          <a:blip r:embed="rId3"/>
+          <a:stretch>
+            <a:fillRect/>
+          </a:stretch>
+        </p:blipFill>
+        <p:spPr>
+          <a:xfrm>
+            <a:off x="4834466" y="706331"/>
+            <a:ext cx="727170" cy="337980"/>
+          </a:xfrm>
+          <a:prstGeom prst="rect">
+            <a:avLst/>
+          </a:prstGeom>
+        </p:spPr>
+      </p:pic>
+      <p:sp>
+        <p:nvSpPr>
+          <p:cNvPr id="5" name="Прямоугольник 4">
+            <a:extLst>
+              <a:ext uri="{FF2B5EF4-FFF2-40B4-BE49-F238E27FC236}">
+                <a16:creationId xmlns:a16="http://schemas.microsoft.com/office/drawing/2014/main" id="{312C9151-2ADE-4060-8FA5-AF514F4431F7}"/>
+              </a:ext>
+            </a:extLst>
+          </p:cNvPr>
+          <p:cNvSpPr/>
+          <p:nvPr/>
+        </p:nvSpPr>
+        <p:spPr>
+          <a:xfrm>
+            <a:off x="3250236" y="622767"/>
+            <a:ext cx="2440568" cy="1536204"/>
+          </a:xfrm>
+          <a:prstGeom prst="rect">
+            <a:avLst/>
+          </a:prstGeom>
+          <a:noFill/>
+        </p:spPr>
+        <p:style>
+          <a:lnRef idx="2">
+            <a:schemeClr val="accent1">
+              <a:shade val="50000"/>
+            </a:schemeClr>
+          </a:lnRef>
+          <a:fillRef idx="1">
+            <a:schemeClr val="accent1"/>
+          </a:fillRef>
+          <a:effectRef idx="0">
+            <a:schemeClr val="accent1"/>
+          </a:effectRef>
+          <a:fontRef idx="minor">
+            <a:schemeClr val="lt1"/>
+          </a:fontRef>
+        </p:style>
+        <p:txBody>
+          <a:bodyPr rtlCol="0" anchor="ctr"/>
+          <a:lstStyle/>
+          <a:p>
+            <a:pPr algn="ctr"/>
             <a:endParaRPr lang="ru-RU" dirty="0"/>
           </a:p>
         </p:txBody>
@@ -5107,14 +5266,14 @@
           <p:nvPr>
             <p:extLst>
               <p:ext uri="{D42A27DB-BD31-4B8C-83A1-F6EECF244321}">
-                <p14:modId xmlns:p14="http://schemas.microsoft.com/office/powerpoint/2010/main" val="4062084582"/>
+                <p14:modId xmlns:p14="http://schemas.microsoft.com/office/powerpoint/2010/main" val="3205468032"/>
               </p:ext>
             </p:extLst>
           </p:nvPr>
         </p:nvGraphicFramePr>
         <p:xfrm>
           <a:off x="389466" y="304799"/>
-          <a:ext cx="11557000" cy="4947920"/>
+          <a:ext cx="11557000" cy="5491480"/>
         </p:xfrm>
         <a:graphic>
           <a:graphicData uri="http://schemas.openxmlformats.org/drawingml/2006/table">
@@ -5279,15 +5438,7 @@
                       </a:r>
                       <a:r>
                         <a:rPr lang="ru-RU" dirty="0"/>
-                        <a:t> перезапускает. </a:t>
-                      </a:r>
-                      <a:r>
-                        <a:rPr lang="ru-RU" dirty="0" err="1"/>
-                        <a:t>Нода</a:t>
-                      </a:r>
-                      <a:r>
-                        <a:rPr lang="ru-RU" dirty="0"/>
-                        <a:t> продолжает работу.</a:t>
+                        <a:t> перезапускает. Инстанс продолжает работу.</a:t>
                       </a:r>
                     </a:p>
                   </a:txBody>
@@ -5305,7 +5456,10 @@
                     <a:bodyPr/>
                     <a:lstStyle/>
                     <a:p>
-                      <a:endParaRPr lang="ru-RU" dirty="0"/>
+                      <a:r>
+                        <a:rPr lang="ru-RU" dirty="0"/>
+                        <a:t>Падает инстанс</a:t>
+                      </a:r>
                     </a:p>
                   </a:txBody>
                   <a:tcPr/>
@@ -5315,7 +5469,34 @@
                     <a:bodyPr/>
                     <a:lstStyle/>
                     <a:p>
-                      <a:endParaRPr lang="ru-RU" dirty="0"/>
+                      <a:r>
+                        <a:rPr lang="en-US" dirty="0"/>
+                        <a:t>ELB </a:t>
+                      </a:r>
+                      <a:r>
+                        <a:rPr lang="ru-RU" dirty="0"/>
+                        <a:t>следит за работоспособностью </a:t>
+                      </a:r>
+                      <a:r>
+                        <a:rPr lang="en-US" dirty="0" err="1"/>
+                        <a:t>nginx</a:t>
+                      </a:r>
+                      <a:r>
+                        <a:rPr lang="en-US" dirty="0"/>
+                        <a:t> </a:t>
+                      </a:r>
+                      <a:r>
+                        <a:rPr lang="ru-RU" dirty="0"/>
+                        <a:t>на инстансе с приложением, в случае его неисправности передает сигнал </a:t>
+                      </a:r>
+                      <a:r>
+                        <a:rPr lang="ru-RU" dirty="0" err="1"/>
+                        <a:t>автоскейлеру</a:t>
+                      </a:r>
+                      <a:r>
+                        <a:rPr lang="ru-RU" dirty="0"/>
+                        <a:t> и он пересоздает инстанс.</a:t>
+                      </a:r>
                     </a:p>
                   </a:txBody>
                   <a:tcPr/>
@@ -5347,7 +5528,23 @@
                     <a:p>
                       <a:r>
                         <a:rPr lang="ru-RU" dirty="0"/>
-                        <a:t>Используются 2 инстанса в разных зонах. При падении одной, вторая продолжит работу.</a:t>
+                        <a:t>Используются 2 инстанса в разных зонах. При падении одной, вторая продолжит работу. </a:t>
+                      </a:r>
+                      <a:r>
+                        <a:rPr lang="en-US" dirty="0"/>
+                        <a:t>Nginx </a:t>
+                      </a:r>
+                      <a:r>
+                        <a:rPr lang="ru-RU" dirty="0"/>
+                        <a:t>уберет </a:t>
+                      </a:r>
+                      <a:r>
+                        <a:rPr lang="ru-RU" dirty="0" err="1"/>
+                        <a:t>ноду</a:t>
+                      </a:r>
+                      <a:r>
+                        <a:rPr lang="ru-RU" dirty="0"/>
+                        <a:t> из ротации.</a:t>
                       </a:r>
                     </a:p>
                   </a:txBody>
@@ -5390,7 +5587,15 @@
                     <a:p>
                       <a:r>
                         <a:rPr lang="ru-RU" dirty="0"/>
-                        <a:t>Внешний периметр сети за зоной безопасности балансировщика. Разрешены только 80 и 443 порты. Для первоначальной настройки временно открывается 22 порт с доступом только к пользователю.</a:t>
+                        <a:t>Внешний периметр сети за зоной безопасности балансировщика. Разрешены только 80 и 443 порты</a:t>
+                      </a:r>
+                      <a:r>
+                        <a:rPr lang="en-US" dirty="0"/>
+                        <a:t> </a:t>
+                      </a:r>
+                      <a:r>
+                        <a:rPr lang="ru-RU" dirty="0"/>
+                        <a:t>и 3000 для мониторинга. Для первоначальной настройки временно открывается 22 порт с доступом только к пользователю.</a:t>
                       </a:r>
                       <a:r>
                         <a:rPr lang="en-US" dirty="0"/>
@@ -6063,7 +6268,7 @@
         <p:spPr>
           <a:xfrm>
             <a:off x="8724994" y="3232950"/>
-            <a:ext cx="954107" cy="923330"/>
+            <a:ext cx="999376" cy="1200329"/>
           </a:xfrm>
           <a:prstGeom prst="rect">
             <a:avLst/>
@@ -6105,6 +6310,17 @@
             <a:r>
               <a:rPr lang="en-US" dirty="0" err="1"/>
               <a:t>udp</a:t>
+            </a:r>
+            <a:endParaRPr lang="ru-RU" dirty="0"/>
+          </a:p>
+          <a:p>
+            <a:r>
+              <a:rPr lang="ru-RU" dirty="0"/>
+              <a:t>3000 </a:t>
+            </a:r>
+            <a:r>
+              <a:rPr lang="en-US" dirty="0" err="1"/>
+              <a:t>tcp</a:t>
             </a:r>
             <a:endParaRPr lang="ru-RU" dirty="0"/>
           </a:p>
@@ -6500,6 +6716,141 @@
           <a:chExt cx="0" cy="0"/>
         </a:xfrm>
       </p:grpSpPr>
+      <p:sp>
+        <p:nvSpPr>
+          <p:cNvPr id="2" name="TextBox 1">
+            <a:extLst>
+              <a:ext uri="{FF2B5EF4-FFF2-40B4-BE49-F238E27FC236}">
+                <a16:creationId xmlns:a16="http://schemas.microsoft.com/office/drawing/2014/main" id="{5234DF6D-5F4E-4B6E-B20B-5C8E75606119}"/>
+              </a:ext>
+            </a:extLst>
+          </p:cNvPr>
+          <p:cNvSpPr txBox="1"/>
+          <p:nvPr/>
+        </p:nvSpPr>
+        <p:spPr>
+          <a:xfrm>
+            <a:off x="643467" y="406400"/>
+            <a:ext cx="9685866" cy="2585323"/>
+          </a:xfrm>
+          <a:prstGeom prst="rect">
+            <a:avLst/>
+          </a:prstGeom>
+          <a:noFill/>
+        </p:spPr>
+        <p:txBody>
+          <a:bodyPr wrap="square" rtlCol="0">
+            <a:spAutoFit/>
+          </a:bodyPr>
+          <a:lstStyle/>
+          <a:p>
+            <a:pPr algn="ctr"/>
+            <a:r>
+              <a:rPr lang="en-US" dirty="0"/>
+              <a:t>QA</a:t>
+            </a:r>
+          </a:p>
+          <a:p>
+            <a:pPr marL="342900" indent="-342900">
+              <a:buAutoNum type="arabicParenR"/>
+            </a:pPr>
+            <a:r>
+              <a:rPr lang="ru-RU" dirty="0"/>
+              <a:t>Почему не </a:t>
+            </a:r>
+            <a:r>
+              <a:rPr lang="en-US" dirty="0"/>
+              <a:t>Kubernetes</a:t>
+            </a:r>
+            <a:r>
+              <a:rPr lang="ru-RU" dirty="0"/>
+              <a:t>?</a:t>
+            </a:r>
+          </a:p>
+          <a:p>
+            <a:r>
+              <a:rPr lang="ru-RU" dirty="0"/>
+              <a:t>Для 2 экземпляров приложения не увидел смысла. Да, он даст большую степень доступности, но  нам не требуется избыточная надежность в задании. Балансировщик пришлось бы все равно поднимать свой , а не только пользоваться </a:t>
+            </a:r>
+            <a:r>
+              <a:rPr lang="en-US" dirty="0"/>
+              <a:t>ingress.</a:t>
+            </a:r>
+          </a:p>
+          <a:p>
+            <a:r>
+              <a:rPr lang="ru-RU" dirty="0"/>
+              <a:t>Текущая версия проекта требует 5 </a:t>
+            </a:r>
+            <a:r>
+              <a:rPr lang="ru-RU" dirty="0" err="1"/>
+              <a:t>физ</a:t>
+            </a:r>
+            <a:r>
+              <a:rPr lang="ru-RU" dirty="0"/>
+              <a:t> ядер и 7 </a:t>
+            </a:r>
+            <a:r>
+              <a:rPr lang="ru-RU" dirty="0" err="1"/>
+              <a:t>гб</a:t>
+            </a:r>
+            <a:r>
+              <a:rPr lang="ru-RU" dirty="0"/>
+              <a:t> </a:t>
+            </a:r>
+            <a:r>
+              <a:rPr lang="ru-RU" dirty="0" err="1"/>
+              <a:t>физ</a:t>
+            </a:r>
+            <a:r>
+              <a:rPr lang="ru-RU" dirty="0"/>
+              <a:t> памяти. Если мы выбрали бы </a:t>
+            </a:r>
+            <a:r>
+              <a:rPr lang="en-US" dirty="0"/>
+              <a:t>Kubernetes SaaS 2 </a:t>
+            </a:r>
+            <a:r>
+              <a:rPr lang="ru-RU" dirty="0" err="1"/>
+              <a:t>нодами</a:t>
+            </a:r>
+            <a:r>
+              <a:rPr lang="en-US" dirty="0"/>
+              <a:t> </a:t>
+            </a:r>
+            <a:r>
+              <a:rPr lang="ru-RU" dirty="0"/>
+              <a:t>в 2 зонах доступности, то это</a:t>
+            </a:r>
+            <a:r>
+              <a:rPr lang="en-US" dirty="0"/>
+              <a:t> 8 </a:t>
+            </a:r>
+            <a:r>
+              <a:rPr lang="ru-RU" dirty="0"/>
+              <a:t>ядер и 16 </a:t>
+            </a:r>
+            <a:r>
+              <a:rPr lang="ru-RU" dirty="0" err="1"/>
+              <a:t>гб</a:t>
+            </a:r>
+            <a:r>
+              <a:rPr lang="ru-RU" dirty="0"/>
+              <a:t> памяти, что дороже.</a:t>
+            </a:r>
+          </a:p>
+          <a:p>
+            <a:endParaRPr lang="ru-RU" dirty="0"/>
+          </a:p>
+          <a:p>
+            <a:r>
+              <a:rPr lang="ru-RU" dirty="0"/>
+              <a:t>2)</a:t>
+            </a:r>
+            <a:endParaRPr lang="en-US" dirty="0"/>
+          </a:p>
+        </p:txBody>
+      </p:sp>
     </p:spTree>
     <p:extLst>
       <p:ext uri="{BB962C8B-B14F-4D97-AF65-F5344CB8AC3E}">
@@ -7232,7 +7583,7 @@
         <p:spPr>
           <a:xfrm>
             <a:off x="471737" y="533719"/>
-            <a:ext cx="10710945" cy="4801314"/>
+            <a:ext cx="10710945" cy="5909310"/>
           </a:xfrm>
           <a:prstGeom prst="rect">
             <a:avLst/>
@@ -7360,6 +7711,40 @@
             <a:r>
               <a:rPr lang="ru-RU" dirty="0"/>
               <a:t>проверить ничего ли мы не упустили</a:t>
+            </a:r>
+          </a:p>
+          <a:p>
+            <a:endParaRPr lang="ru-RU" dirty="0"/>
+          </a:p>
+          <a:p>
+            <a:endParaRPr lang="ru-RU" dirty="0"/>
+          </a:p>
+          <a:p>
+            <a:r>
+              <a:rPr lang="ru-RU" dirty="0"/>
+              <a:t>Замечено , что при деструктивном падении приложения </a:t>
+            </a:r>
+          </a:p>
+          <a:p>
+            <a:r>
+              <a:rPr lang="en-US" i="1" dirty="0"/>
+              <a:t>Health</a:t>
+            </a:r>
+            <a:r>
+              <a:rPr lang="ru-RU" i="1" dirty="0"/>
+              <a:t>с</a:t>
+            </a:r>
+            <a:r>
+              <a:rPr lang="en-US" i="1" dirty="0"/>
+              <a:t>heck</a:t>
+            </a:r>
+            <a:r>
+              <a:rPr lang="en-US" dirty="0"/>
+              <a:t> </a:t>
+            </a:r>
+            <a:r>
+              <a:rPr lang="ru-RU" dirty="0"/>
+              <a:t>частично продолжает срабатывать, потому что приложение периодически отвечает.</a:t>
             </a:r>
           </a:p>
           <a:p>

--- a/presentation.pptx
+++ b/presentation.pptx
@@ -21,11 +21,10 @@
     <p:sldId id="265" r:id="rId15"/>
     <p:sldId id="267" r:id="rId16"/>
     <p:sldId id="268" r:id="rId17"/>
-    <p:sldId id="269" r:id="rId18"/>
-    <p:sldId id="270" r:id="rId19"/>
-    <p:sldId id="271" r:id="rId20"/>
-    <p:sldId id="272" r:id="rId21"/>
-    <p:sldId id="273" r:id="rId22"/>
+    <p:sldId id="270" r:id="rId18"/>
+    <p:sldId id="271" r:id="rId19"/>
+    <p:sldId id="272" r:id="rId20"/>
+    <p:sldId id="273" r:id="rId21"/>
   </p:sldIdLst>
   <p:sldSz cx="12192000" cy="6858000"/>
   <p:notesSz cx="6858000" cy="9144000"/>
@@ -4405,8 +4404,8 @@
         </p:blipFill>
         <p:spPr>
           <a:xfrm>
-            <a:off x="2306766" y="120450"/>
-            <a:ext cx="7809781" cy="3033245"/>
+            <a:off x="2582333" y="128022"/>
+            <a:ext cx="6729880" cy="2613822"/>
           </a:xfrm>
           <a:prstGeom prst="rect">
             <a:avLst/>
@@ -4427,7 +4426,7 @@
         </p:nvSpPr>
         <p:spPr>
           <a:xfrm>
-            <a:off x="544902" y="3313658"/>
+            <a:off x="544902" y="2974992"/>
             <a:ext cx="11102196" cy="3416320"/>
           </a:xfrm>
           <a:prstGeom prst="rect">
@@ -4865,6 +4864,324 @@
           </a:p>
         </p:txBody>
       </p:sp>
+      <p:pic>
+        <p:nvPicPr>
+          <p:cNvPr id="7" name="Рисунок 6">
+            <a:extLst>
+              <a:ext uri="{FF2B5EF4-FFF2-40B4-BE49-F238E27FC236}">
+                <a16:creationId xmlns:a16="http://schemas.microsoft.com/office/drawing/2014/main" id="{3B274E9E-A245-4287-A972-0951CD665987}"/>
+              </a:ext>
+            </a:extLst>
+          </p:cNvPr>
+          <p:cNvPicPr>
+            <a:picLocks noChangeAspect="1"/>
+          </p:cNvPicPr>
+          <p:nvPr/>
+        </p:nvPicPr>
+        <p:blipFill>
+          <a:blip r:embed="rId4"/>
+          <a:stretch>
+            <a:fillRect/>
+          </a:stretch>
+        </p:blipFill>
+        <p:spPr>
+          <a:xfrm>
+            <a:off x="8238298" y="1738930"/>
+            <a:ext cx="626072" cy="802344"/>
+          </a:xfrm>
+          <a:prstGeom prst="rect">
+            <a:avLst/>
+          </a:prstGeom>
+        </p:spPr>
+      </p:pic>
+      <p:cxnSp>
+        <p:nvCxnSpPr>
+          <p:cNvPr id="10" name="Прямая соединительная линия 9">
+            <a:extLst>
+              <a:ext uri="{FF2B5EF4-FFF2-40B4-BE49-F238E27FC236}">
+                <a16:creationId xmlns:a16="http://schemas.microsoft.com/office/drawing/2014/main" id="{1833D15F-5FAA-44F2-9748-43D76139F9EA}"/>
+              </a:ext>
+            </a:extLst>
+          </p:cNvPr>
+          <p:cNvCxnSpPr/>
+          <p:nvPr/>
+        </p:nvCxnSpPr>
+        <p:spPr>
+          <a:xfrm flipV="1">
+            <a:off x="7552267" y="1602327"/>
+            <a:ext cx="0" cy="1403340"/>
+          </a:xfrm>
+          <a:prstGeom prst="line">
+            <a:avLst/>
+          </a:prstGeom>
+          <a:ln w="19050"/>
+        </p:spPr>
+        <p:style>
+          <a:lnRef idx="1">
+            <a:schemeClr val="accent2"/>
+          </a:lnRef>
+          <a:fillRef idx="0">
+            <a:schemeClr val="accent2"/>
+          </a:fillRef>
+          <a:effectRef idx="0">
+            <a:schemeClr val="accent2"/>
+          </a:effectRef>
+          <a:fontRef idx="minor">
+            <a:schemeClr val="tx1"/>
+          </a:fontRef>
+        </p:style>
+      </p:cxnSp>
+      <p:cxnSp>
+        <p:nvCxnSpPr>
+          <p:cNvPr id="11" name="Прямая соединительная линия 10">
+            <a:extLst>
+              <a:ext uri="{FF2B5EF4-FFF2-40B4-BE49-F238E27FC236}">
+                <a16:creationId xmlns:a16="http://schemas.microsoft.com/office/drawing/2014/main" id="{94B9C0A8-216F-4D47-9BE2-24C8C536629E}"/>
+              </a:ext>
+            </a:extLst>
+          </p:cNvPr>
+          <p:cNvCxnSpPr/>
+          <p:nvPr/>
+        </p:nvCxnSpPr>
+        <p:spPr>
+          <a:xfrm flipV="1">
+            <a:off x="9550401" y="1602327"/>
+            <a:ext cx="0" cy="1403340"/>
+          </a:xfrm>
+          <a:prstGeom prst="line">
+            <a:avLst/>
+          </a:prstGeom>
+          <a:ln w="19050"/>
+        </p:spPr>
+        <p:style>
+          <a:lnRef idx="1">
+            <a:schemeClr val="accent2"/>
+          </a:lnRef>
+          <a:fillRef idx="0">
+            <a:schemeClr val="accent2"/>
+          </a:fillRef>
+          <a:effectRef idx="0">
+            <a:schemeClr val="accent2"/>
+          </a:effectRef>
+          <a:fontRef idx="minor">
+            <a:schemeClr val="tx1"/>
+          </a:fontRef>
+        </p:style>
+      </p:cxnSp>
+      <p:cxnSp>
+        <p:nvCxnSpPr>
+          <p:cNvPr id="12" name="Прямая соединительная линия 11">
+            <a:extLst>
+              <a:ext uri="{FF2B5EF4-FFF2-40B4-BE49-F238E27FC236}">
+                <a16:creationId xmlns:a16="http://schemas.microsoft.com/office/drawing/2014/main" id="{02A21B16-9E08-4B42-A51B-0C5E23E6941F}"/>
+              </a:ext>
+            </a:extLst>
+          </p:cNvPr>
+          <p:cNvCxnSpPr>
+            <a:cxnSpLocks/>
+          </p:cNvCxnSpPr>
+          <p:nvPr/>
+        </p:nvCxnSpPr>
+        <p:spPr>
+          <a:xfrm flipH="1">
+            <a:off x="7552267" y="1602327"/>
+            <a:ext cx="1998134" cy="0"/>
+          </a:xfrm>
+          <a:prstGeom prst="line">
+            <a:avLst/>
+          </a:prstGeom>
+          <a:ln w="19050"/>
+        </p:spPr>
+        <p:style>
+          <a:lnRef idx="1">
+            <a:schemeClr val="accent2"/>
+          </a:lnRef>
+          <a:fillRef idx="0">
+            <a:schemeClr val="accent2"/>
+          </a:fillRef>
+          <a:effectRef idx="0">
+            <a:schemeClr val="accent2"/>
+          </a:effectRef>
+          <a:fontRef idx="minor">
+            <a:schemeClr val="tx1"/>
+          </a:fontRef>
+        </p:style>
+      </p:cxnSp>
+      <p:cxnSp>
+        <p:nvCxnSpPr>
+          <p:cNvPr id="18" name="Соединитель: уступ 17">
+            <a:extLst>
+              <a:ext uri="{FF2B5EF4-FFF2-40B4-BE49-F238E27FC236}">
+                <a16:creationId xmlns:a16="http://schemas.microsoft.com/office/drawing/2014/main" id="{5C8A50DB-FF1B-4030-B5ED-34D2E08014D1}"/>
+              </a:ext>
+            </a:extLst>
+          </p:cNvPr>
+          <p:cNvCxnSpPr>
+            <a:cxnSpLocks/>
+            <a:stCxn id="7" idx="1"/>
+          </p:cNvCxnSpPr>
+          <p:nvPr/>
+        </p:nvCxnSpPr>
+        <p:spPr>
+          <a:xfrm rot="10800000">
+            <a:off x="3928534" y="1738930"/>
+            <a:ext cx="4309765" cy="401173"/>
+          </a:xfrm>
+          <a:prstGeom prst="bentConnector3">
+            <a:avLst>
+              <a:gd name="adj1" fmla="val 31730"/>
+            </a:avLst>
+          </a:prstGeom>
+          <a:ln>
+            <a:tailEnd type="triangle"/>
+          </a:ln>
+        </p:spPr>
+        <p:style>
+          <a:lnRef idx="1">
+            <a:schemeClr val="accent1"/>
+          </a:lnRef>
+          <a:fillRef idx="0">
+            <a:schemeClr val="accent1"/>
+          </a:fillRef>
+          <a:effectRef idx="0">
+            <a:schemeClr val="accent1"/>
+          </a:effectRef>
+          <a:fontRef idx="minor">
+            <a:schemeClr val="tx1"/>
+          </a:fontRef>
+        </p:style>
+      </p:cxnSp>
+      <p:cxnSp>
+        <p:nvCxnSpPr>
+          <p:cNvPr id="26" name="Соединитель: уступ 25">
+            <a:extLst>
+              <a:ext uri="{FF2B5EF4-FFF2-40B4-BE49-F238E27FC236}">
+                <a16:creationId xmlns:a16="http://schemas.microsoft.com/office/drawing/2014/main" id="{6B7DB093-29D1-49E5-B552-6DDBD8B6A98C}"/>
+              </a:ext>
+            </a:extLst>
+          </p:cNvPr>
+          <p:cNvCxnSpPr>
+            <a:cxnSpLocks/>
+            <a:endCxn id="7" idx="3"/>
+          </p:cNvCxnSpPr>
+          <p:nvPr/>
+        </p:nvCxnSpPr>
+        <p:spPr>
+          <a:xfrm rot="16200000" flipV="1">
+            <a:off x="8588973" y="2415500"/>
+            <a:ext cx="2176625" cy="1625830"/>
+          </a:xfrm>
+          <a:prstGeom prst="bentConnector2">
+            <a:avLst/>
+          </a:prstGeom>
+          <a:ln>
+            <a:tailEnd type="triangle"/>
+          </a:ln>
+        </p:spPr>
+        <p:style>
+          <a:lnRef idx="1">
+            <a:schemeClr val="accent1"/>
+          </a:lnRef>
+          <a:fillRef idx="0">
+            <a:schemeClr val="accent1"/>
+          </a:fillRef>
+          <a:effectRef idx="0">
+            <a:schemeClr val="accent1"/>
+          </a:effectRef>
+          <a:fontRef idx="minor">
+            <a:schemeClr val="tx1"/>
+          </a:fontRef>
+        </p:style>
+      </p:cxnSp>
+      <p:pic>
+        <p:nvPicPr>
+          <p:cNvPr id="1026" name="Picture 2" descr="Top 6 Amazon S3 Alternatives">
+            <a:extLst>
+              <a:ext uri="{FF2B5EF4-FFF2-40B4-BE49-F238E27FC236}">
+                <a16:creationId xmlns:a16="http://schemas.microsoft.com/office/drawing/2014/main" id="{706154DC-46A4-433B-90B8-B6F497AF4812}"/>
+              </a:ext>
+            </a:extLst>
+          </p:cNvPr>
+          <p:cNvPicPr>
+            <a:picLocks noChangeAspect="1" noChangeArrowheads="1"/>
+          </p:cNvPicPr>
+          <p:nvPr/>
+        </p:nvPicPr>
+        <p:blipFill>
+          <a:blip r:embed="rId5">
+            <a:extLst>
+              <a:ext uri="{28A0092B-C50C-407E-A947-70E740481C1C}">
+                <a14:useLocalDpi xmlns:a14="http://schemas.microsoft.com/office/drawing/2010/main" val="0"/>
+              </a:ext>
+            </a:extLst>
+          </a:blip>
+          <a:srcRect/>
+          <a:stretch>
+            <a:fillRect/>
+          </a:stretch>
+        </p:blipFill>
+        <p:spPr bwMode="auto">
+          <a:xfrm>
+            <a:off x="7934591" y="-52446"/>
+            <a:ext cx="1233486" cy="923924"/>
+          </a:xfrm>
+          <a:prstGeom prst="rect">
+            <a:avLst/>
+          </a:prstGeom>
+          <a:noFill/>
+          <a:extLst>
+            <a:ext uri="{909E8E84-426E-40DD-AFC4-6F175D3DCCD1}">
+              <a14:hiddenFill xmlns:a14="http://schemas.microsoft.com/office/drawing/2010/main">
+                <a:solidFill>
+                  <a:srgbClr val="FFFFFF"/>
+                </a:solidFill>
+              </a14:hiddenFill>
+            </a:ext>
+          </a:extLst>
+        </p:spPr>
+      </p:pic>
+      <p:cxnSp>
+        <p:nvCxnSpPr>
+          <p:cNvPr id="29" name="Прямая со стрелкой 28">
+            <a:extLst>
+              <a:ext uri="{FF2B5EF4-FFF2-40B4-BE49-F238E27FC236}">
+                <a16:creationId xmlns:a16="http://schemas.microsoft.com/office/drawing/2014/main" id="{5D8C6ABF-F79B-4184-8736-CFB0D131FAC2}"/>
+              </a:ext>
+            </a:extLst>
+          </p:cNvPr>
+          <p:cNvCxnSpPr>
+            <a:cxnSpLocks/>
+            <a:endCxn id="1026" idx="2"/>
+          </p:cNvCxnSpPr>
+          <p:nvPr/>
+        </p:nvCxnSpPr>
+        <p:spPr>
+          <a:xfrm flipV="1">
+            <a:off x="8551334" y="871478"/>
+            <a:ext cx="0" cy="867450"/>
+          </a:xfrm>
+          <a:prstGeom prst="straightConnector1">
+            <a:avLst/>
+          </a:prstGeom>
+          <a:ln>
+            <a:tailEnd type="triangle"/>
+          </a:ln>
+        </p:spPr>
+        <p:style>
+          <a:lnRef idx="1">
+            <a:schemeClr val="accent1"/>
+          </a:lnRef>
+          <a:fillRef idx="0">
+            <a:schemeClr val="accent1"/>
+          </a:fillRef>
+          <a:effectRef idx="0">
+            <a:schemeClr val="accent1"/>
+          </a:effectRef>
+          <a:fontRef idx="minor">
+            <a:schemeClr val="tx1"/>
+          </a:fontRef>
+        </p:style>
+      </p:cxnSp>
     </p:spTree>
     <p:extLst>
       <p:ext uri="{BB962C8B-B14F-4D97-AF65-F5344CB8AC3E}">
@@ -4895,12 +5212,239 @@
           <a:chExt cx="0" cy="0"/>
         </a:xfrm>
       </p:grpSpPr>
+      <p:sp>
+        <p:nvSpPr>
+          <p:cNvPr id="3" name="TextBox 2">
+            <a:extLst>
+              <a:ext uri="{FF2B5EF4-FFF2-40B4-BE49-F238E27FC236}">
+                <a16:creationId xmlns:a16="http://schemas.microsoft.com/office/drawing/2014/main" id="{33FDF6BA-CCEB-4894-A45F-2069F04A570F}"/>
+              </a:ext>
+            </a:extLst>
+          </p:cNvPr>
+          <p:cNvSpPr txBox="1"/>
+          <p:nvPr/>
+        </p:nvSpPr>
+        <p:spPr>
+          <a:xfrm>
+            <a:off x="412044" y="2618440"/>
+            <a:ext cx="11779956" cy="3693319"/>
+          </a:xfrm>
+          <a:prstGeom prst="rect">
+            <a:avLst/>
+          </a:prstGeom>
+          <a:noFill/>
+        </p:spPr>
+        <p:txBody>
+          <a:bodyPr wrap="none" rtlCol="0">
+            <a:spAutoFit/>
+          </a:bodyPr>
+          <a:lstStyle/>
+          <a:p>
+            <a:r>
+              <a:rPr lang="ru-RU" dirty="0"/>
+              <a:t>Пришел тестировщик Петя и радостно </a:t>
+            </a:r>
+            <a:r>
+              <a:rPr lang="ru-RU" dirty="0" err="1"/>
+              <a:t>обьявил</a:t>
+            </a:r>
+            <a:r>
+              <a:rPr lang="ru-RU" dirty="0"/>
+              <a:t> о запуске сервиса нагрузочного тестирования.</a:t>
+            </a:r>
+            <a:endParaRPr lang="en-US" dirty="0"/>
+          </a:p>
+          <a:p>
+            <a:endParaRPr lang="ru-RU" dirty="0"/>
+          </a:p>
+          <a:p>
+            <a:r>
+              <a:rPr lang="ru-RU" dirty="0"/>
+              <a:t>После тестов было замечено практически отсутствие нагрузки на инстансе с балансировщиком </a:t>
+            </a:r>
+          </a:p>
+          <a:p>
+            <a:r>
+              <a:rPr lang="ru-RU" dirty="0"/>
+              <a:t>нагрузки, поэтому сервис мониторинга переместился на него, но вместо типа </a:t>
+            </a:r>
+            <a:r>
+              <a:rPr lang="en-US" dirty="0"/>
+              <a:t>t2.micro </a:t>
+            </a:r>
+            <a:r>
+              <a:rPr lang="ru-RU" dirty="0"/>
+              <a:t>используется </a:t>
+            </a:r>
+            <a:r>
+              <a:rPr lang="en-US" dirty="0"/>
+              <a:t>t3.medium</a:t>
+            </a:r>
+            <a:r>
+              <a:rPr lang="ru-RU" dirty="0"/>
+              <a:t>,</a:t>
+            </a:r>
+          </a:p>
+          <a:p>
+            <a:r>
+              <a:rPr lang="en-US" dirty="0"/>
+              <a:t> </a:t>
+            </a:r>
+            <a:r>
+              <a:rPr lang="ru-RU" dirty="0"/>
+              <a:t>что дает гораздо больше комфорта при работе с </a:t>
+            </a:r>
+            <a:r>
+              <a:rPr lang="en-US" dirty="0"/>
+              <a:t>Grafana</a:t>
+            </a:r>
+            <a:r>
+              <a:rPr lang="ru-RU" dirty="0"/>
+              <a:t> при её запросах к базе данных </a:t>
+            </a:r>
+            <a:r>
+              <a:rPr lang="en-US" dirty="0"/>
+              <a:t>Prometheus.</a:t>
+            </a:r>
+            <a:endParaRPr lang="ru-RU" dirty="0"/>
+          </a:p>
+          <a:p>
+            <a:endParaRPr lang="ru-RU" dirty="0"/>
+          </a:p>
+          <a:p>
+            <a:r>
+              <a:rPr lang="ru-RU" dirty="0"/>
+              <a:t>Вернул </a:t>
+            </a:r>
+            <a:r>
+              <a:rPr lang="ru-RU" dirty="0" err="1"/>
+              <a:t>автоскейлер</a:t>
+            </a:r>
+            <a:r>
+              <a:rPr lang="ru-RU" dirty="0"/>
+              <a:t>.</a:t>
+            </a:r>
+            <a:r>
+              <a:rPr lang="en-US" dirty="0"/>
+              <a:t> </a:t>
+            </a:r>
+            <a:r>
+              <a:rPr lang="ru-RU" dirty="0"/>
+              <a:t>Количество </a:t>
+            </a:r>
+            <a:r>
+              <a:rPr lang="ru-RU" dirty="0" err="1"/>
+              <a:t>нод</a:t>
+            </a:r>
+            <a:r>
+              <a:rPr lang="ru-RU" dirty="0"/>
+              <a:t> с приложением </a:t>
+            </a:r>
+            <a:r>
+              <a:rPr lang="ru-RU" dirty="0" err="1"/>
+              <a:t>параметризовано</a:t>
+            </a:r>
+            <a:r>
+              <a:rPr lang="ru-RU" dirty="0"/>
+              <a:t>.</a:t>
+            </a:r>
+            <a:endParaRPr lang="en-US" dirty="0"/>
+          </a:p>
+          <a:p>
+            <a:endParaRPr lang="en-US" dirty="0"/>
+          </a:p>
+          <a:p>
+            <a:r>
+              <a:rPr lang="ru-RU" dirty="0"/>
+              <a:t>Вернул </a:t>
+            </a:r>
+            <a:r>
+              <a:rPr lang="en-US" dirty="0"/>
+              <a:t>ELB. </a:t>
+            </a:r>
+            <a:r>
+              <a:rPr lang="ru-RU" dirty="0"/>
+              <a:t>Оставил доступ к нему из внешней сети и он работает параллельно с инстансом балансировщика.</a:t>
+            </a:r>
+          </a:p>
+          <a:p>
+            <a:r>
+              <a:rPr lang="ru-RU" dirty="0" err="1"/>
+              <a:t>Логи</a:t>
+            </a:r>
+            <a:r>
+              <a:rPr lang="ru-RU" dirty="0"/>
+              <a:t> доступа сохраняет в </a:t>
+            </a:r>
+            <a:r>
+              <a:rPr lang="en-US" dirty="0"/>
+              <a:t>S3.</a:t>
+            </a:r>
+          </a:p>
+          <a:p>
+            <a:endParaRPr lang="en-US" dirty="0"/>
+          </a:p>
+          <a:p>
+            <a:r>
+              <a:rPr lang="ru-RU" dirty="0"/>
+              <a:t>Учитывая простоту сервиса и высокую скорость развертывания инфраструктуры с </a:t>
+            </a:r>
+            <a:r>
+              <a:rPr lang="en-US" dirty="0"/>
+              <a:t>Terraform</a:t>
+            </a:r>
+            <a:r>
+              <a:rPr lang="ru-RU" dirty="0"/>
+              <a:t>, отсутствие </a:t>
+            </a:r>
+          </a:p>
+          <a:p>
+            <a:r>
+              <a:rPr lang="ru-RU" dirty="0"/>
+              <a:t>необходимости сборки контейнеров и артефактов</a:t>
+            </a:r>
+            <a:r>
+              <a:rPr lang="en-US" dirty="0"/>
+              <a:t> </a:t>
+            </a:r>
+            <a:r>
+              <a:rPr lang="ru-RU" dirty="0"/>
+              <a:t>решил обойтись облачным</a:t>
+            </a:r>
+            <a:r>
+              <a:rPr lang="en-US" dirty="0"/>
+              <a:t> CI</a:t>
+            </a:r>
+            <a:r>
+              <a:rPr lang="ru-RU" dirty="0"/>
+              <a:t> </a:t>
+            </a:r>
+            <a:r>
+              <a:rPr lang="en-US" dirty="0" err="1"/>
+              <a:t>Github</a:t>
+            </a:r>
+            <a:r>
+              <a:rPr lang="en-US" dirty="0"/>
+              <a:t> Action</a:t>
+            </a:r>
+            <a:r>
+              <a:rPr lang="ru-RU" dirty="0"/>
+              <a:t> без </a:t>
+            </a:r>
+            <a:r>
+              <a:rPr lang="en-US" dirty="0"/>
+              <a:t>self-hosted runners.</a:t>
+            </a:r>
+            <a:endParaRPr lang="ru-RU" dirty="0"/>
+          </a:p>
+        </p:txBody>
+      </p:sp>
       <p:pic>
         <p:nvPicPr>
-          <p:cNvPr id="2" name="Рисунок 1">
-            <a:extLst>
-              <a:ext uri="{FF2B5EF4-FFF2-40B4-BE49-F238E27FC236}">
-                <a16:creationId xmlns:a16="http://schemas.microsoft.com/office/drawing/2014/main" id="{4826CAFC-2C3C-46D0-9CAF-C111FF07BC87}"/>
+          <p:cNvPr id="9" name="Рисунок 8">
+            <a:extLst>
+              <a:ext uri="{FF2B5EF4-FFF2-40B4-BE49-F238E27FC236}">
+                <a16:creationId xmlns:a16="http://schemas.microsoft.com/office/drawing/2014/main" id="{1ACDA8A9-2F15-4E69-9DDE-B73FD435695D}"/>
               </a:ext>
             </a:extLst>
           </p:cNvPr>
@@ -4917,310 +5461,14 @@
         </p:blipFill>
         <p:spPr>
           <a:xfrm>
-            <a:off x="2751666" y="99903"/>
-            <a:ext cx="6375400" cy="2516517"/>
+            <a:off x="3234267" y="72764"/>
+            <a:ext cx="4927600" cy="2309168"/>
           </a:xfrm>
           <a:prstGeom prst="rect">
             <a:avLst/>
           </a:prstGeom>
         </p:spPr>
       </p:pic>
-      <p:sp>
-        <p:nvSpPr>
-          <p:cNvPr id="3" name="TextBox 2">
-            <a:extLst>
-              <a:ext uri="{FF2B5EF4-FFF2-40B4-BE49-F238E27FC236}">
-                <a16:creationId xmlns:a16="http://schemas.microsoft.com/office/drawing/2014/main" id="{33FDF6BA-CCEB-4894-A45F-2069F04A570F}"/>
-              </a:ext>
-            </a:extLst>
-          </p:cNvPr>
-          <p:cNvSpPr txBox="1"/>
-          <p:nvPr/>
-        </p:nvSpPr>
-        <p:spPr>
-          <a:xfrm>
-            <a:off x="412044" y="2787779"/>
-            <a:ext cx="11779956" cy="3693319"/>
-          </a:xfrm>
-          <a:prstGeom prst="rect">
-            <a:avLst/>
-          </a:prstGeom>
-          <a:noFill/>
-        </p:spPr>
-        <p:txBody>
-          <a:bodyPr wrap="none" rtlCol="0">
-            <a:spAutoFit/>
-          </a:bodyPr>
-          <a:lstStyle/>
-          <a:p>
-            <a:r>
-              <a:rPr lang="ru-RU" dirty="0"/>
-              <a:t>Пришел тестировщик Петя и радостно </a:t>
-            </a:r>
-            <a:r>
-              <a:rPr lang="ru-RU" dirty="0" err="1"/>
-              <a:t>обьявил</a:t>
-            </a:r>
-            <a:r>
-              <a:rPr lang="ru-RU" dirty="0"/>
-              <a:t> о запуске сервиса нагрузочного тестирования.</a:t>
-            </a:r>
-            <a:endParaRPr lang="en-US" dirty="0"/>
-          </a:p>
-          <a:p>
-            <a:endParaRPr lang="ru-RU" dirty="0"/>
-          </a:p>
-          <a:p>
-            <a:r>
-              <a:rPr lang="ru-RU" dirty="0"/>
-              <a:t>После тестов было замечено практически отсутствие нагрузки на инстансе с балансировщиком </a:t>
-            </a:r>
-          </a:p>
-          <a:p>
-            <a:r>
-              <a:rPr lang="ru-RU" dirty="0"/>
-              <a:t>нагрузки, поэтому сервис мониторинга переместился на него, но вместо типа </a:t>
-            </a:r>
-            <a:r>
-              <a:rPr lang="en-US" dirty="0"/>
-              <a:t>t2.micro </a:t>
-            </a:r>
-            <a:r>
-              <a:rPr lang="ru-RU" dirty="0"/>
-              <a:t>используется </a:t>
-            </a:r>
-            <a:r>
-              <a:rPr lang="en-US" dirty="0"/>
-              <a:t>t3.medium</a:t>
-            </a:r>
-            <a:r>
-              <a:rPr lang="ru-RU" dirty="0"/>
-              <a:t>,</a:t>
-            </a:r>
-          </a:p>
-          <a:p>
-            <a:r>
-              <a:rPr lang="en-US" dirty="0"/>
-              <a:t> </a:t>
-            </a:r>
-            <a:r>
-              <a:rPr lang="ru-RU" dirty="0"/>
-              <a:t>что дает гораздо больше комфорта при работе с </a:t>
-            </a:r>
-            <a:r>
-              <a:rPr lang="en-US" dirty="0"/>
-              <a:t>Grafana</a:t>
-            </a:r>
-            <a:r>
-              <a:rPr lang="ru-RU" dirty="0"/>
-              <a:t> при её запросах к базе данных </a:t>
-            </a:r>
-            <a:r>
-              <a:rPr lang="en-US" dirty="0"/>
-              <a:t>Prometheus.</a:t>
-            </a:r>
-            <a:endParaRPr lang="ru-RU" dirty="0"/>
-          </a:p>
-          <a:p>
-            <a:endParaRPr lang="ru-RU" dirty="0"/>
-          </a:p>
-          <a:p>
-            <a:r>
-              <a:rPr lang="ru-RU" dirty="0"/>
-              <a:t>Вернул </a:t>
-            </a:r>
-            <a:r>
-              <a:rPr lang="ru-RU" dirty="0" err="1"/>
-              <a:t>автоскейлер</a:t>
-            </a:r>
-            <a:r>
-              <a:rPr lang="ru-RU" dirty="0"/>
-              <a:t>.</a:t>
-            </a:r>
-          </a:p>
-          <a:p>
-            <a:r>
-              <a:rPr lang="ru-RU" dirty="0"/>
-              <a:t>Количество </a:t>
-            </a:r>
-            <a:r>
-              <a:rPr lang="ru-RU" dirty="0" err="1"/>
-              <a:t>нод</a:t>
-            </a:r>
-            <a:r>
-              <a:rPr lang="ru-RU" dirty="0"/>
-              <a:t> с приложением </a:t>
-            </a:r>
-            <a:r>
-              <a:rPr lang="ru-RU" dirty="0" err="1"/>
-              <a:t>параметризовано</a:t>
-            </a:r>
-            <a:r>
-              <a:rPr lang="ru-RU" dirty="0"/>
-              <a:t>.</a:t>
-            </a:r>
-            <a:endParaRPr lang="en-US" dirty="0"/>
-          </a:p>
-          <a:p>
-            <a:endParaRPr lang="ru-RU" dirty="0"/>
-          </a:p>
-          <a:p>
-            <a:r>
-              <a:rPr lang="ru-RU" dirty="0"/>
-              <a:t>В качестве репозитория</a:t>
-            </a:r>
-            <a:r>
-              <a:rPr lang="en-US" dirty="0"/>
-              <a:t> </a:t>
-            </a:r>
-            <a:r>
-              <a:rPr lang="ru-RU" dirty="0"/>
-              <a:t>был выбран </a:t>
-            </a:r>
-            <a:r>
-              <a:rPr lang="en-US" dirty="0" err="1"/>
-              <a:t>Github</a:t>
-            </a:r>
-            <a:r>
-              <a:rPr lang="en-US" dirty="0"/>
-              <a:t>.</a:t>
-            </a:r>
-          </a:p>
-          <a:p>
-            <a:endParaRPr lang="en-US" dirty="0"/>
-          </a:p>
-          <a:p>
-            <a:r>
-              <a:rPr lang="ru-RU" dirty="0"/>
-              <a:t>Учитывая простоту сервиса и высокую скорость развертывания инфраструктуры с </a:t>
-            </a:r>
-            <a:r>
-              <a:rPr lang="en-US" dirty="0"/>
-              <a:t>Terraform</a:t>
-            </a:r>
-            <a:r>
-              <a:rPr lang="ru-RU" dirty="0"/>
-              <a:t>, отсутствие </a:t>
-            </a:r>
-          </a:p>
-          <a:p>
-            <a:r>
-              <a:rPr lang="ru-RU" dirty="0"/>
-              <a:t>необходимости сборки контейнеров и артефактов</a:t>
-            </a:r>
-            <a:r>
-              <a:rPr lang="en-US" dirty="0"/>
-              <a:t> </a:t>
-            </a:r>
-            <a:r>
-              <a:rPr lang="ru-RU" dirty="0"/>
-              <a:t>решил обойтись облачным</a:t>
-            </a:r>
-            <a:r>
-              <a:rPr lang="en-US" dirty="0"/>
-              <a:t> CI</a:t>
-            </a:r>
-            <a:r>
-              <a:rPr lang="ru-RU" dirty="0"/>
-              <a:t> </a:t>
-            </a:r>
-            <a:r>
-              <a:rPr lang="en-US" dirty="0" err="1"/>
-              <a:t>Github</a:t>
-            </a:r>
-            <a:r>
-              <a:rPr lang="en-US" dirty="0"/>
-              <a:t> Action</a:t>
-            </a:r>
-            <a:r>
-              <a:rPr lang="ru-RU" dirty="0"/>
-              <a:t> без </a:t>
-            </a:r>
-            <a:r>
-              <a:rPr lang="en-US" dirty="0"/>
-              <a:t>self-hosted runners.</a:t>
-            </a:r>
-            <a:endParaRPr lang="ru-RU" dirty="0"/>
-          </a:p>
-        </p:txBody>
-      </p:sp>
-      <p:pic>
-        <p:nvPicPr>
-          <p:cNvPr id="4" name="Рисунок 3">
-            <a:extLst>
-              <a:ext uri="{FF2B5EF4-FFF2-40B4-BE49-F238E27FC236}">
-                <a16:creationId xmlns:a16="http://schemas.microsoft.com/office/drawing/2014/main" id="{ACB7D19B-D39A-4294-B234-B0C2E046E9CF}"/>
-              </a:ext>
-            </a:extLst>
-          </p:cNvPr>
-          <p:cNvPicPr>
-            <a:picLocks noChangeAspect="1"/>
-          </p:cNvPicPr>
-          <p:nvPr/>
-        </p:nvPicPr>
-        <p:blipFill>
-          <a:blip r:embed="rId3"/>
-          <a:stretch>
-            <a:fillRect/>
-          </a:stretch>
-        </p:blipFill>
-        <p:spPr>
-          <a:xfrm>
-            <a:off x="4834466" y="706331"/>
-            <a:ext cx="727170" cy="337980"/>
-          </a:xfrm>
-          <a:prstGeom prst="rect">
-            <a:avLst/>
-          </a:prstGeom>
-        </p:spPr>
-      </p:pic>
-      <p:sp>
-        <p:nvSpPr>
-          <p:cNvPr id="5" name="Прямоугольник 4">
-            <a:extLst>
-              <a:ext uri="{FF2B5EF4-FFF2-40B4-BE49-F238E27FC236}">
-                <a16:creationId xmlns:a16="http://schemas.microsoft.com/office/drawing/2014/main" id="{312C9151-2ADE-4060-8FA5-AF514F4431F7}"/>
-              </a:ext>
-            </a:extLst>
-          </p:cNvPr>
-          <p:cNvSpPr/>
-          <p:nvPr/>
-        </p:nvSpPr>
-        <p:spPr>
-          <a:xfrm>
-            <a:off x="3250236" y="622767"/>
-            <a:ext cx="2440568" cy="1536204"/>
-          </a:xfrm>
-          <a:prstGeom prst="rect">
-            <a:avLst/>
-          </a:prstGeom>
-          <a:noFill/>
-        </p:spPr>
-        <p:style>
-          <a:lnRef idx="2">
-            <a:schemeClr val="accent1">
-              <a:shade val="50000"/>
-            </a:schemeClr>
-          </a:lnRef>
-          <a:fillRef idx="1">
-            <a:schemeClr val="accent1"/>
-          </a:fillRef>
-          <a:effectRef idx="0">
-            <a:schemeClr val="accent1"/>
-          </a:effectRef>
-          <a:fontRef idx="minor">
-            <a:schemeClr val="lt1"/>
-          </a:fontRef>
-        </p:style>
-        <p:txBody>
-          <a:bodyPr rtlCol="0" anchor="ctr"/>
-          <a:lstStyle/>
-          <a:p>
-            <a:pPr algn="ctr"/>
-            <a:endParaRPr lang="ru-RU" dirty="0"/>
-          </a:p>
-        </p:txBody>
-      </p:sp>
     </p:spTree>
     <p:extLst>
       <p:ext uri="{BB962C8B-B14F-4D97-AF65-F5344CB8AC3E}">
@@ -5266,7 +5514,7 @@
           <p:nvPr>
             <p:extLst>
               <p:ext uri="{D42A27DB-BD31-4B8C-83A1-F6EECF244321}">
-                <p14:modId xmlns:p14="http://schemas.microsoft.com/office/powerpoint/2010/main" val="3205468032"/>
+                <p14:modId xmlns:p14="http://schemas.microsoft.com/office/powerpoint/2010/main" val="76143408"/>
               </p:ext>
             </p:extLst>
           </p:nvPr>
@@ -5471,7 +5719,7 @@
                     <a:p>
                       <a:r>
                         <a:rPr lang="en-US" dirty="0"/>
-                        <a:t>ELB </a:t>
+                        <a:t>CLB </a:t>
                       </a:r>
                       <a:r>
                         <a:rPr lang="ru-RU" dirty="0"/>
@@ -5603,15 +5851,7 @@
                       </a:r>
                       <a:r>
                         <a:rPr lang="ru-RU" dirty="0"/>
-                        <a:t>Ключ в облаке </a:t>
-                      </a:r>
-                      <a:r>
-                        <a:rPr lang="en-US" dirty="0"/>
-                        <a:t>AWS.</a:t>
-                      </a:r>
-                      <a:r>
-                        <a:rPr lang="ru-RU" dirty="0"/>
-                        <a:t> После настройки сервер </a:t>
+                        <a:t>После настройки сервер </a:t>
                       </a:r>
                       <a:r>
                         <a:rPr lang="en-US" dirty="0" err="1"/>
@@ -5717,7 +5957,7 @@
         </p:nvSpPr>
         <p:spPr>
           <a:xfrm>
-            <a:off x="4235357" y="1437216"/>
+            <a:off x="3890127" y="1385587"/>
             <a:ext cx="1735667" cy="1261534"/>
           </a:xfrm>
           <a:prstGeom prst="rect">
@@ -5778,7 +6018,7 @@
         </p:nvSpPr>
         <p:spPr>
           <a:xfrm>
-            <a:off x="4282156" y="4254502"/>
+            <a:off x="3936926" y="4202873"/>
             <a:ext cx="1735667" cy="1261534"/>
           </a:xfrm>
           <a:prstGeom prst="rect">
@@ -5839,7 +6079,7 @@
         </p:nvSpPr>
         <p:spPr>
           <a:xfrm>
-            <a:off x="6989327" y="3063848"/>
+            <a:off x="6748818" y="3429000"/>
             <a:ext cx="1735667" cy="1261534"/>
           </a:xfrm>
           <a:prstGeom prst="rect">
@@ -5875,6 +6115,10 @@
           </a:p>
           <a:p>
             <a:pPr algn="ctr"/>
+            <a:r>
+              <a:rPr lang="en-US" dirty="0"/>
+              <a:t>+</a:t>
+            </a:r>
             <a:endParaRPr lang="ru-RU" dirty="0"/>
           </a:p>
           <a:p>
@@ -5901,7 +6145,7 @@
         </p:nvSpPr>
         <p:spPr>
           <a:xfrm>
-            <a:off x="1198034" y="2845832"/>
+            <a:off x="852804" y="2794203"/>
             <a:ext cx="1735667" cy="1261534"/>
           </a:xfrm>
           <a:prstGeom prst="rect">
@@ -5962,7 +6206,7 @@
         </p:nvSpPr>
         <p:spPr>
           <a:xfrm>
-            <a:off x="881916" y="1880632"/>
+            <a:off x="536686" y="1829003"/>
             <a:ext cx="2485608" cy="3173968"/>
           </a:xfrm>
           <a:prstGeom prst="rect">
@@ -6053,15 +6297,16 @@
             </a:extLst>
           </p:cNvPr>
           <p:cNvCxnSpPr>
-            <a:stCxn id="13" idx="2"/>
-            <a:endCxn id="5" idx="3"/>
+            <a:cxnSpLocks/>
+            <a:stCxn id="13" idx="3"/>
+            <a:endCxn id="31" idx="1"/>
           </p:cNvCxnSpPr>
           <p:nvPr/>
         </p:nvCxnSpPr>
         <p:spPr>
-          <a:xfrm flipH="1" flipV="1">
-            <a:off x="8724994" y="3694615"/>
-            <a:ext cx="1943007" cy="1"/>
+          <a:xfrm flipH="1">
+            <a:off x="8484485" y="4179549"/>
+            <a:ext cx="2384382" cy="18718"/>
           </a:xfrm>
           <a:prstGeom prst="straightConnector1">
             <a:avLst/>
@@ -6095,15 +6340,15 @@
             </a:extLst>
           </p:cNvPr>
           <p:cNvCxnSpPr>
+            <a:cxnSpLocks/>
             <a:stCxn id="5" idx="0"/>
-            <a:endCxn id="3" idx="3"/>
           </p:cNvCxnSpPr>
           <p:nvPr/>
         </p:nvCxnSpPr>
         <p:spPr>
           <a:xfrm flipH="1" flipV="1">
-            <a:off x="5971024" y="2067983"/>
-            <a:ext cx="1886137" cy="995865"/>
+            <a:off x="5625794" y="2647121"/>
+            <a:ext cx="1990858" cy="781879"/>
           </a:xfrm>
           <a:prstGeom prst="straightConnector1">
             <a:avLst/>
@@ -6137,15 +6382,15 @@
             </a:extLst>
           </p:cNvPr>
           <p:cNvCxnSpPr>
+            <a:cxnSpLocks/>
             <a:stCxn id="5" idx="2"/>
-            <a:endCxn id="4" idx="3"/>
           </p:cNvCxnSpPr>
           <p:nvPr/>
         </p:nvCxnSpPr>
         <p:spPr>
           <a:xfrm flipH="1">
-            <a:off x="6017823" y="4325382"/>
-            <a:ext cx="1839338" cy="559887"/>
+            <a:off x="5672593" y="4690534"/>
+            <a:ext cx="1944059" cy="753223"/>
           </a:xfrm>
           <a:prstGeom prst="straightConnector1">
             <a:avLst/>
@@ -6186,7 +6431,7 @@
         </p:nvCxnSpPr>
         <p:spPr>
           <a:xfrm flipH="1">
-            <a:off x="2065868" y="2067983"/>
+            <a:off x="1720638" y="2016354"/>
             <a:ext cx="2169489" cy="777849"/>
           </a:xfrm>
           <a:prstGeom prst="straightConnector1">
@@ -6228,7 +6473,7 @@
         </p:nvCxnSpPr>
         <p:spPr>
           <a:xfrm flipH="1" flipV="1">
-            <a:off x="2065868" y="4107366"/>
+            <a:off x="1720638" y="4055737"/>
             <a:ext cx="2216288" cy="777903"/>
           </a:xfrm>
           <a:prstGeom prst="straightConnector1">
@@ -6267,7 +6512,7 @@
         </p:nvSpPr>
         <p:spPr>
           <a:xfrm>
-            <a:off x="8724994" y="3232950"/>
+            <a:off x="8484485" y="3598102"/>
             <a:ext cx="999376" cy="1200329"/>
           </a:xfrm>
           <a:prstGeom prst="rect">
@@ -6340,7 +6585,7 @@
         </p:nvSpPr>
         <p:spPr>
           <a:xfrm>
-            <a:off x="5931270" y="2161605"/>
+            <a:off x="5586040" y="2109976"/>
             <a:ext cx="1116396" cy="369332"/>
           </a:xfrm>
           <a:prstGeom prst="rect">
@@ -6379,7 +6624,7 @@
         </p:nvSpPr>
         <p:spPr>
           <a:xfrm>
-            <a:off x="5971024" y="4771483"/>
+            <a:off x="5575319" y="4613765"/>
             <a:ext cx="1116396" cy="369332"/>
           </a:xfrm>
           <a:prstGeom prst="rect">
@@ -6418,7 +6663,7 @@
         </p:nvSpPr>
         <p:spPr>
           <a:xfrm>
-            <a:off x="1492799" y="2380734"/>
+            <a:off x="1147569" y="2329105"/>
             <a:ext cx="999376" cy="369332"/>
           </a:xfrm>
           <a:prstGeom prst="rect">
@@ -6458,7 +6703,7 @@
         </p:nvSpPr>
         <p:spPr>
           <a:xfrm>
-            <a:off x="1602940" y="4223730"/>
+            <a:off x="1257710" y="4172101"/>
             <a:ext cx="999376" cy="369332"/>
           </a:xfrm>
           <a:prstGeom prst="rect">
@@ -6498,7 +6743,7 @@
         </p:nvSpPr>
         <p:spPr>
           <a:xfrm>
-            <a:off x="3802822" y="710347"/>
+            <a:off x="3457592" y="658718"/>
             <a:ext cx="2752681" cy="5495719"/>
           </a:xfrm>
           <a:prstGeom prst="rect">
@@ -6545,8 +6790,8 @@
         </p:nvSpPr>
         <p:spPr>
           <a:xfrm>
-            <a:off x="6875120" y="2509799"/>
-            <a:ext cx="2925047" cy="2261684"/>
+            <a:off x="6634611" y="745167"/>
+            <a:ext cx="2925047" cy="4391468"/>
           </a:xfrm>
           <a:prstGeom prst="rect">
             <a:avLst/>
@@ -6592,7 +6837,7 @@
         </p:nvSpPr>
         <p:spPr>
           <a:xfrm>
-            <a:off x="1258651" y="5051968"/>
+            <a:off x="913421" y="5000339"/>
             <a:ext cx="1596399" cy="369332"/>
           </a:xfrm>
           <a:prstGeom prst="rect">
@@ -6628,7 +6873,7 @@
         </p:nvSpPr>
         <p:spPr>
           <a:xfrm>
-            <a:off x="4282156" y="6152117"/>
+            <a:off x="3936926" y="6100488"/>
             <a:ext cx="1596399" cy="369332"/>
           </a:xfrm>
           <a:prstGeom prst="rect">
@@ -6664,7 +6909,7 @@
         </p:nvSpPr>
         <p:spPr>
           <a:xfrm>
-            <a:off x="7753490" y="4709273"/>
+            <a:off x="7512981" y="5074425"/>
             <a:ext cx="1596399" cy="369332"/>
           </a:xfrm>
           <a:prstGeom prst="rect">
@@ -6681,6 +6926,402 @@
             <a:r>
               <a:rPr lang="en-US" dirty="0"/>
               <a:t>Security group</a:t>
+            </a:r>
+            <a:endParaRPr lang="ru-RU" dirty="0"/>
+          </a:p>
+        </p:txBody>
+      </p:sp>
+      <p:sp>
+        <p:nvSpPr>
+          <p:cNvPr id="2" name="Прямоугольник 1">
+            <a:extLst>
+              <a:ext uri="{FF2B5EF4-FFF2-40B4-BE49-F238E27FC236}">
+                <a16:creationId xmlns:a16="http://schemas.microsoft.com/office/drawing/2014/main" id="{2A67C23C-F063-45F3-A4E5-5BDC04CDAD29}"/>
+              </a:ext>
+            </a:extLst>
+          </p:cNvPr>
+          <p:cNvSpPr/>
+          <p:nvPr/>
+        </p:nvSpPr>
+        <p:spPr>
+          <a:xfrm>
+            <a:off x="10370" y="278571"/>
+            <a:ext cx="9922933" cy="6316133"/>
+          </a:xfrm>
+          <a:prstGeom prst="rect">
+            <a:avLst/>
+          </a:prstGeom>
+          <a:noFill/>
+        </p:spPr>
+        <p:style>
+          <a:lnRef idx="2">
+            <a:schemeClr val="accent1">
+              <a:shade val="50000"/>
+            </a:schemeClr>
+          </a:lnRef>
+          <a:fillRef idx="1">
+            <a:schemeClr val="accent1"/>
+          </a:fillRef>
+          <a:effectRef idx="0">
+            <a:schemeClr val="accent1"/>
+          </a:effectRef>
+          <a:fontRef idx="minor">
+            <a:schemeClr val="lt1"/>
+          </a:fontRef>
+        </p:style>
+        <p:txBody>
+          <a:bodyPr rtlCol="0" anchor="ctr"/>
+          <a:lstStyle/>
+          <a:p>
+            <a:pPr algn="ctr"/>
+            <a:endParaRPr lang="ru-RU"/>
+          </a:p>
+        </p:txBody>
+      </p:sp>
+      <p:sp>
+        <p:nvSpPr>
+          <p:cNvPr id="7" name="TextBox 6">
+            <a:extLst>
+              <a:ext uri="{FF2B5EF4-FFF2-40B4-BE49-F238E27FC236}">
+                <a16:creationId xmlns:a16="http://schemas.microsoft.com/office/drawing/2014/main" id="{55320551-00BC-4198-B2EB-443042497225}"/>
+              </a:ext>
+            </a:extLst>
+          </p:cNvPr>
+          <p:cNvSpPr txBox="1"/>
+          <p:nvPr/>
+        </p:nvSpPr>
+        <p:spPr>
+          <a:xfrm>
+            <a:off x="9255863" y="327203"/>
+            <a:ext cx="558166" cy="369332"/>
+          </a:xfrm>
+          <a:prstGeom prst="rect">
+            <a:avLst/>
+          </a:prstGeom>
+          <a:noFill/>
+        </p:spPr>
+        <p:txBody>
+          <a:bodyPr wrap="none" rtlCol="0">
+            <a:spAutoFit/>
+          </a:bodyPr>
+          <a:lstStyle/>
+          <a:p>
+            <a:r>
+              <a:rPr lang="en-US" dirty="0"/>
+              <a:t>VPC</a:t>
+            </a:r>
+            <a:endParaRPr lang="ru-RU" dirty="0"/>
+          </a:p>
+        </p:txBody>
+      </p:sp>
+      <p:sp>
+        <p:nvSpPr>
+          <p:cNvPr id="12" name="Прямоугольник 11">
+            <a:extLst>
+              <a:ext uri="{FF2B5EF4-FFF2-40B4-BE49-F238E27FC236}">
+                <a16:creationId xmlns:a16="http://schemas.microsoft.com/office/drawing/2014/main" id="{2D66B66A-712B-4A97-8193-67DD462EE664}"/>
+              </a:ext>
+            </a:extLst>
+          </p:cNvPr>
+          <p:cNvSpPr/>
+          <p:nvPr/>
+        </p:nvSpPr>
+        <p:spPr>
+          <a:xfrm>
+            <a:off x="7204687" y="1032563"/>
+            <a:ext cx="1691764" cy="1405369"/>
+          </a:xfrm>
+          <a:prstGeom prst="rect">
+            <a:avLst/>
+          </a:prstGeom>
+        </p:spPr>
+        <p:style>
+          <a:lnRef idx="2">
+            <a:schemeClr val="accent4">
+              <a:shade val="50000"/>
+            </a:schemeClr>
+          </a:lnRef>
+          <a:fillRef idx="1">
+            <a:schemeClr val="accent4"/>
+          </a:fillRef>
+          <a:effectRef idx="0">
+            <a:schemeClr val="accent4"/>
+          </a:effectRef>
+          <a:fontRef idx="minor">
+            <a:schemeClr val="lt1"/>
+          </a:fontRef>
+        </p:style>
+        <p:txBody>
+          <a:bodyPr rtlCol="0" anchor="ctr"/>
+          <a:lstStyle/>
+          <a:p>
+            <a:pPr algn="ctr"/>
+            <a:r>
+              <a:rPr lang="en-US" dirty="0"/>
+              <a:t>ELB</a:t>
+            </a:r>
+          </a:p>
+          <a:p>
+            <a:pPr algn="ctr"/>
+            <a:r>
+              <a:rPr lang="en-US" dirty="0"/>
+              <a:t>+</a:t>
+            </a:r>
+          </a:p>
+          <a:p>
+            <a:pPr algn="ctr"/>
+            <a:r>
+              <a:rPr lang="en-US" dirty="0"/>
+              <a:t>Access log</a:t>
+            </a:r>
+            <a:endParaRPr lang="ru-RU" dirty="0"/>
+          </a:p>
+        </p:txBody>
+      </p:sp>
+      <p:cxnSp>
+        <p:nvCxnSpPr>
+          <p:cNvPr id="16" name="Прямая со стрелкой 15">
+            <a:extLst>
+              <a:ext uri="{FF2B5EF4-FFF2-40B4-BE49-F238E27FC236}">
+                <a16:creationId xmlns:a16="http://schemas.microsoft.com/office/drawing/2014/main" id="{12E4083B-45DF-4D3B-A5E9-98DC90DA7F58}"/>
+              </a:ext>
+            </a:extLst>
+          </p:cNvPr>
+          <p:cNvCxnSpPr>
+            <a:cxnSpLocks/>
+            <a:stCxn id="12" idx="1"/>
+          </p:cNvCxnSpPr>
+          <p:nvPr/>
+        </p:nvCxnSpPr>
+        <p:spPr>
+          <a:xfrm flipH="1" flipV="1">
+            <a:off x="5625794" y="1393593"/>
+            <a:ext cx="1578893" cy="341655"/>
+          </a:xfrm>
+          <a:prstGeom prst="straightConnector1">
+            <a:avLst/>
+          </a:prstGeom>
+          <a:ln>
+            <a:tailEnd type="triangle"/>
+          </a:ln>
+        </p:spPr>
+        <p:style>
+          <a:lnRef idx="1">
+            <a:schemeClr val="accent1"/>
+          </a:lnRef>
+          <a:fillRef idx="0">
+            <a:schemeClr val="accent1"/>
+          </a:fillRef>
+          <a:effectRef idx="0">
+            <a:schemeClr val="accent1"/>
+          </a:effectRef>
+          <a:fontRef idx="minor">
+            <a:schemeClr val="tx1"/>
+          </a:fontRef>
+        </p:style>
+      </p:cxnSp>
+      <p:cxnSp>
+        <p:nvCxnSpPr>
+          <p:cNvPr id="18" name="Прямая со стрелкой 17">
+            <a:extLst>
+              <a:ext uri="{FF2B5EF4-FFF2-40B4-BE49-F238E27FC236}">
+                <a16:creationId xmlns:a16="http://schemas.microsoft.com/office/drawing/2014/main" id="{A7C0EE2F-0746-47E9-88FC-C45D06873B48}"/>
+              </a:ext>
+            </a:extLst>
+          </p:cNvPr>
+          <p:cNvCxnSpPr>
+            <a:cxnSpLocks/>
+            <a:stCxn id="12" idx="1"/>
+          </p:cNvCxnSpPr>
+          <p:nvPr/>
+        </p:nvCxnSpPr>
+        <p:spPr>
+          <a:xfrm flipH="1">
+            <a:off x="5672593" y="1735248"/>
+            <a:ext cx="1532094" cy="2436853"/>
+          </a:xfrm>
+          <a:prstGeom prst="straightConnector1">
+            <a:avLst/>
+          </a:prstGeom>
+          <a:ln>
+            <a:tailEnd type="triangle"/>
+          </a:ln>
+        </p:spPr>
+        <p:style>
+          <a:lnRef idx="1">
+            <a:schemeClr val="accent1"/>
+          </a:lnRef>
+          <a:fillRef idx="0">
+            <a:schemeClr val="accent1"/>
+          </a:fillRef>
+          <a:effectRef idx="0">
+            <a:schemeClr val="accent1"/>
+          </a:effectRef>
+          <a:fontRef idx="minor">
+            <a:schemeClr val="tx1"/>
+          </a:fontRef>
+        </p:style>
+      </p:cxnSp>
+      <p:cxnSp>
+        <p:nvCxnSpPr>
+          <p:cNvPr id="21" name="Прямая со стрелкой 20">
+            <a:extLst>
+              <a:ext uri="{FF2B5EF4-FFF2-40B4-BE49-F238E27FC236}">
+                <a16:creationId xmlns:a16="http://schemas.microsoft.com/office/drawing/2014/main" id="{9AF6D6C6-31F8-4400-9464-C6AC1B43ACE3}"/>
+              </a:ext>
+            </a:extLst>
+          </p:cNvPr>
+          <p:cNvCxnSpPr>
+            <a:stCxn id="13" idx="1"/>
+            <a:endCxn id="12" idx="3"/>
+          </p:cNvCxnSpPr>
+          <p:nvPr/>
+        </p:nvCxnSpPr>
+        <p:spPr>
+          <a:xfrm flipH="1" flipV="1">
+            <a:off x="8896451" y="1735248"/>
+            <a:ext cx="1972416" cy="1474434"/>
+          </a:xfrm>
+          <a:prstGeom prst="straightConnector1">
+            <a:avLst/>
+          </a:prstGeom>
+          <a:ln>
+            <a:tailEnd type="triangle"/>
+          </a:ln>
+        </p:spPr>
+        <p:style>
+          <a:lnRef idx="1">
+            <a:schemeClr val="accent1"/>
+          </a:lnRef>
+          <a:fillRef idx="0">
+            <a:schemeClr val="accent1"/>
+          </a:fillRef>
+          <a:effectRef idx="0">
+            <a:schemeClr val="accent1"/>
+          </a:effectRef>
+          <a:fontRef idx="minor">
+            <a:schemeClr val="tx1"/>
+          </a:fontRef>
+        </p:style>
+      </p:cxnSp>
+      <p:sp>
+        <p:nvSpPr>
+          <p:cNvPr id="41" name="TextBox 40">
+            <a:extLst>
+              <a:ext uri="{FF2B5EF4-FFF2-40B4-BE49-F238E27FC236}">
+                <a16:creationId xmlns:a16="http://schemas.microsoft.com/office/drawing/2014/main" id="{C7871879-6D8A-4057-86BC-BDA44E202669}"/>
+              </a:ext>
+            </a:extLst>
+          </p:cNvPr>
+          <p:cNvSpPr txBox="1"/>
+          <p:nvPr/>
+        </p:nvSpPr>
+        <p:spPr>
+          <a:xfrm>
+            <a:off x="8852631" y="1201665"/>
+            <a:ext cx="882357" cy="646331"/>
+          </a:xfrm>
+          <a:prstGeom prst="rect">
+            <a:avLst/>
+          </a:prstGeom>
+          <a:noFill/>
+        </p:spPr>
+        <p:txBody>
+          <a:bodyPr wrap="none" rtlCol="0">
+            <a:spAutoFit/>
+          </a:bodyPr>
+          <a:lstStyle/>
+          <a:p>
+            <a:r>
+              <a:rPr lang="en-US" dirty="0"/>
+              <a:t>80 </a:t>
+            </a:r>
+            <a:r>
+              <a:rPr lang="en-US" dirty="0" err="1"/>
+              <a:t>tcp</a:t>
+            </a:r>
+            <a:endParaRPr lang="en-US" dirty="0"/>
+          </a:p>
+          <a:p>
+            <a:r>
+              <a:rPr lang="en-US" dirty="0"/>
+              <a:t>443 </a:t>
+            </a:r>
+            <a:r>
+              <a:rPr lang="en-US" dirty="0" err="1"/>
+              <a:t>tcp</a:t>
+            </a:r>
+            <a:endParaRPr lang="en-US" dirty="0"/>
+          </a:p>
+        </p:txBody>
+      </p:sp>
+      <p:sp>
+        <p:nvSpPr>
+          <p:cNvPr id="25" name="TextBox 24">
+            <a:extLst>
+              <a:ext uri="{FF2B5EF4-FFF2-40B4-BE49-F238E27FC236}">
+                <a16:creationId xmlns:a16="http://schemas.microsoft.com/office/drawing/2014/main" id="{634E1B6E-F2E3-4949-B47B-FAE7F8F94F00}"/>
+              </a:ext>
+            </a:extLst>
+          </p:cNvPr>
+          <p:cNvSpPr txBox="1"/>
+          <p:nvPr/>
+        </p:nvSpPr>
+        <p:spPr>
+          <a:xfrm>
+            <a:off x="10046384" y="2245838"/>
+            <a:ext cx="1910651" cy="369332"/>
+          </a:xfrm>
+          <a:prstGeom prst="rect">
+            <a:avLst/>
+          </a:prstGeom>
+          <a:noFill/>
+        </p:spPr>
+        <p:txBody>
+          <a:bodyPr wrap="none" rtlCol="0">
+            <a:spAutoFit/>
+          </a:bodyPr>
+          <a:lstStyle/>
+          <a:p>
+            <a:r>
+              <a:rPr lang="en-US" dirty="0"/>
+              <a:t>elb.aws.runalsh.ru</a:t>
+            </a:r>
+            <a:endParaRPr lang="ru-RU" dirty="0"/>
+          </a:p>
+        </p:txBody>
+      </p:sp>
+      <p:sp>
+        <p:nvSpPr>
+          <p:cNvPr id="42" name="TextBox 41">
+            <a:extLst>
+              <a:ext uri="{FF2B5EF4-FFF2-40B4-BE49-F238E27FC236}">
+                <a16:creationId xmlns:a16="http://schemas.microsoft.com/office/drawing/2014/main" id="{3CC63FB9-F46E-48C4-90AC-D1BD45F342C9}"/>
+              </a:ext>
+            </a:extLst>
+          </p:cNvPr>
+          <p:cNvSpPr txBox="1"/>
+          <p:nvPr/>
+        </p:nvSpPr>
+        <p:spPr>
+          <a:xfrm>
+            <a:off x="9877217" y="4420271"/>
+            <a:ext cx="2304413" cy="369332"/>
+          </a:xfrm>
+          <a:prstGeom prst="rect">
+            <a:avLst/>
+          </a:prstGeom>
+          <a:noFill/>
+        </p:spPr>
+        <p:txBody>
+          <a:bodyPr wrap="none" rtlCol="0">
+            <a:spAutoFit/>
+          </a:bodyPr>
+          <a:lstStyle/>
+          <a:p>
+            <a:r>
+              <a:rPr lang="en-US" dirty="0"/>
+              <a:t>httplb3.aws.runalsh.ru</a:t>
             </a:r>
             <a:endParaRPr lang="ru-RU" dirty="0"/>
           </a:p>
@@ -6716,145 +7357,10 @@
           <a:chExt cx="0" cy="0"/>
         </a:xfrm>
       </p:grpSpPr>
-      <p:sp>
-        <p:nvSpPr>
-          <p:cNvPr id="2" name="TextBox 1">
-            <a:extLst>
-              <a:ext uri="{FF2B5EF4-FFF2-40B4-BE49-F238E27FC236}">
-                <a16:creationId xmlns:a16="http://schemas.microsoft.com/office/drawing/2014/main" id="{5234DF6D-5F4E-4B6E-B20B-5C8E75606119}"/>
-              </a:ext>
-            </a:extLst>
-          </p:cNvPr>
-          <p:cNvSpPr txBox="1"/>
-          <p:nvPr/>
-        </p:nvSpPr>
-        <p:spPr>
-          <a:xfrm>
-            <a:off x="643467" y="406400"/>
-            <a:ext cx="9685866" cy="2585323"/>
-          </a:xfrm>
-          <a:prstGeom prst="rect">
-            <a:avLst/>
-          </a:prstGeom>
-          <a:noFill/>
-        </p:spPr>
-        <p:txBody>
-          <a:bodyPr wrap="square" rtlCol="0">
-            <a:spAutoFit/>
-          </a:bodyPr>
-          <a:lstStyle/>
-          <a:p>
-            <a:pPr algn="ctr"/>
-            <a:r>
-              <a:rPr lang="en-US" dirty="0"/>
-              <a:t>QA</a:t>
-            </a:r>
-          </a:p>
-          <a:p>
-            <a:pPr marL="342900" indent="-342900">
-              <a:buAutoNum type="arabicParenR"/>
-            </a:pPr>
-            <a:r>
-              <a:rPr lang="ru-RU" dirty="0"/>
-              <a:t>Почему не </a:t>
-            </a:r>
-            <a:r>
-              <a:rPr lang="en-US" dirty="0"/>
-              <a:t>Kubernetes</a:t>
-            </a:r>
-            <a:r>
-              <a:rPr lang="ru-RU" dirty="0"/>
-              <a:t>?</a:t>
-            </a:r>
-          </a:p>
-          <a:p>
-            <a:r>
-              <a:rPr lang="ru-RU" dirty="0"/>
-              <a:t>Для 2 экземпляров приложения не увидел смысла. Да, он даст большую степень доступности, но  нам не требуется избыточная надежность в задании. Балансировщик пришлось бы все равно поднимать свой , а не только пользоваться </a:t>
-            </a:r>
-            <a:r>
-              <a:rPr lang="en-US" dirty="0"/>
-              <a:t>ingress.</a:t>
-            </a:r>
-          </a:p>
-          <a:p>
-            <a:r>
-              <a:rPr lang="ru-RU" dirty="0"/>
-              <a:t>Текущая версия проекта требует 5 </a:t>
-            </a:r>
-            <a:r>
-              <a:rPr lang="ru-RU" dirty="0" err="1"/>
-              <a:t>физ</a:t>
-            </a:r>
-            <a:r>
-              <a:rPr lang="ru-RU" dirty="0"/>
-              <a:t> ядер и 7 </a:t>
-            </a:r>
-            <a:r>
-              <a:rPr lang="ru-RU" dirty="0" err="1"/>
-              <a:t>гб</a:t>
-            </a:r>
-            <a:r>
-              <a:rPr lang="ru-RU" dirty="0"/>
-              <a:t> </a:t>
-            </a:r>
-            <a:r>
-              <a:rPr lang="ru-RU" dirty="0" err="1"/>
-              <a:t>физ</a:t>
-            </a:r>
-            <a:r>
-              <a:rPr lang="ru-RU" dirty="0"/>
-              <a:t> памяти. Если мы выбрали бы </a:t>
-            </a:r>
-            <a:r>
-              <a:rPr lang="en-US" dirty="0"/>
-              <a:t>Kubernetes SaaS 2 </a:t>
-            </a:r>
-            <a:r>
-              <a:rPr lang="ru-RU" dirty="0" err="1"/>
-              <a:t>нодами</a:t>
-            </a:r>
-            <a:r>
-              <a:rPr lang="en-US" dirty="0"/>
-              <a:t> </a:t>
-            </a:r>
-            <a:r>
-              <a:rPr lang="ru-RU" dirty="0"/>
-              <a:t>в 2 зонах доступности, то это</a:t>
-            </a:r>
-            <a:r>
-              <a:rPr lang="en-US" dirty="0"/>
-              <a:t> 8 </a:t>
-            </a:r>
-            <a:r>
-              <a:rPr lang="ru-RU" dirty="0"/>
-              <a:t>ядер и 16 </a:t>
-            </a:r>
-            <a:r>
-              <a:rPr lang="ru-RU" dirty="0" err="1"/>
-              <a:t>гб</a:t>
-            </a:r>
-            <a:r>
-              <a:rPr lang="ru-RU" dirty="0"/>
-              <a:t> памяти, что дороже.</a:t>
-            </a:r>
-          </a:p>
-          <a:p>
-            <a:endParaRPr lang="ru-RU" dirty="0"/>
-          </a:p>
-          <a:p>
-            <a:r>
-              <a:rPr lang="ru-RU" dirty="0"/>
-              <a:t>2)</a:t>
-            </a:r>
-            <a:endParaRPr lang="en-US" dirty="0"/>
-          </a:p>
-        </p:txBody>
-      </p:sp>
     </p:spTree>
     <p:extLst>
       <p:ext uri="{BB962C8B-B14F-4D97-AF65-F5344CB8AC3E}">
-        <p14:creationId xmlns:p14="http://schemas.microsoft.com/office/powerpoint/2010/main" val="981810651"/>
+        <p14:creationId xmlns:p14="http://schemas.microsoft.com/office/powerpoint/2010/main" val="2136293813"/>
       </p:ext>
     </p:extLst>
   </p:cSld>
@@ -6884,7 +7390,7 @@
     </p:spTree>
     <p:extLst>
       <p:ext uri="{BB962C8B-B14F-4D97-AF65-F5344CB8AC3E}">
-        <p14:creationId xmlns:p14="http://schemas.microsoft.com/office/powerpoint/2010/main" val="2136293813"/>
+        <p14:creationId xmlns:p14="http://schemas.microsoft.com/office/powerpoint/2010/main" val="2389937654"/>
       </p:ext>
     </p:extLst>
   </p:cSld>
@@ -6914,7 +7420,7 @@
     </p:spTree>
     <p:extLst>
       <p:ext uri="{BB962C8B-B14F-4D97-AF65-F5344CB8AC3E}">
-        <p14:creationId xmlns:p14="http://schemas.microsoft.com/office/powerpoint/2010/main" val="2389937654"/>
+        <p14:creationId xmlns:p14="http://schemas.microsoft.com/office/powerpoint/2010/main" val="3094519267"/>
       </p:ext>
     </p:extLst>
   </p:cSld>
@@ -7210,36 +7716,6 @@
 </file>
 
 <file path=ppt/slides/slide20.xml><?xml version="1.0" encoding="utf-8"?>
-<p:sld xmlns:a="http://schemas.openxmlformats.org/drawingml/2006/main" xmlns:r="http://schemas.openxmlformats.org/officeDocument/2006/relationships" xmlns:p="http://schemas.openxmlformats.org/presentationml/2006/main">
-  <p:cSld>
-    <p:spTree>
-      <p:nvGrpSpPr>
-        <p:cNvPr id="1" name=""/>
-        <p:cNvGrpSpPr/>
-        <p:nvPr/>
-      </p:nvGrpSpPr>
-      <p:grpSpPr>
-        <a:xfrm>
-          <a:off x="0" y="0"/>
-          <a:ext cx="0" cy="0"/>
-          <a:chOff x="0" y="0"/>
-          <a:chExt cx="0" cy="0"/>
-        </a:xfrm>
-      </p:grpSpPr>
-    </p:spTree>
-    <p:extLst>
-      <p:ext uri="{BB962C8B-B14F-4D97-AF65-F5344CB8AC3E}">
-        <p14:creationId xmlns:p14="http://schemas.microsoft.com/office/powerpoint/2010/main" val="3094519267"/>
-      </p:ext>
-    </p:extLst>
-  </p:cSld>
-  <p:clrMapOvr>
-    <a:masterClrMapping/>
-  </p:clrMapOvr>
-</p:sld>
-</file>
-
-<file path=ppt/slides/slide21.xml><?xml version="1.0" encoding="utf-8"?>
 <p:sld xmlns:a="http://schemas.openxmlformats.org/drawingml/2006/main" xmlns:r="http://schemas.openxmlformats.org/officeDocument/2006/relationships" xmlns:p="http://schemas.openxmlformats.org/presentationml/2006/main">
   <p:cSld>
     <p:spTree>

--- a/presentation.pptx
+++ b/presentation.pptx
@@ -5,26 +5,30 @@
     <p:sldMasterId id="2147483648" r:id="rId1"/>
   </p:sldMasterIdLst>
   <p:sldIdLst>
-    <p:sldId id="260" r:id="rId2"/>
-    <p:sldId id="259" r:id="rId3"/>
-    <p:sldId id="258" r:id="rId4"/>
-    <p:sldId id="266" r:id="rId5"/>
-    <p:sldId id="282" r:id="rId6"/>
-    <p:sldId id="283" r:id="rId7"/>
-    <p:sldId id="284" r:id="rId8"/>
-    <p:sldId id="256" r:id="rId9"/>
-    <p:sldId id="257" r:id="rId10"/>
-    <p:sldId id="262" r:id="rId11"/>
-    <p:sldId id="261" r:id="rId12"/>
-    <p:sldId id="263" r:id="rId13"/>
-    <p:sldId id="264" r:id="rId14"/>
-    <p:sldId id="265" r:id="rId15"/>
-    <p:sldId id="267" r:id="rId16"/>
-    <p:sldId id="268" r:id="rId17"/>
-    <p:sldId id="270" r:id="rId18"/>
-    <p:sldId id="271" r:id="rId19"/>
-    <p:sldId id="272" r:id="rId20"/>
-    <p:sldId id="273" r:id="rId21"/>
+    <p:sldId id="288" r:id="rId2"/>
+    <p:sldId id="260" r:id="rId3"/>
+    <p:sldId id="259" r:id="rId4"/>
+    <p:sldId id="258" r:id="rId5"/>
+    <p:sldId id="266" r:id="rId6"/>
+    <p:sldId id="282" r:id="rId7"/>
+    <p:sldId id="283" r:id="rId8"/>
+    <p:sldId id="284" r:id="rId9"/>
+    <p:sldId id="256" r:id="rId10"/>
+    <p:sldId id="257" r:id="rId11"/>
+    <p:sldId id="262" r:id="rId12"/>
+    <p:sldId id="261" r:id="rId13"/>
+    <p:sldId id="263" r:id="rId14"/>
+    <p:sldId id="264" r:id="rId15"/>
+    <p:sldId id="265" r:id="rId16"/>
+    <p:sldId id="267" r:id="rId17"/>
+    <p:sldId id="268" r:id="rId18"/>
+    <p:sldId id="287" r:id="rId19"/>
+    <p:sldId id="271" r:id="rId20"/>
+    <p:sldId id="272" r:id="rId21"/>
+    <p:sldId id="270" r:id="rId22"/>
+    <p:sldId id="273" r:id="rId23"/>
+    <p:sldId id="285" r:id="rId24"/>
+    <p:sldId id="286" r:id="rId25"/>
   </p:sldIdLst>
   <p:sldSz cx="12192000" cy="6858000"/>
   <p:notesSz cx="6858000" cy="9144000"/>
@@ -278,7 +282,7 @@
           <a:p>
             <a:fld id="{30A09A1A-BC7F-4E01-BFF6-75E0654B607F}" type="datetimeFigureOut">
               <a:rPr lang="ru-RU" smtClean="0"/>
-              <a:t>29.11.2023</a:t>
+              <a:t>01.12.2023</a:t>
             </a:fld>
             <a:endParaRPr lang="ru-RU"/>
           </a:p>
@@ -476,7 +480,7 @@
           <a:p>
             <a:fld id="{30A09A1A-BC7F-4E01-BFF6-75E0654B607F}" type="datetimeFigureOut">
               <a:rPr lang="ru-RU" smtClean="0"/>
-              <a:t>29.11.2023</a:t>
+              <a:t>01.12.2023</a:t>
             </a:fld>
             <a:endParaRPr lang="ru-RU"/>
           </a:p>
@@ -684,7 +688,7 @@
           <a:p>
             <a:fld id="{30A09A1A-BC7F-4E01-BFF6-75E0654B607F}" type="datetimeFigureOut">
               <a:rPr lang="ru-RU" smtClean="0"/>
-              <a:t>29.11.2023</a:t>
+              <a:t>01.12.2023</a:t>
             </a:fld>
             <a:endParaRPr lang="ru-RU"/>
           </a:p>
@@ -882,7 +886,7 @@
           <a:p>
             <a:fld id="{30A09A1A-BC7F-4E01-BFF6-75E0654B607F}" type="datetimeFigureOut">
               <a:rPr lang="ru-RU" smtClean="0"/>
-              <a:t>29.11.2023</a:t>
+              <a:t>01.12.2023</a:t>
             </a:fld>
             <a:endParaRPr lang="ru-RU"/>
           </a:p>
@@ -1157,7 +1161,7 @@
           <a:p>
             <a:fld id="{30A09A1A-BC7F-4E01-BFF6-75E0654B607F}" type="datetimeFigureOut">
               <a:rPr lang="ru-RU" smtClean="0"/>
-              <a:t>29.11.2023</a:t>
+              <a:t>01.12.2023</a:t>
             </a:fld>
             <a:endParaRPr lang="ru-RU"/>
           </a:p>
@@ -1422,7 +1426,7 @@
           <a:p>
             <a:fld id="{30A09A1A-BC7F-4E01-BFF6-75E0654B607F}" type="datetimeFigureOut">
               <a:rPr lang="ru-RU" smtClean="0"/>
-              <a:t>29.11.2023</a:t>
+              <a:t>01.12.2023</a:t>
             </a:fld>
             <a:endParaRPr lang="ru-RU"/>
           </a:p>
@@ -1834,7 +1838,7 @@
           <a:p>
             <a:fld id="{30A09A1A-BC7F-4E01-BFF6-75E0654B607F}" type="datetimeFigureOut">
               <a:rPr lang="ru-RU" smtClean="0"/>
-              <a:t>29.11.2023</a:t>
+              <a:t>01.12.2023</a:t>
             </a:fld>
             <a:endParaRPr lang="ru-RU"/>
           </a:p>
@@ -1975,7 +1979,7 @@
           <a:p>
             <a:fld id="{30A09A1A-BC7F-4E01-BFF6-75E0654B607F}" type="datetimeFigureOut">
               <a:rPr lang="ru-RU" smtClean="0"/>
-              <a:t>29.11.2023</a:t>
+              <a:t>01.12.2023</a:t>
             </a:fld>
             <a:endParaRPr lang="ru-RU"/>
           </a:p>
@@ -2088,7 +2092,7 @@
           <a:p>
             <a:fld id="{30A09A1A-BC7F-4E01-BFF6-75E0654B607F}" type="datetimeFigureOut">
               <a:rPr lang="ru-RU" smtClean="0"/>
-              <a:t>29.11.2023</a:t>
+              <a:t>01.12.2023</a:t>
             </a:fld>
             <a:endParaRPr lang="ru-RU"/>
           </a:p>
@@ -2399,7 +2403,7 @@
           <a:p>
             <a:fld id="{30A09A1A-BC7F-4E01-BFF6-75E0654B607F}" type="datetimeFigureOut">
               <a:rPr lang="ru-RU" smtClean="0"/>
-              <a:t>29.11.2023</a:t>
+              <a:t>01.12.2023</a:t>
             </a:fld>
             <a:endParaRPr lang="ru-RU"/>
           </a:p>
@@ -2687,7 +2691,7 @@
           <a:p>
             <a:fld id="{30A09A1A-BC7F-4E01-BFF6-75E0654B607F}" type="datetimeFigureOut">
               <a:rPr lang="ru-RU" smtClean="0"/>
-              <a:t>29.11.2023</a:t>
+              <a:t>01.12.2023</a:t>
             </a:fld>
             <a:endParaRPr lang="ru-RU"/>
           </a:p>
@@ -2928,7 +2932,7 @@
           <a:p>
             <a:fld id="{30A09A1A-BC7F-4E01-BFF6-75E0654B607F}" type="datetimeFigureOut">
               <a:rPr lang="ru-RU" smtClean="0"/>
-              <a:t>29.11.2023</a:t>
+              <a:t>01.12.2023</a:t>
             </a:fld>
             <a:endParaRPr lang="ru-RU"/>
           </a:p>
@@ -3347,10 +3351,10 @@
       </p:grpSpPr>
       <p:sp>
         <p:nvSpPr>
-          <p:cNvPr id="2" name="TextBox 1">
-            <a:extLst>
-              <a:ext uri="{FF2B5EF4-FFF2-40B4-BE49-F238E27FC236}">
-                <a16:creationId xmlns:a16="http://schemas.microsoft.com/office/drawing/2014/main" id="{5A0977ED-150C-4DBB-B294-37D7073565F5}"/>
+          <p:cNvPr id="4" name="TextBox 3">
+            <a:extLst>
+              <a:ext uri="{FF2B5EF4-FFF2-40B4-BE49-F238E27FC236}">
+                <a16:creationId xmlns:a16="http://schemas.microsoft.com/office/drawing/2014/main" id="{8D533CFB-6942-4BE7-B51C-863B07A32B18}"/>
               </a:ext>
             </a:extLst>
           </p:cNvPr>
@@ -3359,8 +3363,8 @@
         </p:nvSpPr>
         <p:spPr>
           <a:xfrm>
-            <a:off x="575733" y="835942"/>
-            <a:ext cx="4791633" cy="369332"/>
+            <a:off x="977900" y="719667"/>
+            <a:ext cx="10236200" cy="3046988"/>
           </a:xfrm>
           <a:prstGeom prst="rect">
             <a:avLst/>
@@ -3368,54 +3372,48 @@
           <a:noFill/>
         </p:spPr>
         <p:txBody>
-          <a:bodyPr wrap="none" rtlCol="0">
+          <a:bodyPr wrap="square" rtlCol="0">
             <a:spAutoFit/>
           </a:bodyPr>
           <a:lstStyle/>
           <a:p>
             <a:r>
-              <a:rPr lang="ru-RU" dirty="0"/>
-              <a:t>Запускаем бинарный файл – получаем ошибку</a:t>
-            </a:r>
+              <a:rPr lang="en-US" sz="4800" b="1" dirty="0" err="1"/>
+              <a:t>BinGo</a:t>
+            </a:r>
+            <a:r>
+              <a:rPr lang="en-US" sz="4800" b="1" dirty="0"/>
+              <a:t> </a:t>
+            </a:r>
+          </a:p>
+          <a:p>
+            <a:r>
+              <a:rPr lang="en-US" sz="4800" b="1" dirty="0"/>
+              <a:t>                 project</a:t>
+            </a:r>
+          </a:p>
+          <a:p>
+            <a:r>
+              <a:rPr lang="en-US" sz="4800" b="1" dirty="0"/>
+              <a:t>					for </a:t>
+            </a:r>
+          </a:p>
+          <a:p>
+            <a:pPr algn="r"/>
+            <a:r>
+              <a:rPr lang="en-US" sz="4800" b="1" dirty="0"/>
+              <a:t>Young&amp;&amp;Yandex </a:t>
+            </a:r>
+            <a:endParaRPr lang="ru-RU" sz="4800" b="1" dirty="0"/>
           </a:p>
         </p:txBody>
       </p:sp>
-      <p:pic>
-        <p:nvPicPr>
-          <p:cNvPr id="4" name="Рисунок 3">
-            <a:extLst>
-              <a:ext uri="{FF2B5EF4-FFF2-40B4-BE49-F238E27FC236}">
-                <a16:creationId xmlns:a16="http://schemas.microsoft.com/office/drawing/2014/main" id="{7851E758-4223-4F18-B772-1693868C1869}"/>
-              </a:ext>
-            </a:extLst>
-          </p:cNvPr>
-          <p:cNvPicPr>
-            <a:picLocks noChangeAspect="1"/>
-          </p:cNvPicPr>
-          <p:nvPr/>
-        </p:nvPicPr>
-        <p:blipFill>
-          <a:blip r:embed="rId2"/>
-          <a:stretch>
-            <a:fillRect/>
-          </a:stretch>
-        </p:blipFill>
-        <p:spPr>
-          <a:xfrm>
-            <a:off x="6321864" y="188719"/>
-            <a:ext cx="5641490" cy="2258148"/>
-          </a:xfrm>
-          <a:prstGeom prst="rect">
-            <a:avLst/>
-          </a:prstGeom>
-        </p:spPr>
-      </p:pic>
       <p:sp>
         <p:nvSpPr>
           <p:cNvPr id="5" name="TextBox 4">
             <a:extLst>
               <a:ext uri="{FF2B5EF4-FFF2-40B4-BE49-F238E27FC236}">
-                <a16:creationId xmlns:a16="http://schemas.microsoft.com/office/drawing/2014/main" id="{7735E738-DF8B-43D2-B0EE-91755B94D446}"/>
+                <a16:creationId xmlns:a16="http://schemas.microsoft.com/office/drawing/2014/main" id="{BBD41E72-A6DF-4FBA-AA0D-FB3B436F7AB6}"/>
               </a:ext>
             </a:extLst>
           </p:cNvPr>
@@ -3424,8 +3422,8 @@
         </p:nvSpPr>
         <p:spPr>
           <a:xfrm>
-            <a:off x="475626" y="2344746"/>
-            <a:ext cx="5454698" cy="369332"/>
+            <a:off x="977900" y="2819560"/>
+            <a:ext cx="4445000" cy="3785652"/>
           </a:xfrm>
           <a:prstGeom prst="rect">
             <a:avLst/>
@@ -3433,62 +3431,92 @@
           <a:noFill/>
         </p:spPr>
         <p:txBody>
-          <a:bodyPr wrap="none" rtlCol="0">
+          <a:bodyPr wrap="square" rtlCol="0">
             <a:spAutoFit/>
           </a:bodyPr>
           <a:lstStyle/>
           <a:p>
             <a:r>
-              <a:rPr lang="ru-RU" dirty="0"/>
-              <a:t>Запускаем из-под </a:t>
-            </a:r>
-            <a:r>
-              <a:rPr lang="en-US" dirty="0" err="1"/>
-              <a:t>strace</a:t>
-            </a:r>
-            <a:r>
-              <a:rPr lang="ru-RU" dirty="0"/>
-              <a:t>, видим что не находит файл</a:t>
-            </a:r>
+              <a:rPr lang="en-US" sz="2000" b="1" dirty="0"/>
+              <a:t>From:</a:t>
+            </a:r>
+          </a:p>
+          <a:p>
+            <a:endParaRPr lang="en-US" sz="2000" dirty="0"/>
+          </a:p>
+          <a:p>
+            <a:r>
+              <a:rPr lang="en-US" sz="2000" dirty="0"/>
+              <a:t>Ilnur </a:t>
+            </a:r>
+            <a:r>
+              <a:rPr lang="en-US" sz="2000" dirty="0" err="1"/>
+              <a:t>Shaidullin</a:t>
+            </a:r>
+            <a:endParaRPr lang="en-US" sz="2000" dirty="0"/>
+          </a:p>
+          <a:p>
+            <a:endParaRPr lang="en-US" sz="2000" dirty="0"/>
+          </a:p>
+          <a:p>
+            <a:r>
+              <a:rPr lang="en-US" sz="2000" dirty="0"/>
+              <a:t>shaidullin2@gmail.com</a:t>
+            </a:r>
+          </a:p>
+          <a:p>
+            <a:r>
+              <a:rPr lang="en-US" sz="2000" dirty="0">
+                <a:hlinkClick r:id="rId2"/>
+              </a:rPr>
+              <a:t>https://github.com/runalsh</a:t>
+            </a:r>
+            <a:endParaRPr lang="en-US" sz="2000" dirty="0"/>
+          </a:p>
+          <a:p>
+            <a:r>
+              <a:rPr lang="en-US" sz="2000" dirty="0">
+                <a:hlinkClick r:id="rId3"/>
+              </a:rPr>
+              <a:t>https://gitlab.com/runalsh</a:t>
+            </a:r>
+            <a:endParaRPr lang="en-US" sz="2000" dirty="0"/>
+          </a:p>
+          <a:p>
+            <a:endParaRPr lang="en-US" sz="2000" dirty="0"/>
+          </a:p>
+          <a:p>
+            <a:r>
+              <a:rPr lang="en-US" sz="2000" dirty="0"/>
+              <a:t>https://vk.com/runalsh</a:t>
+            </a:r>
+          </a:p>
+          <a:p>
+            <a:r>
+              <a:rPr lang="en-US" sz="2000" dirty="0">
+                <a:hlinkClick r:id="rId4"/>
+              </a:rPr>
+              <a:t>https://t.me/zmeyzloy/</a:t>
+            </a:r>
+            <a:endParaRPr lang="en-US" sz="2000" dirty="0"/>
+          </a:p>
+          <a:p>
+            <a:r>
+              <a:rPr lang="en-US" sz="2000" dirty="0"/>
+              <a:t>https://www.linkedin.com/in/runalsh/</a:t>
+            </a:r>
+          </a:p>
+          <a:p>
+            <a:endParaRPr lang="en-US" sz="2000" dirty="0"/>
           </a:p>
         </p:txBody>
       </p:sp>
-      <p:pic>
-        <p:nvPicPr>
-          <p:cNvPr id="7" name="Рисунок 6">
-            <a:extLst>
-              <a:ext uri="{FF2B5EF4-FFF2-40B4-BE49-F238E27FC236}">
-                <a16:creationId xmlns:a16="http://schemas.microsoft.com/office/drawing/2014/main" id="{6FCC2CF9-4427-4118-8937-92BCB65ED086}"/>
-              </a:ext>
-            </a:extLst>
-          </p:cNvPr>
-          <p:cNvPicPr>
-            <a:picLocks noChangeAspect="1"/>
-          </p:cNvPicPr>
-          <p:nvPr/>
-        </p:nvPicPr>
-        <p:blipFill>
-          <a:blip r:embed="rId3"/>
-          <a:stretch>
-            <a:fillRect/>
-          </a:stretch>
-        </p:blipFill>
-        <p:spPr>
-          <a:xfrm>
-            <a:off x="3021633" y="2887001"/>
-            <a:ext cx="8992855" cy="1390844"/>
-          </a:xfrm>
-          <a:prstGeom prst="rect">
-            <a:avLst/>
-          </a:prstGeom>
-        </p:spPr>
-      </p:pic>
       <p:sp>
         <p:nvSpPr>
           <p:cNvPr id="8" name="TextBox 7">
             <a:extLst>
               <a:ext uri="{FF2B5EF4-FFF2-40B4-BE49-F238E27FC236}">
-                <a16:creationId xmlns:a16="http://schemas.microsoft.com/office/drawing/2014/main" id="{CE35E7E1-7D03-4AF3-B31F-05B830F87FEE}"/>
+                <a16:creationId xmlns:a16="http://schemas.microsoft.com/office/drawing/2014/main" id="{FDF09DC3-4676-4371-A15D-BCC9E283EF1D}"/>
               </a:ext>
             </a:extLst>
           </p:cNvPr>
@@ -3497,8 +3525,8 @@
         </p:nvSpPr>
         <p:spPr>
           <a:xfrm>
-            <a:off x="574995" y="4597812"/>
-            <a:ext cx="4469942" cy="369332"/>
+            <a:off x="8551333" y="5303236"/>
+            <a:ext cx="3031067" cy="923330"/>
           </a:xfrm>
           <a:prstGeom prst="rect">
             <a:avLst/>
@@ -3506,57 +3534,36 @@
           <a:noFill/>
         </p:spPr>
         <p:txBody>
-          <a:bodyPr wrap="none" rtlCol="0">
+          <a:bodyPr wrap="square">
             <a:spAutoFit/>
           </a:bodyPr>
           <a:lstStyle/>
           <a:p>
             <a:r>
-              <a:rPr lang="ru-RU" dirty="0"/>
-              <a:t>Создаем его, снова запускаем из-под </a:t>
-            </a:r>
-            <a:r>
-              <a:rPr lang="en-US" dirty="0" err="1"/>
-              <a:t>strace</a:t>
-            </a:r>
-            <a:endParaRPr lang="ru-RU" dirty="0"/>
+              <a:rPr lang="en-US" sz="1800" dirty="0"/>
+              <a:t>Kazan</a:t>
+            </a:r>
+          </a:p>
+          <a:p>
+            <a:r>
+              <a:rPr lang="en-US" sz="1800" dirty="0"/>
+              <a:t>Russia Federation </a:t>
+            </a:r>
+          </a:p>
+          <a:p>
+            <a:pPr algn="r"/>
+            <a:r>
+              <a:rPr lang="en-US" sz="1800" dirty="0"/>
+              <a:t>11-2023</a:t>
+            </a:r>
+            <a:endParaRPr lang="ru-RU" sz="1800" dirty="0"/>
           </a:p>
         </p:txBody>
       </p:sp>
-      <p:pic>
-        <p:nvPicPr>
-          <p:cNvPr id="10" name="Рисунок 9">
-            <a:extLst>
-              <a:ext uri="{FF2B5EF4-FFF2-40B4-BE49-F238E27FC236}">
-                <a16:creationId xmlns:a16="http://schemas.microsoft.com/office/drawing/2014/main" id="{0265F07C-F5AD-4608-B30F-88EA2B3A3299}"/>
-              </a:ext>
-            </a:extLst>
-          </p:cNvPr>
-          <p:cNvPicPr>
-            <a:picLocks noChangeAspect="1"/>
-          </p:cNvPicPr>
-          <p:nvPr/>
-        </p:nvPicPr>
-        <p:blipFill>
-          <a:blip r:embed="rId4"/>
-          <a:stretch>
-            <a:fillRect/>
-          </a:stretch>
-        </p:blipFill>
-        <p:spPr>
-          <a:xfrm>
-            <a:off x="2809966" y="5136725"/>
-            <a:ext cx="9338733" cy="1412092"/>
-          </a:xfrm>
-          <a:prstGeom prst="rect">
-            <a:avLst/>
-          </a:prstGeom>
-        </p:spPr>
-      </p:pic>
     </p:spTree>
     <p:extLst>
       <p:ext uri="{BB962C8B-B14F-4D97-AF65-F5344CB8AC3E}">
-        <p14:creationId xmlns:p14="http://schemas.microsoft.com/office/powerpoint/2010/main" val="1781015891"/>
+        <p14:creationId xmlns:p14="http://schemas.microsoft.com/office/powerpoint/2010/main" val="1133702913"/>
       </p:ext>
     </p:extLst>
   </p:cSld>
@@ -3583,583 +3590,12 @@
           <a:chExt cx="0" cy="0"/>
         </a:xfrm>
       </p:grpSpPr>
-      <p:sp>
-        <p:nvSpPr>
-          <p:cNvPr id="2" name="TextBox 1">
-            <a:extLst>
-              <a:ext uri="{FF2B5EF4-FFF2-40B4-BE49-F238E27FC236}">
-                <a16:creationId xmlns:a16="http://schemas.microsoft.com/office/drawing/2014/main" id="{C746FA53-8710-4137-A40D-B5C24BD138E7}"/>
-              </a:ext>
-            </a:extLst>
-          </p:cNvPr>
-          <p:cNvSpPr txBox="1"/>
-          <p:nvPr/>
-        </p:nvSpPr>
-        <p:spPr>
-          <a:xfrm>
-            <a:off x="311368" y="3566295"/>
-            <a:ext cx="4226222" cy="2246769"/>
-          </a:xfrm>
-          <a:prstGeom prst="rect">
-            <a:avLst/>
-          </a:prstGeom>
-          <a:noFill/>
-        </p:spPr>
-        <p:txBody>
-          <a:bodyPr wrap="none" rtlCol="0">
-            <a:spAutoFit/>
-          </a:bodyPr>
-          <a:lstStyle/>
-          <a:p>
-            <a:r>
-              <a:rPr lang="ru-RU" sz="1400" dirty="0"/>
-              <a:t>Просто</a:t>
-            </a:r>
-            <a:r>
-              <a:rPr lang="en-US" sz="1400" dirty="0"/>
-              <a:t> </a:t>
-            </a:r>
-            <a:r>
-              <a:rPr lang="ru-RU" sz="1400" dirty="0"/>
-              <a:t>и быстро</a:t>
-            </a:r>
-            <a:r>
-              <a:rPr lang="en-US" sz="1400" dirty="0"/>
-              <a:t>.</a:t>
-            </a:r>
-          </a:p>
-          <a:p>
-            <a:endParaRPr lang="ru-RU" sz="1400" dirty="0"/>
-          </a:p>
-          <a:p>
-            <a:r>
-              <a:rPr lang="ru-RU" sz="1400" dirty="0"/>
-              <a:t>Всего 2 </a:t>
-            </a:r>
-            <a:r>
-              <a:rPr lang="en-US" sz="1400" dirty="0"/>
-              <a:t>EC2 </a:t>
-            </a:r>
-            <a:r>
-              <a:rPr lang="ru-RU" sz="1400" dirty="0" err="1"/>
-              <a:t>ноды</a:t>
-            </a:r>
-            <a:r>
-              <a:rPr lang="en-US" sz="1400" dirty="0"/>
-              <a:t>.</a:t>
-            </a:r>
-          </a:p>
-          <a:p>
-            <a:endParaRPr lang="ru-RU" sz="1400" dirty="0"/>
-          </a:p>
-          <a:p>
-            <a:r>
-              <a:rPr lang="en-US" sz="1400" dirty="0"/>
-              <a:t>PostgreSQL </a:t>
-            </a:r>
-            <a:r>
-              <a:rPr lang="ru-RU" sz="1400" dirty="0"/>
-              <a:t>как </a:t>
-            </a:r>
-            <a:r>
-              <a:rPr lang="en-US" sz="1400" dirty="0"/>
-              <a:t>SaaS </a:t>
-            </a:r>
-            <a:r>
-              <a:rPr lang="ru-RU" sz="1400" dirty="0"/>
-              <a:t>(</a:t>
-            </a:r>
-            <a:r>
-              <a:rPr lang="en-US" sz="1400" dirty="0"/>
-              <a:t>Amazon RDS</a:t>
-            </a:r>
-            <a:r>
-              <a:rPr lang="ru-RU" sz="1400" dirty="0"/>
-              <a:t>)</a:t>
-            </a:r>
-            <a:r>
-              <a:rPr lang="en-US" sz="1400" dirty="0"/>
-              <a:t> .</a:t>
-            </a:r>
-          </a:p>
-          <a:p>
-            <a:endParaRPr lang="ru-RU" sz="1400" dirty="0"/>
-          </a:p>
-          <a:p>
-            <a:r>
-              <a:rPr lang="ru-RU" sz="1400" dirty="0"/>
-              <a:t>Доступность </a:t>
-            </a:r>
-            <a:r>
-              <a:rPr lang="ru-RU" sz="1400" dirty="0" err="1"/>
-              <a:t>нод</a:t>
-            </a:r>
-            <a:r>
-              <a:rPr lang="ru-RU" sz="1400" dirty="0"/>
-              <a:t> обеспечивается</a:t>
-            </a:r>
-            <a:r>
-              <a:rPr lang="en-US" sz="1400" dirty="0"/>
-              <a:t> </a:t>
-            </a:r>
-            <a:r>
-              <a:rPr lang="ru-RU" sz="1400" dirty="0"/>
-              <a:t>и </a:t>
-            </a:r>
-            <a:r>
-              <a:rPr lang="ru-RU" sz="1400" dirty="0" err="1"/>
-              <a:t>мониторится</a:t>
-            </a:r>
-            <a:r>
-              <a:rPr lang="ru-RU" sz="1400" dirty="0"/>
-              <a:t> </a:t>
-            </a:r>
-            <a:r>
-              <a:rPr lang="en-US" sz="1400" dirty="0"/>
-              <a:t>ELB.</a:t>
-            </a:r>
-          </a:p>
-          <a:p>
-            <a:endParaRPr lang="ru-RU" sz="1400" dirty="0"/>
-          </a:p>
-          <a:p>
-            <a:r>
-              <a:rPr lang="ru-RU" sz="1400" dirty="0"/>
-              <a:t>В случае отказа </a:t>
-            </a:r>
-            <a:r>
-              <a:rPr lang="ru-RU" sz="1400" dirty="0" err="1"/>
-              <a:t>автоскейлер</a:t>
-            </a:r>
-            <a:r>
-              <a:rPr lang="ru-RU" sz="1400" dirty="0"/>
-              <a:t> по требованию </a:t>
-            </a:r>
-            <a:r>
-              <a:rPr lang="en-US" sz="1400" dirty="0"/>
-              <a:t>ELB </a:t>
-            </a:r>
-          </a:p>
-          <a:p>
-            <a:r>
-              <a:rPr lang="ru-RU" sz="1400" dirty="0"/>
-              <a:t>поднимает ещё одну </a:t>
-            </a:r>
-            <a:r>
-              <a:rPr lang="ru-RU" sz="1400" dirty="0" err="1"/>
-              <a:t>ноду</a:t>
-            </a:r>
-            <a:r>
-              <a:rPr lang="ru-RU" sz="1400" dirty="0"/>
-              <a:t> взамен недоступной</a:t>
-            </a:r>
-            <a:r>
-              <a:rPr lang="en-US" sz="1400" dirty="0"/>
-              <a:t> </a:t>
-            </a:r>
-            <a:r>
-              <a:rPr lang="ru-RU" sz="1400" dirty="0"/>
-              <a:t> </a:t>
-            </a:r>
-            <a:endParaRPr lang="en-US" sz="1400" dirty="0"/>
-          </a:p>
-        </p:txBody>
-      </p:sp>
-      <p:sp>
-        <p:nvSpPr>
-          <p:cNvPr id="3" name="TextBox 2">
-            <a:extLst>
-              <a:ext uri="{FF2B5EF4-FFF2-40B4-BE49-F238E27FC236}">
-                <a16:creationId xmlns:a16="http://schemas.microsoft.com/office/drawing/2014/main" id="{3B6ADD95-DEBE-4AEE-B800-5B96E139C193}"/>
-              </a:ext>
-            </a:extLst>
-          </p:cNvPr>
-          <p:cNvSpPr txBox="1"/>
-          <p:nvPr/>
-        </p:nvSpPr>
-        <p:spPr>
-          <a:xfrm>
-            <a:off x="4606525" y="3135407"/>
-            <a:ext cx="7270837" cy="3539430"/>
-          </a:xfrm>
-          <a:prstGeom prst="rect">
-            <a:avLst/>
-          </a:prstGeom>
-          <a:noFill/>
-        </p:spPr>
-        <p:txBody>
-          <a:bodyPr wrap="none" rtlCol="0">
-            <a:spAutoFit/>
-          </a:bodyPr>
-          <a:lstStyle/>
-          <a:p>
-            <a:r>
-              <a:rPr lang="ru-RU" sz="1400" dirty="0"/>
-              <a:t>Снятие лога запросов с </a:t>
-            </a:r>
-            <a:r>
-              <a:rPr lang="en-US" sz="1400" dirty="0"/>
-              <a:t>ELB</a:t>
-            </a:r>
-            <a:r>
-              <a:rPr lang="ru-RU" sz="1400" dirty="0"/>
-              <a:t> требует </a:t>
-            </a:r>
-            <a:r>
-              <a:rPr lang="en-US" sz="1400" dirty="0"/>
-              <a:t> </a:t>
-            </a:r>
-            <a:r>
-              <a:rPr lang="ru-RU" sz="1400" dirty="0"/>
-              <a:t>экспорт их в </a:t>
-            </a:r>
-            <a:r>
-              <a:rPr lang="en-US" sz="1400" dirty="0"/>
-              <a:t>S3 </a:t>
-            </a:r>
-            <a:r>
-              <a:rPr lang="ru-RU" sz="1400" dirty="0"/>
-              <a:t>и последующий анализ в </a:t>
-            </a:r>
-            <a:r>
-              <a:rPr lang="en-US" sz="1400" dirty="0"/>
-              <a:t>CloudTrail.</a:t>
-            </a:r>
-          </a:p>
-          <a:p>
-            <a:r>
-              <a:rPr lang="ru-RU" sz="1400" dirty="0"/>
-              <a:t>Анализ лога при помощи </a:t>
-            </a:r>
-            <a:r>
-              <a:rPr lang="en-US" sz="1400" dirty="0"/>
-              <a:t>Lambda </a:t>
-            </a:r>
-            <a:r>
-              <a:rPr lang="ru-RU" sz="1400" dirty="0"/>
-              <a:t>и последующий </a:t>
-            </a:r>
-            <a:endParaRPr lang="en-US" sz="1400" dirty="0"/>
-          </a:p>
-          <a:p>
-            <a:r>
-              <a:rPr lang="ru-RU" sz="1400" dirty="0"/>
-              <a:t>экспорт через </a:t>
-            </a:r>
-            <a:r>
-              <a:rPr lang="en-US" sz="1400" dirty="0"/>
-              <a:t>S3 </a:t>
-            </a:r>
-            <a:r>
-              <a:rPr lang="ru-RU" sz="1400" dirty="0"/>
-              <a:t>в </a:t>
-            </a:r>
-            <a:r>
-              <a:rPr lang="en-US" sz="1400" dirty="0"/>
-              <a:t>Cloud Watch.</a:t>
-            </a:r>
-          </a:p>
-          <a:p>
-            <a:r>
-              <a:rPr lang="ru-RU" sz="1400" dirty="0"/>
-              <a:t>Ограничения от </a:t>
-            </a:r>
-            <a:r>
-              <a:rPr lang="en-US" sz="1400" dirty="0"/>
-              <a:t>AWS </a:t>
-            </a:r>
-            <a:r>
-              <a:rPr lang="ru-RU" sz="1400" dirty="0"/>
-              <a:t>на создание и подписание сертификатов домена в </a:t>
-            </a:r>
-            <a:endParaRPr lang="en-US" sz="1400" dirty="0"/>
-          </a:p>
-          <a:p>
-            <a:r>
-              <a:rPr lang="en-US" sz="1400" dirty="0"/>
-              <a:t>Route53</a:t>
-            </a:r>
-            <a:r>
-              <a:rPr lang="ru-RU" sz="1400" dirty="0"/>
-              <a:t>.</a:t>
-            </a:r>
-          </a:p>
-          <a:p>
-            <a:r>
-              <a:rPr lang="en-US" sz="1400" dirty="0"/>
-              <a:t>Amazon RDS </a:t>
-            </a:r>
-            <a:r>
-              <a:rPr lang="ru-RU" sz="1400" dirty="0"/>
-              <a:t>не включает в себя </a:t>
-            </a:r>
-            <a:r>
-              <a:rPr lang="en-US" sz="1400" dirty="0"/>
-              <a:t>PG bouncer</a:t>
-            </a:r>
-            <a:r>
-              <a:rPr lang="ru-RU" sz="1400" dirty="0"/>
-              <a:t>,</a:t>
-            </a:r>
-            <a:r>
-              <a:rPr lang="en-US" sz="1400" dirty="0"/>
-              <a:t> </a:t>
-            </a:r>
-            <a:r>
-              <a:rPr lang="ru-RU" sz="1400" dirty="0"/>
-              <a:t>его пришлось бы ставить на рабочие </a:t>
-            </a:r>
-            <a:r>
-              <a:rPr lang="ru-RU" sz="1400" dirty="0" err="1"/>
-              <a:t>ноды</a:t>
-            </a:r>
-            <a:r>
-              <a:rPr lang="ru-RU" sz="1400" dirty="0"/>
-              <a:t>.</a:t>
-            </a:r>
-            <a:endParaRPr lang="en-US" sz="1400" dirty="0"/>
-          </a:p>
-          <a:p>
-            <a:r>
-              <a:rPr lang="en-US" sz="1400" dirty="0" err="1"/>
-              <a:t>Мониторинг</a:t>
-            </a:r>
-            <a:r>
-              <a:rPr lang="en-US" sz="1400" dirty="0"/>
-              <a:t> </a:t>
-            </a:r>
-            <a:r>
-              <a:rPr lang="ru-RU" sz="1400" dirty="0"/>
-              <a:t>не такой гибкий как при самостоятельной настройке даже если ставить </a:t>
-            </a:r>
-          </a:p>
-          <a:p>
-            <a:r>
-              <a:rPr lang="ru-RU" sz="1400" dirty="0" err="1"/>
-              <a:t>шиперы</a:t>
-            </a:r>
-            <a:r>
-              <a:rPr lang="ru-RU" sz="1400" dirty="0"/>
-              <a:t> логов на </a:t>
-            </a:r>
-            <a:r>
-              <a:rPr lang="ru-RU" sz="1400" dirty="0" err="1"/>
-              <a:t>ноды</a:t>
-            </a:r>
-            <a:r>
-              <a:rPr lang="ru-RU" sz="1400" dirty="0"/>
-              <a:t> и сбор в </a:t>
-            </a:r>
-            <a:r>
-              <a:rPr lang="en-US" sz="1400" dirty="0"/>
-              <a:t>CloudWatch</a:t>
-            </a:r>
-            <a:r>
-              <a:rPr lang="ru-RU" sz="1400" dirty="0"/>
-              <a:t>.</a:t>
-            </a:r>
-          </a:p>
-          <a:p>
-            <a:r>
-              <a:rPr lang="ru-RU" sz="1400" dirty="0"/>
-              <a:t>Оповещения пришлось бы настраивать через </a:t>
-            </a:r>
-            <a:r>
-              <a:rPr lang="en-US" sz="1400" dirty="0"/>
-              <a:t>Amazon SNS</a:t>
-            </a:r>
-            <a:r>
-              <a:rPr lang="ru-RU" sz="1400" dirty="0"/>
-              <a:t>.</a:t>
-            </a:r>
-          </a:p>
-          <a:p>
-            <a:endParaRPr lang="ru-RU" sz="1400" dirty="0"/>
-          </a:p>
-          <a:p>
-            <a:r>
-              <a:rPr lang="ru-RU" sz="1400" dirty="0"/>
-              <a:t>Classic </a:t>
-            </a:r>
-            <a:r>
-              <a:rPr lang="en-US" sz="1400" dirty="0"/>
-              <a:t>Load Balancer </a:t>
-            </a:r>
-            <a:r>
-              <a:rPr lang="ru-RU" sz="1400" dirty="0"/>
-              <a:t>НЕ поддерживает</a:t>
-            </a:r>
-            <a:r>
-              <a:rPr lang="en-US" sz="1400" dirty="0"/>
-              <a:t> HTTP/3 </a:t>
-            </a:r>
-            <a:r>
-              <a:rPr lang="ru-RU" sz="1400" dirty="0"/>
-              <a:t>при режиме работы в </a:t>
-            </a:r>
-            <a:r>
-              <a:rPr lang="en-US" sz="1400" dirty="0"/>
-              <a:t>L7 (2023 </a:t>
-            </a:r>
-            <a:r>
-              <a:rPr lang="ru-RU" sz="1400" dirty="0"/>
-              <a:t>год </a:t>
-            </a:r>
-            <a:r>
-              <a:rPr lang="en-US" sz="1400" dirty="0"/>
-              <a:t>, sic!)</a:t>
-            </a:r>
-            <a:r>
-              <a:rPr lang="ru-RU" sz="1400" dirty="0"/>
-              <a:t>. </a:t>
-            </a:r>
-            <a:endParaRPr lang="en-US" sz="1400" dirty="0"/>
-          </a:p>
-          <a:p>
-            <a:r>
-              <a:rPr lang="ru-RU" sz="1400" dirty="0"/>
-              <a:t>Если перевести на </a:t>
-            </a:r>
-            <a:r>
-              <a:rPr lang="en-US" sz="1400" dirty="0"/>
-              <a:t>L4, </a:t>
-            </a:r>
-            <a:r>
-              <a:rPr lang="ru-RU" sz="1400" dirty="0"/>
-              <a:t>то на каждой </a:t>
-            </a:r>
-            <a:r>
-              <a:rPr lang="ru-RU" sz="1400" dirty="0" err="1"/>
-              <a:t>ноде</a:t>
-            </a:r>
-            <a:r>
-              <a:rPr lang="ru-RU" sz="1400" dirty="0"/>
-              <a:t> с </a:t>
-            </a:r>
-            <a:r>
-              <a:rPr lang="en-US" sz="1400" dirty="0"/>
-              <a:t>Bingo </a:t>
-            </a:r>
-            <a:r>
-              <a:rPr lang="ru-RU" sz="1400" dirty="0"/>
-              <a:t>придется ставить свой </a:t>
-            </a:r>
-            <a:r>
-              <a:rPr lang="en-US" sz="1400" dirty="0"/>
-              <a:t>Nginx </a:t>
-            </a:r>
-            <a:r>
-              <a:rPr lang="ru-RU" sz="1400" dirty="0"/>
-              <a:t>для </a:t>
-            </a:r>
-            <a:endParaRPr lang="en-US" sz="1400" dirty="0"/>
-          </a:p>
-          <a:p>
-            <a:r>
-              <a:rPr lang="ru-RU" sz="1400" dirty="0"/>
-              <a:t>поддержки </a:t>
-            </a:r>
-            <a:r>
-              <a:rPr lang="en-US" sz="1400" dirty="0"/>
-              <a:t>HTTP/3 </a:t>
-            </a:r>
-            <a:r>
-              <a:rPr lang="ru-RU" sz="1400" dirty="0"/>
-              <a:t>либо перед С</a:t>
-            </a:r>
-            <a:r>
-              <a:rPr lang="en-US" sz="1400" dirty="0"/>
-              <a:t>LB</a:t>
-            </a:r>
-            <a:r>
-              <a:rPr lang="ru-RU" sz="1400" dirty="0"/>
-              <a:t> ставить </a:t>
-            </a:r>
-            <a:r>
-              <a:rPr lang="en-US" sz="1400" dirty="0"/>
-              <a:t>EC2 </a:t>
-            </a:r>
-            <a:r>
-              <a:rPr lang="ru-RU" sz="1400" dirty="0"/>
-              <a:t>инстанс только с одним </a:t>
-            </a:r>
-            <a:r>
-              <a:rPr lang="en-US" sz="1400" dirty="0"/>
-              <a:t>Nginx, </a:t>
-            </a:r>
-            <a:r>
-              <a:rPr lang="ru-RU" sz="1400" dirty="0"/>
-              <a:t>с которого бы </a:t>
-            </a:r>
-            <a:endParaRPr lang="en-US" sz="1400" dirty="0"/>
-          </a:p>
-          <a:p>
-            <a:r>
-              <a:rPr lang="ru-RU" sz="1400" dirty="0"/>
-              <a:t>трафик уходил на </a:t>
-            </a:r>
-            <a:r>
-              <a:rPr lang="en-US" sz="1400" dirty="0"/>
-              <a:t>CLB</a:t>
-            </a:r>
-            <a:r>
-              <a:rPr lang="ru-RU" sz="1400" dirty="0"/>
-              <a:t>, а  с него на рабочие </a:t>
-            </a:r>
-            <a:r>
-              <a:rPr lang="ru-RU" sz="1400" dirty="0" err="1"/>
-              <a:t>ноды</a:t>
-            </a:r>
-            <a:r>
-              <a:rPr lang="ru-RU" sz="1400" dirty="0"/>
-              <a:t>.</a:t>
-            </a:r>
-            <a:endParaRPr lang="en-US" sz="1400" dirty="0"/>
-          </a:p>
-          <a:p>
-            <a:r>
-              <a:rPr lang="ru-RU" sz="1400" dirty="0"/>
-              <a:t>Привязка к </a:t>
-            </a:r>
-            <a:r>
-              <a:rPr lang="en-US" sz="1400" dirty="0"/>
-              <a:t>CLB </a:t>
-            </a:r>
-            <a:r>
-              <a:rPr lang="ru-RU" sz="1400" dirty="0"/>
-              <a:t>была связана с использованием </a:t>
-            </a:r>
-            <a:r>
-              <a:rPr lang="ru-RU" sz="1400" dirty="0" err="1"/>
-              <a:t>автоскейлера</a:t>
-            </a:r>
-            <a:r>
-              <a:rPr lang="ru-RU" sz="1400" dirty="0"/>
-              <a:t>, который выступал качестве</a:t>
-            </a:r>
-          </a:p>
-          <a:p>
-            <a:r>
-              <a:rPr lang="ru-RU" sz="1400" dirty="0"/>
-              <a:t> </a:t>
-            </a:r>
-            <a:r>
-              <a:rPr lang="ru-RU" sz="1400" dirty="0" err="1"/>
-              <a:t>таргет</a:t>
-            </a:r>
-            <a:r>
-              <a:rPr lang="ru-RU" sz="1400" dirty="0"/>
-              <a:t> группы для балансировщика</a:t>
-            </a:r>
-          </a:p>
-        </p:txBody>
-      </p:sp>
       <p:pic>
         <p:nvPicPr>
-          <p:cNvPr id="4" name="Рисунок 3">
-            <a:extLst>
-              <a:ext uri="{FF2B5EF4-FFF2-40B4-BE49-F238E27FC236}">
-                <a16:creationId xmlns:a16="http://schemas.microsoft.com/office/drawing/2014/main" id="{EF840777-F270-473E-87FE-B21A0550C563}"/>
+          <p:cNvPr id="5" name="Рисунок 4">
+            <a:extLst>
+              <a:ext uri="{FF2B5EF4-FFF2-40B4-BE49-F238E27FC236}">
+                <a16:creationId xmlns:a16="http://schemas.microsoft.com/office/drawing/2014/main" id="{A5E3AF91-4265-41A0-A991-9B3CE463379D}"/>
               </a:ext>
             </a:extLst>
           </p:cNvPr>
@@ -4176,8 +3612,8 @@
         </p:blipFill>
         <p:spPr>
           <a:xfrm>
-            <a:off x="2692399" y="90708"/>
-            <a:ext cx="6189133" cy="2555115"/>
+            <a:off x="0" y="1077659"/>
+            <a:ext cx="12192000" cy="5033333"/>
           </a:xfrm>
           <a:prstGeom prst="rect">
             <a:avLst/>
@@ -4186,10 +3622,10 @@
       </p:pic>
       <p:sp>
         <p:nvSpPr>
-          <p:cNvPr id="5" name="TextBox 4">
-            <a:extLst>
-              <a:ext uri="{FF2B5EF4-FFF2-40B4-BE49-F238E27FC236}">
-                <a16:creationId xmlns:a16="http://schemas.microsoft.com/office/drawing/2014/main" id="{B2694018-D2C9-4A1A-AE3D-1D8C7490F043}"/>
+          <p:cNvPr id="6" name="TextBox 5">
+            <a:extLst>
+              <a:ext uri="{FF2B5EF4-FFF2-40B4-BE49-F238E27FC236}">
+                <a16:creationId xmlns:a16="http://schemas.microsoft.com/office/drawing/2014/main" id="{E67A6B27-7318-4920-9677-623A7DD56663}"/>
               </a:ext>
             </a:extLst>
           </p:cNvPr>
@@ -4198,8 +3634,8 @@
         </p:nvSpPr>
         <p:spPr>
           <a:xfrm>
-            <a:off x="1674615" y="2837508"/>
-            <a:ext cx="490840" cy="830997"/>
+            <a:off x="5163547" y="333742"/>
+            <a:ext cx="1365758" cy="738664"/>
           </a:xfrm>
           <a:prstGeom prst="rect">
             <a:avLst/>
@@ -4213,53 +3649,23 @@
           <a:lstStyle/>
           <a:p>
             <a:r>
-              <a:rPr lang="en-US" sz="4800" dirty="0"/>
-              <a:t>+</a:t>
-            </a:r>
-            <a:endParaRPr lang="ru-RU" sz="4800" dirty="0"/>
-          </a:p>
-        </p:txBody>
-      </p:sp>
-      <p:sp>
-        <p:nvSpPr>
-          <p:cNvPr id="6" name="TextBox 5">
-            <a:extLst>
-              <a:ext uri="{FF2B5EF4-FFF2-40B4-BE49-F238E27FC236}">
-                <a16:creationId xmlns:a16="http://schemas.microsoft.com/office/drawing/2014/main" id="{A1FB052E-19F0-450E-956C-232EAB8799D7}"/>
-              </a:ext>
-            </a:extLst>
-          </p:cNvPr>
-          <p:cNvSpPr txBox="1"/>
-          <p:nvPr/>
-        </p:nvSpPr>
-        <p:spPr>
-          <a:xfrm>
-            <a:off x="7956111" y="2490991"/>
-            <a:ext cx="373820" cy="830997"/>
-          </a:xfrm>
-          <a:prstGeom prst="rect">
-            <a:avLst/>
-          </a:prstGeom>
-          <a:noFill/>
-        </p:spPr>
-        <p:txBody>
-          <a:bodyPr wrap="none" rtlCol="0">
-            <a:spAutoFit/>
-          </a:bodyPr>
-          <a:lstStyle/>
-          <a:p>
-            <a:r>
-              <a:rPr lang="en-US" sz="4800" dirty="0"/>
-              <a:t>-</a:t>
-            </a:r>
-            <a:endParaRPr lang="ru-RU" sz="4800" dirty="0"/>
+              <a:rPr lang="en-US" sz="2400" b="1" dirty="0"/>
+              <a:t>Version 2</a:t>
+            </a:r>
+          </a:p>
+          <a:p>
+            <a:r>
+              <a:rPr lang="en-US" dirty="0"/>
+              <a:t>AWS Cloud</a:t>
+            </a:r>
+            <a:endParaRPr lang="ru-RU" dirty="0"/>
           </a:p>
         </p:txBody>
       </p:sp>
     </p:spTree>
     <p:extLst>
       <p:ext uri="{BB962C8B-B14F-4D97-AF65-F5344CB8AC3E}">
-        <p14:creationId xmlns:p14="http://schemas.microsoft.com/office/powerpoint/2010/main" val="175786198"/>
+        <p14:creationId xmlns:p14="http://schemas.microsoft.com/office/powerpoint/2010/main" val="862722165"/>
       </p:ext>
     </p:extLst>
   </p:cSld>
@@ -4286,12 +3692,583 @@
           <a:chExt cx="0" cy="0"/>
         </a:xfrm>
       </p:grpSpPr>
+      <p:sp>
+        <p:nvSpPr>
+          <p:cNvPr id="2" name="TextBox 1">
+            <a:extLst>
+              <a:ext uri="{FF2B5EF4-FFF2-40B4-BE49-F238E27FC236}">
+                <a16:creationId xmlns:a16="http://schemas.microsoft.com/office/drawing/2014/main" id="{C746FA53-8710-4137-A40D-B5C24BD138E7}"/>
+              </a:ext>
+            </a:extLst>
+          </p:cNvPr>
+          <p:cNvSpPr txBox="1"/>
+          <p:nvPr/>
+        </p:nvSpPr>
+        <p:spPr>
+          <a:xfrm>
+            <a:off x="311368" y="3566295"/>
+            <a:ext cx="4226222" cy="2246769"/>
+          </a:xfrm>
+          <a:prstGeom prst="rect">
+            <a:avLst/>
+          </a:prstGeom>
+          <a:noFill/>
+        </p:spPr>
+        <p:txBody>
+          <a:bodyPr wrap="none" rtlCol="0">
+            <a:spAutoFit/>
+          </a:bodyPr>
+          <a:lstStyle/>
+          <a:p>
+            <a:r>
+              <a:rPr lang="ru-RU" sz="1400" dirty="0"/>
+              <a:t>Просто</a:t>
+            </a:r>
+            <a:r>
+              <a:rPr lang="en-US" sz="1400" dirty="0"/>
+              <a:t> </a:t>
+            </a:r>
+            <a:r>
+              <a:rPr lang="ru-RU" sz="1400" dirty="0"/>
+              <a:t>и быстро</a:t>
+            </a:r>
+            <a:r>
+              <a:rPr lang="en-US" sz="1400" dirty="0"/>
+              <a:t>.</a:t>
+            </a:r>
+          </a:p>
+          <a:p>
+            <a:endParaRPr lang="ru-RU" sz="1400" dirty="0"/>
+          </a:p>
+          <a:p>
+            <a:r>
+              <a:rPr lang="ru-RU" sz="1400" dirty="0"/>
+              <a:t>Всего 2 </a:t>
+            </a:r>
+            <a:r>
+              <a:rPr lang="en-US" sz="1400" dirty="0"/>
+              <a:t>EC2 </a:t>
+            </a:r>
+            <a:r>
+              <a:rPr lang="ru-RU" sz="1400" dirty="0" err="1"/>
+              <a:t>ноды</a:t>
+            </a:r>
+            <a:r>
+              <a:rPr lang="en-US" sz="1400" dirty="0"/>
+              <a:t>.</a:t>
+            </a:r>
+          </a:p>
+          <a:p>
+            <a:endParaRPr lang="ru-RU" sz="1400" dirty="0"/>
+          </a:p>
+          <a:p>
+            <a:r>
+              <a:rPr lang="en-US" sz="1400" dirty="0"/>
+              <a:t>PostgreSQL </a:t>
+            </a:r>
+            <a:r>
+              <a:rPr lang="ru-RU" sz="1400" dirty="0"/>
+              <a:t>как </a:t>
+            </a:r>
+            <a:r>
+              <a:rPr lang="en-US" sz="1400" dirty="0"/>
+              <a:t>SaaS </a:t>
+            </a:r>
+            <a:r>
+              <a:rPr lang="ru-RU" sz="1400" dirty="0"/>
+              <a:t>(</a:t>
+            </a:r>
+            <a:r>
+              <a:rPr lang="en-US" sz="1400" dirty="0"/>
+              <a:t>Amazon RDS</a:t>
+            </a:r>
+            <a:r>
+              <a:rPr lang="ru-RU" sz="1400" dirty="0"/>
+              <a:t>)</a:t>
+            </a:r>
+            <a:r>
+              <a:rPr lang="en-US" sz="1400" dirty="0"/>
+              <a:t> .</a:t>
+            </a:r>
+          </a:p>
+          <a:p>
+            <a:endParaRPr lang="ru-RU" sz="1400" dirty="0"/>
+          </a:p>
+          <a:p>
+            <a:r>
+              <a:rPr lang="ru-RU" sz="1400" dirty="0"/>
+              <a:t>Доступность </a:t>
+            </a:r>
+            <a:r>
+              <a:rPr lang="ru-RU" sz="1400" dirty="0" err="1"/>
+              <a:t>нод</a:t>
+            </a:r>
+            <a:r>
+              <a:rPr lang="ru-RU" sz="1400" dirty="0"/>
+              <a:t> обеспечивается</a:t>
+            </a:r>
+            <a:r>
+              <a:rPr lang="en-US" sz="1400" dirty="0"/>
+              <a:t> </a:t>
+            </a:r>
+            <a:r>
+              <a:rPr lang="ru-RU" sz="1400" dirty="0"/>
+              <a:t>и </a:t>
+            </a:r>
+            <a:r>
+              <a:rPr lang="ru-RU" sz="1400" dirty="0" err="1"/>
+              <a:t>мониторится</a:t>
+            </a:r>
+            <a:r>
+              <a:rPr lang="ru-RU" sz="1400" dirty="0"/>
+              <a:t> </a:t>
+            </a:r>
+            <a:r>
+              <a:rPr lang="en-US" sz="1400" dirty="0"/>
+              <a:t>ELB.</a:t>
+            </a:r>
+          </a:p>
+          <a:p>
+            <a:endParaRPr lang="ru-RU" sz="1400" dirty="0"/>
+          </a:p>
+          <a:p>
+            <a:r>
+              <a:rPr lang="ru-RU" sz="1400" dirty="0"/>
+              <a:t>В случае отказа </a:t>
+            </a:r>
+            <a:r>
+              <a:rPr lang="ru-RU" sz="1400" dirty="0" err="1"/>
+              <a:t>автоскейлер</a:t>
+            </a:r>
+            <a:r>
+              <a:rPr lang="ru-RU" sz="1400" dirty="0"/>
+              <a:t> по требованию </a:t>
+            </a:r>
+            <a:r>
+              <a:rPr lang="en-US" sz="1400" dirty="0"/>
+              <a:t>ELB </a:t>
+            </a:r>
+          </a:p>
+          <a:p>
+            <a:r>
+              <a:rPr lang="ru-RU" sz="1400" dirty="0"/>
+              <a:t>поднимает ещё одну </a:t>
+            </a:r>
+            <a:r>
+              <a:rPr lang="ru-RU" sz="1400" dirty="0" err="1"/>
+              <a:t>ноду</a:t>
+            </a:r>
+            <a:r>
+              <a:rPr lang="ru-RU" sz="1400" dirty="0"/>
+              <a:t> взамен недоступной</a:t>
+            </a:r>
+            <a:r>
+              <a:rPr lang="en-US" sz="1400" dirty="0"/>
+              <a:t> </a:t>
+            </a:r>
+            <a:r>
+              <a:rPr lang="ru-RU" sz="1400" dirty="0"/>
+              <a:t> </a:t>
+            </a:r>
+            <a:endParaRPr lang="en-US" sz="1400" dirty="0"/>
+          </a:p>
+        </p:txBody>
+      </p:sp>
+      <p:sp>
+        <p:nvSpPr>
+          <p:cNvPr id="3" name="TextBox 2">
+            <a:extLst>
+              <a:ext uri="{FF2B5EF4-FFF2-40B4-BE49-F238E27FC236}">
+                <a16:creationId xmlns:a16="http://schemas.microsoft.com/office/drawing/2014/main" id="{3B6ADD95-DEBE-4AEE-B800-5B96E139C193}"/>
+              </a:ext>
+            </a:extLst>
+          </p:cNvPr>
+          <p:cNvSpPr txBox="1"/>
+          <p:nvPr/>
+        </p:nvSpPr>
+        <p:spPr>
+          <a:xfrm>
+            <a:off x="4606525" y="3135407"/>
+            <a:ext cx="7270837" cy="3539430"/>
+          </a:xfrm>
+          <a:prstGeom prst="rect">
+            <a:avLst/>
+          </a:prstGeom>
+          <a:noFill/>
+        </p:spPr>
+        <p:txBody>
+          <a:bodyPr wrap="none" rtlCol="0">
+            <a:spAutoFit/>
+          </a:bodyPr>
+          <a:lstStyle/>
+          <a:p>
+            <a:r>
+              <a:rPr lang="ru-RU" sz="1400" dirty="0"/>
+              <a:t>Снятие лога запросов с </a:t>
+            </a:r>
+            <a:r>
+              <a:rPr lang="en-US" sz="1400" dirty="0"/>
+              <a:t>ELB</a:t>
+            </a:r>
+            <a:r>
+              <a:rPr lang="ru-RU" sz="1400" dirty="0"/>
+              <a:t> требует </a:t>
+            </a:r>
+            <a:r>
+              <a:rPr lang="en-US" sz="1400" dirty="0"/>
+              <a:t> </a:t>
+            </a:r>
+            <a:r>
+              <a:rPr lang="ru-RU" sz="1400" dirty="0"/>
+              <a:t>экспорт их в </a:t>
+            </a:r>
+            <a:r>
+              <a:rPr lang="en-US" sz="1400" dirty="0"/>
+              <a:t>S3 </a:t>
+            </a:r>
+            <a:r>
+              <a:rPr lang="ru-RU" sz="1400" dirty="0"/>
+              <a:t>и последующий анализ в </a:t>
+            </a:r>
+            <a:r>
+              <a:rPr lang="en-US" sz="1400" dirty="0"/>
+              <a:t>CloudTrail.</a:t>
+            </a:r>
+          </a:p>
+          <a:p>
+            <a:r>
+              <a:rPr lang="ru-RU" sz="1400" dirty="0"/>
+              <a:t>Анализ лога при помощи </a:t>
+            </a:r>
+            <a:r>
+              <a:rPr lang="en-US" sz="1400" dirty="0"/>
+              <a:t>Lambda </a:t>
+            </a:r>
+            <a:r>
+              <a:rPr lang="ru-RU" sz="1400" dirty="0"/>
+              <a:t>и последующий </a:t>
+            </a:r>
+            <a:endParaRPr lang="en-US" sz="1400" dirty="0"/>
+          </a:p>
+          <a:p>
+            <a:r>
+              <a:rPr lang="ru-RU" sz="1400" dirty="0"/>
+              <a:t>экспорт через </a:t>
+            </a:r>
+            <a:r>
+              <a:rPr lang="en-US" sz="1400" dirty="0"/>
+              <a:t>S3 </a:t>
+            </a:r>
+            <a:r>
+              <a:rPr lang="ru-RU" sz="1400" dirty="0"/>
+              <a:t>в </a:t>
+            </a:r>
+            <a:r>
+              <a:rPr lang="en-US" sz="1400" dirty="0"/>
+              <a:t>Cloud Watch.</a:t>
+            </a:r>
+          </a:p>
+          <a:p>
+            <a:r>
+              <a:rPr lang="ru-RU" sz="1400" dirty="0"/>
+              <a:t>Ограничения от </a:t>
+            </a:r>
+            <a:r>
+              <a:rPr lang="en-US" sz="1400" dirty="0"/>
+              <a:t>AWS </a:t>
+            </a:r>
+            <a:r>
+              <a:rPr lang="ru-RU" sz="1400" dirty="0"/>
+              <a:t>на создание и подписание сертификатов домена в </a:t>
+            </a:r>
+            <a:endParaRPr lang="en-US" sz="1400" dirty="0"/>
+          </a:p>
+          <a:p>
+            <a:r>
+              <a:rPr lang="en-US" sz="1400" dirty="0"/>
+              <a:t>Route53</a:t>
+            </a:r>
+            <a:r>
+              <a:rPr lang="ru-RU" sz="1400" dirty="0"/>
+              <a:t>.</a:t>
+            </a:r>
+          </a:p>
+          <a:p>
+            <a:r>
+              <a:rPr lang="en-US" sz="1400" dirty="0"/>
+              <a:t>Amazon RDS </a:t>
+            </a:r>
+            <a:r>
+              <a:rPr lang="ru-RU" sz="1400" dirty="0"/>
+              <a:t>не включает в себя </a:t>
+            </a:r>
+            <a:r>
+              <a:rPr lang="en-US" sz="1400" dirty="0"/>
+              <a:t>PG bouncer</a:t>
+            </a:r>
+            <a:r>
+              <a:rPr lang="ru-RU" sz="1400" dirty="0"/>
+              <a:t>,</a:t>
+            </a:r>
+            <a:r>
+              <a:rPr lang="en-US" sz="1400" dirty="0"/>
+              <a:t> </a:t>
+            </a:r>
+            <a:r>
+              <a:rPr lang="ru-RU" sz="1400" dirty="0"/>
+              <a:t>его пришлось бы ставить на рабочие </a:t>
+            </a:r>
+            <a:r>
+              <a:rPr lang="ru-RU" sz="1400" dirty="0" err="1"/>
+              <a:t>ноды</a:t>
+            </a:r>
+            <a:r>
+              <a:rPr lang="ru-RU" sz="1400" dirty="0"/>
+              <a:t>.</a:t>
+            </a:r>
+            <a:endParaRPr lang="en-US" sz="1400" dirty="0"/>
+          </a:p>
+          <a:p>
+            <a:r>
+              <a:rPr lang="en-US" sz="1400" dirty="0" err="1"/>
+              <a:t>Мониторинг</a:t>
+            </a:r>
+            <a:r>
+              <a:rPr lang="en-US" sz="1400" dirty="0"/>
+              <a:t> </a:t>
+            </a:r>
+            <a:r>
+              <a:rPr lang="ru-RU" sz="1400" dirty="0"/>
+              <a:t>не такой гибкий как при самостоятельной настройке даже если ставить </a:t>
+            </a:r>
+          </a:p>
+          <a:p>
+            <a:r>
+              <a:rPr lang="ru-RU" sz="1400" dirty="0" err="1"/>
+              <a:t>шиперы</a:t>
+            </a:r>
+            <a:r>
+              <a:rPr lang="ru-RU" sz="1400" dirty="0"/>
+              <a:t> логов на </a:t>
+            </a:r>
+            <a:r>
+              <a:rPr lang="ru-RU" sz="1400" dirty="0" err="1"/>
+              <a:t>ноды</a:t>
+            </a:r>
+            <a:r>
+              <a:rPr lang="ru-RU" sz="1400" dirty="0"/>
+              <a:t> и сбор в </a:t>
+            </a:r>
+            <a:r>
+              <a:rPr lang="en-US" sz="1400" dirty="0"/>
+              <a:t>CloudWatch</a:t>
+            </a:r>
+            <a:r>
+              <a:rPr lang="ru-RU" sz="1400" dirty="0"/>
+              <a:t>.</a:t>
+            </a:r>
+          </a:p>
+          <a:p>
+            <a:r>
+              <a:rPr lang="ru-RU" sz="1400" dirty="0"/>
+              <a:t>Оповещения пришлось бы настраивать через </a:t>
+            </a:r>
+            <a:r>
+              <a:rPr lang="en-US" sz="1400" dirty="0"/>
+              <a:t>Amazon SNS</a:t>
+            </a:r>
+            <a:r>
+              <a:rPr lang="ru-RU" sz="1400" dirty="0"/>
+              <a:t>.</a:t>
+            </a:r>
+          </a:p>
+          <a:p>
+            <a:endParaRPr lang="ru-RU" sz="1400" dirty="0"/>
+          </a:p>
+          <a:p>
+            <a:r>
+              <a:rPr lang="ru-RU" sz="1400" dirty="0"/>
+              <a:t>Classic </a:t>
+            </a:r>
+            <a:r>
+              <a:rPr lang="en-US" sz="1400" dirty="0"/>
+              <a:t>Load Balancer </a:t>
+            </a:r>
+            <a:r>
+              <a:rPr lang="ru-RU" sz="1400" dirty="0"/>
+              <a:t>НЕ поддерживает</a:t>
+            </a:r>
+            <a:r>
+              <a:rPr lang="en-US" sz="1400" dirty="0"/>
+              <a:t> HTTP/3 </a:t>
+            </a:r>
+            <a:r>
+              <a:rPr lang="ru-RU" sz="1400" dirty="0"/>
+              <a:t>при режиме работы в </a:t>
+            </a:r>
+            <a:r>
+              <a:rPr lang="en-US" sz="1400" dirty="0"/>
+              <a:t>L7 (2023 </a:t>
+            </a:r>
+            <a:r>
+              <a:rPr lang="ru-RU" sz="1400" dirty="0"/>
+              <a:t>год </a:t>
+            </a:r>
+            <a:r>
+              <a:rPr lang="en-US" sz="1400" dirty="0"/>
+              <a:t>, sic!)</a:t>
+            </a:r>
+            <a:r>
+              <a:rPr lang="ru-RU" sz="1400" dirty="0"/>
+              <a:t>. </a:t>
+            </a:r>
+            <a:endParaRPr lang="en-US" sz="1400" dirty="0"/>
+          </a:p>
+          <a:p>
+            <a:r>
+              <a:rPr lang="ru-RU" sz="1400" dirty="0"/>
+              <a:t>Если перевести на </a:t>
+            </a:r>
+            <a:r>
+              <a:rPr lang="en-US" sz="1400" dirty="0"/>
+              <a:t>L4, </a:t>
+            </a:r>
+            <a:r>
+              <a:rPr lang="ru-RU" sz="1400" dirty="0"/>
+              <a:t>то на каждой </a:t>
+            </a:r>
+            <a:r>
+              <a:rPr lang="ru-RU" sz="1400" dirty="0" err="1"/>
+              <a:t>ноде</a:t>
+            </a:r>
+            <a:r>
+              <a:rPr lang="ru-RU" sz="1400" dirty="0"/>
+              <a:t> с </a:t>
+            </a:r>
+            <a:r>
+              <a:rPr lang="en-US" sz="1400" dirty="0"/>
+              <a:t>Bingo </a:t>
+            </a:r>
+            <a:r>
+              <a:rPr lang="ru-RU" sz="1400" dirty="0"/>
+              <a:t>придется ставить свой </a:t>
+            </a:r>
+            <a:r>
+              <a:rPr lang="en-US" sz="1400" dirty="0"/>
+              <a:t>Nginx </a:t>
+            </a:r>
+            <a:r>
+              <a:rPr lang="ru-RU" sz="1400" dirty="0"/>
+              <a:t>для </a:t>
+            </a:r>
+            <a:endParaRPr lang="en-US" sz="1400" dirty="0"/>
+          </a:p>
+          <a:p>
+            <a:r>
+              <a:rPr lang="ru-RU" sz="1400" dirty="0"/>
+              <a:t>поддержки </a:t>
+            </a:r>
+            <a:r>
+              <a:rPr lang="en-US" sz="1400" dirty="0"/>
+              <a:t>HTTP/3 </a:t>
+            </a:r>
+            <a:r>
+              <a:rPr lang="ru-RU" sz="1400" dirty="0"/>
+              <a:t>либо перед С</a:t>
+            </a:r>
+            <a:r>
+              <a:rPr lang="en-US" sz="1400" dirty="0"/>
+              <a:t>LB</a:t>
+            </a:r>
+            <a:r>
+              <a:rPr lang="ru-RU" sz="1400" dirty="0"/>
+              <a:t> ставить </a:t>
+            </a:r>
+            <a:r>
+              <a:rPr lang="en-US" sz="1400" dirty="0"/>
+              <a:t>EC2 </a:t>
+            </a:r>
+            <a:r>
+              <a:rPr lang="ru-RU" sz="1400" dirty="0"/>
+              <a:t>инстанс только с одним </a:t>
+            </a:r>
+            <a:r>
+              <a:rPr lang="en-US" sz="1400" dirty="0"/>
+              <a:t>Nginx, </a:t>
+            </a:r>
+            <a:r>
+              <a:rPr lang="ru-RU" sz="1400" dirty="0"/>
+              <a:t>с которого бы </a:t>
+            </a:r>
+            <a:endParaRPr lang="en-US" sz="1400" dirty="0"/>
+          </a:p>
+          <a:p>
+            <a:r>
+              <a:rPr lang="ru-RU" sz="1400" dirty="0"/>
+              <a:t>трафик уходил на </a:t>
+            </a:r>
+            <a:r>
+              <a:rPr lang="en-US" sz="1400" dirty="0"/>
+              <a:t>CLB</a:t>
+            </a:r>
+            <a:r>
+              <a:rPr lang="ru-RU" sz="1400" dirty="0"/>
+              <a:t>, а  с него на рабочие </a:t>
+            </a:r>
+            <a:r>
+              <a:rPr lang="ru-RU" sz="1400" dirty="0" err="1"/>
+              <a:t>ноды</a:t>
+            </a:r>
+            <a:r>
+              <a:rPr lang="ru-RU" sz="1400" dirty="0"/>
+              <a:t>.</a:t>
+            </a:r>
+            <a:endParaRPr lang="en-US" sz="1400" dirty="0"/>
+          </a:p>
+          <a:p>
+            <a:r>
+              <a:rPr lang="ru-RU" sz="1400" dirty="0"/>
+              <a:t>Привязка к </a:t>
+            </a:r>
+            <a:r>
+              <a:rPr lang="en-US" sz="1400" dirty="0"/>
+              <a:t>CLB </a:t>
+            </a:r>
+            <a:r>
+              <a:rPr lang="ru-RU" sz="1400" dirty="0"/>
+              <a:t>была связана с использованием </a:t>
+            </a:r>
+            <a:r>
+              <a:rPr lang="ru-RU" sz="1400" dirty="0" err="1"/>
+              <a:t>автоскейлера</a:t>
+            </a:r>
+            <a:r>
+              <a:rPr lang="ru-RU" sz="1400" dirty="0"/>
+              <a:t>, который выступал качестве</a:t>
+            </a:r>
+          </a:p>
+          <a:p>
+            <a:r>
+              <a:rPr lang="ru-RU" sz="1400" dirty="0"/>
+              <a:t> </a:t>
+            </a:r>
+            <a:r>
+              <a:rPr lang="ru-RU" sz="1400" dirty="0" err="1"/>
+              <a:t>таргет</a:t>
+            </a:r>
+            <a:r>
+              <a:rPr lang="ru-RU" sz="1400" dirty="0"/>
+              <a:t> группы для балансировщика</a:t>
+            </a:r>
+          </a:p>
+        </p:txBody>
+      </p:sp>
       <p:pic>
         <p:nvPicPr>
-          <p:cNvPr id="3" name="Рисунок 2">
-            <a:extLst>
-              <a:ext uri="{FF2B5EF4-FFF2-40B4-BE49-F238E27FC236}">
-                <a16:creationId xmlns:a16="http://schemas.microsoft.com/office/drawing/2014/main" id="{F3BCB0B2-04A1-427F-8F98-2352F89C1A97}"/>
+          <p:cNvPr id="4" name="Рисунок 3">
+            <a:extLst>
+              <a:ext uri="{FF2B5EF4-FFF2-40B4-BE49-F238E27FC236}">
+                <a16:creationId xmlns:a16="http://schemas.microsoft.com/office/drawing/2014/main" id="{EF840777-F270-473E-87FE-B21A0550C563}"/>
               </a:ext>
             </a:extLst>
           </p:cNvPr>
@@ -4308,8 +4285,8 @@
         </p:blipFill>
         <p:spPr>
           <a:xfrm>
-            <a:off x="0" y="1061371"/>
-            <a:ext cx="12192000" cy="4735257"/>
+            <a:off x="2692399" y="90708"/>
+            <a:ext cx="6189133" cy="2555115"/>
           </a:xfrm>
           <a:prstGeom prst="rect">
             <a:avLst/>
@@ -4318,10 +4295,10 @@
       </p:pic>
       <p:sp>
         <p:nvSpPr>
-          <p:cNvPr id="4" name="TextBox 3">
-            <a:extLst>
-              <a:ext uri="{FF2B5EF4-FFF2-40B4-BE49-F238E27FC236}">
-                <a16:creationId xmlns:a16="http://schemas.microsoft.com/office/drawing/2014/main" id="{659CDD8F-A2A9-4336-8340-BBCF4FA9C892}"/>
+          <p:cNvPr id="5" name="TextBox 4">
+            <a:extLst>
+              <a:ext uri="{FF2B5EF4-FFF2-40B4-BE49-F238E27FC236}">
+                <a16:creationId xmlns:a16="http://schemas.microsoft.com/office/drawing/2014/main" id="{B2694018-D2C9-4A1A-AE3D-1D8C7490F043}"/>
               </a:ext>
             </a:extLst>
           </p:cNvPr>
@@ -4330,8 +4307,8 @@
         </p:nvSpPr>
         <p:spPr>
           <a:xfrm>
-            <a:off x="5272656" y="270782"/>
-            <a:ext cx="1365758" cy="461665"/>
+            <a:off x="1674615" y="2837508"/>
+            <a:ext cx="490840" cy="830997"/>
           </a:xfrm>
           <a:prstGeom prst="rect">
             <a:avLst/>
@@ -4345,17 +4322,53 @@
           <a:lstStyle/>
           <a:p>
             <a:r>
-              <a:rPr lang="en-US" sz="2400" b="1" dirty="0"/>
-              <a:t>Version 3</a:t>
-            </a:r>
-            <a:endParaRPr lang="ru-RU" sz="2400" b="1" dirty="0"/>
+              <a:rPr lang="en-US" sz="4800" dirty="0"/>
+              <a:t>+</a:t>
+            </a:r>
+            <a:endParaRPr lang="ru-RU" sz="4800" dirty="0"/>
+          </a:p>
+        </p:txBody>
+      </p:sp>
+      <p:sp>
+        <p:nvSpPr>
+          <p:cNvPr id="6" name="TextBox 5">
+            <a:extLst>
+              <a:ext uri="{FF2B5EF4-FFF2-40B4-BE49-F238E27FC236}">
+                <a16:creationId xmlns:a16="http://schemas.microsoft.com/office/drawing/2014/main" id="{A1FB052E-19F0-450E-956C-232EAB8799D7}"/>
+              </a:ext>
+            </a:extLst>
+          </p:cNvPr>
+          <p:cNvSpPr txBox="1"/>
+          <p:nvPr/>
+        </p:nvSpPr>
+        <p:spPr>
+          <a:xfrm>
+            <a:off x="7956111" y="2490991"/>
+            <a:ext cx="373820" cy="830997"/>
+          </a:xfrm>
+          <a:prstGeom prst="rect">
+            <a:avLst/>
+          </a:prstGeom>
+          <a:noFill/>
+        </p:spPr>
+        <p:txBody>
+          <a:bodyPr wrap="none" rtlCol="0">
+            <a:spAutoFit/>
+          </a:bodyPr>
+          <a:lstStyle/>
+          <a:p>
+            <a:r>
+              <a:rPr lang="en-US" sz="4800" dirty="0"/>
+              <a:t>-</a:t>
+            </a:r>
+            <a:endParaRPr lang="ru-RU" sz="4800" dirty="0"/>
           </a:p>
         </p:txBody>
       </p:sp>
     </p:spTree>
     <p:extLst>
       <p:ext uri="{BB962C8B-B14F-4D97-AF65-F5344CB8AC3E}">
-        <p14:creationId xmlns:p14="http://schemas.microsoft.com/office/powerpoint/2010/main" val="481350815"/>
+        <p14:creationId xmlns:p14="http://schemas.microsoft.com/office/powerpoint/2010/main" val="175786198"/>
       </p:ext>
     </p:extLst>
   </p:cSld>
@@ -4384,6 +4397,102 @@
       </p:grpSpPr>
       <p:pic>
         <p:nvPicPr>
+          <p:cNvPr id="3" name="Рисунок 2">
+            <a:extLst>
+              <a:ext uri="{FF2B5EF4-FFF2-40B4-BE49-F238E27FC236}">
+                <a16:creationId xmlns:a16="http://schemas.microsoft.com/office/drawing/2014/main" id="{F3BCB0B2-04A1-427F-8F98-2352F89C1A97}"/>
+              </a:ext>
+            </a:extLst>
+          </p:cNvPr>
+          <p:cNvPicPr>
+            <a:picLocks noChangeAspect="1"/>
+          </p:cNvPicPr>
+          <p:nvPr/>
+        </p:nvPicPr>
+        <p:blipFill>
+          <a:blip r:embed="rId2"/>
+          <a:stretch>
+            <a:fillRect/>
+          </a:stretch>
+        </p:blipFill>
+        <p:spPr>
+          <a:xfrm>
+            <a:off x="0" y="1061371"/>
+            <a:ext cx="12192000" cy="4735257"/>
+          </a:xfrm>
+          <a:prstGeom prst="rect">
+            <a:avLst/>
+          </a:prstGeom>
+        </p:spPr>
+      </p:pic>
+      <p:sp>
+        <p:nvSpPr>
+          <p:cNvPr id="4" name="TextBox 3">
+            <a:extLst>
+              <a:ext uri="{FF2B5EF4-FFF2-40B4-BE49-F238E27FC236}">
+                <a16:creationId xmlns:a16="http://schemas.microsoft.com/office/drawing/2014/main" id="{659CDD8F-A2A9-4336-8340-BBCF4FA9C892}"/>
+              </a:ext>
+            </a:extLst>
+          </p:cNvPr>
+          <p:cNvSpPr txBox="1"/>
+          <p:nvPr/>
+        </p:nvSpPr>
+        <p:spPr>
+          <a:xfrm>
+            <a:off x="5272656" y="270782"/>
+            <a:ext cx="1365758" cy="461665"/>
+          </a:xfrm>
+          <a:prstGeom prst="rect">
+            <a:avLst/>
+          </a:prstGeom>
+          <a:noFill/>
+        </p:spPr>
+        <p:txBody>
+          <a:bodyPr wrap="none" rtlCol="0">
+            <a:spAutoFit/>
+          </a:bodyPr>
+          <a:lstStyle/>
+          <a:p>
+            <a:r>
+              <a:rPr lang="en-US" sz="2400" b="1" dirty="0"/>
+              <a:t>Version 3</a:t>
+            </a:r>
+            <a:endParaRPr lang="ru-RU" sz="2400" b="1" dirty="0"/>
+          </a:p>
+        </p:txBody>
+      </p:sp>
+    </p:spTree>
+    <p:extLst>
+      <p:ext uri="{BB962C8B-B14F-4D97-AF65-F5344CB8AC3E}">
+        <p14:creationId xmlns:p14="http://schemas.microsoft.com/office/powerpoint/2010/main" val="481350815"/>
+      </p:ext>
+    </p:extLst>
+  </p:cSld>
+  <p:clrMapOvr>
+    <a:masterClrMapping/>
+  </p:clrMapOvr>
+</p:sld>
+</file>
+
+<file path=ppt/slides/slide13.xml><?xml version="1.0" encoding="utf-8"?>
+<p:sld xmlns:a="http://schemas.openxmlformats.org/drawingml/2006/main" xmlns:r="http://schemas.openxmlformats.org/officeDocument/2006/relationships" xmlns:p="http://schemas.openxmlformats.org/presentationml/2006/main">
+  <p:cSld>
+    <p:spTree>
+      <p:nvGrpSpPr>
+        <p:cNvPr id="1" name=""/>
+        <p:cNvGrpSpPr/>
+        <p:nvPr/>
+      </p:nvGrpSpPr>
+      <p:grpSpPr>
+        <a:xfrm>
+          <a:off x="0" y="0"/>
+          <a:ext cx="0" cy="0"/>
+          <a:chOff x="0" y="0"/>
+          <a:chExt cx="0" cy="0"/>
+        </a:xfrm>
+      </p:grpSpPr>
+      <p:pic>
+        <p:nvPicPr>
           <p:cNvPr id="2" name="Рисунок 1">
             <a:extLst>
               <a:ext uri="{FF2B5EF4-FFF2-40B4-BE49-F238E27FC236}">
@@ -4692,7 +4801,7 @@
 </p:sld>
 </file>
 
-<file path=ppt/slides/slide13.xml><?xml version="1.0" encoding="utf-8"?>
+<file path=ppt/slides/slide14.xml><?xml version="1.0" encoding="utf-8"?>
 <p:sld xmlns:a="http://schemas.openxmlformats.org/drawingml/2006/main" xmlns:r="http://schemas.openxmlformats.org/officeDocument/2006/relationships" xmlns:p="http://schemas.openxmlformats.org/presentationml/2006/main">
   <p:cSld>
     <p:spTree>
@@ -5195,7 +5304,7 @@
 </p:sld>
 </file>
 
-<file path=ppt/slides/slide14.xml><?xml version="1.0" encoding="utf-8"?>
+<file path=ppt/slides/slide15.xml><?xml version="1.0" encoding="utf-8"?>
 <p:sld xmlns:a="http://schemas.openxmlformats.org/drawingml/2006/main" xmlns:r="http://schemas.openxmlformats.org/officeDocument/2006/relationships" xmlns:p="http://schemas.openxmlformats.org/presentationml/2006/main">
   <p:cSld>
     <p:spTree>
@@ -5482,7 +5591,7 @@
 </p:sld>
 </file>
 
-<file path=ppt/slides/slide15.xml><?xml version="1.0" encoding="utf-8"?>
+<file path=ppt/slides/slide16.xml><?xml version="1.0" encoding="utf-8"?>
 <p:sld xmlns:a="http://schemas.openxmlformats.org/drawingml/2006/main" xmlns:r="http://schemas.openxmlformats.org/officeDocument/2006/relationships" xmlns:p="http://schemas.openxmlformats.org/presentationml/2006/main">
   <p:cSld>
     <p:spTree>
@@ -5926,7 +6035,7 @@
 </p:sld>
 </file>
 
-<file path=ppt/slides/slide16.xml><?xml version="1.0" encoding="utf-8"?>
+<file path=ppt/slides/slide17.xml><?xml version="1.0" encoding="utf-8"?>
 <p:sld xmlns:a="http://schemas.openxmlformats.org/drawingml/2006/main" xmlns:r="http://schemas.openxmlformats.org/officeDocument/2006/relationships" xmlns:p="http://schemas.openxmlformats.org/presentationml/2006/main">
   <p:cSld>
     <p:spTree>
@@ -7340,36 +7449,6 @@
 </p:sld>
 </file>
 
-<file path=ppt/slides/slide17.xml><?xml version="1.0" encoding="utf-8"?>
-<p:sld xmlns:a="http://schemas.openxmlformats.org/drawingml/2006/main" xmlns:r="http://schemas.openxmlformats.org/officeDocument/2006/relationships" xmlns:p="http://schemas.openxmlformats.org/presentationml/2006/main">
-  <p:cSld>
-    <p:spTree>
-      <p:nvGrpSpPr>
-        <p:cNvPr id="1" name=""/>
-        <p:cNvGrpSpPr/>
-        <p:nvPr/>
-      </p:nvGrpSpPr>
-      <p:grpSpPr>
-        <a:xfrm>
-          <a:off x="0" y="0"/>
-          <a:ext cx="0" cy="0"/>
-          <a:chOff x="0" y="0"/>
-          <a:chExt cx="0" cy="0"/>
-        </a:xfrm>
-      </p:grpSpPr>
-    </p:spTree>
-    <p:extLst>
-      <p:ext uri="{BB962C8B-B14F-4D97-AF65-F5344CB8AC3E}">
-        <p14:creationId xmlns:p14="http://schemas.microsoft.com/office/powerpoint/2010/main" val="2136293813"/>
-      </p:ext>
-    </p:extLst>
-  </p:cSld>
-  <p:clrMapOvr>
-    <a:masterClrMapping/>
-  </p:clrMapOvr>
-</p:sld>
-</file>
-
 <file path=ppt/slides/slide18.xml><?xml version="1.0" encoding="utf-8"?>
 <p:sld xmlns:a="http://schemas.openxmlformats.org/drawingml/2006/main" xmlns:r="http://schemas.openxmlformats.org/officeDocument/2006/relationships" xmlns:p="http://schemas.openxmlformats.org/presentationml/2006/main">
   <p:cSld>
@@ -7387,10 +7466,237 @@
           <a:chExt cx="0" cy="0"/>
         </a:xfrm>
       </p:grpSpPr>
+      <p:sp>
+        <p:nvSpPr>
+          <p:cNvPr id="4" name="TextBox 3">
+            <a:extLst>
+              <a:ext uri="{FF2B5EF4-FFF2-40B4-BE49-F238E27FC236}">
+                <a16:creationId xmlns:a16="http://schemas.microsoft.com/office/drawing/2014/main" id="{A5297BAA-495E-4030-A164-93A25C694511}"/>
+              </a:ext>
+            </a:extLst>
+          </p:cNvPr>
+          <p:cNvSpPr txBox="1"/>
+          <p:nvPr/>
+        </p:nvSpPr>
+        <p:spPr>
+          <a:xfrm>
+            <a:off x="5054600" y="448733"/>
+            <a:ext cx="2247346" cy="461665"/>
+          </a:xfrm>
+          <a:prstGeom prst="rect">
+            <a:avLst/>
+          </a:prstGeom>
+          <a:noFill/>
+        </p:spPr>
+        <p:txBody>
+          <a:bodyPr wrap="none" rtlCol="0">
+            <a:spAutoFit/>
+          </a:bodyPr>
+          <a:lstStyle/>
+          <a:p>
+            <a:r>
+              <a:rPr lang="en-US" sz="2400" b="1" dirty="0"/>
+              <a:t>HTTP/3 </a:t>
+            </a:r>
+            <a:r>
+              <a:rPr lang="ru-RU" sz="2400" b="1" dirty="0"/>
+              <a:t>и </a:t>
+            </a:r>
+            <a:r>
+              <a:rPr lang="en-US" sz="2400" b="1" dirty="0"/>
+              <a:t>HTTPS</a:t>
+            </a:r>
+            <a:endParaRPr lang="ru-RU" sz="2400" b="1" dirty="0"/>
+          </a:p>
+        </p:txBody>
+      </p:sp>
+      <p:sp>
+        <p:nvSpPr>
+          <p:cNvPr id="5" name="TextBox 4">
+            <a:extLst>
+              <a:ext uri="{FF2B5EF4-FFF2-40B4-BE49-F238E27FC236}">
+                <a16:creationId xmlns:a16="http://schemas.microsoft.com/office/drawing/2014/main" id="{FA49EC30-93DF-4C25-9E73-2D49467F760D}"/>
+              </a:ext>
+            </a:extLst>
+          </p:cNvPr>
+          <p:cNvSpPr txBox="1"/>
+          <p:nvPr/>
+        </p:nvSpPr>
+        <p:spPr>
+          <a:xfrm>
+            <a:off x="635000" y="910398"/>
+            <a:ext cx="7431843" cy="2585323"/>
+          </a:xfrm>
+          <a:prstGeom prst="rect">
+            <a:avLst/>
+          </a:prstGeom>
+          <a:noFill/>
+        </p:spPr>
+        <p:txBody>
+          <a:bodyPr wrap="none" rtlCol="0">
+            <a:spAutoFit/>
+          </a:bodyPr>
+          <a:lstStyle/>
+          <a:p>
+            <a:r>
+              <a:rPr lang="ru-RU" dirty="0"/>
+              <a:t>На балансировщике установлен </a:t>
+            </a:r>
+            <a:r>
+              <a:rPr lang="en-US" dirty="0" err="1"/>
+              <a:t>nginx</a:t>
+            </a:r>
+            <a:r>
+              <a:rPr lang="en-US" dirty="0"/>
+              <a:t> </a:t>
+            </a:r>
+            <a:r>
+              <a:rPr lang="ru-RU" dirty="0"/>
+              <a:t>версии </a:t>
+            </a:r>
+            <a:r>
+              <a:rPr lang="en-US" dirty="0"/>
+              <a:t>1.25.3 </a:t>
+            </a:r>
+            <a:r>
+              <a:rPr lang="ru-RU" dirty="0"/>
+              <a:t>с поддержкой </a:t>
+            </a:r>
+            <a:r>
+              <a:rPr lang="en-US" dirty="0"/>
+              <a:t>http/3.</a:t>
+            </a:r>
+          </a:p>
+          <a:p>
+            <a:r>
+              <a:rPr lang="ru-RU" dirty="0"/>
+              <a:t>На группах безопасности открыт 443 </a:t>
+            </a:r>
+            <a:r>
+              <a:rPr lang="en-US" dirty="0" err="1"/>
+              <a:t>udp</a:t>
+            </a:r>
+            <a:r>
+              <a:rPr lang="en-US" dirty="0"/>
+              <a:t> </a:t>
+            </a:r>
+            <a:r>
+              <a:rPr lang="ru-RU" dirty="0"/>
+              <a:t>порт для него.</a:t>
+            </a:r>
+          </a:p>
+          <a:p>
+            <a:endParaRPr lang="ru-RU" dirty="0"/>
+          </a:p>
+          <a:p>
+            <a:r>
+              <a:rPr lang="ru-RU" dirty="0"/>
+              <a:t>Сервис доступен по адресу </a:t>
+            </a:r>
+            <a:r>
+              <a:rPr lang="en-US" dirty="0">
+                <a:hlinkClick r:id="rId2"/>
+              </a:rPr>
+              <a:t>https://httplb3.aws.runalsh.ru/&lt;endpoint</a:t>
+            </a:r>
+            <a:r>
+              <a:rPr lang="en-US" dirty="0"/>
+              <a:t>&gt;</a:t>
+            </a:r>
+          </a:p>
+          <a:p>
+            <a:endParaRPr lang="en-US" dirty="0"/>
+          </a:p>
+          <a:p>
+            <a:r>
+              <a:rPr lang="ru-RU" dirty="0"/>
+              <a:t>Не используемые </a:t>
+            </a:r>
+            <a:r>
+              <a:rPr lang="ru-RU" dirty="0" err="1"/>
+              <a:t>эндпоинты</a:t>
+            </a:r>
+            <a:r>
+              <a:rPr lang="ru-RU" dirty="0"/>
+              <a:t> из задания ( + </a:t>
+            </a:r>
+            <a:r>
+              <a:rPr lang="en-US" dirty="0"/>
+              <a:t>/config) </a:t>
+            </a:r>
+            <a:r>
+              <a:rPr lang="ru-RU" dirty="0"/>
+              <a:t>заблокированы.</a:t>
+            </a:r>
+          </a:p>
+          <a:p>
+            <a:endParaRPr lang="ru-RU" dirty="0"/>
+          </a:p>
+          <a:p>
+            <a:r>
+              <a:rPr lang="ru-RU" dirty="0"/>
+              <a:t>Запрос по </a:t>
+            </a:r>
+            <a:r>
+              <a:rPr lang="en-US" dirty="0"/>
+              <a:t>/</a:t>
+            </a:r>
+            <a:r>
+              <a:rPr lang="en-US" dirty="0" err="1"/>
+              <a:t>long_dummy</a:t>
+            </a:r>
+            <a:r>
+              <a:rPr lang="en-US" dirty="0"/>
+              <a:t> </a:t>
+            </a:r>
+            <a:r>
+              <a:rPr lang="ru-RU" dirty="0" err="1"/>
+              <a:t>кешируется</a:t>
+            </a:r>
+            <a:r>
+              <a:rPr lang="ru-RU" dirty="0"/>
+              <a:t> на 50 секунд.</a:t>
+            </a:r>
+          </a:p>
+          <a:p>
+            <a:endParaRPr lang="ru-RU" dirty="0"/>
+          </a:p>
+        </p:txBody>
+      </p:sp>
+      <p:pic>
+        <p:nvPicPr>
+          <p:cNvPr id="17" name="Рисунок 16">
+            <a:extLst>
+              <a:ext uri="{FF2B5EF4-FFF2-40B4-BE49-F238E27FC236}">
+                <a16:creationId xmlns:a16="http://schemas.microsoft.com/office/drawing/2014/main" id="{3BE7D634-9547-4941-83A3-1381EE77F09D}"/>
+              </a:ext>
+            </a:extLst>
+          </p:cNvPr>
+          <p:cNvPicPr>
+            <a:picLocks noChangeAspect="1"/>
+          </p:cNvPicPr>
+          <p:nvPr/>
+        </p:nvPicPr>
+        <p:blipFill>
+          <a:blip r:embed="rId3"/>
+          <a:stretch>
+            <a:fillRect/>
+          </a:stretch>
+        </p:blipFill>
+        <p:spPr>
+          <a:xfrm>
+            <a:off x="0" y="3429000"/>
+            <a:ext cx="12192000" cy="3815963"/>
+          </a:xfrm>
+          <a:prstGeom prst="rect">
+            <a:avLst/>
+          </a:prstGeom>
+        </p:spPr>
+      </p:pic>
     </p:spTree>
     <p:extLst>
       <p:ext uri="{BB962C8B-B14F-4D97-AF65-F5344CB8AC3E}">
-        <p14:creationId xmlns:p14="http://schemas.microsoft.com/office/powerpoint/2010/main" val="2389937654"/>
+        <p14:creationId xmlns:p14="http://schemas.microsoft.com/office/powerpoint/2010/main" val="1457055235"/>
       </p:ext>
     </p:extLst>
   </p:cSld>
@@ -7417,6 +7723,866 @@
           <a:chExt cx="0" cy="0"/>
         </a:xfrm>
       </p:grpSpPr>
+      <p:pic>
+        <p:nvPicPr>
+          <p:cNvPr id="3" name="Рисунок 2">
+            <a:extLst>
+              <a:ext uri="{FF2B5EF4-FFF2-40B4-BE49-F238E27FC236}">
+                <a16:creationId xmlns:a16="http://schemas.microsoft.com/office/drawing/2014/main" id="{76C7A5BB-CA07-48AB-9B32-459EE73FEC27}"/>
+              </a:ext>
+            </a:extLst>
+          </p:cNvPr>
+          <p:cNvPicPr>
+            <a:picLocks noChangeAspect="1"/>
+          </p:cNvPicPr>
+          <p:nvPr/>
+        </p:nvPicPr>
+        <p:blipFill rotWithShape="1">
+          <a:blip r:embed="rId2"/>
+          <a:srcRect t="-1846"/>
+          <a:stretch/>
+        </p:blipFill>
+        <p:spPr>
+          <a:xfrm>
+            <a:off x="728132" y="517585"/>
+            <a:ext cx="10295467" cy="5322250"/>
+          </a:xfrm>
+          <a:prstGeom prst="rect">
+            <a:avLst/>
+          </a:prstGeom>
+        </p:spPr>
+      </p:pic>
+      <p:sp>
+        <p:nvSpPr>
+          <p:cNvPr id="4" name="TextBox 3">
+            <a:extLst>
+              <a:ext uri="{FF2B5EF4-FFF2-40B4-BE49-F238E27FC236}">
+                <a16:creationId xmlns:a16="http://schemas.microsoft.com/office/drawing/2014/main" id="{C1527C6D-5C09-430F-A5C4-EF7B9F7D96A1}"/>
+              </a:ext>
+            </a:extLst>
+          </p:cNvPr>
+          <p:cNvSpPr txBox="1"/>
+          <p:nvPr/>
+        </p:nvSpPr>
+        <p:spPr>
+          <a:xfrm>
+            <a:off x="4804300" y="152400"/>
+            <a:ext cx="1693284" cy="461665"/>
+          </a:xfrm>
+          <a:prstGeom prst="rect">
+            <a:avLst/>
+          </a:prstGeom>
+          <a:noFill/>
+        </p:spPr>
+        <p:txBody>
+          <a:bodyPr wrap="none" rtlCol="0">
+            <a:spAutoFit/>
+          </a:bodyPr>
+          <a:lstStyle/>
+          <a:p>
+            <a:r>
+              <a:rPr lang="en-US" sz="2400" b="1" dirty="0"/>
+              <a:t>Monitoring </a:t>
+            </a:r>
+            <a:endParaRPr lang="ru-RU" sz="2400" b="1" dirty="0"/>
+          </a:p>
+        </p:txBody>
+      </p:sp>
+      <p:sp>
+        <p:nvSpPr>
+          <p:cNvPr id="5" name="TextBox 4">
+            <a:extLst>
+              <a:ext uri="{FF2B5EF4-FFF2-40B4-BE49-F238E27FC236}">
+                <a16:creationId xmlns:a16="http://schemas.microsoft.com/office/drawing/2014/main" id="{1B10EB02-5BC1-4AB8-9BE6-7D221C91F180}"/>
+              </a:ext>
+            </a:extLst>
+          </p:cNvPr>
+          <p:cNvSpPr txBox="1"/>
+          <p:nvPr/>
+        </p:nvSpPr>
+        <p:spPr>
+          <a:xfrm>
+            <a:off x="136917" y="5934670"/>
+            <a:ext cx="12173076" cy="923330"/>
+          </a:xfrm>
+          <a:prstGeom prst="rect">
+            <a:avLst/>
+          </a:prstGeom>
+          <a:noFill/>
+        </p:spPr>
+        <p:txBody>
+          <a:bodyPr wrap="none" rtlCol="0">
+            <a:spAutoFit/>
+          </a:bodyPr>
+          <a:lstStyle/>
+          <a:p>
+            <a:r>
+              <a:rPr lang="ru-RU" dirty="0"/>
+              <a:t>В данном проекте метрика запросов и ответов собирается только с балансировщика. </a:t>
+            </a:r>
+          </a:p>
+          <a:p>
+            <a:r>
+              <a:rPr lang="ru-RU" dirty="0"/>
+              <a:t>Для сбора метрик с экземпляров приложений </a:t>
+            </a:r>
+            <a:r>
+              <a:rPr lang="en-US" dirty="0"/>
+              <a:t>bingo </a:t>
+            </a:r>
+            <a:r>
+              <a:rPr lang="ru-RU" dirty="0"/>
+              <a:t>использовал </a:t>
+            </a:r>
+            <a:r>
+              <a:rPr lang="en-US" dirty="0" err="1"/>
+              <a:t>fluentd</a:t>
+            </a:r>
+            <a:r>
+              <a:rPr lang="en-US" dirty="0"/>
+              <a:t> </a:t>
+            </a:r>
+            <a:r>
+              <a:rPr lang="ru-RU" dirty="0"/>
+              <a:t>с  </a:t>
+            </a:r>
+            <a:r>
+              <a:rPr lang="ru-RU" dirty="0" err="1"/>
+              <a:t>кастомным</a:t>
+            </a:r>
+            <a:r>
+              <a:rPr lang="ru-RU" dirty="0"/>
+              <a:t> сбором метрик, но не реализовал </a:t>
+            </a:r>
+            <a:endParaRPr lang="en-US" dirty="0"/>
+          </a:p>
+          <a:p>
+            <a:r>
+              <a:rPr lang="ru-RU" dirty="0"/>
+              <a:t>вывод в </a:t>
+            </a:r>
+            <a:r>
+              <a:rPr lang="en-US" dirty="0"/>
+              <a:t>Grafana </a:t>
+            </a:r>
+            <a:r>
+              <a:rPr lang="ru-RU" dirty="0"/>
+              <a:t>из-за недостатка времени</a:t>
+            </a:r>
+          </a:p>
+        </p:txBody>
+      </p:sp>
+    </p:spTree>
+    <p:extLst>
+      <p:ext uri="{BB962C8B-B14F-4D97-AF65-F5344CB8AC3E}">
+        <p14:creationId xmlns:p14="http://schemas.microsoft.com/office/powerpoint/2010/main" val="2389937654"/>
+      </p:ext>
+    </p:extLst>
+  </p:cSld>
+  <p:clrMapOvr>
+    <a:masterClrMapping/>
+  </p:clrMapOvr>
+</p:sld>
+</file>
+
+<file path=ppt/slides/slide2.xml><?xml version="1.0" encoding="utf-8"?>
+<p:sld xmlns:a="http://schemas.openxmlformats.org/drawingml/2006/main" xmlns:r="http://schemas.openxmlformats.org/officeDocument/2006/relationships" xmlns:p="http://schemas.openxmlformats.org/presentationml/2006/main">
+  <p:cSld>
+    <p:spTree>
+      <p:nvGrpSpPr>
+        <p:cNvPr id="1" name=""/>
+        <p:cNvGrpSpPr/>
+        <p:nvPr/>
+      </p:nvGrpSpPr>
+      <p:grpSpPr>
+        <a:xfrm>
+          <a:off x="0" y="0"/>
+          <a:ext cx="0" cy="0"/>
+          <a:chOff x="0" y="0"/>
+          <a:chExt cx="0" cy="0"/>
+        </a:xfrm>
+      </p:grpSpPr>
+      <p:sp>
+        <p:nvSpPr>
+          <p:cNvPr id="2" name="TextBox 1">
+            <a:extLst>
+              <a:ext uri="{FF2B5EF4-FFF2-40B4-BE49-F238E27FC236}">
+                <a16:creationId xmlns:a16="http://schemas.microsoft.com/office/drawing/2014/main" id="{5A0977ED-150C-4DBB-B294-37D7073565F5}"/>
+              </a:ext>
+            </a:extLst>
+          </p:cNvPr>
+          <p:cNvSpPr txBox="1"/>
+          <p:nvPr/>
+        </p:nvSpPr>
+        <p:spPr>
+          <a:xfrm>
+            <a:off x="575733" y="835942"/>
+            <a:ext cx="4791633" cy="369332"/>
+          </a:xfrm>
+          <a:prstGeom prst="rect">
+            <a:avLst/>
+          </a:prstGeom>
+          <a:noFill/>
+        </p:spPr>
+        <p:txBody>
+          <a:bodyPr wrap="none" rtlCol="0">
+            <a:spAutoFit/>
+          </a:bodyPr>
+          <a:lstStyle/>
+          <a:p>
+            <a:r>
+              <a:rPr lang="ru-RU" dirty="0"/>
+              <a:t>Запускаем бинарный файл – получаем ошибку</a:t>
+            </a:r>
+          </a:p>
+        </p:txBody>
+      </p:sp>
+      <p:pic>
+        <p:nvPicPr>
+          <p:cNvPr id="4" name="Рисунок 3">
+            <a:extLst>
+              <a:ext uri="{FF2B5EF4-FFF2-40B4-BE49-F238E27FC236}">
+                <a16:creationId xmlns:a16="http://schemas.microsoft.com/office/drawing/2014/main" id="{7851E758-4223-4F18-B772-1693868C1869}"/>
+              </a:ext>
+            </a:extLst>
+          </p:cNvPr>
+          <p:cNvPicPr>
+            <a:picLocks noChangeAspect="1"/>
+          </p:cNvPicPr>
+          <p:nvPr/>
+        </p:nvPicPr>
+        <p:blipFill>
+          <a:blip r:embed="rId2"/>
+          <a:stretch>
+            <a:fillRect/>
+          </a:stretch>
+        </p:blipFill>
+        <p:spPr>
+          <a:xfrm>
+            <a:off x="6321864" y="188719"/>
+            <a:ext cx="5641490" cy="2258148"/>
+          </a:xfrm>
+          <a:prstGeom prst="rect">
+            <a:avLst/>
+          </a:prstGeom>
+        </p:spPr>
+      </p:pic>
+      <p:sp>
+        <p:nvSpPr>
+          <p:cNvPr id="5" name="TextBox 4">
+            <a:extLst>
+              <a:ext uri="{FF2B5EF4-FFF2-40B4-BE49-F238E27FC236}">
+                <a16:creationId xmlns:a16="http://schemas.microsoft.com/office/drawing/2014/main" id="{7735E738-DF8B-43D2-B0EE-91755B94D446}"/>
+              </a:ext>
+            </a:extLst>
+          </p:cNvPr>
+          <p:cNvSpPr txBox="1"/>
+          <p:nvPr/>
+        </p:nvSpPr>
+        <p:spPr>
+          <a:xfrm>
+            <a:off x="475626" y="2344746"/>
+            <a:ext cx="5454698" cy="369332"/>
+          </a:xfrm>
+          <a:prstGeom prst="rect">
+            <a:avLst/>
+          </a:prstGeom>
+          <a:noFill/>
+        </p:spPr>
+        <p:txBody>
+          <a:bodyPr wrap="none" rtlCol="0">
+            <a:spAutoFit/>
+          </a:bodyPr>
+          <a:lstStyle/>
+          <a:p>
+            <a:r>
+              <a:rPr lang="ru-RU" dirty="0"/>
+              <a:t>Запускаем из-под </a:t>
+            </a:r>
+            <a:r>
+              <a:rPr lang="en-US" dirty="0" err="1"/>
+              <a:t>strace</a:t>
+            </a:r>
+            <a:r>
+              <a:rPr lang="ru-RU" dirty="0"/>
+              <a:t>, видим что не находит файл</a:t>
+            </a:r>
+          </a:p>
+        </p:txBody>
+      </p:sp>
+      <p:pic>
+        <p:nvPicPr>
+          <p:cNvPr id="7" name="Рисунок 6">
+            <a:extLst>
+              <a:ext uri="{FF2B5EF4-FFF2-40B4-BE49-F238E27FC236}">
+                <a16:creationId xmlns:a16="http://schemas.microsoft.com/office/drawing/2014/main" id="{6FCC2CF9-4427-4118-8937-92BCB65ED086}"/>
+              </a:ext>
+            </a:extLst>
+          </p:cNvPr>
+          <p:cNvPicPr>
+            <a:picLocks noChangeAspect="1"/>
+          </p:cNvPicPr>
+          <p:nvPr/>
+        </p:nvPicPr>
+        <p:blipFill>
+          <a:blip r:embed="rId3"/>
+          <a:stretch>
+            <a:fillRect/>
+          </a:stretch>
+        </p:blipFill>
+        <p:spPr>
+          <a:xfrm>
+            <a:off x="3021633" y="2887001"/>
+            <a:ext cx="8992855" cy="1390844"/>
+          </a:xfrm>
+          <a:prstGeom prst="rect">
+            <a:avLst/>
+          </a:prstGeom>
+        </p:spPr>
+      </p:pic>
+      <p:sp>
+        <p:nvSpPr>
+          <p:cNvPr id="8" name="TextBox 7">
+            <a:extLst>
+              <a:ext uri="{FF2B5EF4-FFF2-40B4-BE49-F238E27FC236}">
+                <a16:creationId xmlns:a16="http://schemas.microsoft.com/office/drawing/2014/main" id="{CE35E7E1-7D03-4AF3-B31F-05B830F87FEE}"/>
+              </a:ext>
+            </a:extLst>
+          </p:cNvPr>
+          <p:cNvSpPr txBox="1"/>
+          <p:nvPr/>
+        </p:nvSpPr>
+        <p:spPr>
+          <a:xfrm>
+            <a:off x="574995" y="4597812"/>
+            <a:ext cx="4469942" cy="369332"/>
+          </a:xfrm>
+          <a:prstGeom prst="rect">
+            <a:avLst/>
+          </a:prstGeom>
+          <a:noFill/>
+        </p:spPr>
+        <p:txBody>
+          <a:bodyPr wrap="none" rtlCol="0">
+            <a:spAutoFit/>
+          </a:bodyPr>
+          <a:lstStyle/>
+          <a:p>
+            <a:r>
+              <a:rPr lang="ru-RU" dirty="0"/>
+              <a:t>Создаем его, снова запускаем из-под </a:t>
+            </a:r>
+            <a:r>
+              <a:rPr lang="en-US" dirty="0" err="1"/>
+              <a:t>strace</a:t>
+            </a:r>
+            <a:endParaRPr lang="ru-RU" dirty="0"/>
+          </a:p>
+        </p:txBody>
+      </p:sp>
+      <p:pic>
+        <p:nvPicPr>
+          <p:cNvPr id="10" name="Рисунок 9">
+            <a:extLst>
+              <a:ext uri="{FF2B5EF4-FFF2-40B4-BE49-F238E27FC236}">
+                <a16:creationId xmlns:a16="http://schemas.microsoft.com/office/drawing/2014/main" id="{0265F07C-F5AD-4608-B30F-88EA2B3A3299}"/>
+              </a:ext>
+            </a:extLst>
+          </p:cNvPr>
+          <p:cNvPicPr>
+            <a:picLocks noChangeAspect="1"/>
+          </p:cNvPicPr>
+          <p:nvPr/>
+        </p:nvPicPr>
+        <p:blipFill>
+          <a:blip r:embed="rId4"/>
+          <a:stretch>
+            <a:fillRect/>
+          </a:stretch>
+        </p:blipFill>
+        <p:spPr>
+          <a:xfrm>
+            <a:off x="2809966" y="5136725"/>
+            <a:ext cx="9338733" cy="1412092"/>
+          </a:xfrm>
+          <a:prstGeom prst="rect">
+            <a:avLst/>
+          </a:prstGeom>
+        </p:spPr>
+      </p:pic>
+    </p:spTree>
+    <p:extLst>
+      <p:ext uri="{BB962C8B-B14F-4D97-AF65-F5344CB8AC3E}">
+        <p14:creationId xmlns:p14="http://schemas.microsoft.com/office/powerpoint/2010/main" val="1781015891"/>
+      </p:ext>
+    </p:extLst>
+  </p:cSld>
+  <p:clrMapOvr>
+    <a:masterClrMapping/>
+  </p:clrMapOvr>
+</p:sld>
+</file>
+
+<file path=ppt/slides/slide20.xml><?xml version="1.0" encoding="utf-8"?>
+<p:sld xmlns:a="http://schemas.openxmlformats.org/drawingml/2006/main" xmlns:r="http://schemas.openxmlformats.org/officeDocument/2006/relationships" xmlns:p="http://schemas.openxmlformats.org/presentationml/2006/main">
+  <p:cSld>
+    <p:spTree>
+      <p:nvGrpSpPr>
+        <p:cNvPr id="1" name=""/>
+        <p:cNvGrpSpPr/>
+        <p:nvPr/>
+      </p:nvGrpSpPr>
+      <p:grpSpPr>
+        <a:xfrm>
+          <a:off x="0" y="0"/>
+          <a:ext cx="0" cy="0"/>
+          <a:chOff x="0" y="0"/>
+          <a:chExt cx="0" cy="0"/>
+        </a:xfrm>
+      </p:grpSpPr>
+      <p:pic>
+        <p:nvPicPr>
+          <p:cNvPr id="3" name="Рисунок 2">
+            <a:extLst>
+              <a:ext uri="{FF2B5EF4-FFF2-40B4-BE49-F238E27FC236}">
+                <a16:creationId xmlns:a16="http://schemas.microsoft.com/office/drawing/2014/main" id="{C21C14D9-DF52-4CB9-9ADB-8B0F7632DABD}"/>
+              </a:ext>
+            </a:extLst>
+          </p:cNvPr>
+          <p:cNvPicPr>
+            <a:picLocks noChangeAspect="1"/>
+          </p:cNvPicPr>
+          <p:nvPr/>
+        </p:nvPicPr>
+        <p:blipFill>
+          <a:blip r:embed="rId2"/>
+          <a:stretch>
+            <a:fillRect/>
+          </a:stretch>
+        </p:blipFill>
+        <p:spPr>
+          <a:xfrm>
+            <a:off x="4865446" y="0"/>
+            <a:ext cx="7326554" cy="3716867"/>
+          </a:xfrm>
+          <a:prstGeom prst="rect">
+            <a:avLst/>
+          </a:prstGeom>
+        </p:spPr>
+      </p:pic>
+      <p:pic>
+        <p:nvPicPr>
+          <p:cNvPr id="5" name="Рисунок 4">
+            <a:extLst>
+              <a:ext uri="{FF2B5EF4-FFF2-40B4-BE49-F238E27FC236}">
+                <a16:creationId xmlns:a16="http://schemas.microsoft.com/office/drawing/2014/main" id="{47554B69-C203-4B7A-95B0-04805591EA7E}"/>
+              </a:ext>
+            </a:extLst>
+          </p:cNvPr>
+          <p:cNvPicPr>
+            <a:picLocks noChangeAspect="1"/>
+          </p:cNvPicPr>
+          <p:nvPr/>
+        </p:nvPicPr>
+        <p:blipFill rotWithShape="1">
+          <a:blip r:embed="rId3"/>
+          <a:srcRect r="49633"/>
+          <a:stretch/>
+        </p:blipFill>
+        <p:spPr>
+          <a:xfrm>
+            <a:off x="4098566" y="3414082"/>
+            <a:ext cx="4063998" cy="3443918"/>
+          </a:xfrm>
+          <a:prstGeom prst="rect">
+            <a:avLst/>
+          </a:prstGeom>
+        </p:spPr>
+      </p:pic>
+      <p:pic>
+        <p:nvPicPr>
+          <p:cNvPr id="7" name="Рисунок 6">
+            <a:extLst>
+              <a:ext uri="{FF2B5EF4-FFF2-40B4-BE49-F238E27FC236}">
+                <a16:creationId xmlns:a16="http://schemas.microsoft.com/office/drawing/2014/main" id="{3A7D94E9-FEBA-4A7C-B256-6C454F8A2B5B}"/>
+              </a:ext>
+            </a:extLst>
+          </p:cNvPr>
+          <p:cNvPicPr>
+            <a:picLocks noChangeAspect="1"/>
+          </p:cNvPicPr>
+          <p:nvPr/>
+        </p:nvPicPr>
+        <p:blipFill>
+          <a:blip r:embed="rId4"/>
+          <a:stretch>
+            <a:fillRect/>
+          </a:stretch>
+        </p:blipFill>
+        <p:spPr>
+          <a:xfrm>
+            <a:off x="8162564" y="3545518"/>
+            <a:ext cx="4029436" cy="3327400"/>
+          </a:xfrm>
+          <a:prstGeom prst="rect">
+            <a:avLst/>
+          </a:prstGeom>
+        </p:spPr>
+      </p:pic>
+      <p:sp>
+        <p:nvSpPr>
+          <p:cNvPr id="8" name="TextBox 7">
+            <a:extLst>
+              <a:ext uri="{FF2B5EF4-FFF2-40B4-BE49-F238E27FC236}">
+                <a16:creationId xmlns:a16="http://schemas.microsoft.com/office/drawing/2014/main" id="{D0CD537C-DBBC-4896-9E49-D3B6D6CD8667}"/>
+              </a:ext>
+            </a:extLst>
+          </p:cNvPr>
+          <p:cNvSpPr txBox="1"/>
+          <p:nvPr/>
+        </p:nvSpPr>
+        <p:spPr>
+          <a:xfrm>
+            <a:off x="203550" y="175364"/>
+            <a:ext cx="4503917" cy="6186309"/>
+          </a:xfrm>
+          <a:prstGeom prst="rect">
+            <a:avLst/>
+          </a:prstGeom>
+          <a:noFill/>
+        </p:spPr>
+        <p:txBody>
+          <a:bodyPr wrap="square" rtlCol="0">
+            <a:spAutoFit/>
+          </a:bodyPr>
+          <a:lstStyle/>
+          <a:p>
+            <a:r>
+              <a:rPr lang="ru-RU" dirty="0"/>
+              <a:t>Графическая визуализация – </a:t>
+            </a:r>
+            <a:r>
+              <a:rPr lang="en-US" dirty="0"/>
+              <a:t>Grafana</a:t>
+            </a:r>
+            <a:r>
+              <a:rPr lang="ru-RU" dirty="0"/>
+              <a:t>.</a:t>
+            </a:r>
+            <a:endParaRPr lang="en-US" dirty="0"/>
+          </a:p>
+          <a:p>
+            <a:r>
+              <a:rPr lang="ru-RU" dirty="0"/>
+              <a:t>Коллектор метрик – </a:t>
+            </a:r>
+            <a:r>
+              <a:rPr lang="en-US" dirty="0"/>
+              <a:t>Prometheus</a:t>
+            </a:r>
+            <a:r>
+              <a:rPr lang="ru-RU" dirty="0"/>
+              <a:t>.</a:t>
+            </a:r>
+          </a:p>
+          <a:p>
+            <a:r>
+              <a:rPr lang="ru-RU" dirty="0"/>
+              <a:t>В формат логов для </a:t>
+            </a:r>
+            <a:r>
+              <a:rPr lang="en-US" dirty="0"/>
+              <a:t>Nginx </a:t>
+            </a:r>
+            <a:r>
+              <a:rPr lang="ru-RU" dirty="0"/>
+              <a:t>добавлен </a:t>
+            </a:r>
+            <a:endParaRPr lang="en-US" dirty="0"/>
+          </a:p>
+          <a:p>
+            <a:r>
+              <a:rPr lang="ru-RU" dirty="0"/>
+              <a:t>параметр </a:t>
+            </a:r>
+            <a:r>
+              <a:rPr lang="en-US" b="0" dirty="0" err="1">
+                <a:effectLst/>
+                <a:latin typeface="Consolas" panose="020B0609020204030204" pitchFamily="49" charset="0"/>
+              </a:rPr>
+              <a:t>upstream_response_time</a:t>
+            </a:r>
+            <a:r>
+              <a:rPr lang="ru-RU" b="0" dirty="0">
+                <a:effectLst/>
+                <a:latin typeface="Consolas" panose="020B0609020204030204" pitchFamily="49" charset="0"/>
+              </a:rPr>
+              <a:t>.</a:t>
+            </a:r>
+            <a:endParaRPr lang="ru-RU" dirty="0"/>
+          </a:p>
+          <a:p>
+            <a:r>
+              <a:rPr lang="ru-RU" dirty="0"/>
+              <a:t>Конвертор метрик </a:t>
+            </a:r>
+            <a:r>
+              <a:rPr lang="en-US" dirty="0"/>
+              <a:t>Nginx </a:t>
+            </a:r>
+            <a:r>
+              <a:rPr lang="ru-RU" dirty="0"/>
+              <a:t>в формат </a:t>
+            </a:r>
+            <a:endParaRPr lang="en-US" dirty="0"/>
+          </a:p>
+          <a:p>
+            <a:r>
+              <a:rPr lang="en-US" dirty="0" err="1"/>
+              <a:t>Prometeheus</a:t>
+            </a:r>
+            <a:r>
+              <a:rPr lang="en-US" dirty="0"/>
+              <a:t> – </a:t>
+            </a:r>
+            <a:r>
+              <a:rPr lang="en-US" dirty="0" err="1"/>
+              <a:t>FluentD</a:t>
+            </a:r>
+            <a:r>
+              <a:rPr lang="ru-RU" dirty="0"/>
+              <a:t>.</a:t>
+            </a:r>
+          </a:p>
+          <a:p>
+            <a:r>
+              <a:rPr lang="ru-RU" dirty="0"/>
+              <a:t>Отправка метрик </a:t>
+            </a:r>
+            <a:r>
+              <a:rPr lang="en-US" dirty="0"/>
+              <a:t>Nginx </a:t>
+            </a:r>
+            <a:r>
+              <a:rPr lang="ru-RU" dirty="0"/>
+              <a:t>в </a:t>
+            </a:r>
+            <a:r>
+              <a:rPr lang="en-US" dirty="0"/>
+              <a:t>Prometheus </a:t>
+            </a:r>
+            <a:r>
+              <a:rPr lang="ru-RU" dirty="0"/>
+              <a:t> - </a:t>
+            </a:r>
+            <a:r>
+              <a:rPr lang="en-US" dirty="0"/>
+              <a:t>Nginx Prometheus Exporter</a:t>
+            </a:r>
+            <a:r>
+              <a:rPr lang="ru-RU" dirty="0"/>
+              <a:t>.</a:t>
+            </a:r>
+            <a:endParaRPr lang="en-US" dirty="0"/>
+          </a:p>
+          <a:p>
+            <a:endParaRPr lang="en-US" dirty="0"/>
+          </a:p>
+          <a:p>
+            <a:r>
+              <a:rPr lang="ru-RU" dirty="0"/>
+              <a:t>Первый </a:t>
+            </a:r>
+            <a:r>
+              <a:rPr lang="ru-RU" dirty="0" err="1"/>
+              <a:t>дашбоард</a:t>
+            </a:r>
+            <a:r>
+              <a:rPr lang="ru-RU" dirty="0"/>
+              <a:t> по 3 </a:t>
+            </a:r>
+            <a:r>
+              <a:rPr lang="en-US" dirty="0"/>
+              <a:t>“</a:t>
+            </a:r>
+            <a:r>
+              <a:rPr lang="ru-RU" dirty="0"/>
+              <a:t>золотым сигналам</a:t>
+            </a:r>
+            <a:r>
+              <a:rPr lang="en-US" dirty="0"/>
+              <a:t>” </a:t>
+            </a:r>
+            <a:r>
+              <a:rPr kumimoji="0" lang="ru-RU" altLang="ru-RU" sz="1800" b="0" i="0" u="none" strike="noStrike" cap="none" normalizeH="0" baseline="0" dirty="0" err="1">
+                <a:ln>
+                  <a:noFill/>
+                </a:ln>
+                <a:solidFill>
+                  <a:schemeClr val="tx1"/>
+                </a:solidFill>
+                <a:effectLst/>
+                <a:latin typeface="Arial" panose="020B0604020202020204" pitchFamily="34" charset="0"/>
+              </a:rPr>
+              <a:t>Latency</a:t>
+            </a:r>
+            <a:r>
+              <a:rPr kumimoji="0" lang="ru-RU" altLang="ru-RU" sz="1800" b="0" i="0" u="none" strike="noStrike" cap="none" normalizeH="0" baseline="0" dirty="0">
+                <a:ln>
+                  <a:noFill/>
+                </a:ln>
+                <a:solidFill>
+                  <a:schemeClr val="tx1"/>
+                </a:solidFill>
+                <a:effectLst/>
+                <a:latin typeface="Arial" panose="020B0604020202020204" pitchFamily="34" charset="0"/>
+              </a:rPr>
+              <a:t> - </a:t>
+            </a:r>
+            <a:r>
+              <a:rPr kumimoji="0" lang="ru-RU" altLang="ru-RU" sz="1800" b="0" i="0" u="none" strike="noStrike" cap="none" normalizeH="0" baseline="0" dirty="0" err="1">
+                <a:ln>
+                  <a:noFill/>
+                </a:ln>
+                <a:solidFill>
+                  <a:schemeClr val="tx1"/>
+                </a:solidFill>
+                <a:effectLst/>
+                <a:latin typeface="Arial" panose="020B0604020202020204" pitchFamily="34" charset="0"/>
+              </a:rPr>
+              <a:t>Traffic</a:t>
+            </a:r>
+            <a:r>
+              <a:rPr kumimoji="0" lang="ru-RU" altLang="ru-RU" sz="1800" b="0" i="0" u="none" strike="noStrike" cap="none" normalizeH="0" baseline="0" dirty="0">
+                <a:ln>
+                  <a:noFill/>
+                </a:ln>
+                <a:solidFill>
+                  <a:schemeClr val="tx1"/>
+                </a:solidFill>
+                <a:effectLst/>
+                <a:latin typeface="Arial" panose="020B0604020202020204" pitchFamily="34" charset="0"/>
+              </a:rPr>
+              <a:t> – </a:t>
+            </a:r>
+            <a:r>
+              <a:rPr kumimoji="0" lang="ru-RU" altLang="ru-RU" sz="1800" b="0" i="0" u="none" strike="noStrike" cap="none" normalizeH="0" baseline="0" dirty="0" err="1">
+                <a:ln>
+                  <a:noFill/>
+                </a:ln>
+                <a:solidFill>
+                  <a:schemeClr val="tx1"/>
+                </a:solidFill>
+                <a:effectLst/>
+                <a:latin typeface="Arial" panose="020B0604020202020204" pitchFamily="34" charset="0"/>
+              </a:rPr>
+              <a:t>Errors</a:t>
+            </a:r>
+            <a:r>
+              <a:rPr kumimoji="0" lang="en-US" altLang="ru-RU" sz="1800" b="0" i="0" u="none" strike="noStrike" cap="none" normalizeH="0" baseline="0" dirty="0">
+                <a:ln>
+                  <a:noFill/>
+                </a:ln>
+                <a:solidFill>
+                  <a:schemeClr val="tx1"/>
+                </a:solidFill>
+                <a:effectLst/>
+                <a:latin typeface="Arial" panose="020B0604020202020204" pitchFamily="34" charset="0"/>
+              </a:rPr>
+              <a:t>.</a:t>
+            </a:r>
+            <a:endParaRPr lang="en-US" dirty="0"/>
+          </a:p>
+          <a:p>
+            <a:endParaRPr lang="ru-RU" dirty="0"/>
+          </a:p>
+          <a:p>
+            <a:r>
+              <a:rPr lang="ru-RU" dirty="0"/>
+              <a:t>В поле </a:t>
+            </a:r>
+            <a:r>
+              <a:rPr lang="en-US" dirty="0"/>
+              <a:t>path </a:t>
+            </a:r>
+            <a:r>
+              <a:rPr lang="ru-RU" dirty="0"/>
+              <a:t>можно выбрать </a:t>
+            </a:r>
+            <a:endParaRPr lang="en-US" dirty="0"/>
+          </a:p>
+          <a:p>
+            <a:r>
+              <a:rPr lang="ru-RU" dirty="0"/>
+              <a:t>интересующий </a:t>
+            </a:r>
+            <a:r>
+              <a:rPr lang="ru-RU" dirty="0" err="1"/>
+              <a:t>эндпоинт</a:t>
+            </a:r>
+            <a:r>
+              <a:rPr lang="ru-RU" dirty="0"/>
+              <a:t> и по нему </a:t>
+            </a:r>
+            <a:endParaRPr lang="en-US" dirty="0"/>
+          </a:p>
+          <a:p>
+            <a:r>
+              <a:rPr lang="ru-RU" dirty="0"/>
+              <a:t>будет выдана статистика по  </a:t>
+            </a:r>
+            <a:endParaRPr lang="en-US" dirty="0"/>
+          </a:p>
+          <a:p>
+            <a:r>
+              <a:rPr lang="ru-RU" dirty="0"/>
+              <a:t>задержкам ответа с 50,</a:t>
+            </a:r>
+            <a:r>
+              <a:rPr lang="en-US" dirty="0"/>
+              <a:t> </a:t>
+            </a:r>
+            <a:r>
+              <a:rPr lang="ru-RU" dirty="0"/>
+              <a:t> 90 и 99 </a:t>
+            </a:r>
+            <a:r>
+              <a:rPr lang="ru-RU" dirty="0" err="1"/>
+              <a:t>процентилями</a:t>
+            </a:r>
+            <a:r>
+              <a:rPr lang="en-US" dirty="0"/>
+              <a:t>.</a:t>
+            </a:r>
+          </a:p>
+          <a:p>
+            <a:endParaRPr lang="ru-RU" dirty="0"/>
+          </a:p>
+          <a:p>
+            <a:r>
+              <a:rPr lang="ru-RU" dirty="0"/>
+              <a:t>Второе поле - трафик в </a:t>
+            </a:r>
+            <a:r>
+              <a:rPr lang="en-US" dirty="0"/>
+              <a:t>RPS.</a:t>
+            </a:r>
+            <a:endParaRPr lang="ru-RU" dirty="0"/>
+          </a:p>
+          <a:p>
+            <a:endParaRPr lang="en-US" dirty="0"/>
+          </a:p>
+          <a:p>
+            <a:r>
+              <a:rPr lang="ru-RU" dirty="0"/>
+              <a:t>Третье – доступность сервисов.</a:t>
+            </a:r>
+          </a:p>
+          <a:p>
+            <a:endParaRPr lang="ru-RU" dirty="0"/>
+          </a:p>
+        </p:txBody>
+      </p:sp>
     </p:spTree>
     <p:extLst>
       <p:ext uri="{BB962C8B-B14F-4D97-AF65-F5344CB8AC3E}">
@@ -7430,7 +8596,840 @@
 </p:sld>
 </file>
 
-<file path=ppt/slides/slide2.xml><?xml version="1.0" encoding="utf-8"?>
+<file path=ppt/slides/slide21.xml><?xml version="1.0" encoding="utf-8"?>
+<p:sld xmlns:a="http://schemas.openxmlformats.org/drawingml/2006/main" xmlns:r="http://schemas.openxmlformats.org/officeDocument/2006/relationships" xmlns:p="http://schemas.openxmlformats.org/presentationml/2006/main">
+  <p:cSld>
+    <p:spTree>
+      <p:nvGrpSpPr>
+        <p:cNvPr id="1" name=""/>
+        <p:cNvGrpSpPr/>
+        <p:nvPr/>
+      </p:nvGrpSpPr>
+      <p:grpSpPr>
+        <a:xfrm>
+          <a:off x="0" y="0"/>
+          <a:ext cx="0" cy="0"/>
+          <a:chOff x="0" y="0"/>
+          <a:chExt cx="0" cy="0"/>
+        </a:xfrm>
+      </p:grpSpPr>
+      <p:sp>
+        <p:nvSpPr>
+          <p:cNvPr id="3" name="TextBox 2">
+            <a:extLst>
+              <a:ext uri="{FF2B5EF4-FFF2-40B4-BE49-F238E27FC236}">
+                <a16:creationId xmlns:a16="http://schemas.microsoft.com/office/drawing/2014/main" id="{61BB2E0C-4267-4256-903A-01075300FF8F}"/>
+              </a:ext>
+            </a:extLst>
+          </p:cNvPr>
+          <p:cNvSpPr txBox="1"/>
+          <p:nvPr/>
+        </p:nvSpPr>
+        <p:spPr>
+          <a:xfrm>
+            <a:off x="177800" y="831334"/>
+            <a:ext cx="3581400" cy="2308324"/>
+          </a:xfrm>
+          <a:prstGeom prst="rect">
+            <a:avLst/>
+          </a:prstGeom>
+          <a:noFill/>
+        </p:spPr>
+        <p:txBody>
+          <a:bodyPr wrap="square">
+            <a:spAutoFit/>
+          </a:bodyPr>
+          <a:lstStyle/>
+          <a:p>
+            <a:r>
+              <a:rPr lang="ru-RU" dirty="0"/>
+              <a:t>В поле </a:t>
+            </a:r>
+            <a:r>
+              <a:rPr lang="en-US" dirty="0"/>
+              <a:t>status </a:t>
+            </a:r>
+            <a:r>
+              <a:rPr lang="ru-RU" dirty="0"/>
+              <a:t>можно выбрать</a:t>
+            </a:r>
+          </a:p>
+          <a:p>
+            <a:r>
+              <a:rPr lang="ru-RU" dirty="0"/>
+              <a:t>Запросы, которые завершились с </a:t>
+            </a:r>
+            <a:endParaRPr lang="en-US" dirty="0"/>
+          </a:p>
+          <a:p>
+            <a:r>
+              <a:rPr lang="ru-RU" dirty="0"/>
+              <a:t>ошибкой – </a:t>
+            </a:r>
+            <a:r>
+              <a:rPr lang="en-US" dirty="0"/>
+              <a:t>error </a:t>
+            </a:r>
+            <a:r>
+              <a:rPr lang="ru-RU" dirty="0"/>
+              <a:t>или успешно – </a:t>
+            </a:r>
+            <a:r>
+              <a:rPr lang="en-US" dirty="0"/>
+              <a:t>success.</a:t>
+            </a:r>
+          </a:p>
+          <a:p>
+            <a:endParaRPr lang="en-US" dirty="0"/>
+          </a:p>
+          <a:p>
+            <a:r>
+              <a:rPr lang="ru-RU" dirty="0"/>
+              <a:t>Поле </a:t>
+            </a:r>
+            <a:r>
+              <a:rPr lang="en-US" dirty="0"/>
+              <a:t>method – </a:t>
+            </a:r>
+            <a:r>
+              <a:rPr lang="ru-RU" dirty="0"/>
+              <a:t>выбор типа запроса – </a:t>
+            </a:r>
+            <a:r>
+              <a:rPr lang="en-US" dirty="0"/>
+              <a:t>GET POST DELETE PUT. ALL – </a:t>
+            </a:r>
+            <a:r>
+              <a:rPr lang="ru-RU" dirty="0"/>
+              <a:t>показать все.</a:t>
+            </a:r>
+          </a:p>
+        </p:txBody>
+      </p:sp>
+      <p:pic>
+        <p:nvPicPr>
+          <p:cNvPr id="5" name="Рисунок 4">
+            <a:extLst>
+              <a:ext uri="{FF2B5EF4-FFF2-40B4-BE49-F238E27FC236}">
+                <a16:creationId xmlns:a16="http://schemas.microsoft.com/office/drawing/2014/main" id="{4D1FB5A7-2965-4023-B98D-47BAD45FF3E2}"/>
+              </a:ext>
+            </a:extLst>
+          </p:cNvPr>
+          <p:cNvPicPr>
+            <a:picLocks noChangeAspect="1"/>
+          </p:cNvPicPr>
+          <p:nvPr/>
+        </p:nvPicPr>
+        <p:blipFill>
+          <a:blip r:embed="rId2"/>
+          <a:stretch>
+            <a:fillRect/>
+          </a:stretch>
+        </p:blipFill>
+        <p:spPr>
+          <a:xfrm>
+            <a:off x="3897327" y="0"/>
+            <a:ext cx="8294673" cy="3289944"/>
+          </a:xfrm>
+          <a:prstGeom prst="rect">
+            <a:avLst/>
+          </a:prstGeom>
+        </p:spPr>
+      </p:pic>
+      <p:pic>
+        <p:nvPicPr>
+          <p:cNvPr id="7" name="Рисунок 6">
+            <a:extLst>
+              <a:ext uri="{FF2B5EF4-FFF2-40B4-BE49-F238E27FC236}">
+                <a16:creationId xmlns:a16="http://schemas.microsoft.com/office/drawing/2014/main" id="{64AC4CFF-FB2A-4D39-936E-0E38BB060C6E}"/>
+              </a:ext>
+            </a:extLst>
+          </p:cNvPr>
+          <p:cNvPicPr>
+            <a:picLocks noChangeAspect="1"/>
+          </p:cNvPicPr>
+          <p:nvPr/>
+        </p:nvPicPr>
+        <p:blipFill>
+          <a:blip r:embed="rId3"/>
+          <a:stretch>
+            <a:fillRect/>
+          </a:stretch>
+        </p:blipFill>
+        <p:spPr>
+          <a:xfrm>
+            <a:off x="7883036" y="3289944"/>
+            <a:ext cx="4308964" cy="3568056"/>
+          </a:xfrm>
+          <a:prstGeom prst="rect">
+            <a:avLst/>
+          </a:prstGeom>
+        </p:spPr>
+      </p:pic>
+      <p:sp>
+        <p:nvSpPr>
+          <p:cNvPr id="8" name="TextBox 7">
+            <a:extLst>
+              <a:ext uri="{FF2B5EF4-FFF2-40B4-BE49-F238E27FC236}">
+                <a16:creationId xmlns:a16="http://schemas.microsoft.com/office/drawing/2014/main" id="{59C122EF-730E-43D7-B66B-009230974D55}"/>
+              </a:ext>
+            </a:extLst>
+          </p:cNvPr>
+          <p:cNvSpPr txBox="1"/>
+          <p:nvPr/>
+        </p:nvSpPr>
+        <p:spPr>
+          <a:xfrm>
+            <a:off x="362309" y="3933645"/>
+            <a:ext cx="7376224" cy="646331"/>
+          </a:xfrm>
+          <a:prstGeom prst="rect">
+            <a:avLst/>
+          </a:prstGeom>
+          <a:noFill/>
+        </p:spPr>
+        <p:txBody>
+          <a:bodyPr wrap="square" rtlCol="0">
+            <a:spAutoFit/>
+          </a:bodyPr>
+          <a:lstStyle/>
+          <a:p>
+            <a:r>
+              <a:rPr lang="ru-RU" dirty="0"/>
+              <a:t>Интерфейс </a:t>
+            </a:r>
+            <a:r>
+              <a:rPr lang="en-US" dirty="0"/>
+              <a:t>Grafana </a:t>
+            </a:r>
+            <a:r>
+              <a:rPr lang="ru-RU" dirty="0"/>
+              <a:t>доступен на </a:t>
+            </a:r>
+            <a:r>
+              <a:rPr lang="ru-RU" dirty="0" err="1"/>
+              <a:t>эндпоинте</a:t>
+            </a:r>
+            <a:r>
+              <a:rPr lang="ru-RU" dirty="0"/>
+              <a:t> </a:t>
+            </a:r>
+            <a:r>
+              <a:rPr lang="en-US" dirty="0"/>
+              <a:t>/monitoring </a:t>
+            </a:r>
+            <a:r>
+              <a:rPr lang="ru-RU" dirty="0"/>
+              <a:t>и так же доступен</a:t>
+            </a:r>
+          </a:p>
+          <a:p>
+            <a:r>
+              <a:rPr lang="ru-RU" dirty="0"/>
+              <a:t>по </a:t>
+            </a:r>
+            <a:r>
+              <a:rPr lang="en-US" dirty="0"/>
+              <a:t>https</a:t>
+            </a:r>
+            <a:r>
+              <a:rPr lang="ru-RU" dirty="0"/>
+              <a:t> .</a:t>
+            </a:r>
+          </a:p>
+        </p:txBody>
+      </p:sp>
+    </p:spTree>
+    <p:extLst>
+      <p:ext uri="{BB962C8B-B14F-4D97-AF65-F5344CB8AC3E}">
+        <p14:creationId xmlns:p14="http://schemas.microsoft.com/office/powerpoint/2010/main" val="2136293813"/>
+      </p:ext>
+    </p:extLst>
+  </p:cSld>
+  <p:clrMapOvr>
+    <a:masterClrMapping/>
+  </p:clrMapOvr>
+</p:sld>
+</file>
+
+<file path=ppt/slides/slide22.xml><?xml version="1.0" encoding="utf-8"?>
+<p:sld xmlns:a="http://schemas.openxmlformats.org/drawingml/2006/main" xmlns:r="http://schemas.openxmlformats.org/officeDocument/2006/relationships" xmlns:p="http://schemas.openxmlformats.org/presentationml/2006/main">
+  <p:cSld>
+    <p:spTree>
+      <p:nvGrpSpPr>
+        <p:cNvPr id="1" name=""/>
+        <p:cNvGrpSpPr/>
+        <p:nvPr/>
+      </p:nvGrpSpPr>
+      <p:grpSpPr>
+        <a:xfrm>
+          <a:off x="0" y="0"/>
+          <a:ext cx="0" cy="0"/>
+          <a:chOff x="0" y="0"/>
+          <a:chExt cx="0" cy="0"/>
+        </a:xfrm>
+      </p:grpSpPr>
+      <p:pic>
+        <p:nvPicPr>
+          <p:cNvPr id="3" name="Рисунок 2">
+            <a:extLst>
+              <a:ext uri="{FF2B5EF4-FFF2-40B4-BE49-F238E27FC236}">
+                <a16:creationId xmlns:a16="http://schemas.microsoft.com/office/drawing/2014/main" id="{FB8C1344-2C10-4D37-90BA-58D4EC1EF4D0}"/>
+              </a:ext>
+            </a:extLst>
+          </p:cNvPr>
+          <p:cNvPicPr>
+            <a:picLocks noChangeAspect="1"/>
+          </p:cNvPicPr>
+          <p:nvPr/>
+        </p:nvPicPr>
+        <p:blipFill>
+          <a:blip r:embed="rId2"/>
+          <a:stretch>
+            <a:fillRect/>
+          </a:stretch>
+        </p:blipFill>
+        <p:spPr>
+          <a:xfrm>
+            <a:off x="283633" y="100542"/>
+            <a:ext cx="11624733" cy="5007112"/>
+          </a:xfrm>
+          <a:prstGeom prst="rect">
+            <a:avLst/>
+          </a:prstGeom>
+        </p:spPr>
+      </p:pic>
+      <p:sp>
+        <p:nvSpPr>
+          <p:cNvPr id="4" name="TextBox 3">
+            <a:extLst>
+              <a:ext uri="{FF2B5EF4-FFF2-40B4-BE49-F238E27FC236}">
+                <a16:creationId xmlns:a16="http://schemas.microsoft.com/office/drawing/2014/main" id="{89D7CE6D-6D6E-4182-942D-AB17A5E6659E}"/>
+              </a:ext>
+            </a:extLst>
+          </p:cNvPr>
+          <p:cNvSpPr txBox="1"/>
+          <p:nvPr/>
+        </p:nvSpPr>
+        <p:spPr>
+          <a:xfrm>
+            <a:off x="677333" y="5452533"/>
+            <a:ext cx="10521791" cy="369332"/>
+          </a:xfrm>
+          <a:prstGeom prst="rect">
+            <a:avLst/>
+          </a:prstGeom>
+          <a:noFill/>
+        </p:spPr>
+        <p:txBody>
+          <a:bodyPr wrap="none" rtlCol="0">
+            <a:spAutoFit/>
+          </a:bodyPr>
+          <a:lstStyle/>
+          <a:p>
+            <a:r>
+              <a:rPr lang="ru-RU" dirty="0"/>
+              <a:t>Ещё один </a:t>
+            </a:r>
+            <a:r>
+              <a:rPr lang="ru-RU" dirty="0" err="1"/>
+              <a:t>дашборд</a:t>
+            </a:r>
+            <a:r>
+              <a:rPr lang="ru-RU" dirty="0"/>
+              <a:t> показывает статистику по активным соединения, </a:t>
+            </a:r>
+            <a:r>
+              <a:rPr lang="en-US" dirty="0"/>
+              <a:t>RPS </a:t>
+            </a:r>
+            <a:r>
+              <a:rPr lang="ru-RU" dirty="0"/>
+              <a:t>по приложению </a:t>
+            </a:r>
+            <a:r>
+              <a:rPr lang="en-US" dirty="0"/>
+              <a:t>Nginx </a:t>
+            </a:r>
+            <a:r>
+              <a:rPr lang="ru-RU" dirty="0"/>
+              <a:t>в общем </a:t>
+            </a:r>
+          </a:p>
+        </p:txBody>
+      </p:sp>
+    </p:spTree>
+    <p:extLst>
+      <p:ext uri="{BB962C8B-B14F-4D97-AF65-F5344CB8AC3E}">
+        <p14:creationId xmlns:p14="http://schemas.microsoft.com/office/powerpoint/2010/main" val="3593446551"/>
+      </p:ext>
+    </p:extLst>
+  </p:cSld>
+  <p:clrMapOvr>
+    <a:masterClrMapping/>
+  </p:clrMapOvr>
+</p:sld>
+</file>
+
+<file path=ppt/slides/slide23.xml><?xml version="1.0" encoding="utf-8"?>
+<p:sld xmlns:a="http://schemas.openxmlformats.org/drawingml/2006/main" xmlns:r="http://schemas.openxmlformats.org/officeDocument/2006/relationships" xmlns:p="http://schemas.openxmlformats.org/presentationml/2006/main">
+  <p:cSld>
+    <p:spTree>
+      <p:nvGrpSpPr>
+        <p:cNvPr id="1" name=""/>
+        <p:cNvGrpSpPr/>
+        <p:nvPr/>
+      </p:nvGrpSpPr>
+      <p:grpSpPr>
+        <a:xfrm>
+          <a:off x="0" y="0"/>
+          <a:ext cx="0" cy="0"/>
+          <a:chOff x="0" y="0"/>
+          <a:chExt cx="0" cy="0"/>
+        </a:xfrm>
+      </p:grpSpPr>
+      <p:pic>
+        <p:nvPicPr>
+          <p:cNvPr id="5" name="Рисунок 4">
+            <a:extLst>
+              <a:ext uri="{FF2B5EF4-FFF2-40B4-BE49-F238E27FC236}">
+                <a16:creationId xmlns:a16="http://schemas.microsoft.com/office/drawing/2014/main" id="{67E8BFBB-76DD-4B72-A2B6-DDD47978B522}"/>
+              </a:ext>
+            </a:extLst>
+          </p:cNvPr>
+          <p:cNvPicPr>
+            <a:picLocks noChangeAspect="1"/>
+          </p:cNvPicPr>
+          <p:nvPr/>
+        </p:nvPicPr>
+        <p:blipFill>
+          <a:blip r:embed="rId2"/>
+          <a:stretch>
+            <a:fillRect/>
+          </a:stretch>
+        </p:blipFill>
+        <p:spPr>
+          <a:xfrm>
+            <a:off x="1879600" y="155475"/>
+            <a:ext cx="8788400" cy="4798710"/>
+          </a:xfrm>
+          <a:prstGeom prst="rect">
+            <a:avLst/>
+          </a:prstGeom>
+        </p:spPr>
+      </p:pic>
+      <p:sp>
+        <p:nvSpPr>
+          <p:cNvPr id="7" name="TextBox 6">
+            <a:extLst>
+              <a:ext uri="{FF2B5EF4-FFF2-40B4-BE49-F238E27FC236}">
+                <a16:creationId xmlns:a16="http://schemas.microsoft.com/office/drawing/2014/main" id="{199AE587-A64F-48E0-8E14-04E66A839F71}"/>
+              </a:ext>
+            </a:extLst>
+          </p:cNvPr>
+          <p:cNvSpPr txBox="1"/>
+          <p:nvPr/>
+        </p:nvSpPr>
+        <p:spPr>
+          <a:xfrm>
+            <a:off x="874624" y="5374895"/>
+            <a:ext cx="10188751" cy="646331"/>
+          </a:xfrm>
+          <a:prstGeom prst="rect">
+            <a:avLst/>
+          </a:prstGeom>
+          <a:noFill/>
+        </p:spPr>
+        <p:txBody>
+          <a:bodyPr wrap="none" rtlCol="0">
+            <a:spAutoFit/>
+          </a:bodyPr>
+          <a:lstStyle/>
+          <a:p>
+            <a:r>
+              <a:rPr lang="ru-RU" dirty="0"/>
+              <a:t>Также добавлен </a:t>
+            </a:r>
+            <a:r>
+              <a:rPr lang="en-US" dirty="0"/>
+              <a:t>Node Exporter </a:t>
+            </a:r>
+            <a:r>
+              <a:rPr lang="ru-RU" dirty="0"/>
+              <a:t>для сбора метрик с системы балансировщика. </a:t>
+            </a:r>
+            <a:r>
+              <a:rPr lang="ru-RU" dirty="0" err="1"/>
+              <a:t>Дашборды</a:t>
+            </a:r>
+            <a:r>
+              <a:rPr lang="ru-RU" dirty="0"/>
+              <a:t> для </a:t>
+            </a:r>
+            <a:r>
+              <a:rPr lang="en-US" dirty="0"/>
+              <a:t>Grafana </a:t>
+            </a:r>
+            <a:endParaRPr lang="ru-RU" dirty="0"/>
+          </a:p>
+          <a:p>
+            <a:r>
+              <a:rPr lang="ru-RU" dirty="0"/>
+              <a:t>при желании можно добавить из каталога.</a:t>
+            </a:r>
+          </a:p>
+        </p:txBody>
+      </p:sp>
+    </p:spTree>
+    <p:extLst>
+      <p:ext uri="{BB962C8B-B14F-4D97-AF65-F5344CB8AC3E}">
+        <p14:creationId xmlns:p14="http://schemas.microsoft.com/office/powerpoint/2010/main" val="1912711822"/>
+      </p:ext>
+    </p:extLst>
+  </p:cSld>
+  <p:clrMapOvr>
+    <a:masterClrMapping/>
+  </p:clrMapOvr>
+</p:sld>
+</file>
+
+<file path=ppt/slides/slide24.xml><?xml version="1.0" encoding="utf-8"?>
+<p:sld xmlns:a="http://schemas.openxmlformats.org/drawingml/2006/main" xmlns:r="http://schemas.openxmlformats.org/officeDocument/2006/relationships" xmlns:p="http://schemas.openxmlformats.org/presentationml/2006/main">
+  <p:cSld>
+    <p:spTree>
+      <p:nvGrpSpPr>
+        <p:cNvPr id="1" name=""/>
+        <p:cNvGrpSpPr/>
+        <p:nvPr/>
+      </p:nvGrpSpPr>
+      <p:grpSpPr>
+        <a:xfrm>
+          <a:off x="0" y="0"/>
+          <a:ext cx="0" cy="0"/>
+          <a:chOff x="0" y="0"/>
+          <a:chExt cx="0" cy="0"/>
+        </a:xfrm>
+      </p:grpSpPr>
+      <p:sp>
+        <p:nvSpPr>
+          <p:cNvPr id="4" name="TextBox 3">
+            <a:extLst>
+              <a:ext uri="{FF2B5EF4-FFF2-40B4-BE49-F238E27FC236}">
+                <a16:creationId xmlns:a16="http://schemas.microsoft.com/office/drawing/2014/main" id="{804E1901-8B1A-4DE9-AD80-5D99D047AA47}"/>
+              </a:ext>
+            </a:extLst>
+          </p:cNvPr>
+          <p:cNvSpPr txBox="1"/>
+          <p:nvPr/>
+        </p:nvSpPr>
+        <p:spPr>
+          <a:xfrm>
+            <a:off x="5607821" y="211092"/>
+            <a:ext cx="976358" cy="584775"/>
+          </a:xfrm>
+          <a:prstGeom prst="rect">
+            <a:avLst/>
+          </a:prstGeom>
+          <a:noFill/>
+        </p:spPr>
+        <p:txBody>
+          <a:bodyPr wrap="none" rtlCol="0">
+            <a:spAutoFit/>
+          </a:bodyPr>
+          <a:lstStyle/>
+          <a:p>
+            <a:r>
+              <a:rPr lang="ru-RU" sz="3200" b="1" dirty="0"/>
+              <a:t>Итог</a:t>
+            </a:r>
+          </a:p>
+        </p:txBody>
+      </p:sp>
+      <p:sp>
+        <p:nvSpPr>
+          <p:cNvPr id="5" name="TextBox 4">
+            <a:extLst>
+              <a:ext uri="{FF2B5EF4-FFF2-40B4-BE49-F238E27FC236}">
+                <a16:creationId xmlns:a16="http://schemas.microsoft.com/office/drawing/2014/main" id="{96BDC6E0-BF7E-4B48-8DCF-E75182BCAAB3}"/>
+              </a:ext>
+            </a:extLst>
+          </p:cNvPr>
+          <p:cNvSpPr txBox="1"/>
+          <p:nvPr/>
+        </p:nvSpPr>
+        <p:spPr>
+          <a:xfrm>
+            <a:off x="548895" y="612844"/>
+            <a:ext cx="11363945" cy="5632311"/>
+          </a:xfrm>
+          <a:prstGeom prst="rect">
+            <a:avLst/>
+          </a:prstGeom>
+          <a:noFill/>
+        </p:spPr>
+        <p:txBody>
+          <a:bodyPr wrap="none" rtlCol="0">
+            <a:spAutoFit/>
+          </a:bodyPr>
+          <a:lstStyle/>
+          <a:p>
+            <a:r>
+              <a:rPr lang="ru-RU" sz="2000" dirty="0"/>
+              <a:t>Спасибо за классный проект </a:t>
+            </a:r>
+            <a:r>
+              <a:rPr lang="en-US" sz="2000" dirty="0">
+                <a:sym typeface="Wingdings" panose="05000000000000000000" pitchFamily="2" charset="2"/>
+              </a:rPr>
+              <a:t></a:t>
+            </a:r>
+            <a:endParaRPr lang="ru-RU" sz="2000" dirty="0">
+              <a:sym typeface="Wingdings" panose="05000000000000000000" pitchFamily="2" charset="2"/>
+            </a:endParaRPr>
+          </a:p>
+          <a:p>
+            <a:endParaRPr lang="ru-RU" sz="2000" dirty="0">
+              <a:sym typeface="Wingdings" panose="05000000000000000000" pitchFamily="2" charset="2"/>
+            </a:endParaRPr>
+          </a:p>
+          <a:p>
+            <a:r>
+              <a:rPr lang="ru-RU" sz="2000" dirty="0">
+                <a:sym typeface="Wingdings" panose="05000000000000000000" pitchFamily="2" charset="2"/>
+              </a:rPr>
+              <a:t>Вроде как выполнил все требования + все </a:t>
+            </a:r>
+            <a:r>
+              <a:rPr lang="ru-RU" sz="2000" dirty="0" err="1">
+                <a:sym typeface="Wingdings" panose="05000000000000000000" pitchFamily="2" charset="2"/>
+              </a:rPr>
+              <a:t>доп</a:t>
+            </a:r>
+            <a:r>
+              <a:rPr lang="ru-RU" sz="2000" dirty="0">
+                <a:sym typeface="Wingdings" panose="05000000000000000000" pitchFamily="2" charset="2"/>
+              </a:rPr>
+              <a:t> задания, но может кроме обработки логов </a:t>
+            </a:r>
+          </a:p>
+          <a:p>
+            <a:r>
+              <a:rPr lang="ru-RU" sz="2000" dirty="0">
+                <a:sym typeface="Wingdings" panose="05000000000000000000" pitchFamily="2" charset="2"/>
+              </a:rPr>
+              <a:t>ошибок от самих приложений, но заменил это на снятие ошибок на </a:t>
+            </a:r>
+            <a:r>
+              <a:rPr lang="ru-RU" sz="2000" dirty="0" err="1">
+                <a:sym typeface="Wingdings" panose="05000000000000000000" pitchFamily="2" charset="2"/>
+              </a:rPr>
+              <a:t>эндпоинтах</a:t>
+            </a:r>
+            <a:r>
+              <a:rPr lang="ru-RU" sz="2000" dirty="0">
+                <a:sym typeface="Wingdings" panose="05000000000000000000" pitchFamily="2" charset="2"/>
+              </a:rPr>
+              <a:t>…</a:t>
+            </a:r>
+          </a:p>
+          <a:p>
+            <a:endParaRPr lang="en-US" sz="2000" dirty="0">
+              <a:sym typeface="Wingdings" panose="05000000000000000000" pitchFamily="2" charset="2"/>
+            </a:endParaRPr>
+          </a:p>
+          <a:p>
+            <a:r>
+              <a:rPr lang="ru-RU" sz="2000" dirty="0">
+                <a:sym typeface="Wingdings" panose="05000000000000000000" pitchFamily="2" charset="2"/>
+              </a:rPr>
+              <a:t>Было приятно поработать над ним,</a:t>
+            </a:r>
+            <a:r>
+              <a:rPr lang="en-US" sz="2000" dirty="0">
+                <a:sym typeface="Wingdings" panose="05000000000000000000" pitchFamily="2" charset="2"/>
+              </a:rPr>
+              <a:t> </a:t>
+            </a:r>
+            <a:r>
+              <a:rPr lang="ru-RU" sz="2000" dirty="0">
+                <a:sym typeface="Wingdings" panose="05000000000000000000" pitchFamily="2" charset="2"/>
+              </a:rPr>
+              <a:t>хотя времени на него не хватило чтобы допилить.</a:t>
+            </a:r>
+          </a:p>
+          <a:p>
+            <a:r>
+              <a:rPr lang="ru-RU" sz="2000" dirty="0">
+                <a:sym typeface="Wingdings" panose="05000000000000000000" pitchFamily="2" charset="2"/>
+              </a:rPr>
+              <a:t>Давно не использовал </a:t>
+            </a:r>
+            <a:r>
+              <a:rPr lang="en-US" sz="2000" dirty="0" err="1">
+                <a:sym typeface="Wingdings" panose="05000000000000000000" pitchFamily="2" charset="2"/>
+              </a:rPr>
+              <a:t>strace</a:t>
+            </a:r>
+            <a:r>
+              <a:rPr lang="en-US" sz="2000" dirty="0">
+                <a:sym typeface="Wingdings" panose="05000000000000000000" pitchFamily="2" charset="2"/>
+              </a:rPr>
+              <a:t> </a:t>
+            </a:r>
+            <a:r>
+              <a:rPr lang="ru-RU" sz="2000" dirty="0">
+                <a:sym typeface="Wingdings" panose="05000000000000000000" pitchFamily="2" charset="2"/>
+              </a:rPr>
+              <a:t>потому что не было необходимости. </a:t>
+            </a:r>
+          </a:p>
+          <a:p>
+            <a:r>
+              <a:rPr lang="ru-RU" sz="2000" dirty="0">
+                <a:sym typeface="Wingdings" panose="05000000000000000000" pitchFamily="2" charset="2"/>
+              </a:rPr>
+              <a:t>С базами работал мало, но домашние задания по нему были интересные.</a:t>
+            </a:r>
+          </a:p>
+          <a:p>
+            <a:endParaRPr lang="ru-RU" sz="2000" dirty="0">
+              <a:sym typeface="Wingdings" panose="05000000000000000000" pitchFamily="2" charset="2"/>
+            </a:endParaRPr>
+          </a:p>
+          <a:p>
+            <a:r>
+              <a:rPr lang="ru-RU" sz="2000" dirty="0">
+                <a:sym typeface="Wingdings" panose="05000000000000000000" pitchFamily="2" charset="2"/>
+              </a:rPr>
+              <a:t>В финальном задании нет требований и</a:t>
+            </a:r>
+            <a:r>
+              <a:rPr lang="en-US" sz="2000" dirty="0">
+                <a:sym typeface="Wingdings" panose="05000000000000000000" pitchFamily="2" charset="2"/>
+              </a:rPr>
+              <a:t>c</a:t>
+            </a:r>
+            <a:r>
+              <a:rPr lang="ru-RU" sz="2000" dirty="0">
+                <a:sym typeface="Wingdings" panose="05000000000000000000" pitchFamily="2" charset="2"/>
+              </a:rPr>
+              <a:t>пользования высокоуровневых абстракций </a:t>
+            </a:r>
+            <a:r>
+              <a:rPr lang="ru-RU" sz="2000" dirty="0" err="1">
+                <a:sym typeface="Wingdings" panose="05000000000000000000" pitchFamily="2" charset="2"/>
+              </a:rPr>
+              <a:t>типо</a:t>
+            </a:r>
+            <a:r>
+              <a:rPr lang="ru-RU" sz="2000" dirty="0">
+                <a:sym typeface="Wingdings" panose="05000000000000000000" pitchFamily="2" charset="2"/>
+              </a:rPr>
+              <a:t> </a:t>
+            </a:r>
+            <a:r>
+              <a:rPr lang="en-US" sz="2000" dirty="0">
+                <a:sym typeface="Wingdings" panose="05000000000000000000" pitchFamily="2" charset="2"/>
+              </a:rPr>
+              <a:t>Kubernetes, </a:t>
+            </a:r>
+          </a:p>
+          <a:p>
+            <a:r>
+              <a:rPr lang="ru-RU" sz="2000" dirty="0">
+                <a:sym typeface="Wingdings" panose="05000000000000000000" pitchFamily="2" charset="2"/>
+              </a:rPr>
+              <a:t>составлен курс с учетом минимально необходимых навыков для будущих инженеров.</a:t>
+            </a:r>
+          </a:p>
+          <a:p>
+            <a:r>
+              <a:rPr lang="ru-RU" sz="2000" dirty="0">
+                <a:sym typeface="Wingdings" panose="05000000000000000000" pitchFamily="2" charset="2"/>
+              </a:rPr>
+              <a:t>В свободное время прохожу различные курсы, лабы, в т.ч. от Яндекс Облака (получил все </a:t>
+            </a:r>
+          </a:p>
+          <a:p>
+            <a:r>
+              <a:rPr lang="ru-RU" sz="2000" dirty="0">
+                <a:sym typeface="Wingdings" panose="05000000000000000000" pitchFamily="2" charset="2"/>
+              </a:rPr>
+              <a:t>сертификаты и всё прошёл, кстати)). Ваш курс отличается тем, что он предлагает вернуться </a:t>
+            </a:r>
+          </a:p>
+          <a:p>
+            <a:r>
+              <a:rPr lang="ru-RU" sz="2000" dirty="0">
+                <a:sym typeface="Wingdings" panose="05000000000000000000" pitchFamily="2" charset="2"/>
+              </a:rPr>
+              <a:t>к базовым знаниям и что-то вспомнить. </a:t>
+            </a:r>
+          </a:p>
+          <a:p>
+            <a:endParaRPr lang="ru-RU" sz="2000" dirty="0">
+              <a:sym typeface="Wingdings" panose="05000000000000000000" pitchFamily="2" charset="2"/>
+            </a:endParaRPr>
+          </a:p>
+          <a:p>
+            <a:r>
+              <a:rPr lang="ru-RU" sz="2000" dirty="0">
+                <a:sym typeface="Wingdings" panose="05000000000000000000" pitchFamily="2" charset="2"/>
+              </a:rPr>
+              <a:t>Огромное спасибо всей команде </a:t>
+            </a:r>
+            <a:r>
+              <a:rPr lang="en-US" sz="2000" dirty="0">
+                <a:sym typeface="Wingdings" panose="05000000000000000000" pitchFamily="2" charset="2"/>
+              </a:rPr>
+              <a:t>:D</a:t>
+            </a:r>
+            <a:endParaRPr lang="ru-RU" sz="2000" dirty="0">
+              <a:sym typeface="Wingdings" panose="05000000000000000000" pitchFamily="2" charset="2"/>
+            </a:endParaRPr>
+          </a:p>
+          <a:p>
+            <a:endParaRPr lang="ru-RU" sz="2000" dirty="0">
+              <a:sym typeface="Wingdings" panose="05000000000000000000" pitchFamily="2" charset="2"/>
+            </a:endParaRPr>
+          </a:p>
+          <a:p>
+            <a:r>
+              <a:rPr lang="ru-RU" sz="2000" dirty="0">
+                <a:sym typeface="Wingdings" panose="05000000000000000000" pitchFamily="2" charset="2"/>
+              </a:rPr>
+              <a:t>З.Ы.</a:t>
+            </a:r>
+            <a:r>
+              <a:rPr lang="en-US" sz="2000" dirty="0">
+                <a:sym typeface="Wingdings" panose="05000000000000000000" pitchFamily="2" charset="2"/>
+              </a:rPr>
+              <a:t> </a:t>
+            </a:r>
+            <a:r>
+              <a:rPr lang="ru-RU" sz="2000" dirty="0">
+                <a:sym typeface="Wingdings" panose="05000000000000000000" pitchFamily="2" charset="2"/>
+              </a:rPr>
+              <a:t>Пете отдельный респект)</a:t>
+            </a:r>
+            <a:endParaRPr lang="ru-RU" sz="2000" dirty="0"/>
+          </a:p>
+        </p:txBody>
+      </p:sp>
+    </p:spTree>
+    <p:extLst>
+      <p:ext uri="{BB962C8B-B14F-4D97-AF65-F5344CB8AC3E}">
+        <p14:creationId xmlns:p14="http://schemas.microsoft.com/office/powerpoint/2010/main" val="862047140"/>
+      </p:ext>
+    </p:extLst>
+  </p:cSld>
+  <p:clrMapOvr>
+    <a:masterClrMapping/>
+  </p:clrMapOvr>
+</p:sld>
+</file>
+
+<file path=ppt/slides/slide3.xml><?xml version="1.0" encoding="utf-8"?>
 <p:sld xmlns:a="http://schemas.openxmlformats.org/drawingml/2006/main" xmlns:r="http://schemas.openxmlformats.org/officeDocument/2006/relationships" xmlns:p="http://schemas.openxmlformats.org/presentationml/2006/main">
   <p:cSld>
     <p:spTree>
@@ -7715,37 +9714,7 @@
 </p:sld>
 </file>
 
-<file path=ppt/slides/slide20.xml><?xml version="1.0" encoding="utf-8"?>
-<p:sld xmlns:a="http://schemas.openxmlformats.org/drawingml/2006/main" xmlns:r="http://schemas.openxmlformats.org/officeDocument/2006/relationships" xmlns:p="http://schemas.openxmlformats.org/presentationml/2006/main">
-  <p:cSld>
-    <p:spTree>
-      <p:nvGrpSpPr>
-        <p:cNvPr id="1" name=""/>
-        <p:cNvGrpSpPr/>
-        <p:nvPr/>
-      </p:nvGrpSpPr>
-      <p:grpSpPr>
-        <a:xfrm>
-          <a:off x="0" y="0"/>
-          <a:ext cx="0" cy="0"/>
-          <a:chOff x="0" y="0"/>
-          <a:chExt cx="0" cy="0"/>
-        </a:xfrm>
-      </p:grpSpPr>
-    </p:spTree>
-    <p:extLst>
-      <p:ext uri="{BB962C8B-B14F-4D97-AF65-F5344CB8AC3E}">
-        <p14:creationId xmlns:p14="http://schemas.microsoft.com/office/powerpoint/2010/main" val="3593446551"/>
-      </p:ext>
-    </p:extLst>
-  </p:cSld>
-  <p:clrMapOvr>
-    <a:masterClrMapping/>
-  </p:clrMapOvr>
-</p:sld>
-</file>
-
-<file path=ppt/slides/slide3.xml><?xml version="1.0" encoding="utf-8"?>
+<file path=ppt/slides/slide4.xml><?xml version="1.0" encoding="utf-8"?>
 <p:sld xmlns:a="http://schemas.openxmlformats.org/drawingml/2006/main" xmlns:r="http://schemas.openxmlformats.org/officeDocument/2006/relationships" xmlns:p="http://schemas.openxmlformats.org/presentationml/2006/main">
   <p:cSld>
     <p:spTree>
@@ -8027,7 +9996,7 @@
 </p:sld>
 </file>
 
-<file path=ppt/slides/slide4.xml><?xml version="1.0" encoding="utf-8"?>
+<file path=ppt/slides/slide5.xml><?xml version="1.0" encoding="utf-8"?>
 <p:sld xmlns:a="http://schemas.openxmlformats.org/drawingml/2006/main" xmlns:r="http://schemas.openxmlformats.org/officeDocument/2006/relationships" xmlns:p="http://schemas.openxmlformats.org/presentationml/2006/main">
   <p:cSld>
     <p:spTree>
@@ -8274,906 +10243,6 @@
 </p:sld>
 </file>
 
-<file path=ppt/slides/slide5.xml><?xml version="1.0" encoding="utf-8"?>
-<p:sld xmlns:a="http://schemas.openxmlformats.org/drawingml/2006/main" xmlns:r="http://schemas.openxmlformats.org/officeDocument/2006/relationships" xmlns:p="http://schemas.openxmlformats.org/presentationml/2006/main">
-  <p:cSld>
-    <p:spTree>
-      <p:nvGrpSpPr>
-        <p:cNvPr id="1" name=""/>
-        <p:cNvGrpSpPr/>
-        <p:nvPr/>
-      </p:nvGrpSpPr>
-      <p:grpSpPr>
-        <a:xfrm>
-          <a:off x="0" y="0"/>
-          <a:ext cx="0" cy="0"/>
-          <a:chOff x="0" y="0"/>
-          <a:chExt cx="0" cy="0"/>
-        </a:xfrm>
-      </p:grpSpPr>
-      <p:sp>
-        <p:nvSpPr>
-          <p:cNvPr id="2" name="TextBox 1">
-            <a:extLst>
-              <a:ext uri="{FF2B5EF4-FFF2-40B4-BE49-F238E27FC236}">
-                <a16:creationId xmlns:a16="http://schemas.microsoft.com/office/drawing/2014/main" id="{C37713C9-61E5-4DF2-820F-5E4036D29980}"/>
-              </a:ext>
-            </a:extLst>
-          </p:cNvPr>
-          <p:cNvSpPr txBox="1"/>
-          <p:nvPr/>
-        </p:nvSpPr>
-        <p:spPr>
-          <a:xfrm>
-            <a:off x="5282523" y="287866"/>
-            <a:ext cx="1629933" cy="461665"/>
-          </a:xfrm>
-          <a:prstGeom prst="rect">
-            <a:avLst/>
-          </a:prstGeom>
-          <a:noFill/>
-        </p:spPr>
-        <p:txBody>
-          <a:bodyPr wrap="none" rtlCol="0">
-            <a:spAutoFit/>
-          </a:bodyPr>
-          <a:lstStyle/>
-          <a:p>
-            <a:r>
-              <a:rPr lang="en-US" sz="2400" b="1" dirty="0"/>
-              <a:t>PostgreSQL</a:t>
-            </a:r>
-            <a:endParaRPr lang="ru-RU" sz="2400" b="1" dirty="0"/>
-          </a:p>
-        </p:txBody>
-      </p:sp>
-      <p:sp>
-        <p:nvSpPr>
-          <p:cNvPr id="3" name="TextBox 2">
-            <a:extLst>
-              <a:ext uri="{FF2B5EF4-FFF2-40B4-BE49-F238E27FC236}">
-                <a16:creationId xmlns:a16="http://schemas.microsoft.com/office/drawing/2014/main" id="{A252551A-F08C-402F-986A-BAEC43F4BF7D}"/>
-              </a:ext>
-            </a:extLst>
-          </p:cNvPr>
-          <p:cNvSpPr txBox="1"/>
-          <p:nvPr/>
-        </p:nvSpPr>
-        <p:spPr>
-          <a:xfrm>
-            <a:off x="660401" y="937823"/>
-            <a:ext cx="10250883" cy="6032421"/>
-          </a:xfrm>
-          <a:prstGeom prst="rect">
-            <a:avLst/>
-          </a:prstGeom>
-          <a:noFill/>
-        </p:spPr>
-        <p:txBody>
-          <a:bodyPr wrap="none" rtlCol="0">
-            <a:spAutoFit/>
-          </a:bodyPr>
-          <a:lstStyle/>
-          <a:p>
-            <a:r>
-              <a:rPr lang="ru-RU" sz="1600" dirty="0"/>
-              <a:t>Запросы к базе из задания были разной продолжительности, поэтому в </a:t>
-            </a:r>
-            <a:r>
-              <a:rPr lang="en-US" sz="1600" b="0" dirty="0" err="1">
-                <a:effectLst/>
-                <a:latin typeface="Consolas" panose="020B0609020204030204" pitchFamily="49" charset="0"/>
-              </a:rPr>
-              <a:t>pg_hba.conf</a:t>
-            </a:r>
-            <a:r>
-              <a:rPr lang="ru-RU" sz="1600" b="0" dirty="0">
-                <a:effectLst/>
-                <a:latin typeface="Consolas" panose="020B0609020204030204" pitchFamily="49" charset="0"/>
-              </a:rPr>
-              <a:t> включил логирование </a:t>
-            </a:r>
-            <a:endParaRPr lang="en-US" sz="1600" b="0" dirty="0">
-              <a:effectLst/>
-              <a:latin typeface="Consolas" panose="020B0609020204030204" pitchFamily="49" charset="0"/>
-            </a:endParaRPr>
-          </a:p>
-          <a:p>
-            <a:r>
-              <a:rPr lang="ru-RU" sz="1600" b="0" dirty="0">
-                <a:effectLst/>
-                <a:latin typeface="Consolas" panose="020B0609020204030204" pitchFamily="49" charset="0"/>
-              </a:rPr>
-              <a:t>всех запросов в базе и </a:t>
-            </a:r>
-            <a:endParaRPr lang="en-US" sz="1600" b="0" dirty="0">
-              <a:effectLst/>
-              <a:latin typeface="Consolas" panose="020B0609020204030204" pitchFamily="49" charset="0"/>
-            </a:endParaRPr>
-          </a:p>
-          <a:p>
-            <a:r>
-              <a:rPr lang="ru-RU" sz="1600" dirty="0"/>
-              <a:t> проверил что и как они запрашивают с использованием планировщика </a:t>
-            </a:r>
-            <a:r>
-              <a:rPr lang="en-US" sz="1600" dirty="0"/>
-              <a:t>EXPLAIN</a:t>
-            </a:r>
-            <a:r>
-              <a:rPr lang="ru-RU" sz="1600" dirty="0"/>
-              <a:t>.</a:t>
-            </a:r>
-          </a:p>
-          <a:p>
-            <a:r>
-              <a:rPr lang="ru-RU" sz="1600" dirty="0"/>
-              <a:t>Увеличил количество соединений, увеличил кэш памяти.</a:t>
-            </a:r>
-          </a:p>
-          <a:p>
-            <a:endParaRPr lang="ru-RU" sz="1600" dirty="0"/>
-          </a:p>
-          <a:p>
-            <a:r>
-              <a:rPr lang="ru-RU" sz="1600" b="1" dirty="0">
-                <a:effectLst/>
-                <a:latin typeface="Liberation Sans"/>
-                <a:ea typeface="Liberation Sans"/>
-                <a:cs typeface="Liberation Sans"/>
-              </a:rPr>
-              <a:t>GET /</a:t>
-            </a:r>
-            <a:r>
-              <a:rPr lang="ru-RU" sz="1600" b="1" dirty="0" err="1">
-                <a:effectLst/>
-                <a:latin typeface="Liberation Sans"/>
-                <a:ea typeface="Liberation Sans"/>
-                <a:cs typeface="Liberation Sans"/>
-              </a:rPr>
-              <a:t>db_dummy</a:t>
-            </a:r>
-            <a:r>
-              <a:rPr lang="ru-RU" sz="1600" dirty="0">
-                <a:effectLst/>
-                <a:latin typeface="Liberation Sans"/>
-                <a:ea typeface="Liberation Sans"/>
-                <a:cs typeface="Liberation Sans"/>
-              </a:rPr>
-              <a:t> </a:t>
-            </a:r>
-          </a:p>
-          <a:p>
-            <a:r>
-              <a:rPr lang="en-US" sz="1600" dirty="0">
-                <a:effectLst/>
-                <a:latin typeface="Liberation Sans"/>
-                <a:ea typeface="Liberation Sans"/>
-                <a:cs typeface="Liberation Sans"/>
-              </a:rPr>
-              <a:t>Select </a:t>
-            </a:r>
-            <a:r>
-              <a:rPr lang="en-US" sz="1600" dirty="0" err="1">
-                <a:effectLst/>
-                <a:latin typeface="Liberation Sans"/>
-                <a:ea typeface="Liberation Sans"/>
-                <a:cs typeface="Liberation Sans"/>
-              </a:rPr>
-              <a:t>pg</a:t>
-            </a:r>
-            <a:r>
-              <a:rPr lang="ru-RU" sz="1600" dirty="0">
-                <a:effectLst/>
-                <a:latin typeface="Liberation Sans"/>
-                <a:ea typeface="Liberation Sans"/>
-                <a:cs typeface="Liberation Sans"/>
-              </a:rPr>
-              <a:t>_</a:t>
-            </a:r>
-            <a:r>
-              <a:rPr lang="en-US" sz="1600" dirty="0">
-                <a:effectLst/>
-                <a:latin typeface="Liberation Sans"/>
-                <a:ea typeface="Liberation Sans"/>
-                <a:cs typeface="Liberation Sans"/>
-              </a:rPr>
-              <a:t>sleep</a:t>
-            </a:r>
-            <a:r>
-              <a:rPr lang="ru-RU" sz="1600" dirty="0">
-                <a:effectLst/>
-                <a:latin typeface="Liberation Sans"/>
-                <a:ea typeface="Liberation Sans"/>
-                <a:cs typeface="Liberation Sans"/>
-              </a:rPr>
-              <a:t>(0.1)</a:t>
-            </a:r>
-          </a:p>
-          <a:p>
-            <a:endParaRPr lang="ru-RU" sz="1600" dirty="0">
-              <a:latin typeface="Liberation Sans"/>
-            </a:endParaRPr>
-          </a:p>
-          <a:p>
-            <a:r>
-              <a:rPr lang="ru-RU" sz="1600" b="1" dirty="0">
-                <a:effectLst/>
-                <a:latin typeface="Liberation Sans"/>
-                <a:ea typeface="Liberation Sans"/>
-                <a:cs typeface="Liberation Sans"/>
-              </a:rPr>
-              <a:t>GET /</a:t>
-            </a:r>
-            <a:r>
-              <a:rPr lang="ru-RU" sz="1600" b="1" dirty="0" err="1">
-                <a:effectLst/>
-                <a:latin typeface="Liberation Sans"/>
-                <a:ea typeface="Liberation Sans"/>
-                <a:cs typeface="Liberation Sans"/>
-              </a:rPr>
-              <a:t>api</a:t>
-            </a:r>
-            <a:r>
-              <a:rPr lang="ru-RU" sz="1600" b="1" dirty="0">
-                <a:effectLst/>
-                <a:latin typeface="Liberation Sans"/>
-                <a:ea typeface="Liberation Sans"/>
-                <a:cs typeface="Liberation Sans"/>
-              </a:rPr>
-              <a:t>/</a:t>
-            </a:r>
-            <a:r>
-              <a:rPr lang="ru-RU" sz="1600" b="1" dirty="0" err="1">
-                <a:effectLst/>
-                <a:latin typeface="Liberation Sans"/>
-                <a:ea typeface="Liberation Sans"/>
-                <a:cs typeface="Liberation Sans"/>
-              </a:rPr>
-              <a:t>movie</a:t>
-            </a:r>
-            <a:r>
-              <a:rPr lang="ru-RU" sz="1600" b="1" dirty="0">
-                <a:effectLst/>
-                <a:latin typeface="Liberation Sans"/>
-                <a:ea typeface="Liberation Sans"/>
-                <a:cs typeface="Liberation Sans"/>
-              </a:rPr>
-              <a:t>/{</a:t>
-            </a:r>
-            <a:r>
-              <a:rPr lang="ru-RU" sz="1600" b="1" dirty="0" err="1">
-                <a:effectLst/>
-                <a:latin typeface="Liberation Sans"/>
-                <a:ea typeface="Liberation Sans"/>
-                <a:cs typeface="Liberation Sans"/>
-              </a:rPr>
-              <a:t>id</a:t>
-            </a:r>
-            <a:r>
-              <a:rPr lang="ru-RU" sz="1600" b="1" dirty="0">
-                <a:effectLst/>
-                <a:latin typeface="Liberation Sans"/>
-                <a:ea typeface="Liberation Sans"/>
-                <a:cs typeface="Liberation Sans"/>
-              </a:rPr>
-              <a:t>}</a:t>
-            </a:r>
-            <a:r>
-              <a:rPr lang="ru-RU" sz="1600" dirty="0">
-                <a:effectLst/>
-                <a:latin typeface="Liberation Sans"/>
-                <a:ea typeface="Liberation Sans"/>
-                <a:cs typeface="Liberation Sans"/>
-              </a:rPr>
-              <a:t> </a:t>
-            </a:r>
-            <a:endParaRPr lang="ru-RU" sz="1600" dirty="0">
-              <a:latin typeface="Liberation Sans"/>
-            </a:endParaRPr>
-          </a:p>
-          <a:p>
-            <a:r>
-              <a:rPr lang="en-US" sz="1600" dirty="0">
-                <a:effectLst/>
-                <a:latin typeface="Liberation Sans"/>
-                <a:ea typeface="Liberation Sans"/>
-                <a:cs typeface="Liberation Sans"/>
-              </a:rPr>
-              <a:t>SELECT movies.id, movies.name, </a:t>
-            </a:r>
-            <a:r>
-              <a:rPr lang="en-US" sz="1600" dirty="0" err="1">
-                <a:effectLst/>
-                <a:latin typeface="Liberation Sans"/>
-                <a:ea typeface="Liberation Sans"/>
-                <a:cs typeface="Liberation Sans"/>
-              </a:rPr>
-              <a:t>movies.year</a:t>
-            </a:r>
-            <a:r>
-              <a:rPr lang="en-US" sz="1600" dirty="0">
-                <a:effectLst/>
-                <a:latin typeface="Liberation Sans"/>
-                <a:ea typeface="Liberation Sans"/>
-                <a:cs typeface="Liberation Sans"/>
-              </a:rPr>
-              <a:t>, </a:t>
-            </a:r>
-            <a:r>
-              <a:rPr lang="en-US" sz="1600" dirty="0" err="1">
-                <a:effectLst/>
-                <a:latin typeface="Liberation Sans"/>
-                <a:ea typeface="Liberation Sans"/>
-                <a:cs typeface="Liberation Sans"/>
-              </a:rPr>
-              <a:t>movies.duration</a:t>
-            </a:r>
-            <a:r>
-              <a:rPr lang="en-US" sz="1600" dirty="0">
-                <a:effectLst/>
-                <a:latin typeface="Liberation Sans"/>
-                <a:ea typeface="Liberation Sans"/>
-                <a:cs typeface="Liberation Sans"/>
-              </a:rPr>
-              <a:t> FROM movies WHERE movies.id IN (1) </a:t>
-            </a:r>
-            <a:endParaRPr lang="ru-RU" sz="1600" dirty="0">
-              <a:effectLst/>
-              <a:latin typeface="Liberation Sans"/>
-              <a:ea typeface="Liberation Sans"/>
-              <a:cs typeface="Liberation Sans"/>
-            </a:endParaRPr>
-          </a:p>
-          <a:p>
-            <a:r>
-              <a:rPr lang="en-US" sz="1600" dirty="0">
-                <a:effectLst/>
-                <a:latin typeface="Liberation Sans"/>
-                <a:ea typeface="Liberation Sans"/>
-                <a:cs typeface="Liberation Sans"/>
-              </a:rPr>
-              <a:t>ORDER BY </a:t>
-            </a:r>
-            <a:r>
-              <a:rPr lang="en-US" sz="1600" dirty="0" err="1">
-                <a:effectLst/>
-                <a:latin typeface="Liberation Sans"/>
-                <a:ea typeface="Liberation Sans"/>
-                <a:cs typeface="Liberation Sans"/>
-              </a:rPr>
-              <a:t>movies.year</a:t>
-            </a:r>
-            <a:r>
-              <a:rPr lang="en-US" sz="1600" dirty="0">
-                <a:effectLst/>
-                <a:latin typeface="Liberation Sans"/>
-                <a:ea typeface="Liberation Sans"/>
-                <a:cs typeface="Liberation Sans"/>
-              </a:rPr>
-              <a:t> DESC, movies.name ASC, movies.id DESC LIMIT 100000;</a:t>
-            </a:r>
-            <a:endParaRPr lang="ru-RU" sz="1600" dirty="0">
-              <a:effectLst/>
-              <a:latin typeface="Liberation Sans"/>
-              <a:ea typeface="Liberation Sans"/>
-              <a:cs typeface="Liberation Sans"/>
-            </a:endParaRPr>
-          </a:p>
-          <a:p>
-            <a:endParaRPr lang="ru-RU" sz="1600" dirty="0"/>
-          </a:p>
-          <a:p>
-            <a:r>
-              <a:rPr lang="en-US" sz="1600" b="1" dirty="0">
-                <a:effectLst/>
-                <a:latin typeface="Liberation Sans"/>
-                <a:ea typeface="Liberation Sans"/>
-                <a:cs typeface="Liberation Sans"/>
-              </a:rPr>
-              <a:t>GET /</a:t>
-            </a:r>
-            <a:r>
-              <a:rPr lang="en-US" sz="1600" b="1" dirty="0" err="1">
-                <a:effectLst/>
-                <a:latin typeface="Liberation Sans"/>
-                <a:ea typeface="Liberation Sans"/>
-                <a:cs typeface="Liberation Sans"/>
-              </a:rPr>
-              <a:t>api</a:t>
-            </a:r>
-            <a:r>
-              <a:rPr lang="en-US" sz="1600" b="1" dirty="0">
-                <a:effectLst/>
-                <a:latin typeface="Liberation Sans"/>
-                <a:ea typeface="Liberation Sans"/>
-                <a:cs typeface="Liberation Sans"/>
-              </a:rPr>
-              <a:t>/customer/{id}</a:t>
-            </a:r>
-            <a:r>
-              <a:rPr lang="en-US" sz="1600" dirty="0">
-                <a:effectLst/>
-                <a:latin typeface="Liberation Sans"/>
-                <a:ea typeface="Liberation Sans"/>
-                <a:cs typeface="Liberation Sans"/>
-              </a:rPr>
-              <a:t> </a:t>
-            </a:r>
-            <a:endParaRPr lang="ru-RU" sz="1600" dirty="0">
-              <a:effectLst/>
-              <a:latin typeface="Liberation Sans"/>
-              <a:ea typeface="Liberation Sans"/>
-              <a:cs typeface="Liberation Sans"/>
-            </a:endParaRPr>
-          </a:p>
-          <a:p>
-            <a:r>
-              <a:rPr lang="en-US" sz="1600" dirty="0">
-                <a:effectLst/>
-                <a:latin typeface="Liberation Sans"/>
-                <a:ea typeface="Liberation Sans"/>
-                <a:cs typeface="Liberation Sans"/>
-              </a:rPr>
-              <a:t>SELECT customers.id, customers.name, </a:t>
-            </a:r>
-            <a:r>
-              <a:rPr lang="en-US" sz="1600" dirty="0" err="1">
-                <a:effectLst/>
-                <a:latin typeface="Liberation Sans"/>
-                <a:ea typeface="Liberation Sans"/>
-                <a:cs typeface="Liberation Sans"/>
-              </a:rPr>
-              <a:t>customers.surname</a:t>
-            </a:r>
-            <a:r>
-              <a:rPr lang="en-US" sz="1600" dirty="0">
-                <a:effectLst/>
-                <a:latin typeface="Liberation Sans"/>
-                <a:ea typeface="Liberation Sans"/>
-                <a:cs typeface="Liberation Sans"/>
-              </a:rPr>
-              <a:t>, </a:t>
-            </a:r>
-            <a:r>
-              <a:rPr lang="en-US" sz="1600" dirty="0" err="1">
-                <a:effectLst/>
-                <a:latin typeface="Liberation Sans"/>
-                <a:ea typeface="Liberation Sans"/>
-                <a:cs typeface="Liberation Sans"/>
-              </a:rPr>
-              <a:t>customers.birthday</a:t>
-            </a:r>
-            <a:r>
-              <a:rPr lang="en-US" sz="1600" dirty="0">
-                <a:effectLst/>
-                <a:latin typeface="Liberation Sans"/>
-                <a:ea typeface="Liberation Sans"/>
-                <a:cs typeface="Liberation Sans"/>
-              </a:rPr>
-              <a:t>, </a:t>
-            </a:r>
-            <a:r>
-              <a:rPr lang="en-US" sz="1600" dirty="0" err="1">
-                <a:effectLst/>
-                <a:latin typeface="Liberation Sans"/>
-                <a:ea typeface="Liberation Sans"/>
-                <a:cs typeface="Liberation Sans"/>
-              </a:rPr>
-              <a:t>customers.email</a:t>
-            </a:r>
-            <a:r>
-              <a:rPr lang="en-US" sz="1600" dirty="0">
-                <a:effectLst/>
-                <a:latin typeface="Liberation Sans"/>
-                <a:ea typeface="Liberation Sans"/>
-                <a:cs typeface="Liberation Sans"/>
-              </a:rPr>
-              <a:t> FROM </a:t>
-            </a:r>
-            <a:endParaRPr lang="ru-RU" sz="1600" dirty="0">
-              <a:effectLst/>
-              <a:latin typeface="Liberation Sans"/>
-              <a:ea typeface="Liberation Sans"/>
-              <a:cs typeface="Liberation Sans"/>
-            </a:endParaRPr>
-          </a:p>
-          <a:p>
-            <a:r>
-              <a:rPr lang="en-US" sz="1600" dirty="0">
-                <a:effectLst/>
-                <a:latin typeface="Liberation Sans"/>
-                <a:ea typeface="Liberation Sans"/>
-                <a:cs typeface="Liberation Sans"/>
-              </a:rPr>
-              <a:t>customers WHERE customers.id IN (1) ORDER BY </a:t>
-            </a:r>
-            <a:r>
-              <a:rPr lang="en-US" sz="1600" dirty="0" err="1">
-                <a:effectLst/>
-                <a:latin typeface="Liberation Sans"/>
-                <a:ea typeface="Liberation Sans"/>
-                <a:cs typeface="Liberation Sans"/>
-              </a:rPr>
-              <a:t>customers.surname</a:t>
-            </a:r>
-            <a:r>
-              <a:rPr lang="en-US" sz="1600" dirty="0">
-                <a:effectLst/>
-                <a:latin typeface="Liberation Sans"/>
-                <a:ea typeface="Liberation Sans"/>
-                <a:cs typeface="Liberation Sans"/>
-              </a:rPr>
-              <a:t> ASC, customers.name ASC, </a:t>
-            </a:r>
-            <a:endParaRPr lang="ru-RU" sz="1600" dirty="0">
-              <a:effectLst/>
-              <a:latin typeface="Liberation Sans"/>
-              <a:ea typeface="Liberation Sans"/>
-              <a:cs typeface="Liberation Sans"/>
-            </a:endParaRPr>
-          </a:p>
-          <a:p>
-            <a:r>
-              <a:rPr lang="en-US" sz="1600" dirty="0" err="1">
-                <a:effectLst/>
-                <a:latin typeface="Liberation Sans"/>
-                <a:ea typeface="Liberation Sans"/>
-                <a:cs typeface="Liberation Sans"/>
-              </a:rPr>
-              <a:t>customers.birthday</a:t>
-            </a:r>
-            <a:r>
-              <a:rPr lang="en-US" sz="1600" dirty="0">
-                <a:effectLst/>
-                <a:latin typeface="Liberation Sans"/>
-                <a:ea typeface="Liberation Sans"/>
-                <a:cs typeface="Liberation Sans"/>
-              </a:rPr>
-              <a:t> DESC, customers.id DESC LIMIT 100000;</a:t>
-            </a:r>
-            <a:endParaRPr lang="ru-RU" sz="1600" dirty="0">
-              <a:effectLst/>
-              <a:latin typeface="Liberation Sans"/>
-              <a:ea typeface="Liberation Sans"/>
-              <a:cs typeface="Liberation Sans"/>
-            </a:endParaRPr>
-          </a:p>
-          <a:p>
-            <a:endParaRPr lang="ru-RU" sz="1600" dirty="0">
-              <a:latin typeface="Liberation Sans"/>
-            </a:endParaRPr>
-          </a:p>
-          <a:p>
-            <a:r>
-              <a:rPr lang="en-US" sz="1600" b="1" dirty="0">
-                <a:effectLst/>
-                <a:latin typeface="Liberation Sans"/>
-                <a:ea typeface="Liberation Sans"/>
-                <a:cs typeface="Liberation Sans"/>
-              </a:rPr>
-              <a:t>GET</a:t>
-            </a:r>
-            <a:r>
-              <a:rPr lang="ru-RU" sz="1600" b="1" dirty="0">
-                <a:effectLst/>
-                <a:latin typeface="Liberation Sans"/>
-                <a:ea typeface="Liberation Sans"/>
-                <a:cs typeface="Liberation Sans"/>
-              </a:rPr>
-              <a:t> /</a:t>
-            </a:r>
-            <a:r>
-              <a:rPr lang="en-US" sz="1600" b="1" dirty="0" err="1">
-                <a:effectLst/>
-                <a:latin typeface="Liberation Sans"/>
-                <a:ea typeface="Liberation Sans"/>
-                <a:cs typeface="Liberation Sans"/>
-              </a:rPr>
-              <a:t>api</a:t>
-            </a:r>
-            <a:r>
-              <a:rPr lang="ru-RU" sz="1600" b="1" dirty="0">
-                <a:effectLst/>
-                <a:latin typeface="Liberation Sans"/>
-                <a:ea typeface="Liberation Sans"/>
-                <a:cs typeface="Liberation Sans"/>
-              </a:rPr>
-              <a:t>/</a:t>
-            </a:r>
-            <a:r>
-              <a:rPr lang="en-US" sz="1600" b="1" dirty="0">
-                <a:effectLst/>
-                <a:latin typeface="Liberation Sans"/>
-                <a:ea typeface="Liberation Sans"/>
-                <a:cs typeface="Liberation Sans"/>
-              </a:rPr>
-              <a:t>session</a:t>
-            </a:r>
-            <a:r>
-              <a:rPr lang="ru-RU" sz="1600" b="1" dirty="0">
-                <a:effectLst/>
-                <a:latin typeface="Liberation Sans"/>
-                <a:ea typeface="Liberation Sans"/>
-                <a:cs typeface="Liberation Sans"/>
-              </a:rPr>
-              <a:t>/{</a:t>
-            </a:r>
-            <a:r>
-              <a:rPr lang="en-US" sz="1600" b="1" dirty="0">
-                <a:effectLst/>
-                <a:latin typeface="Liberation Sans"/>
-                <a:ea typeface="Liberation Sans"/>
-                <a:cs typeface="Liberation Sans"/>
-              </a:rPr>
-              <a:t>id</a:t>
-            </a:r>
-            <a:r>
-              <a:rPr lang="ru-RU" sz="1600" b="1" dirty="0">
-                <a:effectLst/>
-                <a:latin typeface="Liberation Sans"/>
-                <a:ea typeface="Liberation Sans"/>
-                <a:cs typeface="Liberation Sans"/>
-              </a:rPr>
-              <a:t>}</a:t>
-            </a:r>
-            <a:r>
-              <a:rPr lang="ru-RU" sz="1600" dirty="0">
-                <a:effectLst/>
-                <a:latin typeface="Liberation Sans"/>
-                <a:ea typeface="Liberation Sans"/>
-                <a:cs typeface="Liberation Sans"/>
-              </a:rPr>
-              <a:t> </a:t>
-            </a:r>
-            <a:endParaRPr lang="ru-RU" sz="1600" dirty="0">
-              <a:latin typeface="Liberation Sans"/>
-            </a:endParaRPr>
-          </a:p>
-          <a:p>
-            <a:r>
-              <a:rPr lang="en-US" sz="1600" dirty="0">
-                <a:effectLst/>
-                <a:latin typeface="Liberation Sans"/>
-                <a:ea typeface="Liberation Sans"/>
-                <a:cs typeface="Liberation Sans"/>
-              </a:rPr>
-              <a:t>SELECT sessions.id, </a:t>
-            </a:r>
-            <a:r>
-              <a:rPr lang="en-US" sz="1600" dirty="0" err="1">
-                <a:effectLst/>
-                <a:latin typeface="Liberation Sans"/>
-                <a:ea typeface="Liberation Sans"/>
-                <a:cs typeface="Liberation Sans"/>
-              </a:rPr>
-              <a:t>sessions.start_time</a:t>
-            </a:r>
-            <a:r>
-              <a:rPr lang="en-US" sz="1600" dirty="0">
-                <a:effectLst/>
-                <a:latin typeface="Liberation Sans"/>
-                <a:ea typeface="Liberation Sans"/>
-                <a:cs typeface="Liberation Sans"/>
-              </a:rPr>
-              <a:t>, customers.id, customers.name, </a:t>
-            </a:r>
-            <a:r>
-              <a:rPr lang="en-US" sz="1600" dirty="0" err="1">
-                <a:effectLst/>
-                <a:latin typeface="Liberation Sans"/>
-                <a:ea typeface="Liberation Sans"/>
-                <a:cs typeface="Liberation Sans"/>
-              </a:rPr>
-              <a:t>customers.surname</a:t>
-            </a:r>
-            <a:r>
-              <a:rPr lang="en-US" sz="1600" dirty="0">
-                <a:effectLst/>
-                <a:latin typeface="Liberation Sans"/>
-                <a:ea typeface="Liberation Sans"/>
-                <a:cs typeface="Liberation Sans"/>
-              </a:rPr>
-              <a:t>, </a:t>
-            </a:r>
-            <a:endParaRPr lang="ru-RU" sz="1600" dirty="0">
-              <a:effectLst/>
-              <a:latin typeface="Liberation Sans"/>
-              <a:ea typeface="Liberation Sans"/>
-              <a:cs typeface="Liberation Sans"/>
-            </a:endParaRPr>
-          </a:p>
-          <a:p>
-            <a:r>
-              <a:rPr lang="en-US" sz="1600" dirty="0" err="1">
-                <a:effectLst/>
-                <a:latin typeface="Liberation Sans"/>
-                <a:ea typeface="Liberation Sans"/>
-                <a:cs typeface="Liberation Sans"/>
-              </a:rPr>
-              <a:t>customers.birthday</a:t>
-            </a:r>
-            <a:r>
-              <a:rPr lang="en-US" sz="1600" dirty="0">
-                <a:effectLst/>
-                <a:latin typeface="Liberation Sans"/>
-                <a:ea typeface="Liberation Sans"/>
-                <a:cs typeface="Liberation Sans"/>
-              </a:rPr>
-              <a:t>, </a:t>
-            </a:r>
-            <a:r>
-              <a:rPr lang="en-US" sz="1600" dirty="0" err="1">
-                <a:effectLst/>
-                <a:latin typeface="Liberation Sans"/>
-                <a:ea typeface="Liberation Sans"/>
-                <a:cs typeface="Liberation Sans"/>
-              </a:rPr>
-              <a:t>customers.email</a:t>
-            </a:r>
-            <a:r>
-              <a:rPr lang="en-US" sz="1600" dirty="0">
-                <a:effectLst/>
-                <a:latin typeface="Liberation Sans"/>
-                <a:ea typeface="Liberation Sans"/>
-                <a:cs typeface="Liberation Sans"/>
-              </a:rPr>
-              <a:t>, movies.id, movies.name, </a:t>
-            </a:r>
-            <a:r>
-              <a:rPr lang="en-US" sz="1600" dirty="0" err="1">
-                <a:effectLst/>
-                <a:latin typeface="Liberation Sans"/>
-                <a:ea typeface="Liberation Sans"/>
-                <a:cs typeface="Liberation Sans"/>
-              </a:rPr>
-              <a:t>movies.year</a:t>
-            </a:r>
-            <a:r>
-              <a:rPr lang="en-US" sz="1600" dirty="0">
-                <a:effectLst/>
-                <a:latin typeface="Liberation Sans"/>
-                <a:ea typeface="Liberation Sans"/>
-                <a:cs typeface="Liberation Sans"/>
-              </a:rPr>
-              <a:t>, </a:t>
-            </a:r>
-            <a:r>
-              <a:rPr lang="en-US" sz="1600" dirty="0" err="1">
-                <a:effectLst/>
-                <a:latin typeface="Liberation Sans"/>
-                <a:ea typeface="Liberation Sans"/>
-                <a:cs typeface="Liberation Sans"/>
-              </a:rPr>
-              <a:t>movies.duration</a:t>
-            </a:r>
-            <a:r>
-              <a:rPr lang="en-US" sz="1600" dirty="0">
-                <a:effectLst/>
-                <a:latin typeface="Liberation Sans"/>
-                <a:ea typeface="Liberation Sans"/>
-                <a:cs typeface="Liberation Sans"/>
-              </a:rPr>
-              <a:t> FROM </a:t>
-            </a:r>
-            <a:endParaRPr lang="ru-RU" sz="1600" dirty="0">
-              <a:effectLst/>
-              <a:latin typeface="Liberation Sans"/>
-              <a:ea typeface="Liberation Sans"/>
-              <a:cs typeface="Liberation Sans"/>
-            </a:endParaRPr>
-          </a:p>
-          <a:p>
-            <a:r>
-              <a:rPr lang="en-US" sz="1600" dirty="0">
-                <a:effectLst/>
-                <a:latin typeface="Liberation Sans"/>
-                <a:ea typeface="Liberation Sans"/>
-                <a:cs typeface="Liberation Sans"/>
-              </a:rPr>
-              <a:t>sessions INNER JOIN customers ON </a:t>
-            </a:r>
-            <a:r>
-              <a:rPr lang="en-US" sz="1600" dirty="0" err="1">
-                <a:effectLst/>
-                <a:latin typeface="Liberation Sans"/>
-                <a:ea typeface="Liberation Sans"/>
-                <a:cs typeface="Liberation Sans"/>
-              </a:rPr>
-              <a:t>sessions.customer_id</a:t>
-            </a:r>
-            <a:r>
-              <a:rPr lang="en-US" sz="1600" dirty="0">
-                <a:effectLst/>
-                <a:latin typeface="Liberation Sans"/>
-                <a:ea typeface="Liberation Sans"/>
-                <a:cs typeface="Liberation Sans"/>
-              </a:rPr>
-              <a:t> = customers.id INNER JOIN movies ON </a:t>
-            </a:r>
-            <a:endParaRPr lang="ru-RU" sz="1600" dirty="0">
-              <a:effectLst/>
-              <a:latin typeface="Liberation Sans"/>
-              <a:ea typeface="Liberation Sans"/>
-              <a:cs typeface="Liberation Sans"/>
-            </a:endParaRPr>
-          </a:p>
-          <a:p>
-            <a:r>
-              <a:rPr lang="en-US" sz="1600" dirty="0" err="1">
-                <a:effectLst/>
-                <a:latin typeface="Liberation Sans"/>
-                <a:ea typeface="Liberation Sans"/>
-                <a:cs typeface="Liberation Sans"/>
-              </a:rPr>
-              <a:t>sessions.movie_id</a:t>
-            </a:r>
-            <a:r>
-              <a:rPr lang="en-US" sz="1600" dirty="0">
-                <a:effectLst/>
-                <a:latin typeface="Liberation Sans"/>
-                <a:ea typeface="Liberation Sans"/>
-                <a:cs typeface="Liberation Sans"/>
-              </a:rPr>
-              <a:t> = movies.id WHERE sessions.id IN (1) ORDER BY </a:t>
-            </a:r>
-            <a:r>
-              <a:rPr lang="en-US" sz="1600" dirty="0" err="1">
-                <a:effectLst/>
-                <a:latin typeface="Liberation Sans"/>
-                <a:ea typeface="Liberation Sans"/>
-                <a:cs typeface="Liberation Sans"/>
-              </a:rPr>
-              <a:t>movies.year</a:t>
-            </a:r>
-            <a:r>
-              <a:rPr lang="en-US" sz="1600" dirty="0">
-                <a:effectLst/>
-                <a:latin typeface="Liberation Sans"/>
-                <a:ea typeface="Liberation Sans"/>
-                <a:cs typeface="Liberation Sans"/>
-              </a:rPr>
-              <a:t> DESC, movies.name ASC, </a:t>
-            </a:r>
-            <a:endParaRPr lang="ru-RU" sz="1600" dirty="0">
-              <a:effectLst/>
-              <a:latin typeface="Liberation Sans"/>
-              <a:ea typeface="Liberation Sans"/>
-              <a:cs typeface="Liberation Sans"/>
-            </a:endParaRPr>
-          </a:p>
-          <a:p>
-            <a:r>
-              <a:rPr lang="en-US" sz="1600" dirty="0">
-                <a:effectLst/>
-                <a:latin typeface="Liberation Sans"/>
-                <a:ea typeface="Liberation Sans"/>
-                <a:cs typeface="Liberation Sans"/>
-              </a:rPr>
-              <a:t>customers.id, sessions.id DESC LIMIT 100000;</a:t>
-            </a:r>
-            <a:endParaRPr lang="ru-RU" sz="1600" dirty="0">
-              <a:latin typeface="Liberation Sans"/>
-            </a:endParaRPr>
-          </a:p>
-          <a:p>
-            <a:endParaRPr lang="ru-RU" dirty="0"/>
-          </a:p>
-        </p:txBody>
-      </p:sp>
-    </p:spTree>
-    <p:extLst>
-      <p:ext uri="{BB962C8B-B14F-4D97-AF65-F5344CB8AC3E}">
-        <p14:creationId xmlns:p14="http://schemas.microsoft.com/office/powerpoint/2010/main" val="2466310324"/>
-      </p:ext>
-    </p:extLst>
-  </p:cSld>
-  <p:clrMapOvr>
-    <a:masterClrMapping/>
-  </p:clrMapOvr>
-</p:sld>
-</file>
-
 <file path=ppt/slides/slide6.xml><?xml version="1.0" encoding="utf-8"?>
 <p:sld xmlns:a="http://schemas.openxmlformats.org/drawingml/2006/main" xmlns:r="http://schemas.openxmlformats.org/officeDocument/2006/relationships" xmlns:p="http://schemas.openxmlformats.org/presentationml/2006/main">
   <p:cSld>
@@ -9196,6 +10265,906 @@
           <p:cNvPr id="2" name="TextBox 1">
             <a:extLst>
               <a:ext uri="{FF2B5EF4-FFF2-40B4-BE49-F238E27FC236}">
+                <a16:creationId xmlns:a16="http://schemas.microsoft.com/office/drawing/2014/main" id="{C37713C9-61E5-4DF2-820F-5E4036D29980}"/>
+              </a:ext>
+            </a:extLst>
+          </p:cNvPr>
+          <p:cNvSpPr txBox="1"/>
+          <p:nvPr/>
+        </p:nvSpPr>
+        <p:spPr>
+          <a:xfrm>
+            <a:off x="5282523" y="287866"/>
+            <a:ext cx="1629933" cy="461665"/>
+          </a:xfrm>
+          <a:prstGeom prst="rect">
+            <a:avLst/>
+          </a:prstGeom>
+          <a:noFill/>
+        </p:spPr>
+        <p:txBody>
+          <a:bodyPr wrap="none" rtlCol="0">
+            <a:spAutoFit/>
+          </a:bodyPr>
+          <a:lstStyle/>
+          <a:p>
+            <a:r>
+              <a:rPr lang="en-US" sz="2400" b="1" dirty="0"/>
+              <a:t>PostgreSQL</a:t>
+            </a:r>
+            <a:endParaRPr lang="ru-RU" sz="2400" b="1" dirty="0"/>
+          </a:p>
+        </p:txBody>
+      </p:sp>
+      <p:sp>
+        <p:nvSpPr>
+          <p:cNvPr id="3" name="TextBox 2">
+            <a:extLst>
+              <a:ext uri="{FF2B5EF4-FFF2-40B4-BE49-F238E27FC236}">
+                <a16:creationId xmlns:a16="http://schemas.microsoft.com/office/drawing/2014/main" id="{A252551A-F08C-402F-986A-BAEC43F4BF7D}"/>
+              </a:ext>
+            </a:extLst>
+          </p:cNvPr>
+          <p:cNvSpPr txBox="1"/>
+          <p:nvPr/>
+        </p:nvSpPr>
+        <p:spPr>
+          <a:xfrm>
+            <a:off x="660401" y="937823"/>
+            <a:ext cx="10250883" cy="6032421"/>
+          </a:xfrm>
+          <a:prstGeom prst="rect">
+            <a:avLst/>
+          </a:prstGeom>
+          <a:noFill/>
+        </p:spPr>
+        <p:txBody>
+          <a:bodyPr wrap="none" rtlCol="0">
+            <a:spAutoFit/>
+          </a:bodyPr>
+          <a:lstStyle/>
+          <a:p>
+            <a:r>
+              <a:rPr lang="ru-RU" sz="1600" dirty="0"/>
+              <a:t>Запросы к базе из задания были разной продолжительности, поэтому в </a:t>
+            </a:r>
+            <a:r>
+              <a:rPr lang="en-US" sz="1600" b="0" dirty="0" err="1">
+                <a:effectLst/>
+                <a:latin typeface="Consolas" panose="020B0609020204030204" pitchFamily="49" charset="0"/>
+              </a:rPr>
+              <a:t>pg_hba.conf</a:t>
+            </a:r>
+            <a:r>
+              <a:rPr lang="ru-RU" sz="1600" b="0" dirty="0">
+                <a:effectLst/>
+                <a:latin typeface="Consolas" panose="020B0609020204030204" pitchFamily="49" charset="0"/>
+              </a:rPr>
+              <a:t> включил логирование </a:t>
+            </a:r>
+            <a:endParaRPr lang="en-US" sz="1600" b="0" dirty="0">
+              <a:effectLst/>
+              <a:latin typeface="Consolas" panose="020B0609020204030204" pitchFamily="49" charset="0"/>
+            </a:endParaRPr>
+          </a:p>
+          <a:p>
+            <a:r>
+              <a:rPr lang="ru-RU" sz="1600" b="0" dirty="0">
+                <a:effectLst/>
+                <a:latin typeface="Consolas" panose="020B0609020204030204" pitchFamily="49" charset="0"/>
+              </a:rPr>
+              <a:t>всех запросов в базе и </a:t>
+            </a:r>
+            <a:endParaRPr lang="en-US" sz="1600" b="0" dirty="0">
+              <a:effectLst/>
+              <a:latin typeface="Consolas" panose="020B0609020204030204" pitchFamily="49" charset="0"/>
+            </a:endParaRPr>
+          </a:p>
+          <a:p>
+            <a:r>
+              <a:rPr lang="ru-RU" sz="1600" dirty="0"/>
+              <a:t> проверил что и как они запрашивают с использованием планировщика </a:t>
+            </a:r>
+            <a:r>
+              <a:rPr lang="en-US" sz="1600" dirty="0"/>
+              <a:t>EXPLAIN</a:t>
+            </a:r>
+            <a:r>
+              <a:rPr lang="ru-RU" sz="1600" dirty="0"/>
+              <a:t>.</a:t>
+            </a:r>
+          </a:p>
+          <a:p>
+            <a:r>
+              <a:rPr lang="ru-RU" sz="1600" dirty="0"/>
+              <a:t>Увеличил количество соединений, увеличил кэш памяти.</a:t>
+            </a:r>
+          </a:p>
+          <a:p>
+            <a:endParaRPr lang="ru-RU" sz="1600" dirty="0"/>
+          </a:p>
+          <a:p>
+            <a:r>
+              <a:rPr lang="ru-RU" sz="1600" b="1" dirty="0">
+                <a:effectLst/>
+                <a:latin typeface="Liberation Sans"/>
+                <a:ea typeface="Liberation Sans"/>
+                <a:cs typeface="Liberation Sans"/>
+              </a:rPr>
+              <a:t>GET /</a:t>
+            </a:r>
+            <a:r>
+              <a:rPr lang="ru-RU" sz="1600" b="1" dirty="0" err="1">
+                <a:effectLst/>
+                <a:latin typeface="Liberation Sans"/>
+                <a:ea typeface="Liberation Sans"/>
+                <a:cs typeface="Liberation Sans"/>
+              </a:rPr>
+              <a:t>db_dummy</a:t>
+            </a:r>
+            <a:r>
+              <a:rPr lang="ru-RU" sz="1600" dirty="0">
+                <a:effectLst/>
+                <a:latin typeface="Liberation Sans"/>
+                <a:ea typeface="Liberation Sans"/>
+                <a:cs typeface="Liberation Sans"/>
+              </a:rPr>
+              <a:t> </a:t>
+            </a:r>
+          </a:p>
+          <a:p>
+            <a:r>
+              <a:rPr lang="en-US" sz="1600" dirty="0">
+                <a:effectLst/>
+                <a:latin typeface="Liberation Sans"/>
+                <a:ea typeface="Liberation Sans"/>
+                <a:cs typeface="Liberation Sans"/>
+              </a:rPr>
+              <a:t>Select </a:t>
+            </a:r>
+            <a:r>
+              <a:rPr lang="en-US" sz="1600" dirty="0" err="1">
+                <a:effectLst/>
+                <a:latin typeface="Liberation Sans"/>
+                <a:ea typeface="Liberation Sans"/>
+                <a:cs typeface="Liberation Sans"/>
+              </a:rPr>
+              <a:t>pg</a:t>
+            </a:r>
+            <a:r>
+              <a:rPr lang="ru-RU" sz="1600" dirty="0">
+                <a:effectLst/>
+                <a:latin typeface="Liberation Sans"/>
+                <a:ea typeface="Liberation Sans"/>
+                <a:cs typeface="Liberation Sans"/>
+              </a:rPr>
+              <a:t>_</a:t>
+            </a:r>
+            <a:r>
+              <a:rPr lang="en-US" sz="1600" dirty="0">
+                <a:effectLst/>
+                <a:latin typeface="Liberation Sans"/>
+                <a:ea typeface="Liberation Sans"/>
+                <a:cs typeface="Liberation Sans"/>
+              </a:rPr>
+              <a:t>sleep</a:t>
+            </a:r>
+            <a:r>
+              <a:rPr lang="ru-RU" sz="1600" dirty="0">
+                <a:effectLst/>
+                <a:latin typeface="Liberation Sans"/>
+                <a:ea typeface="Liberation Sans"/>
+                <a:cs typeface="Liberation Sans"/>
+              </a:rPr>
+              <a:t>(0.1)</a:t>
+            </a:r>
+          </a:p>
+          <a:p>
+            <a:endParaRPr lang="ru-RU" sz="1600" dirty="0">
+              <a:latin typeface="Liberation Sans"/>
+            </a:endParaRPr>
+          </a:p>
+          <a:p>
+            <a:r>
+              <a:rPr lang="ru-RU" sz="1600" b="1" dirty="0">
+                <a:effectLst/>
+                <a:latin typeface="Liberation Sans"/>
+                <a:ea typeface="Liberation Sans"/>
+                <a:cs typeface="Liberation Sans"/>
+              </a:rPr>
+              <a:t>GET /</a:t>
+            </a:r>
+            <a:r>
+              <a:rPr lang="ru-RU" sz="1600" b="1" dirty="0" err="1">
+                <a:effectLst/>
+                <a:latin typeface="Liberation Sans"/>
+                <a:ea typeface="Liberation Sans"/>
+                <a:cs typeface="Liberation Sans"/>
+              </a:rPr>
+              <a:t>api</a:t>
+            </a:r>
+            <a:r>
+              <a:rPr lang="ru-RU" sz="1600" b="1" dirty="0">
+                <a:effectLst/>
+                <a:latin typeface="Liberation Sans"/>
+                <a:ea typeface="Liberation Sans"/>
+                <a:cs typeface="Liberation Sans"/>
+              </a:rPr>
+              <a:t>/</a:t>
+            </a:r>
+            <a:r>
+              <a:rPr lang="ru-RU" sz="1600" b="1" dirty="0" err="1">
+                <a:effectLst/>
+                <a:latin typeface="Liberation Sans"/>
+                <a:ea typeface="Liberation Sans"/>
+                <a:cs typeface="Liberation Sans"/>
+              </a:rPr>
+              <a:t>movie</a:t>
+            </a:r>
+            <a:r>
+              <a:rPr lang="ru-RU" sz="1600" b="1" dirty="0">
+                <a:effectLst/>
+                <a:latin typeface="Liberation Sans"/>
+                <a:ea typeface="Liberation Sans"/>
+                <a:cs typeface="Liberation Sans"/>
+              </a:rPr>
+              <a:t>/{</a:t>
+            </a:r>
+            <a:r>
+              <a:rPr lang="ru-RU" sz="1600" b="1" dirty="0" err="1">
+                <a:effectLst/>
+                <a:latin typeface="Liberation Sans"/>
+                <a:ea typeface="Liberation Sans"/>
+                <a:cs typeface="Liberation Sans"/>
+              </a:rPr>
+              <a:t>id</a:t>
+            </a:r>
+            <a:r>
+              <a:rPr lang="ru-RU" sz="1600" b="1" dirty="0">
+                <a:effectLst/>
+                <a:latin typeface="Liberation Sans"/>
+                <a:ea typeface="Liberation Sans"/>
+                <a:cs typeface="Liberation Sans"/>
+              </a:rPr>
+              <a:t>}</a:t>
+            </a:r>
+            <a:r>
+              <a:rPr lang="ru-RU" sz="1600" dirty="0">
+                <a:effectLst/>
+                <a:latin typeface="Liberation Sans"/>
+                <a:ea typeface="Liberation Sans"/>
+                <a:cs typeface="Liberation Sans"/>
+              </a:rPr>
+              <a:t> </a:t>
+            </a:r>
+            <a:endParaRPr lang="ru-RU" sz="1600" dirty="0">
+              <a:latin typeface="Liberation Sans"/>
+            </a:endParaRPr>
+          </a:p>
+          <a:p>
+            <a:r>
+              <a:rPr lang="en-US" sz="1600" dirty="0">
+                <a:effectLst/>
+                <a:latin typeface="Liberation Sans"/>
+                <a:ea typeface="Liberation Sans"/>
+                <a:cs typeface="Liberation Sans"/>
+              </a:rPr>
+              <a:t>SELECT movies.id, movies.name, </a:t>
+            </a:r>
+            <a:r>
+              <a:rPr lang="en-US" sz="1600" dirty="0" err="1">
+                <a:effectLst/>
+                <a:latin typeface="Liberation Sans"/>
+                <a:ea typeface="Liberation Sans"/>
+                <a:cs typeface="Liberation Sans"/>
+              </a:rPr>
+              <a:t>movies.year</a:t>
+            </a:r>
+            <a:r>
+              <a:rPr lang="en-US" sz="1600" dirty="0">
+                <a:effectLst/>
+                <a:latin typeface="Liberation Sans"/>
+                <a:ea typeface="Liberation Sans"/>
+                <a:cs typeface="Liberation Sans"/>
+              </a:rPr>
+              <a:t>, </a:t>
+            </a:r>
+            <a:r>
+              <a:rPr lang="en-US" sz="1600" dirty="0" err="1">
+                <a:effectLst/>
+                <a:latin typeface="Liberation Sans"/>
+                <a:ea typeface="Liberation Sans"/>
+                <a:cs typeface="Liberation Sans"/>
+              </a:rPr>
+              <a:t>movies.duration</a:t>
+            </a:r>
+            <a:r>
+              <a:rPr lang="en-US" sz="1600" dirty="0">
+                <a:effectLst/>
+                <a:latin typeface="Liberation Sans"/>
+                <a:ea typeface="Liberation Sans"/>
+                <a:cs typeface="Liberation Sans"/>
+              </a:rPr>
+              <a:t> FROM movies WHERE movies.id IN (1) </a:t>
+            </a:r>
+            <a:endParaRPr lang="ru-RU" sz="1600" dirty="0">
+              <a:effectLst/>
+              <a:latin typeface="Liberation Sans"/>
+              <a:ea typeface="Liberation Sans"/>
+              <a:cs typeface="Liberation Sans"/>
+            </a:endParaRPr>
+          </a:p>
+          <a:p>
+            <a:r>
+              <a:rPr lang="en-US" sz="1600" dirty="0">
+                <a:effectLst/>
+                <a:latin typeface="Liberation Sans"/>
+                <a:ea typeface="Liberation Sans"/>
+                <a:cs typeface="Liberation Sans"/>
+              </a:rPr>
+              <a:t>ORDER BY </a:t>
+            </a:r>
+            <a:r>
+              <a:rPr lang="en-US" sz="1600" dirty="0" err="1">
+                <a:effectLst/>
+                <a:latin typeface="Liberation Sans"/>
+                <a:ea typeface="Liberation Sans"/>
+                <a:cs typeface="Liberation Sans"/>
+              </a:rPr>
+              <a:t>movies.year</a:t>
+            </a:r>
+            <a:r>
+              <a:rPr lang="en-US" sz="1600" dirty="0">
+                <a:effectLst/>
+                <a:latin typeface="Liberation Sans"/>
+                <a:ea typeface="Liberation Sans"/>
+                <a:cs typeface="Liberation Sans"/>
+              </a:rPr>
+              <a:t> DESC, movies.name ASC, movies.id DESC LIMIT 100000;</a:t>
+            </a:r>
+            <a:endParaRPr lang="ru-RU" sz="1600" dirty="0">
+              <a:effectLst/>
+              <a:latin typeface="Liberation Sans"/>
+              <a:ea typeface="Liberation Sans"/>
+              <a:cs typeface="Liberation Sans"/>
+            </a:endParaRPr>
+          </a:p>
+          <a:p>
+            <a:endParaRPr lang="ru-RU" sz="1600" dirty="0"/>
+          </a:p>
+          <a:p>
+            <a:r>
+              <a:rPr lang="en-US" sz="1600" b="1" dirty="0">
+                <a:effectLst/>
+                <a:latin typeface="Liberation Sans"/>
+                <a:ea typeface="Liberation Sans"/>
+                <a:cs typeface="Liberation Sans"/>
+              </a:rPr>
+              <a:t>GET /</a:t>
+            </a:r>
+            <a:r>
+              <a:rPr lang="en-US" sz="1600" b="1" dirty="0" err="1">
+                <a:effectLst/>
+                <a:latin typeface="Liberation Sans"/>
+                <a:ea typeface="Liberation Sans"/>
+                <a:cs typeface="Liberation Sans"/>
+              </a:rPr>
+              <a:t>api</a:t>
+            </a:r>
+            <a:r>
+              <a:rPr lang="en-US" sz="1600" b="1" dirty="0">
+                <a:effectLst/>
+                <a:latin typeface="Liberation Sans"/>
+                <a:ea typeface="Liberation Sans"/>
+                <a:cs typeface="Liberation Sans"/>
+              </a:rPr>
+              <a:t>/customer/{id}</a:t>
+            </a:r>
+            <a:r>
+              <a:rPr lang="en-US" sz="1600" dirty="0">
+                <a:effectLst/>
+                <a:latin typeface="Liberation Sans"/>
+                <a:ea typeface="Liberation Sans"/>
+                <a:cs typeface="Liberation Sans"/>
+              </a:rPr>
+              <a:t> </a:t>
+            </a:r>
+            <a:endParaRPr lang="ru-RU" sz="1600" dirty="0">
+              <a:effectLst/>
+              <a:latin typeface="Liberation Sans"/>
+              <a:ea typeface="Liberation Sans"/>
+              <a:cs typeface="Liberation Sans"/>
+            </a:endParaRPr>
+          </a:p>
+          <a:p>
+            <a:r>
+              <a:rPr lang="en-US" sz="1600" dirty="0">
+                <a:effectLst/>
+                <a:latin typeface="Liberation Sans"/>
+                <a:ea typeface="Liberation Sans"/>
+                <a:cs typeface="Liberation Sans"/>
+              </a:rPr>
+              <a:t>SELECT customers.id, customers.name, </a:t>
+            </a:r>
+            <a:r>
+              <a:rPr lang="en-US" sz="1600" dirty="0" err="1">
+                <a:effectLst/>
+                <a:latin typeface="Liberation Sans"/>
+                <a:ea typeface="Liberation Sans"/>
+                <a:cs typeface="Liberation Sans"/>
+              </a:rPr>
+              <a:t>customers.surname</a:t>
+            </a:r>
+            <a:r>
+              <a:rPr lang="en-US" sz="1600" dirty="0">
+                <a:effectLst/>
+                <a:latin typeface="Liberation Sans"/>
+                <a:ea typeface="Liberation Sans"/>
+                <a:cs typeface="Liberation Sans"/>
+              </a:rPr>
+              <a:t>, </a:t>
+            </a:r>
+            <a:r>
+              <a:rPr lang="en-US" sz="1600" dirty="0" err="1">
+                <a:effectLst/>
+                <a:latin typeface="Liberation Sans"/>
+                <a:ea typeface="Liberation Sans"/>
+                <a:cs typeface="Liberation Sans"/>
+              </a:rPr>
+              <a:t>customers.birthday</a:t>
+            </a:r>
+            <a:r>
+              <a:rPr lang="en-US" sz="1600" dirty="0">
+                <a:effectLst/>
+                <a:latin typeface="Liberation Sans"/>
+                <a:ea typeface="Liberation Sans"/>
+                <a:cs typeface="Liberation Sans"/>
+              </a:rPr>
+              <a:t>, </a:t>
+            </a:r>
+            <a:r>
+              <a:rPr lang="en-US" sz="1600" dirty="0" err="1">
+                <a:effectLst/>
+                <a:latin typeface="Liberation Sans"/>
+                <a:ea typeface="Liberation Sans"/>
+                <a:cs typeface="Liberation Sans"/>
+              </a:rPr>
+              <a:t>customers.email</a:t>
+            </a:r>
+            <a:r>
+              <a:rPr lang="en-US" sz="1600" dirty="0">
+                <a:effectLst/>
+                <a:latin typeface="Liberation Sans"/>
+                <a:ea typeface="Liberation Sans"/>
+                <a:cs typeface="Liberation Sans"/>
+              </a:rPr>
+              <a:t> FROM </a:t>
+            </a:r>
+            <a:endParaRPr lang="ru-RU" sz="1600" dirty="0">
+              <a:effectLst/>
+              <a:latin typeface="Liberation Sans"/>
+              <a:ea typeface="Liberation Sans"/>
+              <a:cs typeface="Liberation Sans"/>
+            </a:endParaRPr>
+          </a:p>
+          <a:p>
+            <a:r>
+              <a:rPr lang="en-US" sz="1600" dirty="0">
+                <a:effectLst/>
+                <a:latin typeface="Liberation Sans"/>
+                <a:ea typeface="Liberation Sans"/>
+                <a:cs typeface="Liberation Sans"/>
+              </a:rPr>
+              <a:t>customers WHERE customers.id IN (1) ORDER BY </a:t>
+            </a:r>
+            <a:r>
+              <a:rPr lang="en-US" sz="1600" dirty="0" err="1">
+                <a:effectLst/>
+                <a:latin typeface="Liberation Sans"/>
+                <a:ea typeface="Liberation Sans"/>
+                <a:cs typeface="Liberation Sans"/>
+              </a:rPr>
+              <a:t>customers.surname</a:t>
+            </a:r>
+            <a:r>
+              <a:rPr lang="en-US" sz="1600" dirty="0">
+                <a:effectLst/>
+                <a:latin typeface="Liberation Sans"/>
+                <a:ea typeface="Liberation Sans"/>
+                <a:cs typeface="Liberation Sans"/>
+              </a:rPr>
+              <a:t> ASC, customers.name ASC, </a:t>
+            </a:r>
+            <a:endParaRPr lang="ru-RU" sz="1600" dirty="0">
+              <a:effectLst/>
+              <a:latin typeface="Liberation Sans"/>
+              <a:ea typeface="Liberation Sans"/>
+              <a:cs typeface="Liberation Sans"/>
+            </a:endParaRPr>
+          </a:p>
+          <a:p>
+            <a:r>
+              <a:rPr lang="en-US" sz="1600" dirty="0" err="1">
+                <a:effectLst/>
+                <a:latin typeface="Liberation Sans"/>
+                <a:ea typeface="Liberation Sans"/>
+                <a:cs typeface="Liberation Sans"/>
+              </a:rPr>
+              <a:t>customers.birthday</a:t>
+            </a:r>
+            <a:r>
+              <a:rPr lang="en-US" sz="1600" dirty="0">
+                <a:effectLst/>
+                <a:latin typeface="Liberation Sans"/>
+                <a:ea typeface="Liberation Sans"/>
+                <a:cs typeface="Liberation Sans"/>
+              </a:rPr>
+              <a:t> DESC, customers.id DESC LIMIT 100000;</a:t>
+            </a:r>
+            <a:endParaRPr lang="ru-RU" sz="1600" dirty="0">
+              <a:effectLst/>
+              <a:latin typeface="Liberation Sans"/>
+              <a:ea typeface="Liberation Sans"/>
+              <a:cs typeface="Liberation Sans"/>
+            </a:endParaRPr>
+          </a:p>
+          <a:p>
+            <a:endParaRPr lang="ru-RU" sz="1600" dirty="0">
+              <a:latin typeface="Liberation Sans"/>
+            </a:endParaRPr>
+          </a:p>
+          <a:p>
+            <a:r>
+              <a:rPr lang="en-US" sz="1600" b="1" dirty="0">
+                <a:effectLst/>
+                <a:latin typeface="Liberation Sans"/>
+                <a:ea typeface="Liberation Sans"/>
+                <a:cs typeface="Liberation Sans"/>
+              </a:rPr>
+              <a:t>GET</a:t>
+            </a:r>
+            <a:r>
+              <a:rPr lang="ru-RU" sz="1600" b="1" dirty="0">
+                <a:effectLst/>
+                <a:latin typeface="Liberation Sans"/>
+                <a:ea typeface="Liberation Sans"/>
+                <a:cs typeface="Liberation Sans"/>
+              </a:rPr>
+              <a:t> /</a:t>
+            </a:r>
+            <a:r>
+              <a:rPr lang="en-US" sz="1600" b="1" dirty="0" err="1">
+                <a:effectLst/>
+                <a:latin typeface="Liberation Sans"/>
+                <a:ea typeface="Liberation Sans"/>
+                <a:cs typeface="Liberation Sans"/>
+              </a:rPr>
+              <a:t>api</a:t>
+            </a:r>
+            <a:r>
+              <a:rPr lang="ru-RU" sz="1600" b="1" dirty="0">
+                <a:effectLst/>
+                <a:latin typeface="Liberation Sans"/>
+                <a:ea typeface="Liberation Sans"/>
+                <a:cs typeface="Liberation Sans"/>
+              </a:rPr>
+              <a:t>/</a:t>
+            </a:r>
+            <a:r>
+              <a:rPr lang="en-US" sz="1600" b="1" dirty="0">
+                <a:effectLst/>
+                <a:latin typeface="Liberation Sans"/>
+                <a:ea typeface="Liberation Sans"/>
+                <a:cs typeface="Liberation Sans"/>
+              </a:rPr>
+              <a:t>session</a:t>
+            </a:r>
+            <a:r>
+              <a:rPr lang="ru-RU" sz="1600" b="1" dirty="0">
+                <a:effectLst/>
+                <a:latin typeface="Liberation Sans"/>
+                <a:ea typeface="Liberation Sans"/>
+                <a:cs typeface="Liberation Sans"/>
+              </a:rPr>
+              <a:t>/{</a:t>
+            </a:r>
+            <a:r>
+              <a:rPr lang="en-US" sz="1600" b="1" dirty="0">
+                <a:effectLst/>
+                <a:latin typeface="Liberation Sans"/>
+                <a:ea typeface="Liberation Sans"/>
+                <a:cs typeface="Liberation Sans"/>
+              </a:rPr>
+              <a:t>id</a:t>
+            </a:r>
+            <a:r>
+              <a:rPr lang="ru-RU" sz="1600" b="1" dirty="0">
+                <a:effectLst/>
+                <a:latin typeface="Liberation Sans"/>
+                <a:ea typeface="Liberation Sans"/>
+                <a:cs typeface="Liberation Sans"/>
+              </a:rPr>
+              <a:t>}</a:t>
+            </a:r>
+            <a:r>
+              <a:rPr lang="ru-RU" sz="1600" dirty="0">
+                <a:effectLst/>
+                <a:latin typeface="Liberation Sans"/>
+                <a:ea typeface="Liberation Sans"/>
+                <a:cs typeface="Liberation Sans"/>
+              </a:rPr>
+              <a:t> </a:t>
+            </a:r>
+            <a:endParaRPr lang="ru-RU" sz="1600" dirty="0">
+              <a:latin typeface="Liberation Sans"/>
+            </a:endParaRPr>
+          </a:p>
+          <a:p>
+            <a:r>
+              <a:rPr lang="en-US" sz="1600" dirty="0">
+                <a:effectLst/>
+                <a:latin typeface="Liberation Sans"/>
+                <a:ea typeface="Liberation Sans"/>
+                <a:cs typeface="Liberation Sans"/>
+              </a:rPr>
+              <a:t>SELECT sessions.id, </a:t>
+            </a:r>
+            <a:r>
+              <a:rPr lang="en-US" sz="1600" dirty="0" err="1">
+                <a:effectLst/>
+                <a:latin typeface="Liberation Sans"/>
+                <a:ea typeface="Liberation Sans"/>
+                <a:cs typeface="Liberation Sans"/>
+              </a:rPr>
+              <a:t>sessions.start_time</a:t>
+            </a:r>
+            <a:r>
+              <a:rPr lang="en-US" sz="1600" dirty="0">
+                <a:effectLst/>
+                <a:latin typeface="Liberation Sans"/>
+                <a:ea typeface="Liberation Sans"/>
+                <a:cs typeface="Liberation Sans"/>
+              </a:rPr>
+              <a:t>, customers.id, customers.name, </a:t>
+            </a:r>
+            <a:r>
+              <a:rPr lang="en-US" sz="1600" dirty="0" err="1">
+                <a:effectLst/>
+                <a:latin typeface="Liberation Sans"/>
+                <a:ea typeface="Liberation Sans"/>
+                <a:cs typeface="Liberation Sans"/>
+              </a:rPr>
+              <a:t>customers.surname</a:t>
+            </a:r>
+            <a:r>
+              <a:rPr lang="en-US" sz="1600" dirty="0">
+                <a:effectLst/>
+                <a:latin typeface="Liberation Sans"/>
+                <a:ea typeface="Liberation Sans"/>
+                <a:cs typeface="Liberation Sans"/>
+              </a:rPr>
+              <a:t>, </a:t>
+            </a:r>
+            <a:endParaRPr lang="ru-RU" sz="1600" dirty="0">
+              <a:effectLst/>
+              <a:latin typeface="Liberation Sans"/>
+              <a:ea typeface="Liberation Sans"/>
+              <a:cs typeface="Liberation Sans"/>
+            </a:endParaRPr>
+          </a:p>
+          <a:p>
+            <a:r>
+              <a:rPr lang="en-US" sz="1600" dirty="0" err="1">
+                <a:effectLst/>
+                <a:latin typeface="Liberation Sans"/>
+                <a:ea typeface="Liberation Sans"/>
+                <a:cs typeface="Liberation Sans"/>
+              </a:rPr>
+              <a:t>customers.birthday</a:t>
+            </a:r>
+            <a:r>
+              <a:rPr lang="en-US" sz="1600" dirty="0">
+                <a:effectLst/>
+                <a:latin typeface="Liberation Sans"/>
+                <a:ea typeface="Liberation Sans"/>
+                <a:cs typeface="Liberation Sans"/>
+              </a:rPr>
+              <a:t>, </a:t>
+            </a:r>
+            <a:r>
+              <a:rPr lang="en-US" sz="1600" dirty="0" err="1">
+                <a:effectLst/>
+                <a:latin typeface="Liberation Sans"/>
+                <a:ea typeface="Liberation Sans"/>
+                <a:cs typeface="Liberation Sans"/>
+              </a:rPr>
+              <a:t>customers.email</a:t>
+            </a:r>
+            <a:r>
+              <a:rPr lang="en-US" sz="1600" dirty="0">
+                <a:effectLst/>
+                <a:latin typeface="Liberation Sans"/>
+                <a:ea typeface="Liberation Sans"/>
+                <a:cs typeface="Liberation Sans"/>
+              </a:rPr>
+              <a:t>, movies.id, movies.name, </a:t>
+            </a:r>
+            <a:r>
+              <a:rPr lang="en-US" sz="1600" dirty="0" err="1">
+                <a:effectLst/>
+                <a:latin typeface="Liberation Sans"/>
+                <a:ea typeface="Liberation Sans"/>
+                <a:cs typeface="Liberation Sans"/>
+              </a:rPr>
+              <a:t>movies.year</a:t>
+            </a:r>
+            <a:r>
+              <a:rPr lang="en-US" sz="1600" dirty="0">
+                <a:effectLst/>
+                <a:latin typeface="Liberation Sans"/>
+                <a:ea typeface="Liberation Sans"/>
+                <a:cs typeface="Liberation Sans"/>
+              </a:rPr>
+              <a:t>, </a:t>
+            </a:r>
+            <a:r>
+              <a:rPr lang="en-US" sz="1600" dirty="0" err="1">
+                <a:effectLst/>
+                <a:latin typeface="Liberation Sans"/>
+                <a:ea typeface="Liberation Sans"/>
+                <a:cs typeface="Liberation Sans"/>
+              </a:rPr>
+              <a:t>movies.duration</a:t>
+            </a:r>
+            <a:r>
+              <a:rPr lang="en-US" sz="1600" dirty="0">
+                <a:effectLst/>
+                <a:latin typeface="Liberation Sans"/>
+                <a:ea typeface="Liberation Sans"/>
+                <a:cs typeface="Liberation Sans"/>
+              </a:rPr>
+              <a:t> FROM </a:t>
+            </a:r>
+            <a:endParaRPr lang="ru-RU" sz="1600" dirty="0">
+              <a:effectLst/>
+              <a:latin typeface="Liberation Sans"/>
+              <a:ea typeface="Liberation Sans"/>
+              <a:cs typeface="Liberation Sans"/>
+            </a:endParaRPr>
+          </a:p>
+          <a:p>
+            <a:r>
+              <a:rPr lang="en-US" sz="1600" dirty="0">
+                <a:effectLst/>
+                <a:latin typeface="Liberation Sans"/>
+                <a:ea typeface="Liberation Sans"/>
+                <a:cs typeface="Liberation Sans"/>
+              </a:rPr>
+              <a:t>sessions INNER JOIN customers ON </a:t>
+            </a:r>
+            <a:r>
+              <a:rPr lang="en-US" sz="1600" dirty="0" err="1">
+                <a:effectLst/>
+                <a:latin typeface="Liberation Sans"/>
+                <a:ea typeface="Liberation Sans"/>
+                <a:cs typeface="Liberation Sans"/>
+              </a:rPr>
+              <a:t>sessions.customer_id</a:t>
+            </a:r>
+            <a:r>
+              <a:rPr lang="en-US" sz="1600" dirty="0">
+                <a:effectLst/>
+                <a:latin typeface="Liberation Sans"/>
+                <a:ea typeface="Liberation Sans"/>
+                <a:cs typeface="Liberation Sans"/>
+              </a:rPr>
+              <a:t> = customers.id INNER JOIN movies ON </a:t>
+            </a:r>
+            <a:endParaRPr lang="ru-RU" sz="1600" dirty="0">
+              <a:effectLst/>
+              <a:latin typeface="Liberation Sans"/>
+              <a:ea typeface="Liberation Sans"/>
+              <a:cs typeface="Liberation Sans"/>
+            </a:endParaRPr>
+          </a:p>
+          <a:p>
+            <a:r>
+              <a:rPr lang="en-US" sz="1600" dirty="0" err="1">
+                <a:effectLst/>
+                <a:latin typeface="Liberation Sans"/>
+                <a:ea typeface="Liberation Sans"/>
+                <a:cs typeface="Liberation Sans"/>
+              </a:rPr>
+              <a:t>sessions.movie_id</a:t>
+            </a:r>
+            <a:r>
+              <a:rPr lang="en-US" sz="1600" dirty="0">
+                <a:effectLst/>
+                <a:latin typeface="Liberation Sans"/>
+                <a:ea typeface="Liberation Sans"/>
+                <a:cs typeface="Liberation Sans"/>
+              </a:rPr>
+              <a:t> = movies.id WHERE sessions.id IN (1) ORDER BY </a:t>
+            </a:r>
+            <a:r>
+              <a:rPr lang="en-US" sz="1600" dirty="0" err="1">
+                <a:effectLst/>
+                <a:latin typeface="Liberation Sans"/>
+                <a:ea typeface="Liberation Sans"/>
+                <a:cs typeface="Liberation Sans"/>
+              </a:rPr>
+              <a:t>movies.year</a:t>
+            </a:r>
+            <a:r>
+              <a:rPr lang="en-US" sz="1600" dirty="0">
+                <a:effectLst/>
+                <a:latin typeface="Liberation Sans"/>
+                <a:ea typeface="Liberation Sans"/>
+                <a:cs typeface="Liberation Sans"/>
+              </a:rPr>
+              <a:t> DESC, movies.name ASC, </a:t>
+            </a:r>
+            <a:endParaRPr lang="ru-RU" sz="1600" dirty="0">
+              <a:effectLst/>
+              <a:latin typeface="Liberation Sans"/>
+              <a:ea typeface="Liberation Sans"/>
+              <a:cs typeface="Liberation Sans"/>
+            </a:endParaRPr>
+          </a:p>
+          <a:p>
+            <a:r>
+              <a:rPr lang="en-US" sz="1600" dirty="0">
+                <a:effectLst/>
+                <a:latin typeface="Liberation Sans"/>
+                <a:ea typeface="Liberation Sans"/>
+                <a:cs typeface="Liberation Sans"/>
+              </a:rPr>
+              <a:t>customers.id, sessions.id DESC LIMIT 100000;</a:t>
+            </a:r>
+            <a:endParaRPr lang="ru-RU" sz="1600" dirty="0">
+              <a:latin typeface="Liberation Sans"/>
+            </a:endParaRPr>
+          </a:p>
+          <a:p>
+            <a:endParaRPr lang="ru-RU" dirty="0"/>
+          </a:p>
+        </p:txBody>
+      </p:sp>
+    </p:spTree>
+    <p:extLst>
+      <p:ext uri="{BB962C8B-B14F-4D97-AF65-F5344CB8AC3E}">
+        <p14:creationId xmlns:p14="http://schemas.microsoft.com/office/powerpoint/2010/main" val="2466310324"/>
+      </p:ext>
+    </p:extLst>
+  </p:cSld>
+  <p:clrMapOvr>
+    <a:masterClrMapping/>
+  </p:clrMapOvr>
+</p:sld>
+</file>
+
+<file path=ppt/slides/slide7.xml><?xml version="1.0" encoding="utf-8"?>
+<p:sld xmlns:a="http://schemas.openxmlformats.org/drawingml/2006/main" xmlns:r="http://schemas.openxmlformats.org/officeDocument/2006/relationships" xmlns:p="http://schemas.openxmlformats.org/presentationml/2006/main">
+  <p:cSld>
+    <p:spTree>
+      <p:nvGrpSpPr>
+        <p:cNvPr id="1" name=""/>
+        <p:cNvGrpSpPr/>
+        <p:nvPr/>
+      </p:nvGrpSpPr>
+      <p:grpSpPr>
+        <a:xfrm>
+          <a:off x="0" y="0"/>
+          <a:ext cx="0" cy="0"/>
+          <a:chOff x="0" y="0"/>
+          <a:chExt cx="0" cy="0"/>
+        </a:xfrm>
+      </p:grpSpPr>
+      <p:sp>
+        <p:nvSpPr>
+          <p:cNvPr id="2" name="TextBox 1">
+            <a:extLst>
+              <a:ext uri="{FF2B5EF4-FFF2-40B4-BE49-F238E27FC236}">
                 <a16:creationId xmlns:a16="http://schemas.microsoft.com/office/drawing/2014/main" id="{AF484A2B-4C78-48EC-A757-137626D49C4B}"/>
               </a:ext>
             </a:extLst>
@@ -10056,7 +12025,7 @@
 </p:sld>
 </file>
 
-<file path=ppt/slides/slide7.xml><?xml version="1.0" encoding="utf-8"?>
+<file path=ppt/slides/slide8.xml><?xml version="1.0" encoding="utf-8"?>
 <p:sld xmlns:a="http://schemas.openxmlformats.org/drawingml/2006/main" xmlns:r="http://schemas.openxmlformats.org/officeDocument/2006/relationships" xmlns:p="http://schemas.openxmlformats.org/presentationml/2006/main">
   <p:cSld>
     <p:spTree>
@@ -11452,7 +13421,7 @@
 </p:sld>
 </file>
 
-<file path=ppt/slides/slide8.xml><?xml version="1.0" encoding="utf-8"?>
+<file path=ppt/slides/slide9.xml><?xml version="1.0" encoding="utf-8"?>
 <p:sld xmlns:a="http://schemas.openxmlformats.org/drawingml/2006/main" xmlns:r="http://schemas.openxmlformats.org/officeDocument/2006/relationships" xmlns:p="http://schemas.openxmlformats.org/presentationml/2006/main">
   <p:cSld>
     <p:spTree>
@@ -12290,27 +14259,7 @@
             </a:r>
             <a:r>
               <a:rPr lang="ru-RU" dirty="0"/>
-              <a:t>поэтому от идеи с 	</a:t>
-            </a:r>
-            <a:r>
-              <a:rPr lang="ru-RU" dirty="0" err="1"/>
-              <a:t>зеркалированием</a:t>
-            </a:r>
-            <a:r>
-              <a:rPr lang="ru-RU" dirty="0"/>
-              <a:t> БД и распределением нагрузки через </a:t>
-            </a:r>
-            <a:r>
-              <a:rPr lang="en-US" dirty="0" err="1"/>
-              <a:t>Haproxy</a:t>
-            </a:r>
-            <a:r>
-              <a:rPr lang="en-US" dirty="0"/>
-              <a:t> </a:t>
-            </a:r>
-            <a:r>
-              <a:rPr lang="ru-RU" dirty="0"/>
-              <a:t>отказался </a:t>
+              <a:t>поэтому репликацию не делал</a:t>
             </a:r>
           </a:p>
         </p:txBody>
@@ -12319,108 +14268,6 @@
     <p:extLst>
       <p:ext uri="{BB962C8B-B14F-4D97-AF65-F5344CB8AC3E}">
         <p14:creationId xmlns:p14="http://schemas.microsoft.com/office/powerpoint/2010/main" val="553088399"/>
-      </p:ext>
-    </p:extLst>
-  </p:cSld>
-  <p:clrMapOvr>
-    <a:masterClrMapping/>
-  </p:clrMapOvr>
-</p:sld>
-</file>
-
-<file path=ppt/slides/slide9.xml><?xml version="1.0" encoding="utf-8"?>
-<p:sld xmlns:a="http://schemas.openxmlformats.org/drawingml/2006/main" xmlns:r="http://schemas.openxmlformats.org/officeDocument/2006/relationships" xmlns:p="http://schemas.openxmlformats.org/presentationml/2006/main">
-  <p:cSld>
-    <p:spTree>
-      <p:nvGrpSpPr>
-        <p:cNvPr id="1" name=""/>
-        <p:cNvGrpSpPr/>
-        <p:nvPr/>
-      </p:nvGrpSpPr>
-      <p:grpSpPr>
-        <a:xfrm>
-          <a:off x="0" y="0"/>
-          <a:ext cx="0" cy="0"/>
-          <a:chOff x="0" y="0"/>
-          <a:chExt cx="0" cy="0"/>
-        </a:xfrm>
-      </p:grpSpPr>
-      <p:pic>
-        <p:nvPicPr>
-          <p:cNvPr id="5" name="Рисунок 4">
-            <a:extLst>
-              <a:ext uri="{FF2B5EF4-FFF2-40B4-BE49-F238E27FC236}">
-                <a16:creationId xmlns:a16="http://schemas.microsoft.com/office/drawing/2014/main" id="{A5E3AF91-4265-41A0-A991-9B3CE463379D}"/>
-              </a:ext>
-            </a:extLst>
-          </p:cNvPr>
-          <p:cNvPicPr>
-            <a:picLocks noChangeAspect="1"/>
-          </p:cNvPicPr>
-          <p:nvPr/>
-        </p:nvPicPr>
-        <p:blipFill>
-          <a:blip r:embed="rId2"/>
-          <a:stretch>
-            <a:fillRect/>
-          </a:stretch>
-        </p:blipFill>
-        <p:spPr>
-          <a:xfrm>
-            <a:off x="0" y="1077659"/>
-            <a:ext cx="12192000" cy="5033333"/>
-          </a:xfrm>
-          <a:prstGeom prst="rect">
-            <a:avLst/>
-          </a:prstGeom>
-        </p:spPr>
-      </p:pic>
-      <p:sp>
-        <p:nvSpPr>
-          <p:cNvPr id="6" name="TextBox 5">
-            <a:extLst>
-              <a:ext uri="{FF2B5EF4-FFF2-40B4-BE49-F238E27FC236}">
-                <a16:creationId xmlns:a16="http://schemas.microsoft.com/office/drawing/2014/main" id="{E67A6B27-7318-4920-9677-623A7DD56663}"/>
-              </a:ext>
-            </a:extLst>
-          </p:cNvPr>
-          <p:cNvSpPr txBox="1"/>
-          <p:nvPr/>
-        </p:nvSpPr>
-        <p:spPr>
-          <a:xfrm>
-            <a:off x="5163547" y="333742"/>
-            <a:ext cx="1365758" cy="738664"/>
-          </a:xfrm>
-          <a:prstGeom prst="rect">
-            <a:avLst/>
-          </a:prstGeom>
-          <a:noFill/>
-        </p:spPr>
-        <p:txBody>
-          <a:bodyPr wrap="none" rtlCol="0">
-            <a:spAutoFit/>
-          </a:bodyPr>
-          <a:lstStyle/>
-          <a:p>
-            <a:r>
-              <a:rPr lang="en-US" sz="2400" b="1" dirty="0"/>
-              <a:t>Version 2</a:t>
-            </a:r>
-          </a:p>
-          <a:p>
-            <a:r>
-              <a:rPr lang="en-US" dirty="0"/>
-              <a:t>AWS Cloud</a:t>
-            </a:r>
-            <a:endParaRPr lang="ru-RU" dirty="0"/>
-          </a:p>
-        </p:txBody>
-      </p:sp>
-    </p:spTree>
-    <p:extLst>
-      <p:ext uri="{BB962C8B-B14F-4D97-AF65-F5344CB8AC3E}">
-        <p14:creationId xmlns:p14="http://schemas.microsoft.com/office/powerpoint/2010/main" val="862722165"/>
       </p:ext>
     </p:extLst>
   </p:cSld>

--- a/presentation.pptx
+++ b/presentation.pptx
@@ -282,7 +282,7 @@
           <a:p>
             <a:fld id="{30A09A1A-BC7F-4E01-BFF6-75E0654B607F}" type="datetimeFigureOut">
               <a:rPr lang="ru-RU" smtClean="0"/>
-              <a:t>01.12.2023</a:t>
+              <a:t>02.12.2023</a:t>
             </a:fld>
             <a:endParaRPr lang="ru-RU"/>
           </a:p>
@@ -480,7 +480,7 @@
           <a:p>
             <a:fld id="{30A09A1A-BC7F-4E01-BFF6-75E0654B607F}" type="datetimeFigureOut">
               <a:rPr lang="ru-RU" smtClean="0"/>
-              <a:t>01.12.2023</a:t>
+              <a:t>02.12.2023</a:t>
             </a:fld>
             <a:endParaRPr lang="ru-RU"/>
           </a:p>
@@ -688,7 +688,7 @@
           <a:p>
             <a:fld id="{30A09A1A-BC7F-4E01-BFF6-75E0654B607F}" type="datetimeFigureOut">
               <a:rPr lang="ru-RU" smtClean="0"/>
-              <a:t>01.12.2023</a:t>
+              <a:t>02.12.2023</a:t>
             </a:fld>
             <a:endParaRPr lang="ru-RU"/>
           </a:p>
@@ -886,7 +886,7 @@
           <a:p>
             <a:fld id="{30A09A1A-BC7F-4E01-BFF6-75E0654B607F}" type="datetimeFigureOut">
               <a:rPr lang="ru-RU" smtClean="0"/>
-              <a:t>01.12.2023</a:t>
+              <a:t>02.12.2023</a:t>
             </a:fld>
             <a:endParaRPr lang="ru-RU"/>
           </a:p>
@@ -1161,7 +1161,7 @@
           <a:p>
             <a:fld id="{30A09A1A-BC7F-4E01-BFF6-75E0654B607F}" type="datetimeFigureOut">
               <a:rPr lang="ru-RU" smtClean="0"/>
-              <a:t>01.12.2023</a:t>
+              <a:t>02.12.2023</a:t>
             </a:fld>
             <a:endParaRPr lang="ru-RU"/>
           </a:p>
@@ -1426,7 +1426,7 @@
           <a:p>
             <a:fld id="{30A09A1A-BC7F-4E01-BFF6-75E0654B607F}" type="datetimeFigureOut">
               <a:rPr lang="ru-RU" smtClean="0"/>
-              <a:t>01.12.2023</a:t>
+              <a:t>02.12.2023</a:t>
             </a:fld>
             <a:endParaRPr lang="ru-RU"/>
           </a:p>
@@ -1838,7 +1838,7 @@
           <a:p>
             <a:fld id="{30A09A1A-BC7F-4E01-BFF6-75E0654B607F}" type="datetimeFigureOut">
               <a:rPr lang="ru-RU" smtClean="0"/>
-              <a:t>01.12.2023</a:t>
+              <a:t>02.12.2023</a:t>
             </a:fld>
             <a:endParaRPr lang="ru-RU"/>
           </a:p>
@@ -1979,7 +1979,7 @@
           <a:p>
             <a:fld id="{30A09A1A-BC7F-4E01-BFF6-75E0654B607F}" type="datetimeFigureOut">
               <a:rPr lang="ru-RU" smtClean="0"/>
-              <a:t>01.12.2023</a:t>
+              <a:t>02.12.2023</a:t>
             </a:fld>
             <a:endParaRPr lang="ru-RU"/>
           </a:p>
@@ -2092,7 +2092,7 @@
           <a:p>
             <a:fld id="{30A09A1A-BC7F-4E01-BFF6-75E0654B607F}" type="datetimeFigureOut">
               <a:rPr lang="ru-RU" smtClean="0"/>
-              <a:t>01.12.2023</a:t>
+              <a:t>02.12.2023</a:t>
             </a:fld>
             <a:endParaRPr lang="ru-RU"/>
           </a:p>
@@ -2403,7 +2403,7 @@
           <a:p>
             <a:fld id="{30A09A1A-BC7F-4E01-BFF6-75E0654B607F}" type="datetimeFigureOut">
               <a:rPr lang="ru-RU" smtClean="0"/>
-              <a:t>01.12.2023</a:t>
+              <a:t>02.12.2023</a:t>
             </a:fld>
             <a:endParaRPr lang="ru-RU"/>
           </a:p>
@@ -2691,7 +2691,7 @@
           <a:p>
             <a:fld id="{30A09A1A-BC7F-4E01-BFF6-75E0654B607F}" type="datetimeFigureOut">
               <a:rPr lang="ru-RU" smtClean="0"/>
-              <a:t>01.12.2023</a:t>
+              <a:t>02.12.2023</a:t>
             </a:fld>
             <a:endParaRPr lang="ru-RU"/>
           </a:p>
@@ -2932,7 +2932,7 @@
           <a:p>
             <a:fld id="{30A09A1A-BC7F-4E01-BFF6-75E0654B607F}" type="datetimeFigureOut">
               <a:rPr lang="ru-RU" smtClean="0"/>
-              <a:t>01.12.2023</a:t>
+              <a:t>02.12.2023</a:t>
             </a:fld>
             <a:endParaRPr lang="ru-RU"/>
           </a:p>
@@ -3422,8 +3422,8 @@
         </p:nvSpPr>
         <p:spPr>
           <a:xfrm>
-            <a:off x="977900" y="2819560"/>
-            <a:ext cx="4445000" cy="3785652"/>
+            <a:off x="977900" y="2968234"/>
+            <a:ext cx="4445000" cy="3170099"/>
           </a:xfrm>
           <a:prstGeom prst="rect">
             <a:avLst/>
@@ -3487,27 +3487,18 @@
           </a:p>
           <a:p>
             <a:r>
+              <a:rPr lang="en-US" sz="2000" dirty="0">
+                <a:hlinkClick r:id="rId4"/>
+              </a:rPr>
+              <a:t>https://t.me/zmeyzloy/</a:t>
+            </a:r>
+            <a:endParaRPr lang="en-US" sz="2000" dirty="0"/>
+          </a:p>
+          <a:p>
+            <a:r>
               <a:rPr lang="en-US" sz="2000" dirty="0"/>
               <a:t>https://vk.com/runalsh</a:t>
             </a:r>
-          </a:p>
-          <a:p>
-            <a:r>
-              <a:rPr lang="en-US" sz="2000" dirty="0">
-                <a:hlinkClick r:id="rId4"/>
-              </a:rPr>
-              <a:t>https://t.me/zmeyzloy/</a:t>
-            </a:r>
-            <a:endParaRPr lang="en-US" sz="2000" dirty="0"/>
-          </a:p>
-          <a:p>
-            <a:r>
-              <a:rPr lang="en-US" sz="2000" dirty="0"/>
-              <a:t>https://www.linkedin.com/in/runalsh/</a:t>
-            </a:r>
-          </a:p>
-          <a:p>
-            <a:endParaRPr lang="en-US" sz="2000" dirty="0"/>
           </a:p>
         </p:txBody>
       </p:sp>
@@ -7480,7 +7471,7 @@
         </p:nvSpPr>
         <p:spPr>
           <a:xfrm>
-            <a:off x="5054600" y="448733"/>
+            <a:off x="5096933" y="152399"/>
             <a:ext cx="2247346" cy="461665"/>
           </a:xfrm>
           <a:prstGeom prst="rect">
@@ -7524,8 +7515,8 @@
         </p:nvSpPr>
         <p:spPr>
           <a:xfrm>
-            <a:off x="635000" y="910398"/>
-            <a:ext cx="7431843" cy="2585323"/>
+            <a:off x="491066" y="868065"/>
+            <a:ext cx="7431843" cy="2031325"/>
           </a:xfrm>
           <a:prstGeom prst="rect">
             <a:avLst/>
@@ -7570,7 +7561,7 @@
           <a:p>
             <a:r>
               <a:rPr lang="ru-RU" dirty="0"/>
-              <a:t>На группах безопасности открыт 443 </a:t>
+              <a:t>В группах безопасности открыт 443 </a:t>
             </a:r>
             <a:r>
               <a:rPr lang="en-US" dirty="0" err="1"/>
@@ -7602,31 +7593,6 @@
             <a:r>
               <a:rPr lang="en-US" dirty="0"/>
               <a:t>&gt;</a:t>
-            </a:r>
-          </a:p>
-          <a:p>
-            <a:endParaRPr lang="en-US" dirty="0"/>
-          </a:p>
-          <a:p>
-            <a:r>
-              <a:rPr lang="ru-RU" dirty="0"/>
-              <a:t>Не используемые </a:t>
-            </a:r>
-            <a:r>
-              <a:rPr lang="ru-RU" dirty="0" err="1"/>
-              <a:t>эндпоинты</a:t>
-            </a:r>
-            <a:r>
-              <a:rPr lang="ru-RU" dirty="0"/>
-              <a:t> из задания ( + </a:t>
-            </a:r>
-            <a:r>
-              <a:rPr lang="en-US" dirty="0"/>
-              <a:t>/config) </a:t>
-            </a:r>
-            <a:r>
-              <a:rPr lang="ru-RU" dirty="0"/>
-              <a:t>заблокированы.</a:t>
             </a:r>
           </a:p>
           <a:p>

--- a/presentation.pptx
+++ b/presentation.pptx
@@ -3422,8 +3422,8 @@
         </p:nvSpPr>
         <p:spPr>
           <a:xfrm>
-            <a:off x="977900" y="2968234"/>
-            <a:ext cx="4445000" cy="3170099"/>
+            <a:off x="977899" y="2968234"/>
+            <a:ext cx="7243233" cy="3477875"/>
           </a:xfrm>
           <a:prstGeom prst="rect">
             <a:avLst/>
@@ -3456,12 +3456,9 @@
             <a:endParaRPr lang="en-US" sz="2000" dirty="0"/>
           </a:p>
           <a:p>
-            <a:endParaRPr lang="en-US" sz="2000" dirty="0"/>
-          </a:p>
-          <a:p>
             <a:r>
               <a:rPr lang="en-US" sz="2000" dirty="0"/>
-              <a:t>shaidullin2@gmail.com</a:t>
+              <a:t>Project git https://github.com/runalsh/yandex-devops-training</a:t>
             </a:r>
           </a:p>
           <a:p>
@@ -3469,8 +3466,11 @@
               <a:rPr lang="en-US" sz="2000" dirty="0">
                 <a:hlinkClick r:id="rId2"/>
               </a:rPr>
-              <a:t>https://github.com/runalsh</a:t>
-            </a:r>
+              <a:t>shaidullin2@gmail.com</a:t>
+            </a:r>
+            <a:endParaRPr lang="en-US" sz="2000" dirty="0"/>
+          </a:p>
+          <a:p>
             <a:endParaRPr lang="en-US" sz="2000" dirty="0"/>
           </a:p>
           <a:p>
@@ -3478,17 +3478,26 @@
               <a:rPr lang="en-US" sz="2000" dirty="0">
                 <a:hlinkClick r:id="rId3"/>
               </a:rPr>
-              <a:t>https://gitlab.com/runalsh</a:t>
-            </a:r>
-            <a:endParaRPr lang="en-US" sz="2000" dirty="0"/>
-          </a:p>
-          <a:p>
+              <a:t>https://github.com/runalsh</a:t>
+            </a:r>
             <a:endParaRPr lang="en-US" sz="2000" dirty="0"/>
           </a:p>
           <a:p>
             <a:r>
               <a:rPr lang="en-US" sz="2000" dirty="0">
                 <a:hlinkClick r:id="rId4"/>
+              </a:rPr>
+              <a:t>https://gitlab.com/runalsh</a:t>
+            </a:r>
+            <a:endParaRPr lang="en-US" sz="2000" dirty="0"/>
+          </a:p>
+          <a:p>
+            <a:endParaRPr lang="en-US" sz="2000" dirty="0"/>
+          </a:p>
+          <a:p>
+            <a:r>
+              <a:rPr lang="en-US" sz="2000" dirty="0">
+                <a:hlinkClick r:id="rId5"/>
               </a:rPr>
               <a:t>https://t.me/zmeyzloy/</a:t>
             </a:r>
@@ -3516,7 +3525,7 @@
         </p:nvSpPr>
         <p:spPr>
           <a:xfrm>
-            <a:off x="8551333" y="5303236"/>
+            <a:off x="8221132" y="5215003"/>
             <a:ext cx="3031067" cy="923330"/>
           </a:xfrm>
           <a:prstGeom prst="rect">

--- a/presentation.pptx
+++ b/presentation.pptx
@@ -9135,7 +9135,7 @@
         <p:spPr>
           <a:xfrm>
             <a:off x="548895" y="612844"/>
-            <a:ext cx="11363945" cy="5632311"/>
+            <a:ext cx="11363945" cy="5324535"/>
           </a:xfrm>
           <a:prstGeom prst="rect">
             <a:avLst/>
@@ -9237,34 +9237,17 @@
               <a:rPr lang="ru-RU" sz="2000" dirty="0">
                 <a:sym typeface="Wingdings" panose="05000000000000000000" pitchFamily="2" charset="2"/>
               </a:rPr>
-              <a:t>Давно не использовал </a:t>
-            </a:r>
-            <a:r>
-              <a:rPr lang="en-US" sz="2000" dirty="0" err="1">
+              <a:t>Домашки достаточно интересные</a:t>
+            </a:r>
+            <a:r>
+              <a:rPr lang="ru-RU" sz="2000">
                 <a:sym typeface="Wingdings" panose="05000000000000000000" pitchFamily="2" charset="2"/>
               </a:rPr>
-              <a:t>strace</a:t>
-            </a:r>
-            <a:r>
-              <a:rPr lang="en-US" sz="2000" dirty="0">
-                <a:sym typeface="Wingdings" panose="05000000000000000000" pitchFamily="2" charset="2"/>
-              </a:rPr>
-              <a:t> </a:t>
-            </a:r>
-            <a:r>
-              <a:rPr lang="ru-RU" sz="2000" dirty="0">
-                <a:sym typeface="Wingdings" panose="05000000000000000000" pitchFamily="2" charset="2"/>
-              </a:rPr>
-              <a:t>потому что не было необходимости. </a:t>
-            </a:r>
-          </a:p>
-          <a:p>
-            <a:r>
-              <a:rPr lang="ru-RU" sz="2000" dirty="0">
-                <a:sym typeface="Wingdings" panose="05000000000000000000" pitchFamily="2" charset="2"/>
-              </a:rPr>
-              <a:t>С базами работал мало, но домашние задания по нему были интересные.</a:t>
-            </a:r>
+              <a:t>, простые.</a:t>
+            </a:r>
+            <a:endParaRPr lang="ru-RU" sz="2000" dirty="0">
+              <a:sym typeface="Wingdings" panose="05000000000000000000" pitchFamily="2" charset="2"/>
+            </a:endParaRPr>
           </a:p>
           <a:p>
             <a:endParaRPr lang="ru-RU" sz="2000" dirty="0">

--- a/presentation.pptx
+++ b/presentation.pptx
@@ -28,7 +28,9 @@
     <p:sldId id="270" r:id="rId22"/>
     <p:sldId id="273" r:id="rId23"/>
     <p:sldId id="285" r:id="rId24"/>
-    <p:sldId id="286" r:id="rId25"/>
+    <p:sldId id="290" r:id="rId25"/>
+    <p:sldId id="289" r:id="rId26"/>
+    <p:sldId id="286" r:id="rId27"/>
   </p:sldIdLst>
   <p:sldSz cx="12192000" cy="6858000"/>
   <p:notesSz cx="6858000" cy="9144000"/>
@@ -4832,8 +4834,8 @@
         </p:nvSpPr>
         <p:spPr>
           <a:xfrm>
-            <a:off x="5272656" y="270782"/>
-            <a:ext cx="2101537" cy="461665"/>
+            <a:off x="4425990" y="238803"/>
+            <a:ext cx="2298706" cy="461665"/>
           </a:xfrm>
           <a:prstGeom prst="rect">
             <a:avLst/>
@@ -4859,10 +4861,10 @@
               <a:t>- </a:t>
             </a:r>
             <a:r>
-              <a:rPr lang="en-US" dirty="0"/>
+              <a:rPr lang="en-US" sz="2400" b="1" dirty="0"/>
               <a:t>FINAL</a:t>
             </a:r>
-            <a:endParaRPr lang="ru-RU" dirty="0"/>
+            <a:endParaRPr lang="ru-RU" b="1" dirty="0"/>
           </a:p>
         </p:txBody>
       </p:sp>
@@ -5455,7 +5457,15 @@
             </a:r>
             <a:r>
               <a:rPr lang="ru-RU" dirty="0"/>
-              <a:t>.</a:t>
+              <a:t>, </a:t>
+            </a:r>
+            <a:r>
+              <a:rPr lang="ru-RU" dirty="0" err="1"/>
+              <a:t>по-умолчанию</a:t>
+            </a:r>
+            <a:r>
+              <a:rPr lang="ru-RU" dirty="0"/>
+              <a:t>, 2.</a:t>
             </a:r>
             <a:endParaRPr lang="en-US" dirty="0"/>
           </a:p>
@@ -5623,14 +5633,14 @@
           <p:nvPr>
             <p:extLst>
               <p:ext uri="{D42A27DB-BD31-4B8C-83A1-F6EECF244321}">
-                <p14:modId xmlns:p14="http://schemas.microsoft.com/office/powerpoint/2010/main" val="76143408"/>
+                <p14:modId xmlns:p14="http://schemas.microsoft.com/office/powerpoint/2010/main" val="444406573"/>
               </p:ext>
             </p:extLst>
           </p:nvPr>
         </p:nvGraphicFramePr>
         <p:xfrm>
-          <a:off x="389466" y="304799"/>
-          <a:ext cx="11557000" cy="5491480"/>
+          <a:off x="550333" y="134620"/>
+          <a:ext cx="11557000" cy="6588760"/>
         </p:xfrm>
         <a:graphic>
           <a:graphicData uri="http://schemas.openxmlformats.org/drawingml/2006/table">
@@ -5994,7 +6004,44 @@
                     <a:p>
                       <a:r>
                         <a:rPr lang="ru-RU" dirty="0"/>
-                        <a:t>Доступ внутри сети к сервисам возможен только с определенных </a:t>
+                        <a:t>Доступ внутри сети к сервисам возможен только в пределах  </a:t>
+                      </a:r>
+                      <a:r>
+                        <a:rPr lang="en-US" dirty="0"/>
+                        <a:t>VPC</a:t>
+                      </a:r>
+                      <a:r>
+                        <a:rPr lang="ru-RU" dirty="0"/>
+                        <a:t> и на определенные порты.</a:t>
+                      </a:r>
+                      <a:endParaRPr lang="en-US" dirty="0"/>
+                    </a:p>
+                    <a:p>
+                      <a:r>
+                        <a:rPr lang="en-US" dirty="0"/>
+                        <a:t>Egress </a:t>
+                      </a:r>
+                      <a:r>
+                        <a:rPr lang="ru-RU" dirty="0"/>
+                        <a:t>настроен на запрет доступа к внешней сети для инстансов базы данных и приложений кроме подсети домена хранения бинарного файла</a:t>
+                      </a:r>
+                      <a:r>
+                        <a:rPr lang="en-US" dirty="0"/>
+                        <a:t>.</a:t>
+                      </a:r>
+                    </a:p>
+                    <a:p>
+                      <a:r>
+                        <a:rPr lang="ru-RU" dirty="0"/>
+                        <a:t>Доступ к портам балансировщика только с рабочей машины</a:t>
+                      </a:r>
+                      <a:r>
+                        <a:rPr lang="en-US" dirty="0"/>
+                        <a:t> </a:t>
+                      </a:r>
+                      <a:r>
+                        <a:rPr lang="ru-RU" dirty="0"/>
+                        <a:t>и с </a:t>
                       </a:r>
                       <a:r>
                         <a:rPr lang="en-US" dirty="0" err="1"/>
@@ -6006,8 +6053,13 @@
                       </a:r>
                       <a:r>
                         <a:rPr lang="ru-RU" dirty="0"/>
-                        <a:t>адресов внутри сети и на определенные порты.</a:t>
+                        <a:t>адресов </a:t>
                       </a:r>
+                      <a:r>
+                        <a:rPr lang="en-US" dirty="0"/>
+                        <a:t>Yandex cloud</a:t>
+                      </a:r>
+                      <a:endParaRPr lang="ru-RU" dirty="0"/>
                     </a:p>
                   </a:txBody>
                   <a:tcPr/>
@@ -7525,7 +7577,7 @@
         <p:spPr>
           <a:xfrm>
             <a:off x="491066" y="868065"/>
-            <a:ext cx="7431843" cy="2031325"/>
+            <a:ext cx="7431843" cy="2585323"/>
           </a:xfrm>
           <a:prstGeom prst="rect">
             <a:avLst/>
@@ -7632,6 +7684,12 @@
               <a:rPr lang="ru-RU" dirty="0"/>
               <a:t> на 50 секунд.</a:t>
             </a:r>
+          </a:p>
+          <a:p>
+            <a:endParaRPr lang="ru-RU" dirty="0"/>
+          </a:p>
+          <a:p>
+            <a:endParaRPr lang="ru-RU" dirty="0"/>
           </a:p>
           <a:p>
             <a:endParaRPr lang="ru-RU" dirty="0"/>
@@ -7660,7 +7718,7 @@
         </p:blipFill>
         <p:spPr>
           <a:xfrm>
-            <a:off x="0" y="3429000"/>
+            <a:off x="124606" y="3334109"/>
             <a:ext cx="12192000" cy="3815963"/>
           </a:xfrm>
           <a:prstGeom prst="rect">
@@ -9008,7 +9066,7 @@
         <p:spPr>
           <a:xfrm>
             <a:off x="874624" y="5374895"/>
-            <a:ext cx="10188751" cy="646331"/>
+            <a:ext cx="10743069" cy="1477328"/>
           </a:xfrm>
           <a:prstGeom prst="rect">
             <a:avLst/>
@@ -9051,6 +9109,57 @@
             <a:r>
               <a:rPr lang="ru-RU" dirty="0"/>
               <a:t>при желании можно добавить из каталога.</a:t>
+            </a:r>
+          </a:p>
+          <a:p>
+            <a:endParaRPr lang="ru-RU" dirty="0"/>
+          </a:p>
+          <a:p>
+            <a:r>
+              <a:rPr lang="ru-RU" dirty="0"/>
+              <a:t>В качестве </a:t>
+            </a:r>
+            <a:r>
+              <a:rPr lang="en-US" dirty="0"/>
+              <a:t>CI </a:t>
+            </a:r>
+            <a:r>
+              <a:rPr lang="ru-RU" dirty="0"/>
+              <a:t>выбрал </a:t>
+            </a:r>
+            <a:r>
+              <a:rPr lang="en-US" dirty="0" err="1"/>
+              <a:t>Github</a:t>
+            </a:r>
+            <a:r>
+              <a:rPr lang="en-US" dirty="0"/>
+              <a:t> Action </a:t>
+            </a:r>
+            <a:r>
+              <a:rPr lang="ru-RU" dirty="0"/>
+              <a:t>на своем </a:t>
+            </a:r>
+            <a:r>
+              <a:rPr lang="ru-RU" dirty="0" err="1"/>
+              <a:t>раннере</a:t>
+            </a:r>
+            <a:r>
+              <a:rPr lang="ru-RU" dirty="0"/>
+              <a:t>, но, учитывая скорость работы </a:t>
+            </a:r>
+            <a:r>
+              <a:rPr lang="en-US" dirty="0"/>
+              <a:t>Terraform  </a:t>
+            </a:r>
+            <a:r>
+              <a:rPr lang="ru-RU" dirty="0"/>
+              <a:t>и отсутствие </a:t>
+            </a:r>
+          </a:p>
+          <a:p>
+            <a:r>
+              <a:rPr lang="ru-RU" dirty="0"/>
+              <a:t>сборок контейнеров, по бесплатным лимитам вполне подошёл бы облачный бесплатный.</a:t>
             </a:r>
           </a:p>
         </p:txBody>
@@ -9085,6 +9194,976 @@
           <a:chExt cx="0" cy="0"/>
         </a:xfrm>
       </p:grpSpPr>
+      <p:pic>
+        <p:nvPicPr>
+          <p:cNvPr id="5" name="Рисунок 4">
+            <a:extLst>
+              <a:ext uri="{FF2B5EF4-FFF2-40B4-BE49-F238E27FC236}">
+                <a16:creationId xmlns:a16="http://schemas.microsoft.com/office/drawing/2014/main" id="{DC228663-1B97-4211-9DCA-3A3E428B194D}"/>
+              </a:ext>
+            </a:extLst>
+          </p:cNvPr>
+          <p:cNvPicPr>
+            <a:picLocks noChangeAspect="1"/>
+          </p:cNvPicPr>
+          <p:nvPr/>
+        </p:nvPicPr>
+        <p:blipFill>
+          <a:blip r:embed="rId2"/>
+          <a:stretch>
+            <a:fillRect/>
+          </a:stretch>
+        </p:blipFill>
+        <p:spPr>
+          <a:xfrm>
+            <a:off x="3064933" y="3240616"/>
+            <a:ext cx="9127067" cy="3421446"/>
+          </a:xfrm>
+          <a:prstGeom prst="rect">
+            <a:avLst/>
+          </a:prstGeom>
+        </p:spPr>
+      </p:pic>
+      <p:pic>
+        <p:nvPicPr>
+          <p:cNvPr id="7" name="Рисунок 6">
+            <a:extLst>
+              <a:ext uri="{FF2B5EF4-FFF2-40B4-BE49-F238E27FC236}">
+                <a16:creationId xmlns:a16="http://schemas.microsoft.com/office/drawing/2014/main" id="{EFDBBD71-B691-4145-8F26-A147484E0A25}"/>
+              </a:ext>
+            </a:extLst>
+          </p:cNvPr>
+          <p:cNvPicPr>
+            <a:picLocks noChangeAspect="1"/>
+          </p:cNvPicPr>
+          <p:nvPr/>
+        </p:nvPicPr>
+        <p:blipFill>
+          <a:blip r:embed="rId3"/>
+          <a:stretch>
+            <a:fillRect/>
+          </a:stretch>
+        </p:blipFill>
+        <p:spPr>
+          <a:xfrm>
+            <a:off x="4207378" y="297656"/>
+            <a:ext cx="7980389" cy="2689225"/>
+          </a:xfrm>
+          <a:prstGeom prst="rect">
+            <a:avLst/>
+          </a:prstGeom>
+        </p:spPr>
+      </p:pic>
+      <p:sp>
+        <p:nvSpPr>
+          <p:cNvPr id="8" name="TextBox 7">
+            <a:extLst>
+              <a:ext uri="{FF2B5EF4-FFF2-40B4-BE49-F238E27FC236}">
+                <a16:creationId xmlns:a16="http://schemas.microsoft.com/office/drawing/2014/main" id="{9CD31CE1-03B9-470F-8DD8-94D613777ACA}"/>
+              </a:ext>
+            </a:extLst>
+          </p:cNvPr>
+          <p:cNvSpPr txBox="1"/>
+          <p:nvPr/>
+        </p:nvSpPr>
+        <p:spPr>
+          <a:xfrm>
+            <a:off x="135467" y="195938"/>
+            <a:ext cx="3980962" cy="369332"/>
+          </a:xfrm>
+          <a:prstGeom prst="rect">
+            <a:avLst/>
+          </a:prstGeom>
+          <a:noFill/>
+        </p:spPr>
+        <p:txBody>
+          <a:bodyPr wrap="none" rtlCol="0">
+            <a:spAutoFit/>
+          </a:bodyPr>
+          <a:lstStyle/>
+          <a:p>
+            <a:r>
+              <a:rPr lang="ru-RU" dirty="0"/>
+              <a:t>Так выглядит нагрузка от сервиса Пети</a:t>
+            </a:r>
+          </a:p>
+        </p:txBody>
+      </p:sp>
+      <p:sp>
+        <p:nvSpPr>
+          <p:cNvPr id="9" name="TextBox 8">
+            <a:extLst>
+              <a:ext uri="{FF2B5EF4-FFF2-40B4-BE49-F238E27FC236}">
+                <a16:creationId xmlns:a16="http://schemas.microsoft.com/office/drawing/2014/main" id="{49452232-FE6C-4014-B287-8DF1056A637D}"/>
+              </a:ext>
+            </a:extLst>
+          </p:cNvPr>
+          <p:cNvSpPr txBox="1"/>
+          <p:nvPr/>
+        </p:nvSpPr>
+        <p:spPr>
+          <a:xfrm>
+            <a:off x="1143000" y="1348945"/>
+            <a:ext cx="2090893" cy="369332"/>
+          </a:xfrm>
+          <a:prstGeom prst="rect">
+            <a:avLst/>
+          </a:prstGeom>
+          <a:noFill/>
+        </p:spPr>
+        <p:txBody>
+          <a:bodyPr wrap="none" rtlCol="0">
+            <a:spAutoFit/>
+          </a:bodyPr>
+          <a:lstStyle/>
+          <a:p>
+            <a:r>
+              <a:rPr lang="ru-RU" dirty="0" err="1"/>
+              <a:t>Дашбоард</a:t>
+            </a:r>
+            <a:r>
+              <a:rPr lang="ru-RU" dirty="0"/>
+              <a:t> по </a:t>
+            </a:r>
+            <a:r>
+              <a:rPr lang="en-US" dirty="0"/>
+              <a:t>Nginx</a:t>
+            </a:r>
+            <a:endParaRPr lang="ru-RU" dirty="0"/>
+          </a:p>
+        </p:txBody>
+      </p:sp>
+      <p:sp>
+        <p:nvSpPr>
+          <p:cNvPr id="10" name="TextBox 9">
+            <a:extLst>
+              <a:ext uri="{FF2B5EF4-FFF2-40B4-BE49-F238E27FC236}">
+                <a16:creationId xmlns:a16="http://schemas.microsoft.com/office/drawing/2014/main" id="{AB7DC554-5C5F-4FCE-8BC6-CD515C94569C}"/>
+              </a:ext>
+            </a:extLst>
+          </p:cNvPr>
+          <p:cNvSpPr txBox="1"/>
+          <p:nvPr/>
+        </p:nvSpPr>
+        <p:spPr>
+          <a:xfrm>
+            <a:off x="135467" y="4689101"/>
+            <a:ext cx="2933304" cy="646331"/>
+          </a:xfrm>
+          <a:prstGeom prst="rect">
+            <a:avLst/>
+          </a:prstGeom>
+          <a:noFill/>
+        </p:spPr>
+        <p:txBody>
+          <a:bodyPr wrap="none" rtlCol="0">
+            <a:spAutoFit/>
+          </a:bodyPr>
+          <a:lstStyle/>
+          <a:p>
+            <a:r>
+              <a:rPr lang="ru-RU" dirty="0"/>
+              <a:t>Те самые тяжелые запросы</a:t>
+            </a:r>
+          </a:p>
+          <a:p>
+            <a:r>
+              <a:rPr lang="ru-RU" dirty="0"/>
+              <a:t> </a:t>
+            </a:r>
+            <a:r>
+              <a:rPr lang="en-US" dirty="0"/>
+              <a:t>/operation </a:t>
+            </a:r>
+            <a:r>
+              <a:rPr lang="ru-RU" dirty="0"/>
+              <a:t>методом </a:t>
+            </a:r>
+            <a:r>
+              <a:rPr lang="en-US" dirty="0"/>
+              <a:t>POST</a:t>
+            </a:r>
+            <a:endParaRPr lang="ru-RU" dirty="0"/>
+          </a:p>
+        </p:txBody>
+      </p:sp>
+    </p:spTree>
+    <p:extLst>
+      <p:ext uri="{BB962C8B-B14F-4D97-AF65-F5344CB8AC3E}">
+        <p14:creationId xmlns:p14="http://schemas.microsoft.com/office/powerpoint/2010/main" val="2404334686"/>
+      </p:ext>
+    </p:extLst>
+  </p:cSld>
+  <p:clrMapOvr>
+    <a:masterClrMapping/>
+  </p:clrMapOvr>
+</p:sld>
+</file>
+
+<file path=ppt/slides/slide25.xml><?xml version="1.0" encoding="utf-8"?>
+<p:sld xmlns:a="http://schemas.openxmlformats.org/drawingml/2006/main" xmlns:r="http://schemas.openxmlformats.org/officeDocument/2006/relationships" xmlns:p="http://schemas.openxmlformats.org/presentationml/2006/main">
+  <p:cSld>
+    <p:spTree>
+      <p:nvGrpSpPr>
+        <p:cNvPr id="1" name=""/>
+        <p:cNvGrpSpPr/>
+        <p:nvPr/>
+      </p:nvGrpSpPr>
+      <p:grpSpPr>
+        <a:xfrm>
+          <a:off x="0" y="0"/>
+          <a:ext cx="0" cy="0"/>
+          <a:chOff x="0" y="0"/>
+          <a:chExt cx="0" cy="0"/>
+        </a:xfrm>
+      </p:grpSpPr>
+      <p:sp>
+        <p:nvSpPr>
+          <p:cNvPr id="4" name="TextBox 3">
+            <a:extLst>
+              <a:ext uri="{FF2B5EF4-FFF2-40B4-BE49-F238E27FC236}">
+                <a16:creationId xmlns:a16="http://schemas.microsoft.com/office/drawing/2014/main" id="{7F042ED7-FF11-49B6-AE6F-508B72ABB9A5}"/>
+              </a:ext>
+            </a:extLst>
+          </p:cNvPr>
+          <p:cNvSpPr txBox="1"/>
+          <p:nvPr/>
+        </p:nvSpPr>
+        <p:spPr>
+          <a:xfrm>
+            <a:off x="804334" y="897467"/>
+            <a:ext cx="473206" cy="646331"/>
+          </a:xfrm>
+          <a:prstGeom prst="rect">
+            <a:avLst/>
+          </a:prstGeom>
+          <a:noFill/>
+        </p:spPr>
+        <p:txBody>
+          <a:bodyPr wrap="none" rtlCol="0">
+            <a:spAutoFit/>
+          </a:bodyPr>
+          <a:lstStyle/>
+          <a:p>
+            <a:pPr marL="285750" indent="-285750">
+              <a:buFontTx/>
+              <a:buChar char="-"/>
+            </a:pPr>
+            <a:endParaRPr lang="en-US" dirty="0"/>
+          </a:p>
+          <a:p>
+            <a:pPr marL="285750" indent="-285750">
+              <a:buFontTx/>
+              <a:buChar char="-"/>
+            </a:pPr>
+            <a:endParaRPr lang="ru-RU" dirty="0"/>
+          </a:p>
+        </p:txBody>
+      </p:sp>
+      <p:graphicFrame>
+        <p:nvGraphicFramePr>
+          <p:cNvPr id="6" name="Таблица 6">
+            <a:extLst>
+              <a:ext uri="{FF2B5EF4-FFF2-40B4-BE49-F238E27FC236}">
+                <a16:creationId xmlns:a16="http://schemas.microsoft.com/office/drawing/2014/main" id="{AE2B22AE-E110-4D33-8892-682C7FC4036C}"/>
+              </a:ext>
+            </a:extLst>
+          </p:cNvPr>
+          <p:cNvGraphicFramePr>
+            <a:graphicFrameLocks noGrp="1"/>
+          </p:cNvGraphicFramePr>
+          <p:nvPr>
+            <p:extLst>
+              <p:ext uri="{D42A27DB-BD31-4B8C-83A1-F6EECF244321}">
+                <p14:modId xmlns:p14="http://schemas.microsoft.com/office/powerpoint/2010/main" val="3962470251"/>
+              </p:ext>
+            </p:extLst>
+          </p:nvPr>
+        </p:nvGraphicFramePr>
+        <p:xfrm>
+          <a:off x="588434" y="812799"/>
+          <a:ext cx="11015132" cy="5486400"/>
+        </p:xfrm>
+        <a:graphic>
+          <a:graphicData uri="http://schemas.openxmlformats.org/drawingml/2006/table">
+            <a:tbl>
+              <a:tblPr firstRow="1" bandRow="1">
+                <a:tableStyleId>{5C22544A-7EE6-4342-B048-85BDC9FD1C3A}</a:tableStyleId>
+              </a:tblPr>
+              <a:tblGrid>
+                <a:gridCol w="3661833">
+                  <a:extLst>
+                    <a:ext uri="{9D8B030D-6E8A-4147-A177-3AD203B41FA5}">
+                      <a16:colId xmlns:a16="http://schemas.microsoft.com/office/drawing/2014/main" val="1265013209"/>
+                    </a:ext>
+                  </a:extLst>
+                </a:gridCol>
+                <a:gridCol w="4910666">
+                  <a:extLst>
+                    <a:ext uri="{9D8B030D-6E8A-4147-A177-3AD203B41FA5}">
+                      <a16:colId xmlns:a16="http://schemas.microsoft.com/office/drawing/2014/main" val="1402491815"/>
+                    </a:ext>
+                  </a:extLst>
+                </a:gridCol>
+                <a:gridCol w="1100667">
+                  <a:extLst>
+                    <a:ext uri="{9D8B030D-6E8A-4147-A177-3AD203B41FA5}">
+                      <a16:colId xmlns:a16="http://schemas.microsoft.com/office/drawing/2014/main" val="1021877460"/>
+                    </a:ext>
+                  </a:extLst>
+                </a:gridCol>
+                <a:gridCol w="1341966">
+                  <a:extLst>
+                    <a:ext uri="{9D8B030D-6E8A-4147-A177-3AD203B41FA5}">
+                      <a16:colId xmlns:a16="http://schemas.microsoft.com/office/drawing/2014/main" val="3702456538"/>
+                    </a:ext>
+                  </a:extLst>
+                </a:gridCol>
+              </a:tblGrid>
+              <a:tr h="423334">
+                <a:tc>
+                  <a:txBody>
+                    <a:bodyPr/>
+                    <a:lstStyle/>
+                    <a:p>
+                      <a:r>
+                        <a:rPr lang="ru-RU" dirty="0"/>
+                        <a:t>фича</a:t>
+                      </a:r>
+                    </a:p>
+                  </a:txBody>
+                  <a:tcPr/>
+                </a:tc>
+                <a:tc>
+                  <a:txBody>
+                    <a:bodyPr/>
+                    <a:lstStyle/>
+                    <a:p>
+                      <a:r>
+                        <a:rPr lang="ru-RU" dirty="0"/>
+                        <a:t>комментарий</a:t>
+                      </a:r>
+                    </a:p>
+                  </a:txBody>
+                  <a:tcPr/>
+                </a:tc>
+                <a:tc>
+                  <a:txBody>
+                    <a:bodyPr/>
+                    <a:lstStyle/>
+                    <a:p>
+                      <a:r>
+                        <a:rPr lang="ru-RU" dirty="0"/>
+                        <a:t>Время выполнения</a:t>
+                      </a:r>
+                    </a:p>
+                  </a:txBody>
+                  <a:tcPr/>
+                </a:tc>
+                <a:tc>
+                  <a:txBody>
+                    <a:bodyPr/>
+                    <a:lstStyle/>
+                    <a:p>
+                      <a:r>
+                        <a:rPr lang="ru-RU" sz="1200" dirty="0"/>
+                        <a:t>Статус  в </a:t>
+                      </a:r>
+                      <a:r>
+                        <a:rPr lang="en-US" sz="1200" dirty="0"/>
+                        <a:t>branch</a:t>
+                      </a:r>
+                      <a:r>
+                        <a:rPr lang="ru-RU" sz="1200" dirty="0"/>
+                        <a:t> </a:t>
+                      </a:r>
+                      <a:r>
+                        <a:rPr lang="en-US" sz="1200" dirty="0"/>
+                        <a:t>changesfrom2.12</a:t>
+                      </a:r>
+                      <a:endParaRPr lang="ru-RU" sz="1200" dirty="0"/>
+                    </a:p>
+                  </a:txBody>
+                  <a:tcPr/>
+                </a:tc>
+                <a:extLst>
+                  <a:ext uri="{0D108BD9-81ED-4DB2-BD59-A6C34878D82A}">
+                    <a16:rowId xmlns:a16="http://schemas.microsoft.com/office/drawing/2014/main" val="4167485002"/>
+                  </a:ext>
+                </a:extLst>
+              </a:tr>
+              <a:tr h="271502">
+                <a:tc>
+                  <a:txBody>
+                    <a:bodyPr/>
+                    <a:lstStyle/>
+                    <a:p>
+                      <a:pPr marL="0" marR="0" lvl="0" indent="0" algn="l" defTabSz="914400" rtl="0" eaLnBrk="1" fontAlgn="auto" latinLnBrk="0" hangingPunct="1">
+                        <a:lnSpc>
+                          <a:spcPct val="100000"/>
+                        </a:lnSpc>
+                        <a:spcBef>
+                          <a:spcPts val="0"/>
+                        </a:spcBef>
+                        <a:spcAft>
+                          <a:spcPts val="0"/>
+                        </a:spcAft>
+                        <a:buClrTx/>
+                        <a:buSzTx/>
+                        <a:buFontTx/>
+                        <a:buNone/>
+                        <a:tabLst/>
+                        <a:defRPr/>
+                      </a:pPr>
+                      <a:r>
+                        <a:rPr lang="ru-RU" dirty="0"/>
+                        <a:t>Запрет </a:t>
+                      </a:r>
+                      <a:r>
+                        <a:rPr lang="en-US" dirty="0"/>
+                        <a:t>SG </a:t>
+                      </a:r>
+                      <a:r>
+                        <a:rPr lang="ru-RU" dirty="0"/>
+                        <a:t>на доступ к </a:t>
+                      </a:r>
+                      <a:r>
+                        <a:rPr lang="en-US" dirty="0"/>
+                        <a:t>LB </a:t>
+                      </a:r>
+                      <a:r>
+                        <a:rPr lang="ru-RU" dirty="0"/>
+                        <a:t>с адресов рабочей машины и </a:t>
+                      </a:r>
+                      <a:r>
+                        <a:rPr lang="en-US" dirty="0" err="1"/>
+                        <a:t>ip</a:t>
+                      </a:r>
+                      <a:r>
+                        <a:rPr lang="en-US" dirty="0"/>
+                        <a:t> </a:t>
+                      </a:r>
+                      <a:r>
+                        <a:rPr lang="en-US" dirty="0" err="1"/>
+                        <a:t>yandex</a:t>
+                      </a:r>
+                      <a:r>
+                        <a:rPr lang="ru-RU" dirty="0"/>
+                        <a:t> </a:t>
+                      </a:r>
+                      <a:r>
+                        <a:rPr lang="en-US" dirty="0"/>
+                        <a:t>cloud </a:t>
+                      </a:r>
+                    </a:p>
+                  </a:txBody>
+                  <a:tcPr/>
+                </a:tc>
+                <a:tc>
+                  <a:txBody>
+                    <a:bodyPr/>
+                    <a:lstStyle/>
+                    <a:p>
+                      <a:pPr marL="0" marR="0" lvl="0" indent="0" algn="l" defTabSz="914400" rtl="0" eaLnBrk="1" fontAlgn="auto" latinLnBrk="0" hangingPunct="1">
+                        <a:lnSpc>
+                          <a:spcPct val="100000"/>
+                        </a:lnSpc>
+                        <a:spcBef>
+                          <a:spcPts val="0"/>
+                        </a:spcBef>
+                        <a:spcAft>
+                          <a:spcPts val="0"/>
+                        </a:spcAft>
+                        <a:buClrTx/>
+                        <a:buSzTx/>
+                        <a:buFontTx/>
+                        <a:buNone/>
+                        <a:tabLst/>
+                        <a:defRPr/>
+                      </a:pPr>
+                      <a:r>
+                        <a:rPr lang="ru-RU" dirty="0"/>
+                        <a:t>думал доделаю мелкие фиксы после дедлайна, а, оказалось, что нельзя уже изменять</a:t>
+                      </a:r>
+                      <a:endParaRPr lang="en-US" dirty="0"/>
+                    </a:p>
+                  </a:txBody>
+                  <a:tcPr/>
+                </a:tc>
+                <a:tc>
+                  <a:txBody>
+                    <a:bodyPr/>
+                    <a:lstStyle/>
+                    <a:p>
+                      <a:r>
+                        <a:rPr lang="en-US" dirty="0"/>
+                        <a:t>~10 min</a:t>
+                      </a:r>
+                      <a:endParaRPr lang="ru-RU" dirty="0"/>
+                    </a:p>
+                  </a:txBody>
+                  <a:tcPr/>
+                </a:tc>
+                <a:tc>
+                  <a:txBody>
+                    <a:bodyPr/>
+                    <a:lstStyle/>
+                    <a:p>
+                      <a:r>
+                        <a:rPr lang="en-US" dirty="0"/>
+                        <a:t>done</a:t>
+                      </a:r>
+                      <a:endParaRPr lang="ru-RU" dirty="0"/>
+                    </a:p>
+                  </a:txBody>
+                  <a:tcPr/>
+                </a:tc>
+                <a:extLst>
+                  <a:ext uri="{0D108BD9-81ED-4DB2-BD59-A6C34878D82A}">
+                    <a16:rowId xmlns:a16="http://schemas.microsoft.com/office/drawing/2014/main" val="4193684507"/>
+                  </a:ext>
+                </a:extLst>
+              </a:tr>
+              <a:tr h="379341">
+                <a:tc>
+                  <a:txBody>
+                    <a:bodyPr/>
+                    <a:lstStyle/>
+                    <a:p>
+                      <a:r>
+                        <a:rPr lang="ru-RU" dirty="0"/>
+                        <a:t>экспорт </a:t>
+                      </a:r>
+                      <a:r>
+                        <a:rPr lang="en-US" dirty="0"/>
+                        <a:t>access </a:t>
+                      </a:r>
+                      <a:r>
+                        <a:rPr lang="ru-RU" dirty="0"/>
+                        <a:t>логов балансировщика </a:t>
+                      </a:r>
+                      <a:r>
+                        <a:rPr lang="en-US" dirty="0"/>
+                        <a:t>LB </a:t>
+                      </a:r>
+                      <a:r>
+                        <a:rPr lang="ru-RU" dirty="0"/>
+                        <a:t>из </a:t>
+                      </a:r>
+                      <a:r>
+                        <a:rPr lang="en-US" dirty="0"/>
+                        <a:t>s3 </a:t>
+                      </a:r>
+                      <a:r>
+                        <a:rPr lang="ru-RU" dirty="0"/>
+                        <a:t>в </a:t>
+                      </a:r>
+                      <a:r>
+                        <a:rPr lang="en-US" dirty="0" err="1"/>
+                        <a:t>cloudtrail</a:t>
+                      </a:r>
+                      <a:r>
+                        <a:rPr lang="en-US" dirty="0"/>
+                        <a:t> </a:t>
+                      </a:r>
+                      <a:r>
+                        <a:rPr lang="ru-RU" dirty="0"/>
+                        <a:t>и </a:t>
+                      </a:r>
+                      <a:r>
+                        <a:rPr lang="en-US" dirty="0" err="1"/>
+                        <a:t>cloudwatch</a:t>
+                      </a:r>
+                      <a:r>
+                        <a:rPr lang="en-US" dirty="0"/>
+                        <a:t>, </a:t>
+                      </a:r>
+                      <a:r>
+                        <a:rPr lang="ru-RU" dirty="0"/>
+                        <a:t>красиво наглядно</a:t>
+                      </a:r>
+                    </a:p>
+                  </a:txBody>
+                  <a:tcPr/>
+                </a:tc>
+                <a:tc>
+                  <a:txBody>
+                    <a:bodyPr/>
+                    <a:lstStyle/>
+                    <a:p>
+                      <a:r>
+                        <a:rPr lang="ru-RU" dirty="0"/>
+                        <a:t>тяжеловато</a:t>
+                      </a:r>
+                    </a:p>
+                  </a:txBody>
+                  <a:tcPr/>
+                </a:tc>
+                <a:tc>
+                  <a:txBody>
+                    <a:bodyPr/>
+                    <a:lstStyle/>
+                    <a:p>
+                      <a:r>
+                        <a:rPr lang="en-US" dirty="0"/>
+                        <a:t>~</a:t>
+                      </a:r>
+                      <a:r>
+                        <a:rPr lang="ru-RU" dirty="0"/>
+                        <a:t>6</a:t>
+                      </a:r>
+                      <a:r>
+                        <a:rPr lang="en-US" dirty="0"/>
+                        <a:t> hours</a:t>
+                      </a:r>
+                      <a:endParaRPr lang="ru-RU" dirty="0"/>
+                    </a:p>
+                  </a:txBody>
+                  <a:tcPr/>
+                </a:tc>
+                <a:tc>
+                  <a:txBody>
+                    <a:bodyPr/>
+                    <a:lstStyle/>
+                    <a:p>
+                      <a:endParaRPr lang="ru-RU"/>
+                    </a:p>
+                  </a:txBody>
+                  <a:tcPr/>
+                </a:tc>
+                <a:extLst>
+                  <a:ext uri="{0D108BD9-81ED-4DB2-BD59-A6C34878D82A}">
+                    <a16:rowId xmlns:a16="http://schemas.microsoft.com/office/drawing/2014/main" val="843861115"/>
+                  </a:ext>
+                </a:extLst>
+              </a:tr>
+              <a:tr h="379341">
+                <a:tc>
+                  <a:txBody>
+                    <a:bodyPr/>
+                    <a:lstStyle/>
+                    <a:p>
+                      <a:r>
+                        <a:rPr lang="ru-RU" dirty="0"/>
+                        <a:t>анализ логов с приложения с выводом в </a:t>
+                      </a:r>
+                      <a:r>
+                        <a:rPr lang="ru-RU" dirty="0" err="1"/>
+                        <a:t>дашборд</a:t>
+                      </a:r>
+                      <a:r>
+                        <a:rPr lang="ru-RU" dirty="0"/>
+                        <a:t> ( </a:t>
+                      </a:r>
+                      <a:r>
+                        <a:rPr lang="en-US" dirty="0" err="1"/>
+                        <a:t>fluentd</a:t>
+                      </a:r>
+                      <a:r>
+                        <a:rPr lang="en-US" dirty="0"/>
+                        <a:t> – Prometheus-Grafana) </a:t>
+                      </a:r>
+                      <a:endParaRPr lang="ru-RU" dirty="0"/>
+                    </a:p>
+                  </a:txBody>
+                  <a:tcPr/>
+                </a:tc>
+                <a:tc>
+                  <a:txBody>
+                    <a:bodyPr/>
+                    <a:lstStyle/>
+                    <a:p>
+                      <a:r>
+                        <a:rPr lang="ru-RU" dirty="0"/>
+                        <a:t>Парсер лога для </a:t>
+                      </a:r>
+                      <a:r>
+                        <a:rPr lang="en-US" dirty="0" err="1"/>
+                        <a:t>fluentd</a:t>
+                      </a:r>
+                      <a:r>
+                        <a:rPr lang="en-US" dirty="0"/>
+                        <a:t> </a:t>
+                      </a:r>
+                      <a:r>
+                        <a:rPr lang="ru-RU" dirty="0"/>
+                        <a:t>был готов, </a:t>
+                      </a:r>
+                      <a:r>
+                        <a:rPr lang="ru-RU" dirty="0" err="1"/>
+                        <a:t>шипинг</a:t>
+                      </a:r>
+                      <a:r>
+                        <a:rPr lang="ru-RU" dirty="0"/>
+                        <a:t> в </a:t>
+                      </a:r>
+                      <a:r>
+                        <a:rPr lang="en-US" dirty="0"/>
+                        <a:t>Prometheus </a:t>
+                      </a:r>
+                      <a:r>
+                        <a:rPr lang="ru-RU" dirty="0"/>
+                        <a:t>работал, оставалось графики допилить </a:t>
+                      </a:r>
+                    </a:p>
+                  </a:txBody>
+                  <a:tcPr/>
+                </a:tc>
+                <a:tc>
+                  <a:txBody>
+                    <a:bodyPr/>
+                    <a:lstStyle/>
+                    <a:p>
+                      <a:r>
+                        <a:rPr lang="en-US" dirty="0"/>
+                        <a:t>~2 hours</a:t>
+                      </a:r>
+                      <a:endParaRPr lang="ru-RU" dirty="0"/>
+                    </a:p>
+                  </a:txBody>
+                  <a:tcPr/>
+                </a:tc>
+                <a:tc>
+                  <a:txBody>
+                    <a:bodyPr/>
+                    <a:lstStyle/>
+                    <a:p>
+                      <a:endParaRPr lang="ru-RU" dirty="0"/>
+                    </a:p>
+                  </a:txBody>
+                  <a:tcPr/>
+                </a:tc>
+                <a:extLst>
+                  <a:ext uri="{0D108BD9-81ED-4DB2-BD59-A6C34878D82A}">
+                    <a16:rowId xmlns:a16="http://schemas.microsoft.com/office/drawing/2014/main" val="2818201920"/>
+                  </a:ext>
+                </a:extLst>
+              </a:tr>
+              <a:tr h="379341">
+                <a:tc>
+                  <a:txBody>
+                    <a:bodyPr/>
+                    <a:lstStyle/>
+                    <a:p>
+                      <a:r>
+                        <a:rPr lang="ru-RU" dirty="0"/>
+                        <a:t>заблокировать на балансировщике все </a:t>
+                      </a:r>
+                      <a:r>
+                        <a:rPr lang="ru-RU" dirty="0" err="1"/>
+                        <a:t>эндпоинты</a:t>
+                      </a:r>
+                      <a:r>
+                        <a:rPr lang="ru-RU" dirty="0"/>
+                        <a:t> кроме тех, что были в задании </a:t>
+                      </a:r>
+                    </a:p>
+                  </a:txBody>
+                  <a:tcPr/>
+                </a:tc>
+                <a:tc>
+                  <a:txBody>
+                    <a:bodyPr/>
+                    <a:lstStyle/>
+                    <a:p>
+                      <a:r>
+                        <a:rPr lang="ru-RU" dirty="0"/>
+                        <a:t>не сделал этого заранее потому что Петя мог ходить по недокументированным адресам, а когда вспомнил уже было </a:t>
+                      </a:r>
+                      <a:r>
+                        <a:rPr lang="en-US" dirty="0"/>
+                        <a:t>02.12.23</a:t>
+                      </a:r>
+                    </a:p>
+                    <a:p>
+                      <a:endParaRPr lang="ru-RU" dirty="0"/>
+                    </a:p>
+                  </a:txBody>
+                  <a:tcPr/>
+                </a:tc>
+                <a:tc>
+                  <a:txBody>
+                    <a:bodyPr/>
+                    <a:lstStyle/>
+                    <a:p>
+                      <a:r>
+                        <a:rPr lang="en-US" dirty="0"/>
+                        <a:t>~30 min</a:t>
+                      </a:r>
+                      <a:endParaRPr lang="ru-RU" dirty="0"/>
+                    </a:p>
+                  </a:txBody>
+                  <a:tcPr/>
+                </a:tc>
+                <a:tc>
+                  <a:txBody>
+                    <a:bodyPr/>
+                    <a:lstStyle/>
+                    <a:p>
+                      <a:endParaRPr lang="ru-RU" dirty="0"/>
+                    </a:p>
+                  </a:txBody>
+                  <a:tcPr/>
+                </a:tc>
+                <a:extLst>
+                  <a:ext uri="{0D108BD9-81ED-4DB2-BD59-A6C34878D82A}">
+                    <a16:rowId xmlns:a16="http://schemas.microsoft.com/office/drawing/2014/main" val="628800559"/>
+                  </a:ext>
+                </a:extLst>
+              </a:tr>
+              <a:tr h="379341">
+                <a:tc>
+                  <a:txBody>
+                    <a:bodyPr/>
+                    <a:lstStyle/>
+                    <a:p>
+                      <a:r>
+                        <a:rPr lang="ru-RU" dirty="0"/>
+                        <a:t>удалить неиспользуемый код</a:t>
+                      </a:r>
+                    </a:p>
+                  </a:txBody>
+                  <a:tcPr/>
+                </a:tc>
+                <a:tc>
+                  <a:txBody>
+                    <a:bodyPr/>
+                    <a:lstStyle/>
+                    <a:p>
+                      <a:pPr marL="0" marR="0" lvl="0" indent="0" algn="l" defTabSz="914400" rtl="0" eaLnBrk="1" fontAlgn="auto" latinLnBrk="0" hangingPunct="1">
+                        <a:lnSpc>
+                          <a:spcPct val="100000"/>
+                        </a:lnSpc>
+                        <a:spcBef>
+                          <a:spcPts val="0"/>
+                        </a:spcBef>
+                        <a:spcAft>
+                          <a:spcPts val="0"/>
+                        </a:spcAft>
+                        <a:buClrTx/>
+                        <a:buSzTx/>
+                        <a:buFontTx/>
+                        <a:buNone/>
+                        <a:tabLst/>
+                        <a:defRPr/>
+                      </a:pPr>
+                      <a:r>
+                        <a:rPr lang="ru-RU" dirty="0"/>
+                        <a:t>думал доделаю мелкие фиксы после дедлайна, а, оказалось, что нельзя уже изменять</a:t>
+                      </a:r>
+                      <a:endParaRPr lang="en-US" dirty="0"/>
+                    </a:p>
+                  </a:txBody>
+                  <a:tcPr/>
+                </a:tc>
+                <a:tc>
+                  <a:txBody>
+                    <a:bodyPr/>
+                    <a:lstStyle/>
+                    <a:p>
+                      <a:r>
+                        <a:rPr lang="en-US" dirty="0"/>
+                        <a:t>~5</a:t>
+                      </a:r>
+                      <a:r>
+                        <a:rPr lang="ru-RU" dirty="0"/>
+                        <a:t> </a:t>
+                      </a:r>
+                      <a:r>
+                        <a:rPr lang="en-US" dirty="0"/>
+                        <a:t>min</a:t>
+                      </a:r>
+                      <a:endParaRPr lang="ru-RU" dirty="0"/>
+                    </a:p>
+                  </a:txBody>
+                  <a:tcPr/>
+                </a:tc>
+                <a:tc>
+                  <a:txBody>
+                    <a:bodyPr/>
+                    <a:lstStyle/>
+                    <a:p>
+                      <a:endParaRPr lang="ru-RU" dirty="0"/>
+                    </a:p>
+                  </a:txBody>
+                  <a:tcPr/>
+                </a:tc>
+                <a:extLst>
+                  <a:ext uri="{0D108BD9-81ED-4DB2-BD59-A6C34878D82A}">
+                    <a16:rowId xmlns:a16="http://schemas.microsoft.com/office/drawing/2014/main" val="315016991"/>
+                  </a:ext>
+                </a:extLst>
+              </a:tr>
+            </a:tbl>
+          </a:graphicData>
+        </a:graphic>
+      </p:graphicFrame>
+      <p:sp>
+        <p:nvSpPr>
+          <p:cNvPr id="7" name="TextBox 6">
+            <a:extLst>
+              <a:ext uri="{FF2B5EF4-FFF2-40B4-BE49-F238E27FC236}">
+                <a16:creationId xmlns:a16="http://schemas.microsoft.com/office/drawing/2014/main" id="{21481C33-085F-430F-9245-E900D7BB179E}"/>
+              </a:ext>
+            </a:extLst>
+          </p:cNvPr>
+          <p:cNvSpPr txBox="1"/>
+          <p:nvPr/>
+        </p:nvSpPr>
+        <p:spPr>
+          <a:xfrm>
+            <a:off x="5469467" y="220133"/>
+            <a:ext cx="1386405" cy="461665"/>
+          </a:xfrm>
+          <a:prstGeom prst="rect">
+            <a:avLst/>
+          </a:prstGeom>
+          <a:noFill/>
+        </p:spPr>
+        <p:txBody>
+          <a:bodyPr wrap="none" rtlCol="0">
+            <a:spAutoFit/>
+          </a:bodyPr>
+          <a:lstStyle/>
+          <a:p>
+            <a:r>
+              <a:rPr lang="en-US" sz="2400" b="1" dirty="0"/>
+              <a:t>TODO list</a:t>
+            </a:r>
+            <a:endParaRPr lang="ru-RU" sz="2400" b="1" dirty="0"/>
+          </a:p>
+        </p:txBody>
+      </p:sp>
+    </p:spTree>
+    <p:extLst>
+      <p:ext uri="{BB962C8B-B14F-4D97-AF65-F5344CB8AC3E}">
+        <p14:creationId xmlns:p14="http://schemas.microsoft.com/office/powerpoint/2010/main" val="3171070327"/>
+      </p:ext>
+    </p:extLst>
+  </p:cSld>
+  <p:clrMapOvr>
+    <a:masterClrMapping/>
+  </p:clrMapOvr>
+</p:sld>
+</file>
+
+<file path=ppt/slides/slide26.xml><?xml version="1.0" encoding="utf-8"?>
+<p:sld xmlns:a="http://schemas.openxmlformats.org/drawingml/2006/main" xmlns:r="http://schemas.openxmlformats.org/officeDocument/2006/relationships" xmlns:p="http://schemas.openxmlformats.org/presentationml/2006/main">
+  <p:cSld>
+    <p:spTree>
+      <p:nvGrpSpPr>
+        <p:cNvPr id="1" name=""/>
+        <p:cNvGrpSpPr/>
+        <p:nvPr/>
+      </p:nvGrpSpPr>
+      <p:grpSpPr>
+        <a:xfrm>
+          <a:off x="0" y="0"/>
+          <a:ext cx="0" cy="0"/>
+          <a:chOff x="0" y="0"/>
+          <a:chExt cx="0" cy="0"/>
+        </a:xfrm>
+      </p:grpSpPr>
       <p:sp>
         <p:nvSpPr>
           <p:cNvPr id="4" name="TextBox 3">
@@ -9134,7 +10213,7 @@
         </p:nvSpPr>
         <p:spPr>
           <a:xfrm>
-            <a:off x="548895" y="612844"/>
+            <a:off x="515028" y="795867"/>
             <a:ext cx="11363945" cy="5324535"/>
           </a:xfrm>
           <a:prstGeom prst="rect">
@@ -9237,24 +10316,15 @@
               <a:rPr lang="ru-RU" sz="2000" dirty="0">
                 <a:sym typeface="Wingdings" panose="05000000000000000000" pitchFamily="2" charset="2"/>
               </a:rPr>
-              <a:t>Домашки достаточно интересные</a:t>
-            </a:r>
-            <a:r>
-              <a:rPr lang="ru-RU" sz="2000">
-                <a:sym typeface="Wingdings" panose="05000000000000000000" pitchFamily="2" charset="2"/>
-              </a:rPr>
-              <a:t>, простые.</a:t>
-            </a:r>
+              <a:t>Домашки достаточно простые , но интересные.</a:t>
+            </a:r>
+          </a:p>
+          <a:p>
             <a:endParaRPr lang="ru-RU" sz="2000" dirty="0">
               <a:sym typeface="Wingdings" panose="05000000000000000000" pitchFamily="2" charset="2"/>
             </a:endParaRPr>
           </a:p>
           <a:p>
-            <a:endParaRPr lang="ru-RU" sz="2000" dirty="0">
-              <a:sym typeface="Wingdings" panose="05000000000000000000" pitchFamily="2" charset="2"/>
-            </a:endParaRPr>
-          </a:p>
-          <a:p>
             <a:r>
               <a:rPr lang="ru-RU" sz="2000" dirty="0">
                 <a:sym typeface="Wingdings" panose="05000000000000000000" pitchFamily="2" charset="2"/>
@@ -9313,7 +10383,7 @@
               <a:rPr lang="ru-RU" sz="2000" dirty="0">
                 <a:sym typeface="Wingdings" panose="05000000000000000000" pitchFamily="2" charset="2"/>
               </a:rPr>
-              <a:t>сертификаты и всё прошёл, кстати)). Ваш курс отличается тем, что он предлагает вернуться </a:t>
+              <a:t>сертификаты и всё прошёл, кстати))). Ваш курс отличается тем, что он предлагает вернуться </a:t>
             </a:r>
           </a:p>
           <a:p>

--- a/presentation.pptx
+++ b/presentation.pptx
@@ -284,7 +284,7 @@
           <a:p>
             <a:fld id="{30A09A1A-BC7F-4E01-BFF6-75E0654B607F}" type="datetimeFigureOut">
               <a:rPr lang="ru-RU" smtClean="0"/>
-              <a:t>02.12.2023</a:t>
+              <a:t>04.12.2023</a:t>
             </a:fld>
             <a:endParaRPr lang="ru-RU"/>
           </a:p>
@@ -482,7 +482,7 @@
           <a:p>
             <a:fld id="{30A09A1A-BC7F-4E01-BFF6-75E0654B607F}" type="datetimeFigureOut">
               <a:rPr lang="ru-RU" smtClean="0"/>
-              <a:t>02.12.2023</a:t>
+              <a:t>04.12.2023</a:t>
             </a:fld>
             <a:endParaRPr lang="ru-RU"/>
           </a:p>
@@ -690,7 +690,7 @@
           <a:p>
             <a:fld id="{30A09A1A-BC7F-4E01-BFF6-75E0654B607F}" type="datetimeFigureOut">
               <a:rPr lang="ru-RU" smtClean="0"/>
-              <a:t>02.12.2023</a:t>
+              <a:t>04.12.2023</a:t>
             </a:fld>
             <a:endParaRPr lang="ru-RU"/>
           </a:p>
@@ -888,7 +888,7 @@
           <a:p>
             <a:fld id="{30A09A1A-BC7F-4E01-BFF6-75E0654B607F}" type="datetimeFigureOut">
               <a:rPr lang="ru-RU" smtClean="0"/>
-              <a:t>02.12.2023</a:t>
+              <a:t>04.12.2023</a:t>
             </a:fld>
             <a:endParaRPr lang="ru-RU"/>
           </a:p>
@@ -1163,7 +1163,7 @@
           <a:p>
             <a:fld id="{30A09A1A-BC7F-4E01-BFF6-75E0654B607F}" type="datetimeFigureOut">
               <a:rPr lang="ru-RU" smtClean="0"/>
-              <a:t>02.12.2023</a:t>
+              <a:t>04.12.2023</a:t>
             </a:fld>
             <a:endParaRPr lang="ru-RU"/>
           </a:p>
@@ -1428,7 +1428,7 @@
           <a:p>
             <a:fld id="{30A09A1A-BC7F-4E01-BFF6-75E0654B607F}" type="datetimeFigureOut">
               <a:rPr lang="ru-RU" smtClean="0"/>
-              <a:t>02.12.2023</a:t>
+              <a:t>04.12.2023</a:t>
             </a:fld>
             <a:endParaRPr lang="ru-RU"/>
           </a:p>
@@ -1840,7 +1840,7 @@
           <a:p>
             <a:fld id="{30A09A1A-BC7F-4E01-BFF6-75E0654B607F}" type="datetimeFigureOut">
               <a:rPr lang="ru-RU" smtClean="0"/>
-              <a:t>02.12.2023</a:t>
+              <a:t>04.12.2023</a:t>
             </a:fld>
             <a:endParaRPr lang="ru-RU"/>
           </a:p>
@@ -1981,7 +1981,7 @@
           <a:p>
             <a:fld id="{30A09A1A-BC7F-4E01-BFF6-75E0654B607F}" type="datetimeFigureOut">
               <a:rPr lang="ru-RU" smtClean="0"/>
-              <a:t>02.12.2023</a:t>
+              <a:t>04.12.2023</a:t>
             </a:fld>
             <a:endParaRPr lang="ru-RU"/>
           </a:p>
@@ -2094,7 +2094,7 @@
           <a:p>
             <a:fld id="{30A09A1A-BC7F-4E01-BFF6-75E0654B607F}" type="datetimeFigureOut">
               <a:rPr lang="ru-RU" smtClean="0"/>
-              <a:t>02.12.2023</a:t>
+              <a:t>04.12.2023</a:t>
             </a:fld>
             <a:endParaRPr lang="ru-RU"/>
           </a:p>
@@ -2405,7 +2405,7 @@
           <a:p>
             <a:fld id="{30A09A1A-BC7F-4E01-BFF6-75E0654B607F}" type="datetimeFigureOut">
               <a:rPr lang="ru-RU" smtClean="0"/>
-              <a:t>02.12.2023</a:t>
+              <a:t>04.12.2023</a:t>
             </a:fld>
             <a:endParaRPr lang="ru-RU"/>
           </a:p>
@@ -2693,7 +2693,7 @@
           <a:p>
             <a:fld id="{30A09A1A-BC7F-4E01-BFF6-75E0654B607F}" type="datetimeFigureOut">
               <a:rPr lang="ru-RU" smtClean="0"/>
-              <a:t>02.12.2023</a:t>
+              <a:t>04.12.2023</a:t>
             </a:fld>
             <a:endParaRPr lang="ru-RU"/>
           </a:p>
@@ -2934,7 +2934,7 @@
           <a:p>
             <a:fld id="{30A09A1A-BC7F-4E01-BFF6-75E0654B607F}" type="datetimeFigureOut">
               <a:rPr lang="ru-RU" smtClean="0"/>
-              <a:t>02.12.2023</a:t>
+              <a:t>04.12.2023</a:t>
             </a:fld>
             <a:endParaRPr lang="ru-RU"/>
           </a:p>
@@ -9475,7 +9475,7 @@
           <p:nvPr>
             <p:extLst>
               <p:ext uri="{D42A27DB-BD31-4B8C-83A1-F6EECF244321}">
-                <p14:modId xmlns:p14="http://schemas.microsoft.com/office/powerpoint/2010/main" val="3962470251"/>
+                <p14:modId xmlns:p14="http://schemas.microsoft.com/office/powerpoint/2010/main" val="2935322800"/>
               </p:ext>
             </p:extLst>
           </p:nvPr>
@@ -10083,6 +10083,10 @@
                     <a:bodyPr/>
                     <a:lstStyle/>
                     <a:p>
+                      <a:r>
+                        <a:rPr lang="en-US"/>
+                        <a:t>done</a:t>
+                      </a:r>
                       <a:endParaRPr lang="ru-RU" dirty="0"/>
                     </a:p>
                   </a:txBody>

--- a/presentation.pptx
+++ b/presentation.pptx
@@ -9475,7 +9475,7 @@
           <p:nvPr>
             <p:extLst>
               <p:ext uri="{D42A27DB-BD31-4B8C-83A1-F6EECF244321}">
-                <p14:modId xmlns:p14="http://schemas.microsoft.com/office/powerpoint/2010/main" val="2935322800"/>
+                <p14:modId xmlns:p14="http://schemas.microsoft.com/office/powerpoint/2010/main" val="3146796596"/>
               </p:ext>
             </p:extLst>
           </p:nvPr>
@@ -9683,7 +9683,7 @@
                       </a:pPr>
                       <a:r>
                         <a:rPr lang="ru-RU" dirty="0"/>
-                        <a:t>думал доделаю мелкие фиксы после дедлайна, а, оказалось, что нельзя уже изменять</a:t>
+                        <a:t>думал доделаю мелкие фиксы, а, оказалось, что нельзя уже изменять</a:t>
                       </a:r>
                       <a:endParaRPr lang="en-US" dirty="0"/>
                     </a:p>
@@ -10049,7 +10049,7 @@
                       </a:pPr>
                       <a:r>
                         <a:rPr lang="ru-RU" dirty="0"/>
-                        <a:t>думал доделаю мелкие фиксы после дедлайна, а, оказалось, что нельзя уже изменять</a:t>
+                        <a:t>думал доделаю мелкие фиксы, а, оказалось, что нельзя уже изменять</a:t>
                       </a:r>
                       <a:endParaRPr lang="en-US" dirty="0"/>
                     </a:p>
@@ -10084,7 +10084,7 @@
                     <a:lstStyle/>
                     <a:p>
                       <a:r>
-                        <a:rPr lang="en-US"/>
+                        <a:rPr lang="en-US" dirty="0"/>
                         <a:t>done</a:t>
                       </a:r>
                       <a:endParaRPr lang="ru-RU" dirty="0"/>

--- a/presentation.pptx
+++ b/presentation.pptx
@@ -9475,14 +9475,14 @@
           <p:nvPr>
             <p:extLst>
               <p:ext uri="{D42A27DB-BD31-4B8C-83A1-F6EECF244321}">
-                <p14:modId xmlns:p14="http://schemas.microsoft.com/office/powerpoint/2010/main" val="3146796596"/>
+                <p14:modId xmlns:p14="http://schemas.microsoft.com/office/powerpoint/2010/main" val="1928725124"/>
               </p:ext>
             </p:extLst>
           </p:nvPr>
         </p:nvGraphicFramePr>
         <p:xfrm>
           <a:off x="588434" y="812799"/>
-          <a:ext cx="11015132" cy="5486400"/>
+          <a:ext cx="11015132" cy="5212080"/>
         </p:xfrm>
         <a:graphic>
           <a:graphicData uri="http://schemas.openxmlformats.org/drawingml/2006/table">
@@ -9968,14 +9968,12 @@
                     <a:p>
                       <a:r>
                         <a:rPr lang="ru-RU" dirty="0"/>
-                        <a:t>не сделал этого заранее потому что Петя мог ходить по недокументированным адресам, а когда вспомнил уже было </a:t>
+                        <a:t>не сделал этого заранее потому что Петя мог ходить по </a:t>
                       </a:r>
                       <a:r>
-                        <a:rPr lang="en-US" dirty="0"/>
-                        <a:t>02.12.23</a:t>
+                        <a:rPr lang="ru-RU"/>
+                        <a:t>недокументированным адресам</a:t>
                       </a:r>
-                    </a:p>
-                    <a:p>
                       <a:endParaRPr lang="ru-RU" dirty="0"/>
                     </a:p>
                   </a:txBody>
